--- a/Presentation/AI in Video Games.pptx
+++ b/Presentation/AI in Video Games.pptx
@@ -2,7 +2,7 @@
 <file path=ppt/presentation.xml><?xml version="1.0" encoding="utf-8"?>
 <p:presentation xmlns:a="http://schemas.openxmlformats.org/drawingml/2006/main" xmlns:r="http://schemas.openxmlformats.org/officeDocument/2006/relationships" xmlns:p="http://schemas.openxmlformats.org/presentationml/2006/main" saveSubsetFonts="1">
   <p:sldMasterIdLst>
-    <p:sldMasterId id="2147483804" r:id="rId1"/>
+    <p:sldMasterId id="2147483870" r:id="rId1"/>
   </p:sldMasterIdLst>
   <p:notesMasterIdLst>
     <p:notesMasterId r:id="rId14"/>
@@ -12,8 +12,8 @@
     <p:sldId id="257" r:id="rId3"/>
     <p:sldId id="267" r:id="rId4"/>
     <p:sldId id="258" r:id="rId5"/>
-    <p:sldId id="259" r:id="rId6"/>
-    <p:sldId id="260" r:id="rId7"/>
+    <p:sldId id="260" r:id="rId6"/>
+    <p:sldId id="259" r:id="rId7"/>
     <p:sldId id="261" r:id="rId8"/>
     <p:sldId id="262" r:id="rId9"/>
     <p:sldId id="263" r:id="rId10"/>
@@ -118,7 +118,5418 @@
       </a:defRPr>
     </a:lvl9pPr>
   </p:defaultTextStyle>
+  <p:extLst>
+    <p:ext uri="{EFAFB233-063F-42B5-8137-9DF3F51BA10A}">
+      <p15:sldGuideLst xmlns:p15="http://schemas.microsoft.com/office/powerpoint/2012/main"/>
+    </p:ext>
+  </p:extLst>
 </p:presentation>
+</file>
+
+<file path=ppt/revisionInfo.xml><?xml version="1.0" encoding="utf-8"?>
+<p1510:revInfo xmlns:a="http://schemas.openxmlformats.org/drawingml/2006/main" xmlns:r="http://schemas.openxmlformats.org/officeDocument/2006/relationships" xmlns:p1510="http://schemas.microsoft.com/office/powerpoint/2015/10/main"/>
+</file>
+
+<file path=ppt/diagrams/colors1.xml><?xml version="1.0" encoding="utf-8"?>
+<dgm:colorsDef xmlns:dgm="http://schemas.openxmlformats.org/drawingml/2006/diagram" xmlns:a="http://schemas.openxmlformats.org/drawingml/2006/main" uniqueId="urn:microsoft.com/office/officeart/2005/8/colors/accent2_4">
+  <dgm:title val=""/>
+  <dgm:desc val=""/>
+  <dgm:catLst>
+    <dgm:cat type="accent2" pri="11400"/>
+  </dgm:catLst>
+  <dgm:styleLbl name="node0">
+    <dgm:fillClrLst meth="cycle">
+      <a:schemeClr val="accent2">
+        <a:shade val="60000"/>
+      </a:schemeClr>
+    </dgm:fillClrLst>
+    <dgm:linClrLst meth="repeat">
+      <a:schemeClr val="lt1"/>
+    </dgm:linClrLst>
+    <dgm:effectClrLst/>
+    <dgm:txLinClrLst/>
+    <dgm:txFillClrLst/>
+    <dgm:txEffectClrLst/>
+  </dgm:styleLbl>
+  <dgm:styleLbl name="node1">
+    <dgm:fillClrLst meth="cycle">
+      <a:schemeClr val="accent2">
+        <a:shade val="50000"/>
+      </a:schemeClr>
+      <a:schemeClr val="accent2">
+        <a:tint val="45000"/>
+      </a:schemeClr>
+    </dgm:fillClrLst>
+    <dgm:linClrLst meth="repeat">
+      <a:schemeClr val="lt1"/>
+    </dgm:linClrLst>
+    <dgm:effectClrLst/>
+    <dgm:txLinClrLst/>
+    <dgm:txFillClrLst/>
+    <dgm:txEffectClrLst/>
+  </dgm:styleLbl>
+  <dgm:styleLbl name="alignNode1">
+    <dgm:fillClrLst meth="cycle">
+      <a:schemeClr val="accent2">
+        <a:shade val="50000"/>
+      </a:schemeClr>
+      <a:schemeClr val="accent2">
+        <a:tint val="45000"/>
+      </a:schemeClr>
+    </dgm:fillClrLst>
+    <dgm:linClrLst meth="cycle">
+      <a:schemeClr val="accent2">
+        <a:shade val="50000"/>
+      </a:schemeClr>
+      <a:schemeClr val="accent2">
+        <a:tint val="45000"/>
+      </a:schemeClr>
+    </dgm:linClrLst>
+    <dgm:effectClrLst/>
+    <dgm:txLinClrLst/>
+    <dgm:txFillClrLst/>
+    <dgm:txEffectClrLst/>
+  </dgm:styleLbl>
+  <dgm:styleLbl name="lnNode1">
+    <dgm:fillClrLst meth="cycle">
+      <a:schemeClr val="accent2">
+        <a:shade val="50000"/>
+      </a:schemeClr>
+      <a:schemeClr val="accent2">
+        <a:tint val="45000"/>
+      </a:schemeClr>
+    </dgm:fillClrLst>
+    <dgm:linClrLst meth="repeat">
+      <a:schemeClr val="lt1"/>
+    </dgm:linClrLst>
+    <dgm:effectClrLst/>
+    <dgm:txLinClrLst/>
+    <dgm:txFillClrLst/>
+    <dgm:txEffectClrLst/>
+  </dgm:styleLbl>
+  <dgm:styleLbl name="vennNode1">
+    <dgm:fillClrLst meth="cycle">
+      <a:schemeClr val="accent2">
+        <a:shade val="80000"/>
+        <a:alpha val="50000"/>
+      </a:schemeClr>
+      <a:schemeClr val="accent2">
+        <a:tint val="45000"/>
+        <a:alpha val="50000"/>
+      </a:schemeClr>
+    </dgm:fillClrLst>
+    <dgm:linClrLst meth="repeat">
+      <a:schemeClr val="lt1"/>
+    </dgm:linClrLst>
+    <dgm:effectClrLst/>
+    <dgm:txLinClrLst/>
+    <dgm:txFillClrLst/>
+    <dgm:txEffectClrLst/>
+  </dgm:styleLbl>
+  <dgm:styleLbl name="node2">
+    <dgm:fillClrLst>
+      <a:schemeClr val="accent2">
+        <a:shade val="80000"/>
+      </a:schemeClr>
+    </dgm:fillClrLst>
+    <dgm:linClrLst meth="repeat">
+      <a:schemeClr val="lt1"/>
+    </dgm:linClrLst>
+    <dgm:effectClrLst/>
+    <dgm:txLinClrLst/>
+    <dgm:txFillClrLst/>
+    <dgm:txEffectClrLst/>
+  </dgm:styleLbl>
+  <dgm:styleLbl name="node3">
+    <dgm:fillClrLst>
+      <a:schemeClr val="accent2">
+        <a:tint val="99000"/>
+      </a:schemeClr>
+    </dgm:fillClrLst>
+    <dgm:linClrLst meth="repeat">
+      <a:schemeClr val="lt1"/>
+    </dgm:linClrLst>
+    <dgm:effectClrLst/>
+    <dgm:txLinClrLst/>
+    <dgm:txFillClrLst/>
+    <dgm:txEffectClrLst/>
+  </dgm:styleLbl>
+  <dgm:styleLbl name="node4">
+    <dgm:fillClrLst>
+      <a:schemeClr val="accent2">
+        <a:tint val="70000"/>
+      </a:schemeClr>
+    </dgm:fillClrLst>
+    <dgm:linClrLst meth="repeat">
+      <a:schemeClr val="lt1"/>
+    </dgm:linClrLst>
+    <dgm:effectClrLst/>
+    <dgm:txLinClrLst/>
+    <dgm:txFillClrLst/>
+    <dgm:txEffectClrLst/>
+  </dgm:styleLbl>
+  <dgm:styleLbl name="fgImgPlace1">
+    <dgm:fillClrLst>
+      <a:schemeClr val="accent2">
+        <a:tint val="50000"/>
+      </a:schemeClr>
+      <a:schemeClr val="accent2">
+        <a:tint val="55000"/>
+      </a:schemeClr>
+    </dgm:fillClrLst>
+    <dgm:linClrLst meth="repeat">
+      <a:schemeClr val="lt1"/>
+    </dgm:linClrLst>
+    <dgm:effectClrLst/>
+    <dgm:txLinClrLst/>
+    <dgm:txFillClrLst meth="repeat">
+      <a:schemeClr val="lt1"/>
+    </dgm:txFillClrLst>
+    <dgm:txEffectClrLst/>
+  </dgm:styleLbl>
+  <dgm:styleLbl name="alignImgPlace1">
+    <dgm:fillClrLst>
+      <a:schemeClr val="accent2">
+        <a:tint val="50000"/>
+      </a:schemeClr>
+      <a:schemeClr val="accent2">
+        <a:tint val="55000"/>
+      </a:schemeClr>
+    </dgm:fillClrLst>
+    <dgm:linClrLst meth="repeat">
+      <a:schemeClr val="lt1"/>
+    </dgm:linClrLst>
+    <dgm:effectClrLst/>
+    <dgm:txLinClrLst/>
+    <dgm:txFillClrLst meth="repeat">
+      <a:schemeClr val="lt1"/>
+    </dgm:txFillClrLst>
+    <dgm:txEffectClrLst/>
+  </dgm:styleLbl>
+  <dgm:styleLbl name="bgImgPlace1">
+    <dgm:fillClrLst>
+      <a:schemeClr val="accent2">
+        <a:tint val="50000"/>
+      </a:schemeClr>
+      <a:schemeClr val="accent2">
+        <a:tint val="55000"/>
+      </a:schemeClr>
+    </dgm:fillClrLst>
+    <dgm:linClrLst meth="repeat">
+      <a:schemeClr val="lt1"/>
+    </dgm:linClrLst>
+    <dgm:effectClrLst/>
+    <dgm:txLinClrLst/>
+    <dgm:txFillClrLst meth="repeat">
+      <a:schemeClr val="lt1"/>
+    </dgm:txFillClrLst>
+    <dgm:txEffectClrLst/>
+  </dgm:styleLbl>
+  <dgm:styleLbl name="sibTrans2D1">
+    <dgm:fillClrLst meth="cycle">
+      <a:schemeClr val="accent2">
+        <a:shade val="90000"/>
+      </a:schemeClr>
+      <a:schemeClr val="accent2">
+        <a:tint val="50000"/>
+      </a:schemeClr>
+    </dgm:fillClrLst>
+    <dgm:linClrLst meth="cycle">
+      <a:schemeClr val="accent2">
+        <a:shade val="90000"/>
+      </a:schemeClr>
+      <a:schemeClr val="accent2">
+        <a:tint val="50000"/>
+      </a:schemeClr>
+    </dgm:linClrLst>
+    <dgm:effectClrLst/>
+    <dgm:txLinClrLst/>
+    <dgm:txFillClrLst/>
+    <dgm:txEffectClrLst/>
+  </dgm:styleLbl>
+  <dgm:styleLbl name="fgSibTrans2D1">
+    <dgm:fillClrLst meth="cycle">
+      <a:schemeClr val="accent2">
+        <a:shade val="90000"/>
+      </a:schemeClr>
+      <a:schemeClr val="accent2">
+        <a:tint val="50000"/>
+      </a:schemeClr>
+    </dgm:fillClrLst>
+    <dgm:linClrLst meth="cycle">
+      <a:schemeClr val="accent2">
+        <a:shade val="90000"/>
+      </a:schemeClr>
+      <a:schemeClr val="accent2">
+        <a:tint val="50000"/>
+      </a:schemeClr>
+    </dgm:linClrLst>
+    <dgm:effectClrLst/>
+    <dgm:txLinClrLst/>
+    <dgm:txFillClrLst/>
+    <dgm:txEffectClrLst/>
+  </dgm:styleLbl>
+  <dgm:styleLbl name="bgSibTrans2D1">
+    <dgm:fillClrLst meth="cycle">
+      <a:schemeClr val="accent2">
+        <a:shade val="90000"/>
+      </a:schemeClr>
+      <a:schemeClr val="accent2">
+        <a:tint val="50000"/>
+      </a:schemeClr>
+    </dgm:fillClrLst>
+    <dgm:linClrLst meth="cycle">
+      <a:schemeClr val="accent2">
+        <a:shade val="90000"/>
+      </a:schemeClr>
+      <a:schemeClr val="accent2">
+        <a:tint val="50000"/>
+      </a:schemeClr>
+    </dgm:linClrLst>
+    <dgm:effectClrLst/>
+    <dgm:txLinClrLst/>
+    <dgm:txFillClrLst/>
+    <dgm:txEffectClrLst/>
+  </dgm:styleLbl>
+  <dgm:styleLbl name="sibTrans1D1">
+    <dgm:fillClrLst meth="cycle">
+      <a:schemeClr val="accent2">
+        <a:shade val="90000"/>
+      </a:schemeClr>
+      <a:schemeClr val="accent2">
+        <a:tint val="50000"/>
+      </a:schemeClr>
+    </dgm:fillClrLst>
+    <dgm:linClrLst meth="cycle">
+      <a:schemeClr val="accent2">
+        <a:shade val="90000"/>
+      </a:schemeClr>
+      <a:schemeClr val="accent2">
+        <a:tint val="50000"/>
+      </a:schemeClr>
+    </dgm:linClrLst>
+    <dgm:effectClrLst/>
+    <dgm:txLinClrLst/>
+    <dgm:txFillClrLst meth="repeat">
+      <a:schemeClr val="tx1"/>
+    </dgm:txFillClrLst>
+    <dgm:txEffectClrLst/>
+  </dgm:styleLbl>
+  <dgm:styleLbl name="callout">
+    <dgm:fillClrLst meth="repeat">
+      <a:schemeClr val="accent2"/>
+    </dgm:fillClrLst>
+    <dgm:linClrLst meth="repeat">
+      <a:schemeClr val="accent2"/>
+    </dgm:linClrLst>
+    <dgm:effectClrLst/>
+    <dgm:txLinClrLst/>
+    <dgm:txFillClrLst meth="repeat">
+      <a:schemeClr val="tx1"/>
+    </dgm:txFillClrLst>
+    <dgm:txEffectClrLst/>
+  </dgm:styleLbl>
+  <dgm:styleLbl name="asst0">
+    <dgm:fillClrLst meth="repeat">
+      <a:schemeClr val="accent2">
+        <a:shade val="80000"/>
+      </a:schemeClr>
+    </dgm:fillClrLst>
+    <dgm:linClrLst meth="repeat">
+      <a:schemeClr val="lt1"/>
+    </dgm:linClrLst>
+    <dgm:effectClrLst/>
+    <dgm:txLinClrLst/>
+    <dgm:txFillClrLst/>
+    <dgm:txEffectClrLst/>
+  </dgm:styleLbl>
+  <dgm:styleLbl name="asst1">
+    <dgm:fillClrLst meth="repeat">
+      <a:schemeClr val="accent2">
+        <a:shade val="80000"/>
+      </a:schemeClr>
+    </dgm:fillClrLst>
+    <dgm:linClrLst meth="repeat">
+      <a:schemeClr val="lt1"/>
+    </dgm:linClrLst>
+    <dgm:effectClrLst/>
+    <dgm:txLinClrLst/>
+    <dgm:txFillClrLst/>
+    <dgm:txEffectClrLst/>
+  </dgm:styleLbl>
+  <dgm:styleLbl name="asst2">
+    <dgm:fillClrLst>
+      <a:schemeClr val="accent2">
+        <a:tint val="90000"/>
+      </a:schemeClr>
+    </dgm:fillClrLst>
+    <dgm:linClrLst meth="repeat">
+      <a:schemeClr val="lt1"/>
+    </dgm:linClrLst>
+    <dgm:effectClrLst/>
+    <dgm:txLinClrLst/>
+    <dgm:txFillClrLst/>
+    <dgm:txEffectClrLst/>
+  </dgm:styleLbl>
+  <dgm:styleLbl name="asst3">
+    <dgm:fillClrLst>
+      <a:schemeClr val="accent2">
+        <a:tint val="70000"/>
+      </a:schemeClr>
+    </dgm:fillClrLst>
+    <dgm:linClrLst meth="repeat">
+      <a:schemeClr val="lt1"/>
+    </dgm:linClrLst>
+    <dgm:effectClrLst/>
+    <dgm:txLinClrLst/>
+    <dgm:txFillClrLst/>
+    <dgm:txEffectClrLst/>
+  </dgm:styleLbl>
+  <dgm:styleLbl name="asst4">
+    <dgm:fillClrLst>
+      <a:schemeClr val="accent2">
+        <a:tint val="50000"/>
+      </a:schemeClr>
+    </dgm:fillClrLst>
+    <dgm:linClrLst meth="repeat">
+      <a:schemeClr val="lt1"/>
+    </dgm:linClrLst>
+    <dgm:effectClrLst/>
+    <dgm:txLinClrLst/>
+    <dgm:txFillClrLst/>
+    <dgm:txEffectClrLst/>
+  </dgm:styleLbl>
+  <dgm:styleLbl name="parChTrans2D1">
+    <dgm:fillClrLst meth="repeat">
+      <a:schemeClr val="accent2">
+        <a:tint val="60000"/>
+      </a:schemeClr>
+    </dgm:fillClrLst>
+    <dgm:linClrLst meth="repeat">
+      <a:schemeClr val="accent2">
+        <a:shade val="80000"/>
+      </a:schemeClr>
+    </dgm:linClrLst>
+    <dgm:effectClrLst/>
+    <dgm:txLinClrLst/>
+    <dgm:txFillClrLst/>
+    <dgm:txEffectClrLst/>
+  </dgm:styleLbl>
+  <dgm:styleLbl name="parChTrans2D2">
+    <dgm:fillClrLst meth="repeat">
+      <a:schemeClr val="accent2">
+        <a:tint val="90000"/>
+      </a:schemeClr>
+    </dgm:fillClrLst>
+    <dgm:linClrLst meth="repeat">
+      <a:schemeClr val="accent2">
+        <a:tint val="90000"/>
+      </a:schemeClr>
+    </dgm:linClrLst>
+    <dgm:effectClrLst/>
+    <dgm:txLinClrLst/>
+    <dgm:txFillClrLst/>
+    <dgm:txEffectClrLst/>
+  </dgm:styleLbl>
+  <dgm:styleLbl name="parChTrans2D3">
+    <dgm:fillClrLst meth="repeat">
+      <a:schemeClr val="accent2">
+        <a:tint val="70000"/>
+      </a:schemeClr>
+    </dgm:fillClrLst>
+    <dgm:linClrLst meth="repeat">
+      <a:schemeClr val="accent2">
+        <a:tint val="70000"/>
+      </a:schemeClr>
+    </dgm:linClrLst>
+    <dgm:effectClrLst/>
+    <dgm:txLinClrLst/>
+    <dgm:txFillClrLst/>
+    <dgm:txEffectClrLst/>
+  </dgm:styleLbl>
+  <dgm:styleLbl name="parChTrans2D4">
+    <dgm:fillClrLst meth="repeat">
+      <a:schemeClr val="accent2">
+        <a:tint val="50000"/>
+      </a:schemeClr>
+    </dgm:fillClrLst>
+    <dgm:linClrLst meth="repeat">
+      <a:schemeClr val="accent2">
+        <a:tint val="50000"/>
+      </a:schemeClr>
+    </dgm:linClrLst>
+    <dgm:effectClrLst/>
+    <dgm:txLinClrLst/>
+    <dgm:txFillClrLst meth="repeat">
+      <a:schemeClr val="dk1"/>
+    </dgm:txFillClrLst>
+    <dgm:txEffectClrLst/>
+  </dgm:styleLbl>
+  <dgm:styleLbl name="parChTrans1D1">
+    <dgm:fillClrLst meth="repeat">
+      <a:schemeClr val="accent2">
+        <a:shade val="80000"/>
+      </a:schemeClr>
+    </dgm:fillClrLst>
+    <dgm:linClrLst meth="repeat">
+      <a:schemeClr val="accent2">
+        <a:shade val="80000"/>
+      </a:schemeClr>
+    </dgm:linClrLst>
+    <dgm:effectClrLst/>
+    <dgm:txLinClrLst/>
+    <dgm:txFillClrLst meth="repeat">
+      <a:schemeClr val="tx1"/>
+    </dgm:txFillClrLst>
+    <dgm:txEffectClrLst/>
+  </dgm:styleLbl>
+  <dgm:styleLbl name="parChTrans1D2">
+    <dgm:fillClrLst meth="repeat">
+      <a:schemeClr val="accent2">
+        <a:tint val="90000"/>
+      </a:schemeClr>
+    </dgm:fillClrLst>
+    <dgm:linClrLst meth="repeat">
+      <a:schemeClr val="accent2">
+        <a:tint val="90000"/>
+      </a:schemeClr>
+    </dgm:linClrLst>
+    <dgm:effectClrLst/>
+    <dgm:txLinClrLst/>
+    <dgm:txFillClrLst meth="repeat">
+      <a:schemeClr val="tx1"/>
+    </dgm:txFillClrLst>
+    <dgm:txEffectClrLst/>
+  </dgm:styleLbl>
+  <dgm:styleLbl name="parChTrans1D3">
+    <dgm:fillClrLst meth="repeat">
+      <a:schemeClr val="accent2">
+        <a:tint val="70000"/>
+      </a:schemeClr>
+    </dgm:fillClrLst>
+    <dgm:linClrLst meth="repeat">
+      <a:schemeClr val="accent2">
+        <a:tint val="70000"/>
+      </a:schemeClr>
+    </dgm:linClrLst>
+    <dgm:effectClrLst/>
+    <dgm:txLinClrLst/>
+    <dgm:txFillClrLst meth="repeat">
+      <a:schemeClr val="tx1"/>
+    </dgm:txFillClrLst>
+    <dgm:txEffectClrLst/>
+  </dgm:styleLbl>
+  <dgm:styleLbl name="parChTrans1D4">
+    <dgm:fillClrLst meth="repeat">
+      <a:schemeClr val="accent2">
+        <a:tint val="50000"/>
+      </a:schemeClr>
+    </dgm:fillClrLst>
+    <dgm:linClrLst meth="repeat">
+      <a:schemeClr val="accent2">
+        <a:tint val="50000"/>
+      </a:schemeClr>
+    </dgm:linClrLst>
+    <dgm:effectClrLst/>
+    <dgm:txLinClrLst/>
+    <dgm:txFillClrLst meth="repeat">
+      <a:schemeClr val="tx1"/>
+    </dgm:txFillClrLst>
+    <dgm:txEffectClrLst/>
+  </dgm:styleLbl>
+  <dgm:styleLbl name="fgAcc1">
+    <dgm:fillClrLst meth="repeat">
+      <a:schemeClr val="lt1">
+        <a:alpha val="90000"/>
+      </a:schemeClr>
+    </dgm:fillClrLst>
+    <dgm:linClrLst meth="cycle">
+      <a:schemeClr val="accent2">
+        <a:shade val="50000"/>
+      </a:schemeClr>
+      <a:schemeClr val="accent2">
+        <a:tint val="55000"/>
+      </a:schemeClr>
+    </dgm:linClrLst>
+    <dgm:effectClrLst/>
+    <dgm:txLinClrLst/>
+    <dgm:txFillClrLst meth="repeat">
+      <a:schemeClr val="dk1"/>
+    </dgm:txFillClrLst>
+    <dgm:txEffectClrLst/>
+  </dgm:styleLbl>
+  <dgm:styleLbl name="conFgAcc1">
+    <dgm:fillClrLst meth="repeat">
+      <a:schemeClr val="lt1">
+        <a:alpha val="90000"/>
+      </a:schemeClr>
+    </dgm:fillClrLst>
+    <dgm:linClrLst meth="cycle">
+      <a:schemeClr val="accent2">
+        <a:shade val="50000"/>
+      </a:schemeClr>
+      <a:schemeClr val="accent2">
+        <a:tint val="55000"/>
+      </a:schemeClr>
+    </dgm:linClrLst>
+    <dgm:effectClrLst/>
+    <dgm:txLinClrLst/>
+    <dgm:txFillClrLst meth="repeat">
+      <a:schemeClr val="dk1"/>
+    </dgm:txFillClrLst>
+    <dgm:txEffectClrLst/>
+  </dgm:styleLbl>
+  <dgm:styleLbl name="alignAcc1">
+    <dgm:fillClrLst meth="repeat">
+      <a:schemeClr val="lt1">
+        <a:alpha val="90000"/>
+      </a:schemeClr>
+    </dgm:fillClrLst>
+    <dgm:linClrLst meth="cycle">
+      <a:schemeClr val="accent2">
+        <a:shade val="50000"/>
+      </a:schemeClr>
+      <a:schemeClr val="accent2">
+        <a:tint val="55000"/>
+      </a:schemeClr>
+    </dgm:linClrLst>
+    <dgm:effectClrLst/>
+    <dgm:txLinClrLst/>
+    <dgm:txFillClrLst meth="repeat">
+      <a:schemeClr val="dk1"/>
+    </dgm:txFillClrLst>
+    <dgm:txEffectClrLst/>
+  </dgm:styleLbl>
+  <dgm:styleLbl name="trAlignAcc1">
+    <dgm:fillClrLst meth="repeat">
+      <a:schemeClr val="lt1">
+        <a:alpha val="55000"/>
+      </a:schemeClr>
+    </dgm:fillClrLst>
+    <dgm:linClrLst meth="repeat">
+      <a:schemeClr val="accent2"/>
+    </dgm:linClrLst>
+    <dgm:effectClrLst/>
+    <dgm:txLinClrLst/>
+    <dgm:txFillClrLst meth="repeat">
+      <a:schemeClr val="dk1"/>
+    </dgm:txFillClrLst>
+    <dgm:txEffectClrLst/>
+  </dgm:styleLbl>
+  <dgm:styleLbl name="bgAcc1">
+    <dgm:fillClrLst meth="repeat">
+      <a:schemeClr val="lt1">
+        <a:alpha val="90000"/>
+      </a:schemeClr>
+    </dgm:fillClrLst>
+    <dgm:linClrLst meth="cycle">
+      <a:schemeClr val="accent2">
+        <a:shade val="50000"/>
+      </a:schemeClr>
+      <a:schemeClr val="accent2">
+        <a:tint val="55000"/>
+      </a:schemeClr>
+    </dgm:linClrLst>
+    <dgm:effectClrLst/>
+    <dgm:txLinClrLst/>
+    <dgm:txFillClrLst meth="repeat">
+      <a:schemeClr val="dk1"/>
+    </dgm:txFillClrLst>
+    <dgm:txEffectClrLst/>
+  </dgm:styleLbl>
+  <dgm:styleLbl name="solidFgAcc1">
+    <dgm:fillClrLst meth="repeat">
+      <a:schemeClr val="lt1"/>
+    </dgm:fillClrLst>
+    <dgm:linClrLst meth="cycle">
+      <a:schemeClr val="accent2">
+        <a:shade val="50000"/>
+      </a:schemeClr>
+      <a:schemeClr val="accent2">
+        <a:tint val="55000"/>
+      </a:schemeClr>
+    </dgm:linClrLst>
+    <dgm:effectClrLst/>
+    <dgm:txLinClrLst/>
+    <dgm:txFillClrLst meth="repeat">
+      <a:schemeClr val="dk1"/>
+    </dgm:txFillClrLst>
+    <dgm:txEffectClrLst/>
+  </dgm:styleLbl>
+  <dgm:styleLbl name="solidAlignAcc1">
+    <dgm:fillClrLst meth="repeat">
+      <a:schemeClr val="lt1"/>
+    </dgm:fillClrLst>
+    <dgm:linClrLst meth="repeat">
+      <a:schemeClr val="accent2"/>
+    </dgm:linClrLst>
+    <dgm:effectClrLst/>
+    <dgm:txLinClrLst/>
+    <dgm:txFillClrLst meth="repeat">
+      <a:schemeClr val="dk1"/>
+    </dgm:txFillClrLst>
+    <dgm:txEffectClrLst/>
+  </dgm:styleLbl>
+  <dgm:styleLbl name="solidBgAcc1">
+    <dgm:fillClrLst meth="repeat">
+      <a:schemeClr val="lt1"/>
+    </dgm:fillClrLst>
+    <dgm:linClrLst meth="repeat">
+      <a:schemeClr val="accent2"/>
+    </dgm:linClrLst>
+    <dgm:effectClrLst/>
+    <dgm:txLinClrLst/>
+    <dgm:txFillClrLst meth="repeat">
+      <a:schemeClr val="dk1"/>
+    </dgm:txFillClrLst>
+    <dgm:txEffectClrLst/>
+  </dgm:styleLbl>
+  <dgm:styleLbl name="fgAccFollowNode1">
+    <dgm:fillClrLst meth="repeat">
+      <a:schemeClr val="accent2">
+        <a:alpha val="90000"/>
+        <a:tint val="55000"/>
+      </a:schemeClr>
+    </dgm:fillClrLst>
+    <dgm:linClrLst meth="repeat">
+      <a:schemeClr val="accent2">
+        <a:alpha val="90000"/>
+        <a:tint val="55000"/>
+      </a:schemeClr>
+    </dgm:linClrLst>
+    <dgm:effectClrLst/>
+    <dgm:txLinClrLst/>
+    <dgm:txFillClrLst meth="repeat">
+      <a:schemeClr val="dk1"/>
+    </dgm:txFillClrLst>
+    <dgm:txEffectClrLst/>
+  </dgm:styleLbl>
+  <dgm:styleLbl name="alignAccFollowNode1">
+    <dgm:fillClrLst meth="repeat">
+      <a:schemeClr val="accent2">
+        <a:alpha val="90000"/>
+        <a:tint val="55000"/>
+      </a:schemeClr>
+    </dgm:fillClrLst>
+    <dgm:linClrLst meth="repeat">
+      <a:schemeClr val="accent2">
+        <a:alpha val="90000"/>
+        <a:tint val="55000"/>
+      </a:schemeClr>
+    </dgm:linClrLst>
+    <dgm:effectClrLst/>
+    <dgm:txLinClrLst/>
+    <dgm:txFillClrLst meth="repeat">
+      <a:schemeClr val="dk1"/>
+    </dgm:txFillClrLst>
+    <dgm:txEffectClrLst/>
+  </dgm:styleLbl>
+  <dgm:styleLbl name="bgAccFollowNode1">
+    <dgm:fillClrLst meth="repeat">
+      <a:schemeClr val="accent2">
+        <a:alpha val="90000"/>
+        <a:tint val="55000"/>
+      </a:schemeClr>
+    </dgm:fillClrLst>
+    <dgm:linClrLst meth="repeat">
+      <a:schemeClr val="lt1"/>
+    </dgm:linClrLst>
+    <dgm:effectClrLst/>
+    <dgm:txLinClrLst/>
+    <dgm:txFillClrLst meth="repeat">
+      <a:schemeClr val="dk1"/>
+    </dgm:txFillClrLst>
+    <dgm:txEffectClrLst/>
+  </dgm:styleLbl>
+  <dgm:styleLbl name="fgAcc0">
+    <dgm:fillClrLst meth="repeat">
+      <a:schemeClr val="lt1">
+        <a:alpha val="90000"/>
+      </a:schemeClr>
+    </dgm:fillClrLst>
+    <dgm:linClrLst meth="repeat">
+      <a:schemeClr val="accent2">
+        <a:shade val="80000"/>
+      </a:schemeClr>
+    </dgm:linClrLst>
+    <dgm:effectClrLst/>
+    <dgm:txLinClrLst/>
+    <dgm:txFillClrLst meth="repeat">
+      <a:schemeClr val="dk1"/>
+    </dgm:txFillClrLst>
+    <dgm:txEffectClrLst/>
+  </dgm:styleLbl>
+  <dgm:styleLbl name="fgAcc2">
+    <dgm:fillClrLst meth="repeat">
+      <a:schemeClr val="lt1">
+        <a:alpha val="90000"/>
+      </a:schemeClr>
+    </dgm:fillClrLst>
+    <dgm:linClrLst meth="repeat">
+      <a:schemeClr val="accent2">
+        <a:tint val="90000"/>
+      </a:schemeClr>
+    </dgm:linClrLst>
+    <dgm:effectClrLst/>
+    <dgm:txLinClrLst/>
+    <dgm:txFillClrLst meth="repeat">
+      <a:schemeClr val="dk1"/>
+    </dgm:txFillClrLst>
+    <dgm:txEffectClrLst/>
+  </dgm:styleLbl>
+  <dgm:styleLbl name="fgAcc3">
+    <dgm:fillClrLst meth="repeat">
+      <a:schemeClr val="lt1">
+        <a:alpha val="90000"/>
+      </a:schemeClr>
+    </dgm:fillClrLst>
+    <dgm:linClrLst meth="repeat">
+      <a:schemeClr val="accent2">
+        <a:tint val="70000"/>
+      </a:schemeClr>
+    </dgm:linClrLst>
+    <dgm:effectClrLst/>
+    <dgm:txLinClrLst/>
+    <dgm:txFillClrLst meth="repeat">
+      <a:schemeClr val="dk1"/>
+    </dgm:txFillClrLst>
+    <dgm:txEffectClrLst/>
+  </dgm:styleLbl>
+  <dgm:styleLbl name="fgAcc4">
+    <dgm:fillClrLst meth="repeat">
+      <a:schemeClr val="lt1">
+        <a:alpha val="90000"/>
+      </a:schemeClr>
+    </dgm:fillClrLst>
+    <dgm:linClrLst meth="repeat">
+      <a:schemeClr val="accent2">
+        <a:tint val="50000"/>
+      </a:schemeClr>
+    </dgm:linClrLst>
+    <dgm:effectClrLst/>
+    <dgm:txLinClrLst/>
+    <dgm:txFillClrLst meth="repeat">
+      <a:schemeClr val="dk1"/>
+    </dgm:txFillClrLst>
+    <dgm:txEffectClrLst/>
+  </dgm:styleLbl>
+  <dgm:styleLbl name="bgShp">
+    <dgm:fillClrLst meth="repeat">
+      <a:schemeClr val="accent2">
+        <a:tint val="55000"/>
+      </a:schemeClr>
+    </dgm:fillClrLst>
+    <dgm:linClrLst meth="repeat">
+      <a:schemeClr val="dk1"/>
+    </dgm:linClrLst>
+    <dgm:effectClrLst/>
+    <dgm:txLinClrLst/>
+    <dgm:txFillClrLst meth="repeat">
+      <a:schemeClr val="dk1"/>
+    </dgm:txFillClrLst>
+    <dgm:txEffectClrLst/>
+  </dgm:styleLbl>
+  <dgm:styleLbl name="dkBgShp">
+    <dgm:fillClrLst meth="repeat">
+      <a:schemeClr val="accent2">
+        <a:shade val="90000"/>
+      </a:schemeClr>
+    </dgm:fillClrLst>
+    <dgm:linClrLst meth="repeat">
+      <a:schemeClr val="dk1"/>
+    </dgm:linClrLst>
+    <dgm:effectClrLst/>
+    <dgm:txLinClrLst/>
+    <dgm:txFillClrLst meth="repeat">
+      <a:schemeClr val="lt1"/>
+    </dgm:txFillClrLst>
+    <dgm:txEffectClrLst/>
+  </dgm:styleLbl>
+  <dgm:styleLbl name="trBgShp">
+    <dgm:fillClrLst meth="repeat">
+      <a:schemeClr val="accent2">
+        <a:tint val="50000"/>
+        <a:alpha val="55000"/>
+      </a:schemeClr>
+    </dgm:fillClrLst>
+    <dgm:linClrLst meth="repeat">
+      <a:schemeClr val="accent2"/>
+    </dgm:linClrLst>
+    <dgm:effectClrLst/>
+    <dgm:txLinClrLst/>
+    <dgm:txFillClrLst meth="repeat">
+      <a:schemeClr val="lt1"/>
+    </dgm:txFillClrLst>
+    <dgm:txEffectClrLst/>
+  </dgm:styleLbl>
+  <dgm:styleLbl name="fgShp">
+    <dgm:fillClrLst meth="repeat">
+      <a:schemeClr val="accent2">
+        <a:tint val="55000"/>
+      </a:schemeClr>
+    </dgm:fillClrLst>
+    <dgm:linClrLst meth="repeat">
+      <a:schemeClr val="lt1"/>
+    </dgm:linClrLst>
+    <dgm:effectClrLst/>
+    <dgm:txLinClrLst/>
+    <dgm:txFillClrLst meth="repeat">
+      <a:schemeClr val="dk1"/>
+    </dgm:txFillClrLst>
+    <dgm:txEffectClrLst/>
+  </dgm:styleLbl>
+  <dgm:styleLbl name="revTx">
+    <dgm:fillClrLst meth="repeat">
+      <a:schemeClr val="lt1">
+        <a:alpha val="0"/>
+      </a:schemeClr>
+    </dgm:fillClrLst>
+    <dgm:linClrLst meth="repeat">
+      <a:schemeClr val="dk1">
+        <a:alpha val="0"/>
+      </a:schemeClr>
+    </dgm:linClrLst>
+    <dgm:effectClrLst/>
+    <dgm:txLinClrLst/>
+    <dgm:txFillClrLst meth="repeat">
+      <a:schemeClr val="tx1"/>
+    </dgm:txFillClrLst>
+    <dgm:txEffectClrLst/>
+  </dgm:styleLbl>
+</dgm:colorsDef>
+</file>
+
+<file path=ppt/diagrams/colors2.xml><?xml version="1.0" encoding="utf-8"?>
+<dgm:colorsDef xmlns:dgm="http://schemas.openxmlformats.org/drawingml/2006/diagram" xmlns:a="http://schemas.openxmlformats.org/drawingml/2006/main" uniqueId="urn:microsoft.com/office/officeart/2005/8/colors/accent1_2">
+  <dgm:title val=""/>
+  <dgm:desc val=""/>
+  <dgm:catLst>
+    <dgm:cat type="accent1" pri="11200"/>
+  </dgm:catLst>
+  <dgm:styleLbl name="node0">
+    <dgm:fillClrLst meth="repeat">
+      <a:schemeClr val="accent1"/>
+    </dgm:fillClrLst>
+    <dgm:linClrLst meth="repeat">
+      <a:schemeClr val="lt1"/>
+    </dgm:linClrLst>
+    <dgm:effectClrLst/>
+    <dgm:txLinClrLst/>
+    <dgm:txFillClrLst/>
+    <dgm:txEffectClrLst/>
+  </dgm:styleLbl>
+  <dgm:styleLbl name="alignNode1">
+    <dgm:fillClrLst meth="repeat">
+      <a:schemeClr val="accent1"/>
+    </dgm:fillClrLst>
+    <dgm:linClrLst meth="repeat">
+      <a:schemeClr val="accent1"/>
+    </dgm:linClrLst>
+    <dgm:effectClrLst/>
+    <dgm:txLinClrLst/>
+    <dgm:txFillClrLst/>
+    <dgm:txEffectClrLst/>
+  </dgm:styleLbl>
+  <dgm:styleLbl name="node1">
+    <dgm:fillClrLst meth="repeat">
+      <a:schemeClr val="accent1"/>
+    </dgm:fillClrLst>
+    <dgm:linClrLst meth="repeat">
+      <a:schemeClr val="lt1"/>
+    </dgm:linClrLst>
+    <dgm:effectClrLst/>
+    <dgm:txLinClrLst/>
+    <dgm:txFillClrLst/>
+    <dgm:txEffectClrLst/>
+  </dgm:styleLbl>
+  <dgm:styleLbl name="lnNode1">
+    <dgm:fillClrLst meth="repeat">
+      <a:schemeClr val="accent1"/>
+    </dgm:fillClrLst>
+    <dgm:linClrLst meth="repeat">
+      <a:schemeClr val="lt1"/>
+    </dgm:linClrLst>
+    <dgm:effectClrLst/>
+    <dgm:txLinClrLst/>
+    <dgm:txFillClrLst/>
+    <dgm:txEffectClrLst/>
+  </dgm:styleLbl>
+  <dgm:styleLbl name="vennNode1">
+    <dgm:fillClrLst meth="repeat">
+      <a:schemeClr val="accent1">
+        <a:alpha val="50000"/>
+      </a:schemeClr>
+    </dgm:fillClrLst>
+    <dgm:linClrLst meth="repeat">
+      <a:schemeClr val="lt1"/>
+    </dgm:linClrLst>
+    <dgm:effectClrLst/>
+    <dgm:txLinClrLst/>
+    <dgm:txFillClrLst/>
+    <dgm:txEffectClrLst/>
+  </dgm:styleLbl>
+  <dgm:styleLbl name="node2">
+    <dgm:fillClrLst meth="repeat">
+      <a:schemeClr val="accent1"/>
+    </dgm:fillClrLst>
+    <dgm:linClrLst meth="repeat">
+      <a:schemeClr val="lt1"/>
+    </dgm:linClrLst>
+    <dgm:effectClrLst/>
+    <dgm:txLinClrLst/>
+    <dgm:txFillClrLst/>
+    <dgm:txEffectClrLst/>
+  </dgm:styleLbl>
+  <dgm:styleLbl name="node3">
+    <dgm:fillClrLst meth="repeat">
+      <a:schemeClr val="accent1"/>
+    </dgm:fillClrLst>
+    <dgm:linClrLst meth="repeat">
+      <a:schemeClr val="lt1"/>
+    </dgm:linClrLst>
+    <dgm:effectClrLst/>
+    <dgm:txLinClrLst/>
+    <dgm:txFillClrLst/>
+    <dgm:txEffectClrLst/>
+  </dgm:styleLbl>
+  <dgm:styleLbl name="node4">
+    <dgm:fillClrLst meth="repeat">
+      <a:schemeClr val="accent1"/>
+    </dgm:fillClrLst>
+    <dgm:linClrLst meth="repeat">
+      <a:schemeClr val="lt1"/>
+    </dgm:linClrLst>
+    <dgm:effectClrLst/>
+    <dgm:txLinClrLst/>
+    <dgm:txFillClrLst/>
+    <dgm:txEffectClrLst/>
+  </dgm:styleLbl>
+  <dgm:styleLbl name="fgImgPlace1">
+    <dgm:fillClrLst meth="repeat">
+      <a:schemeClr val="accent1">
+        <a:tint val="50000"/>
+      </a:schemeClr>
+    </dgm:fillClrLst>
+    <dgm:linClrLst meth="repeat">
+      <a:schemeClr val="lt1"/>
+    </dgm:linClrLst>
+    <dgm:effectClrLst/>
+    <dgm:txLinClrLst/>
+    <dgm:txFillClrLst meth="repeat">
+      <a:schemeClr val="lt1"/>
+    </dgm:txFillClrLst>
+    <dgm:txEffectClrLst/>
+  </dgm:styleLbl>
+  <dgm:styleLbl name="alignImgPlace1">
+    <dgm:fillClrLst meth="repeat">
+      <a:schemeClr val="accent1">
+        <a:tint val="50000"/>
+      </a:schemeClr>
+    </dgm:fillClrLst>
+    <dgm:linClrLst meth="repeat">
+      <a:schemeClr val="lt1"/>
+    </dgm:linClrLst>
+    <dgm:effectClrLst/>
+    <dgm:txLinClrLst/>
+    <dgm:txFillClrLst meth="repeat">
+      <a:schemeClr val="lt1"/>
+    </dgm:txFillClrLst>
+    <dgm:txEffectClrLst/>
+  </dgm:styleLbl>
+  <dgm:styleLbl name="bgImgPlace1">
+    <dgm:fillClrLst meth="repeat">
+      <a:schemeClr val="accent1">
+        <a:tint val="50000"/>
+      </a:schemeClr>
+    </dgm:fillClrLst>
+    <dgm:linClrLst meth="repeat">
+      <a:schemeClr val="lt1"/>
+    </dgm:linClrLst>
+    <dgm:effectClrLst/>
+    <dgm:txLinClrLst/>
+    <dgm:txFillClrLst meth="repeat">
+      <a:schemeClr val="lt1"/>
+    </dgm:txFillClrLst>
+    <dgm:txEffectClrLst/>
+  </dgm:styleLbl>
+  <dgm:styleLbl name="sibTrans2D1">
+    <dgm:fillClrLst meth="repeat">
+      <a:schemeClr val="accent1">
+        <a:tint val="60000"/>
+      </a:schemeClr>
+    </dgm:fillClrLst>
+    <dgm:linClrLst meth="repeat">
+      <a:schemeClr val="accent1">
+        <a:tint val="60000"/>
+      </a:schemeClr>
+    </dgm:linClrLst>
+    <dgm:effectClrLst/>
+    <dgm:txLinClrLst/>
+    <dgm:txFillClrLst/>
+    <dgm:txEffectClrLst/>
+  </dgm:styleLbl>
+  <dgm:styleLbl name="fgSibTrans2D1">
+    <dgm:fillClrLst meth="repeat">
+      <a:schemeClr val="accent1">
+        <a:tint val="60000"/>
+      </a:schemeClr>
+    </dgm:fillClrLst>
+    <dgm:linClrLst meth="repeat">
+      <a:schemeClr val="accent1">
+        <a:tint val="60000"/>
+      </a:schemeClr>
+    </dgm:linClrLst>
+    <dgm:effectClrLst/>
+    <dgm:txLinClrLst/>
+    <dgm:txFillClrLst/>
+    <dgm:txEffectClrLst/>
+  </dgm:styleLbl>
+  <dgm:styleLbl name="bgSibTrans2D1">
+    <dgm:fillClrLst meth="repeat">
+      <a:schemeClr val="accent1">
+        <a:tint val="60000"/>
+      </a:schemeClr>
+    </dgm:fillClrLst>
+    <dgm:linClrLst meth="repeat">
+      <a:schemeClr val="accent1">
+        <a:tint val="60000"/>
+      </a:schemeClr>
+    </dgm:linClrLst>
+    <dgm:effectClrLst/>
+    <dgm:txLinClrLst/>
+    <dgm:txFillClrLst/>
+    <dgm:txEffectClrLst/>
+  </dgm:styleLbl>
+  <dgm:styleLbl name="sibTrans1D1">
+    <dgm:fillClrLst meth="repeat">
+      <a:schemeClr val="accent1"/>
+    </dgm:fillClrLst>
+    <dgm:linClrLst meth="repeat">
+      <a:schemeClr val="accent1"/>
+    </dgm:linClrLst>
+    <dgm:effectClrLst/>
+    <dgm:txLinClrLst/>
+    <dgm:txFillClrLst meth="repeat">
+      <a:schemeClr val="tx1"/>
+    </dgm:txFillClrLst>
+    <dgm:txEffectClrLst/>
+  </dgm:styleLbl>
+  <dgm:styleLbl name="callout">
+    <dgm:fillClrLst meth="repeat">
+      <a:schemeClr val="accent1"/>
+    </dgm:fillClrLst>
+    <dgm:linClrLst meth="repeat">
+      <a:schemeClr val="accent1">
+        <a:tint val="50000"/>
+      </a:schemeClr>
+    </dgm:linClrLst>
+    <dgm:effectClrLst/>
+    <dgm:txLinClrLst/>
+    <dgm:txFillClrLst meth="repeat">
+      <a:schemeClr val="tx1"/>
+    </dgm:txFillClrLst>
+    <dgm:txEffectClrLst/>
+  </dgm:styleLbl>
+  <dgm:styleLbl name="asst0">
+    <dgm:fillClrLst meth="repeat">
+      <a:schemeClr val="accent1"/>
+    </dgm:fillClrLst>
+    <dgm:linClrLst meth="repeat">
+      <a:schemeClr val="lt1"/>
+    </dgm:linClrLst>
+    <dgm:effectClrLst/>
+    <dgm:txLinClrLst/>
+    <dgm:txFillClrLst/>
+    <dgm:txEffectClrLst/>
+  </dgm:styleLbl>
+  <dgm:styleLbl name="asst1">
+    <dgm:fillClrLst meth="repeat">
+      <a:schemeClr val="accent1"/>
+    </dgm:fillClrLst>
+    <dgm:linClrLst meth="repeat">
+      <a:schemeClr val="lt1"/>
+    </dgm:linClrLst>
+    <dgm:effectClrLst/>
+    <dgm:txLinClrLst/>
+    <dgm:txFillClrLst/>
+    <dgm:txEffectClrLst/>
+  </dgm:styleLbl>
+  <dgm:styleLbl name="asst2">
+    <dgm:fillClrLst meth="repeat">
+      <a:schemeClr val="accent1"/>
+    </dgm:fillClrLst>
+    <dgm:linClrLst meth="repeat">
+      <a:schemeClr val="lt1"/>
+    </dgm:linClrLst>
+    <dgm:effectClrLst/>
+    <dgm:txLinClrLst/>
+    <dgm:txFillClrLst/>
+    <dgm:txEffectClrLst/>
+  </dgm:styleLbl>
+  <dgm:styleLbl name="asst3">
+    <dgm:fillClrLst meth="repeat">
+      <a:schemeClr val="accent1"/>
+    </dgm:fillClrLst>
+    <dgm:linClrLst meth="repeat">
+      <a:schemeClr val="lt1"/>
+    </dgm:linClrLst>
+    <dgm:effectClrLst/>
+    <dgm:txLinClrLst/>
+    <dgm:txFillClrLst/>
+    <dgm:txEffectClrLst/>
+  </dgm:styleLbl>
+  <dgm:styleLbl name="asst4">
+    <dgm:fillClrLst meth="repeat">
+      <a:schemeClr val="accent1"/>
+    </dgm:fillClrLst>
+    <dgm:linClrLst meth="repeat">
+      <a:schemeClr val="lt1"/>
+    </dgm:linClrLst>
+    <dgm:effectClrLst/>
+    <dgm:txLinClrLst/>
+    <dgm:txFillClrLst/>
+    <dgm:txEffectClrLst/>
+  </dgm:styleLbl>
+  <dgm:styleLbl name="parChTrans2D1">
+    <dgm:fillClrLst meth="repeat">
+      <a:schemeClr val="accent1">
+        <a:tint val="60000"/>
+      </a:schemeClr>
+    </dgm:fillClrLst>
+    <dgm:linClrLst meth="repeat">
+      <a:schemeClr val="accent1">
+        <a:tint val="60000"/>
+      </a:schemeClr>
+    </dgm:linClrLst>
+    <dgm:effectClrLst/>
+    <dgm:txLinClrLst/>
+    <dgm:txFillClrLst meth="repeat">
+      <a:schemeClr val="lt1"/>
+    </dgm:txFillClrLst>
+    <dgm:txEffectClrLst/>
+  </dgm:styleLbl>
+  <dgm:styleLbl name="parChTrans2D2">
+    <dgm:fillClrLst meth="repeat">
+      <a:schemeClr val="accent1"/>
+    </dgm:fillClrLst>
+    <dgm:linClrLst meth="repeat">
+      <a:schemeClr val="accent1"/>
+    </dgm:linClrLst>
+    <dgm:effectClrLst/>
+    <dgm:txLinClrLst/>
+    <dgm:txFillClrLst meth="repeat">
+      <a:schemeClr val="lt1"/>
+    </dgm:txFillClrLst>
+    <dgm:txEffectClrLst/>
+  </dgm:styleLbl>
+  <dgm:styleLbl name="parChTrans2D3">
+    <dgm:fillClrLst meth="repeat">
+      <a:schemeClr val="accent1"/>
+    </dgm:fillClrLst>
+    <dgm:linClrLst meth="repeat">
+      <a:schemeClr val="accent1"/>
+    </dgm:linClrLst>
+    <dgm:effectClrLst/>
+    <dgm:txLinClrLst/>
+    <dgm:txFillClrLst meth="repeat">
+      <a:schemeClr val="lt1"/>
+    </dgm:txFillClrLst>
+    <dgm:txEffectClrLst/>
+  </dgm:styleLbl>
+  <dgm:styleLbl name="parChTrans2D4">
+    <dgm:fillClrLst meth="repeat">
+      <a:schemeClr val="accent1"/>
+    </dgm:fillClrLst>
+    <dgm:linClrLst meth="repeat">
+      <a:schemeClr val="accent1"/>
+    </dgm:linClrLst>
+    <dgm:effectClrLst/>
+    <dgm:txLinClrLst/>
+    <dgm:txFillClrLst meth="repeat">
+      <a:schemeClr val="lt1"/>
+    </dgm:txFillClrLst>
+    <dgm:txEffectClrLst/>
+  </dgm:styleLbl>
+  <dgm:styleLbl name="parChTrans1D1">
+    <dgm:fillClrLst meth="repeat">
+      <a:schemeClr val="accent1"/>
+    </dgm:fillClrLst>
+    <dgm:linClrLst meth="repeat">
+      <a:schemeClr val="accent1">
+        <a:shade val="60000"/>
+      </a:schemeClr>
+    </dgm:linClrLst>
+    <dgm:effectClrLst/>
+    <dgm:txLinClrLst/>
+    <dgm:txFillClrLst meth="repeat">
+      <a:schemeClr val="tx1"/>
+    </dgm:txFillClrLst>
+    <dgm:txEffectClrLst/>
+  </dgm:styleLbl>
+  <dgm:styleLbl name="parChTrans1D2">
+    <dgm:fillClrLst meth="repeat">
+      <a:schemeClr val="accent1"/>
+    </dgm:fillClrLst>
+    <dgm:linClrLst meth="repeat">
+      <a:schemeClr val="accent1">
+        <a:shade val="60000"/>
+      </a:schemeClr>
+    </dgm:linClrLst>
+    <dgm:effectClrLst/>
+    <dgm:txLinClrLst/>
+    <dgm:txFillClrLst meth="repeat">
+      <a:schemeClr val="tx1"/>
+    </dgm:txFillClrLst>
+    <dgm:txEffectClrLst/>
+  </dgm:styleLbl>
+  <dgm:styleLbl name="parChTrans1D3">
+    <dgm:fillClrLst meth="repeat">
+      <a:schemeClr val="accent1"/>
+    </dgm:fillClrLst>
+    <dgm:linClrLst meth="repeat">
+      <a:schemeClr val="accent1">
+        <a:shade val="80000"/>
+      </a:schemeClr>
+    </dgm:linClrLst>
+    <dgm:effectClrLst/>
+    <dgm:txLinClrLst/>
+    <dgm:txFillClrLst meth="repeat">
+      <a:schemeClr val="tx1"/>
+    </dgm:txFillClrLst>
+    <dgm:txEffectClrLst/>
+  </dgm:styleLbl>
+  <dgm:styleLbl name="parChTrans1D4">
+    <dgm:fillClrLst meth="repeat">
+      <a:schemeClr val="accent1"/>
+    </dgm:fillClrLst>
+    <dgm:linClrLst meth="repeat">
+      <a:schemeClr val="accent1">
+        <a:shade val="80000"/>
+      </a:schemeClr>
+    </dgm:linClrLst>
+    <dgm:effectClrLst/>
+    <dgm:txLinClrLst/>
+    <dgm:txFillClrLst meth="repeat">
+      <a:schemeClr val="tx1"/>
+    </dgm:txFillClrLst>
+    <dgm:txEffectClrLst/>
+  </dgm:styleLbl>
+  <dgm:styleLbl name="fgAcc1">
+    <dgm:fillClrLst meth="repeat">
+      <a:schemeClr val="lt1">
+        <a:alpha val="90000"/>
+      </a:schemeClr>
+    </dgm:fillClrLst>
+    <dgm:linClrLst meth="repeat">
+      <a:schemeClr val="accent1"/>
+    </dgm:linClrLst>
+    <dgm:effectClrLst/>
+    <dgm:txLinClrLst/>
+    <dgm:txFillClrLst meth="repeat">
+      <a:schemeClr val="dk1"/>
+    </dgm:txFillClrLst>
+    <dgm:txEffectClrLst/>
+  </dgm:styleLbl>
+  <dgm:styleLbl name="conFgAcc1">
+    <dgm:fillClrLst meth="repeat">
+      <a:schemeClr val="lt1">
+        <a:alpha val="90000"/>
+      </a:schemeClr>
+    </dgm:fillClrLst>
+    <dgm:linClrLst meth="repeat">
+      <a:schemeClr val="accent1"/>
+    </dgm:linClrLst>
+    <dgm:effectClrLst/>
+    <dgm:txLinClrLst/>
+    <dgm:txFillClrLst meth="repeat">
+      <a:schemeClr val="dk1"/>
+    </dgm:txFillClrLst>
+    <dgm:txEffectClrLst/>
+  </dgm:styleLbl>
+  <dgm:styleLbl name="alignAcc1">
+    <dgm:fillClrLst meth="repeat">
+      <a:schemeClr val="lt1">
+        <a:alpha val="90000"/>
+      </a:schemeClr>
+    </dgm:fillClrLst>
+    <dgm:linClrLst meth="repeat">
+      <a:schemeClr val="accent1"/>
+    </dgm:linClrLst>
+    <dgm:effectClrLst/>
+    <dgm:txLinClrLst/>
+    <dgm:txFillClrLst meth="repeat">
+      <a:schemeClr val="dk1"/>
+    </dgm:txFillClrLst>
+    <dgm:txEffectClrLst/>
+  </dgm:styleLbl>
+  <dgm:styleLbl name="trAlignAcc1">
+    <dgm:fillClrLst meth="repeat">
+      <a:schemeClr val="lt1">
+        <a:alpha val="40000"/>
+      </a:schemeClr>
+    </dgm:fillClrLst>
+    <dgm:linClrLst meth="repeat">
+      <a:schemeClr val="accent1"/>
+    </dgm:linClrLst>
+    <dgm:effectClrLst/>
+    <dgm:txLinClrLst/>
+    <dgm:txFillClrLst meth="repeat">
+      <a:schemeClr val="dk1"/>
+    </dgm:txFillClrLst>
+    <dgm:txEffectClrLst/>
+  </dgm:styleLbl>
+  <dgm:styleLbl name="bgAcc1">
+    <dgm:fillClrLst meth="repeat">
+      <a:schemeClr val="lt1">
+        <a:alpha val="90000"/>
+      </a:schemeClr>
+    </dgm:fillClrLst>
+    <dgm:linClrLst meth="repeat">
+      <a:schemeClr val="accent1"/>
+    </dgm:linClrLst>
+    <dgm:effectClrLst/>
+    <dgm:txLinClrLst/>
+    <dgm:txFillClrLst meth="repeat">
+      <a:schemeClr val="dk1"/>
+    </dgm:txFillClrLst>
+    <dgm:txEffectClrLst/>
+  </dgm:styleLbl>
+  <dgm:styleLbl name="solidFgAcc1">
+    <dgm:fillClrLst meth="repeat">
+      <a:schemeClr val="lt1"/>
+    </dgm:fillClrLst>
+    <dgm:linClrLst meth="repeat">
+      <a:schemeClr val="accent1"/>
+    </dgm:linClrLst>
+    <dgm:effectClrLst/>
+    <dgm:txLinClrLst/>
+    <dgm:txFillClrLst meth="repeat">
+      <a:schemeClr val="dk1"/>
+    </dgm:txFillClrLst>
+    <dgm:txEffectClrLst/>
+  </dgm:styleLbl>
+  <dgm:styleLbl name="solidAlignAcc1">
+    <dgm:fillClrLst meth="repeat">
+      <a:schemeClr val="lt1"/>
+    </dgm:fillClrLst>
+    <dgm:linClrLst meth="repeat">
+      <a:schemeClr val="accent1"/>
+    </dgm:linClrLst>
+    <dgm:effectClrLst/>
+    <dgm:txLinClrLst/>
+    <dgm:txFillClrLst meth="repeat">
+      <a:schemeClr val="dk1"/>
+    </dgm:txFillClrLst>
+    <dgm:txEffectClrLst/>
+  </dgm:styleLbl>
+  <dgm:styleLbl name="solidBgAcc1">
+    <dgm:fillClrLst meth="repeat">
+      <a:schemeClr val="lt1"/>
+    </dgm:fillClrLst>
+    <dgm:linClrLst meth="repeat">
+      <a:schemeClr val="accent1"/>
+    </dgm:linClrLst>
+    <dgm:effectClrLst/>
+    <dgm:txLinClrLst/>
+    <dgm:txFillClrLst meth="repeat">
+      <a:schemeClr val="dk1"/>
+    </dgm:txFillClrLst>
+    <dgm:txEffectClrLst/>
+  </dgm:styleLbl>
+  <dgm:styleLbl name="fgAccFollowNode1">
+    <dgm:fillClrLst meth="repeat">
+      <a:schemeClr val="accent1">
+        <a:alpha val="90000"/>
+        <a:tint val="40000"/>
+      </a:schemeClr>
+    </dgm:fillClrLst>
+    <dgm:linClrLst meth="repeat">
+      <a:schemeClr val="accent1">
+        <a:alpha val="90000"/>
+        <a:tint val="40000"/>
+      </a:schemeClr>
+    </dgm:linClrLst>
+    <dgm:effectClrLst/>
+    <dgm:txLinClrLst/>
+    <dgm:txFillClrLst meth="repeat">
+      <a:schemeClr val="dk1"/>
+    </dgm:txFillClrLst>
+    <dgm:txEffectClrLst/>
+  </dgm:styleLbl>
+  <dgm:styleLbl name="alignAccFollowNode1">
+    <dgm:fillClrLst meth="repeat">
+      <a:schemeClr val="accent1">
+        <a:alpha val="90000"/>
+        <a:tint val="40000"/>
+      </a:schemeClr>
+    </dgm:fillClrLst>
+    <dgm:linClrLst meth="repeat">
+      <a:schemeClr val="accent1">
+        <a:alpha val="90000"/>
+        <a:tint val="40000"/>
+      </a:schemeClr>
+    </dgm:linClrLst>
+    <dgm:effectClrLst/>
+    <dgm:txLinClrLst/>
+    <dgm:txFillClrLst meth="repeat">
+      <a:schemeClr val="dk1"/>
+    </dgm:txFillClrLst>
+    <dgm:txEffectClrLst/>
+  </dgm:styleLbl>
+  <dgm:styleLbl name="bgAccFollowNode1">
+    <dgm:fillClrLst meth="repeat">
+      <a:schemeClr val="accent1">
+        <a:alpha val="90000"/>
+        <a:tint val="40000"/>
+      </a:schemeClr>
+    </dgm:fillClrLst>
+    <dgm:linClrLst meth="repeat">
+      <a:schemeClr val="accent1">
+        <a:alpha val="90000"/>
+        <a:tint val="40000"/>
+      </a:schemeClr>
+    </dgm:linClrLst>
+    <dgm:effectClrLst/>
+    <dgm:txLinClrLst/>
+    <dgm:txFillClrLst meth="repeat">
+      <a:schemeClr val="dk1"/>
+    </dgm:txFillClrLst>
+    <dgm:txEffectClrLst/>
+  </dgm:styleLbl>
+  <dgm:styleLbl name="fgAcc0">
+    <dgm:fillClrLst meth="repeat">
+      <a:schemeClr val="lt1">
+        <a:alpha val="90000"/>
+      </a:schemeClr>
+    </dgm:fillClrLst>
+    <dgm:linClrLst meth="repeat">
+      <a:schemeClr val="accent1"/>
+    </dgm:linClrLst>
+    <dgm:effectClrLst/>
+    <dgm:txLinClrLst/>
+    <dgm:txFillClrLst meth="repeat">
+      <a:schemeClr val="dk1"/>
+    </dgm:txFillClrLst>
+    <dgm:txEffectClrLst/>
+  </dgm:styleLbl>
+  <dgm:styleLbl name="fgAcc2">
+    <dgm:fillClrLst meth="repeat">
+      <a:schemeClr val="lt1">
+        <a:alpha val="90000"/>
+      </a:schemeClr>
+    </dgm:fillClrLst>
+    <dgm:linClrLst meth="repeat">
+      <a:schemeClr val="accent1"/>
+    </dgm:linClrLst>
+    <dgm:effectClrLst/>
+    <dgm:txLinClrLst/>
+    <dgm:txFillClrLst meth="repeat">
+      <a:schemeClr val="dk1"/>
+    </dgm:txFillClrLst>
+    <dgm:txEffectClrLst/>
+  </dgm:styleLbl>
+  <dgm:styleLbl name="fgAcc3">
+    <dgm:fillClrLst meth="repeat">
+      <a:schemeClr val="lt1">
+        <a:alpha val="90000"/>
+      </a:schemeClr>
+    </dgm:fillClrLst>
+    <dgm:linClrLst meth="repeat">
+      <a:schemeClr val="accent1"/>
+    </dgm:linClrLst>
+    <dgm:effectClrLst/>
+    <dgm:txLinClrLst/>
+    <dgm:txFillClrLst meth="repeat">
+      <a:schemeClr val="dk1"/>
+    </dgm:txFillClrLst>
+    <dgm:txEffectClrLst/>
+  </dgm:styleLbl>
+  <dgm:styleLbl name="fgAcc4">
+    <dgm:fillClrLst meth="repeat">
+      <a:schemeClr val="lt1">
+        <a:alpha val="90000"/>
+      </a:schemeClr>
+    </dgm:fillClrLst>
+    <dgm:linClrLst meth="repeat">
+      <a:schemeClr val="accent1"/>
+    </dgm:linClrLst>
+    <dgm:effectClrLst/>
+    <dgm:txLinClrLst/>
+    <dgm:txFillClrLst meth="repeat">
+      <a:schemeClr val="dk1"/>
+    </dgm:txFillClrLst>
+    <dgm:txEffectClrLst/>
+  </dgm:styleLbl>
+  <dgm:styleLbl name="bgShp">
+    <dgm:fillClrLst meth="repeat">
+      <a:schemeClr val="accent1">
+        <a:tint val="40000"/>
+      </a:schemeClr>
+    </dgm:fillClrLst>
+    <dgm:linClrLst meth="repeat">
+      <a:schemeClr val="accent1"/>
+    </dgm:linClrLst>
+    <dgm:effectClrLst/>
+    <dgm:txLinClrLst/>
+    <dgm:txFillClrLst meth="repeat">
+      <a:schemeClr val="dk1"/>
+    </dgm:txFillClrLst>
+    <dgm:txEffectClrLst/>
+  </dgm:styleLbl>
+  <dgm:styleLbl name="dkBgShp">
+    <dgm:fillClrLst meth="repeat">
+      <a:schemeClr val="accent1">
+        <a:shade val="80000"/>
+      </a:schemeClr>
+    </dgm:fillClrLst>
+    <dgm:linClrLst meth="repeat">
+      <a:schemeClr val="accent1"/>
+    </dgm:linClrLst>
+    <dgm:effectClrLst/>
+    <dgm:txLinClrLst/>
+    <dgm:txFillClrLst meth="repeat">
+      <a:schemeClr val="lt1"/>
+    </dgm:txFillClrLst>
+    <dgm:txEffectClrLst/>
+  </dgm:styleLbl>
+  <dgm:styleLbl name="trBgShp">
+    <dgm:fillClrLst meth="repeat">
+      <a:schemeClr val="accent1">
+        <a:tint val="50000"/>
+        <a:alpha val="40000"/>
+      </a:schemeClr>
+    </dgm:fillClrLst>
+    <dgm:linClrLst meth="repeat">
+      <a:schemeClr val="accent1"/>
+    </dgm:linClrLst>
+    <dgm:effectClrLst/>
+    <dgm:txLinClrLst/>
+    <dgm:txFillClrLst meth="repeat">
+      <a:schemeClr val="lt1"/>
+    </dgm:txFillClrLst>
+    <dgm:txEffectClrLst/>
+  </dgm:styleLbl>
+  <dgm:styleLbl name="fgShp">
+    <dgm:fillClrLst meth="repeat">
+      <a:schemeClr val="accent1">
+        <a:tint val="60000"/>
+      </a:schemeClr>
+    </dgm:fillClrLst>
+    <dgm:linClrLst meth="repeat">
+      <a:schemeClr val="lt1"/>
+    </dgm:linClrLst>
+    <dgm:effectClrLst/>
+    <dgm:txLinClrLst/>
+    <dgm:txFillClrLst meth="repeat">
+      <a:schemeClr val="dk1"/>
+    </dgm:txFillClrLst>
+    <dgm:txEffectClrLst/>
+  </dgm:styleLbl>
+  <dgm:styleLbl name="revTx">
+    <dgm:fillClrLst meth="repeat">
+      <a:schemeClr val="lt1">
+        <a:alpha val="0"/>
+      </a:schemeClr>
+    </dgm:fillClrLst>
+    <dgm:linClrLst meth="repeat">
+      <a:schemeClr val="dk1">
+        <a:alpha val="0"/>
+      </a:schemeClr>
+    </dgm:linClrLst>
+    <dgm:effectClrLst/>
+    <dgm:txLinClrLst/>
+    <dgm:txFillClrLst meth="repeat">
+      <a:schemeClr val="tx1"/>
+    </dgm:txFillClrLst>
+    <dgm:txEffectClrLst/>
+  </dgm:styleLbl>
+</dgm:colorsDef>
+</file>
+
+<file path=ppt/diagrams/data1.xml><?xml version="1.0" encoding="utf-8"?>
+<dgm:dataModel xmlns:dgm="http://schemas.openxmlformats.org/drawingml/2006/diagram" xmlns:a="http://schemas.openxmlformats.org/drawingml/2006/main">
+  <dgm:ptLst>
+    <dgm:pt modelId="{0719B7DA-318E-4A84-86D5-A7B02D328740}" type="doc">
+      <dgm:prSet loTypeId="urn:microsoft.com/office/officeart/2005/8/layout/hierarchy1" loCatId="Inbox" qsTypeId="urn:microsoft.com/office/officeart/2005/8/quickstyle/simple4" qsCatId="simple" csTypeId="urn:microsoft.com/office/officeart/2005/8/colors/accent2_4" csCatId="accent2"/>
+      <dgm:spPr/>
+      <dgm:t>
+        <a:bodyPr/>
+        <a:lstStyle/>
+        <a:p>
+          <a:endParaRPr lang="en-US"/>
+        </a:p>
+      </dgm:t>
+    </dgm:pt>
+    <dgm:pt modelId="{9C1340A8-3C2B-4A30-A19F-455C8237BEF7}">
+      <dgm:prSet/>
+      <dgm:spPr/>
+      <dgm:t>
+        <a:bodyPr/>
+        <a:lstStyle/>
+        <a:p>
+          <a:r>
+            <a:rPr lang="en-IE" dirty="0"/>
+            <a:t>Pathfinding</a:t>
+          </a:r>
+          <a:endParaRPr lang="en-US" dirty="0"/>
+        </a:p>
+      </dgm:t>
+    </dgm:pt>
+    <dgm:pt modelId="{9C735421-333A-48CD-9643-BFFBE13E52EC}" type="parTrans" cxnId="{D405450A-D100-40ED-A645-DDF6DBC1AD82}">
+      <dgm:prSet/>
+      <dgm:spPr/>
+      <dgm:t>
+        <a:bodyPr/>
+        <a:lstStyle/>
+        <a:p>
+          <a:endParaRPr lang="en-US"/>
+        </a:p>
+      </dgm:t>
+    </dgm:pt>
+    <dgm:pt modelId="{4A66FDC1-72B8-42A6-99D6-D84A353B1D35}" type="sibTrans" cxnId="{D405450A-D100-40ED-A645-DDF6DBC1AD82}">
+      <dgm:prSet/>
+      <dgm:spPr/>
+      <dgm:t>
+        <a:bodyPr/>
+        <a:lstStyle/>
+        <a:p>
+          <a:endParaRPr lang="en-US"/>
+        </a:p>
+      </dgm:t>
+    </dgm:pt>
+    <dgm:pt modelId="{C10616A2-3250-44B4-9484-EF90020DECA4}">
+      <dgm:prSet/>
+      <dgm:spPr/>
+      <dgm:t>
+        <a:bodyPr/>
+        <a:lstStyle/>
+        <a:p>
+          <a:r>
+            <a:rPr lang="en-IE" dirty="0"/>
+            <a:t>Behaviour</a:t>
+          </a:r>
+          <a:endParaRPr lang="en-US" dirty="0"/>
+        </a:p>
+      </dgm:t>
+    </dgm:pt>
+    <dgm:pt modelId="{61B4941C-539A-4FD6-B310-5E4F8648EB57}" type="parTrans" cxnId="{47B28515-C5C6-4E76-87D5-305D52D3A0E9}">
+      <dgm:prSet/>
+      <dgm:spPr/>
+      <dgm:t>
+        <a:bodyPr/>
+        <a:lstStyle/>
+        <a:p>
+          <a:endParaRPr lang="en-US"/>
+        </a:p>
+      </dgm:t>
+    </dgm:pt>
+    <dgm:pt modelId="{9DA6DD85-BA05-4507-B50A-AA884104D0D8}" type="sibTrans" cxnId="{47B28515-C5C6-4E76-87D5-305D52D3A0E9}">
+      <dgm:prSet/>
+      <dgm:spPr/>
+      <dgm:t>
+        <a:bodyPr/>
+        <a:lstStyle/>
+        <a:p>
+          <a:endParaRPr lang="en-US"/>
+        </a:p>
+      </dgm:t>
+    </dgm:pt>
+    <dgm:pt modelId="{FF166287-E6D6-4A08-BCAC-372F734DD262}" type="pres">
+      <dgm:prSet presAssocID="{0719B7DA-318E-4A84-86D5-A7B02D328740}" presName="hierChild1" presStyleCnt="0">
+        <dgm:presLayoutVars>
+          <dgm:chPref val="1"/>
+          <dgm:dir/>
+          <dgm:animOne val="branch"/>
+          <dgm:animLvl val="lvl"/>
+          <dgm:resizeHandles/>
+        </dgm:presLayoutVars>
+      </dgm:prSet>
+      <dgm:spPr/>
+    </dgm:pt>
+    <dgm:pt modelId="{2E658BE6-509E-4065-8BAA-8A723AEC596C}" type="pres">
+      <dgm:prSet presAssocID="{9C1340A8-3C2B-4A30-A19F-455C8237BEF7}" presName="hierRoot1" presStyleCnt="0"/>
+      <dgm:spPr/>
+    </dgm:pt>
+    <dgm:pt modelId="{63CD2836-8C18-4477-9E25-CEFD94B19F9F}" type="pres">
+      <dgm:prSet presAssocID="{9C1340A8-3C2B-4A30-A19F-455C8237BEF7}" presName="composite" presStyleCnt="0"/>
+      <dgm:spPr/>
+    </dgm:pt>
+    <dgm:pt modelId="{DA929F9D-00D4-4391-A278-C5136F3DA67A}" type="pres">
+      <dgm:prSet presAssocID="{9C1340A8-3C2B-4A30-A19F-455C8237BEF7}" presName="background" presStyleLbl="node0" presStyleIdx="0" presStyleCnt="2"/>
+      <dgm:spPr>
+        <a:solidFill>
+          <a:schemeClr val="accent1">
+            <a:lumMod val="75000"/>
+          </a:schemeClr>
+        </a:solidFill>
+      </dgm:spPr>
+    </dgm:pt>
+    <dgm:pt modelId="{30A772DD-BED5-4A30-A41A-AB64AEBDC0DA}" type="pres">
+      <dgm:prSet presAssocID="{9C1340A8-3C2B-4A30-A19F-455C8237BEF7}" presName="text" presStyleLbl="fgAcc0" presStyleIdx="0" presStyleCnt="2">
+        <dgm:presLayoutVars>
+          <dgm:chPref val="3"/>
+        </dgm:presLayoutVars>
+      </dgm:prSet>
+      <dgm:spPr/>
+    </dgm:pt>
+    <dgm:pt modelId="{1EBD4513-AA65-4095-979F-31C16E8BDE91}" type="pres">
+      <dgm:prSet presAssocID="{9C1340A8-3C2B-4A30-A19F-455C8237BEF7}" presName="hierChild2" presStyleCnt="0"/>
+      <dgm:spPr/>
+    </dgm:pt>
+    <dgm:pt modelId="{A561601E-4AC0-438A-848C-DBCBF727046F}" type="pres">
+      <dgm:prSet presAssocID="{C10616A2-3250-44B4-9484-EF90020DECA4}" presName="hierRoot1" presStyleCnt="0"/>
+      <dgm:spPr/>
+    </dgm:pt>
+    <dgm:pt modelId="{A91AAE3E-3588-4E4C-B1C7-D5DD492A0EF6}" type="pres">
+      <dgm:prSet presAssocID="{C10616A2-3250-44B4-9484-EF90020DECA4}" presName="composite" presStyleCnt="0"/>
+      <dgm:spPr/>
+    </dgm:pt>
+    <dgm:pt modelId="{3FC7280C-1FB3-49C5-B01A-AFB54617CFB4}" type="pres">
+      <dgm:prSet presAssocID="{C10616A2-3250-44B4-9484-EF90020DECA4}" presName="background" presStyleLbl="node0" presStyleIdx="1" presStyleCnt="2"/>
+      <dgm:spPr>
+        <a:solidFill>
+          <a:schemeClr val="accent1">
+            <a:lumMod val="50000"/>
+          </a:schemeClr>
+        </a:solidFill>
+      </dgm:spPr>
+    </dgm:pt>
+    <dgm:pt modelId="{E285258B-1CA6-4855-9852-4B09B56D903C}" type="pres">
+      <dgm:prSet presAssocID="{C10616A2-3250-44B4-9484-EF90020DECA4}" presName="text" presStyleLbl="fgAcc0" presStyleIdx="1" presStyleCnt="2">
+        <dgm:presLayoutVars>
+          <dgm:chPref val="3"/>
+        </dgm:presLayoutVars>
+      </dgm:prSet>
+      <dgm:spPr/>
+    </dgm:pt>
+    <dgm:pt modelId="{718A7210-61B5-45D6-89B9-D0E5E06B2BA0}" type="pres">
+      <dgm:prSet presAssocID="{C10616A2-3250-44B4-9484-EF90020DECA4}" presName="hierChild2" presStyleCnt="0"/>
+      <dgm:spPr/>
+    </dgm:pt>
+  </dgm:ptLst>
+  <dgm:cxnLst>
+    <dgm:cxn modelId="{D405450A-D100-40ED-A645-DDF6DBC1AD82}" srcId="{0719B7DA-318E-4A84-86D5-A7B02D328740}" destId="{9C1340A8-3C2B-4A30-A19F-455C8237BEF7}" srcOrd="0" destOrd="0" parTransId="{9C735421-333A-48CD-9643-BFFBE13E52EC}" sibTransId="{4A66FDC1-72B8-42A6-99D6-D84A353B1D35}"/>
+    <dgm:cxn modelId="{47B28515-C5C6-4E76-87D5-305D52D3A0E9}" srcId="{0719B7DA-318E-4A84-86D5-A7B02D328740}" destId="{C10616A2-3250-44B4-9484-EF90020DECA4}" srcOrd="1" destOrd="0" parTransId="{61B4941C-539A-4FD6-B310-5E4F8648EB57}" sibTransId="{9DA6DD85-BA05-4507-B50A-AA884104D0D8}"/>
+    <dgm:cxn modelId="{49B80A85-3242-433B-B5F9-FCA9E340E0CD}" type="presOf" srcId="{C10616A2-3250-44B4-9484-EF90020DECA4}" destId="{E285258B-1CA6-4855-9852-4B09B56D903C}" srcOrd="0" destOrd="0" presId="urn:microsoft.com/office/officeart/2005/8/layout/hierarchy1"/>
+    <dgm:cxn modelId="{870BFF86-5B18-4329-A638-D289E7CEC447}" type="presOf" srcId="{0719B7DA-318E-4A84-86D5-A7B02D328740}" destId="{FF166287-E6D6-4A08-BCAC-372F734DD262}" srcOrd="0" destOrd="0" presId="urn:microsoft.com/office/officeart/2005/8/layout/hierarchy1"/>
+    <dgm:cxn modelId="{26F584FD-EDA6-4A15-A840-7D802B973F1D}" type="presOf" srcId="{9C1340A8-3C2B-4A30-A19F-455C8237BEF7}" destId="{30A772DD-BED5-4A30-A41A-AB64AEBDC0DA}" srcOrd="0" destOrd="0" presId="urn:microsoft.com/office/officeart/2005/8/layout/hierarchy1"/>
+    <dgm:cxn modelId="{5A3C9886-E8D3-4802-A3F0-ECAC3FA4CC66}" type="presParOf" srcId="{FF166287-E6D6-4A08-BCAC-372F734DD262}" destId="{2E658BE6-509E-4065-8BAA-8A723AEC596C}" srcOrd="0" destOrd="0" presId="urn:microsoft.com/office/officeart/2005/8/layout/hierarchy1"/>
+    <dgm:cxn modelId="{38369CAB-074A-4812-B302-4309288B516D}" type="presParOf" srcId="{2E658BE6-509E-4065-8BAA-8A723AEC596C}" destId="{63CD2836-8C18-4477-9E25-CEFD94B19F9F}" srcOrd="0" destOrd="0" presId="urn:microsoft.com/office/officeart/2005/8/layout/hierarchy1"/>
+    <dgm:cxn modelId="{0253CCDF-6846-44A9-9623-F62B498A7BCD}" type="presParOf" srcId="{63CD2836-8C18-4477-9E25-CEFD94B19F9F}" destId="{DA929F9D-00D4-4391-A278-C5136F3DA67A}" srcOrd="0" destOrd="0" presId="urn:microsoft.com/office/officeart/2005/8/layout/hierarchy1"/>
+    <dgm:cxn modelId="{7AE1AFB2-C9A4-4A41-AFA1-D2B2208CB337}" type="presParOf" srcId="{63CD2836-8C18-4477-9E25-CEFD94B19F9F}" destId="{30A772DD-BED5-4A30-A41A-AB64AEBDC0DA}" srcOrd="1" destOrd="0" presId="urn:microsoft.com/office/officeart/2005/8/layout/hierarchy1"/>
+    <dgm:cxn modelId="{8AFBD27A-F0E4-4DFE-8A3D-4FC092515AB0}" type="presParOf" srcId="{2E658BE6-509E-4065-8BAA-8A723AEC596C}" destId="{1EBD4513-AA65-4095-979F-31C16E8BDE91}" srcOrd="1" destOrd="0" presId="urn:microsoft.com/office/officeart/2005/8/layout/hierarchy1"/>
+    <dgm:cxn modelId="{623E0EFD-953F-4B96-9B53-F545DFB2E300}" type="presParOf" srcId="{FF166287-E6D6-4A08-BCAC-372F734DD262}" destId="{A561601E-4AC0-438A-848C-DBCBF727046F}" srcOrd="1" destOrd="0" presId="urn:microsoft.com/office/officeart/2005/8/layout/hierarchy1"/>
+    <dgm:cxn modelId="{3D09B6C5-A860-4DE1-93FC-3B49AFD63847}" type="presParOf" srcId="{A561601E-4AC0-438A-848C-DBCBF727046F}" destId="{A91AAE3E-3588-4E4C-B1C7-D5DD492A0EF6}" srcOrd="0" destOrd="0" presId="urn:microsoft.com/office/officeart/2005/8/layout/hierarchy1"/>
+    <dgm:cxn modelId="{5FB379D0-C699-41E4-9871-A7469B3F93D3}" type="presParOf" srcId="{A91AAE3E-3588-4E4C-B1C7-D5DD492A0EF6}" destId="{3FC7280C-1FB3-49C5-B01A-AFB54617CFB4}" srcOrd="0" destOrd="0" presId="urn:microsoft.com/office/officeart/2005/8/layout/hierarchy1"/>
+    <dgm:cxn modelId="{7E4DD6DF-D055-4860-9B78-8BBD352343F4}" type="presParOf" srcId="{A91AAE3E-3588-4E4C-B1C7-D5DD492A0EF6}" destId="{E285258B-1CA6-4855-9852-4B09B56D903C}" srcOrd="1" destOrd="0" presId="urn:microsoft.com/office/officeart/2005/8/layout/hierarchy1"/>
+    <dgm:cxn modelId="{DBB8543F-D6B7-4457-8D66-DEE8D44CB0FB}" type="presParOf" srcId="{A561601E-4AC0-438A-848C-DBCBF727046F}" destId="{718A7210-61B5-45D6-89B9-D0E5E06B2BA0}" srcOrd="1" destOrd="0" presId="urn:microsoft.com/office/officeart/2005/8/layout/hierarchy1"/>
+  </dgm:cxnLst>
+  <dgm:bg/>
+  <dgm:whole/>
+  <dgm:extLst>
+    <a:ext uri="http://schemas.microsoft.com/office/drawing/2008/diagram">
+      <dsp:dataModelExt xmlns:dsp="http://schemas.microsoft.com/office/drawing/2008/diagram" relId="rId7" minVer="http://schemas.openxmlformats.org/drawingml/2006/diagram"/>
+    </a:ext>
+  </dgm:extLst>
+</dgm:dataModel>
+</file>
+
+<file path=ppt/diagrams/data2.xml><?xml version="1.0" encoding="utf-8"?>
+<dgm:dataModel xmlns:dgm="http://schemas.openxmlformats.org/drawingml/2006/diagram" xmlns:a="http://schemas.openxmlformats.org/drawingml/2006/main">
+  <dgm:ptLst>
+    <dgm:pt modelId="{31FD5060-DD8D-4963-8A2E-2929E5BA8B2B}" type="doc">
+      <dgm:prSet loTypeId="urn:microsoft.com/office/officeart/2008/layout/AccentedPicture" loCatId="picture" qsTypeId="urn:microsoft.com/office/officeart/2005/8/quickstyle/simple1" qsCatId="simple" csTypeId="urn:microsoft.com/office/officeart/2005/8/colors/accent1_2" csCatId="accent1" phldr="1"/>
+      <dgm:spPr/>
+    </dgm:pt>
+    <dgm:pt modelId="{495593AA-6931-4B7A-8763-E69CA7C5D601}">
+      <dgm:prSet phldrT="[Text]"/>
+      <dgm:spPr/>
+      <dgm:t>
+        <a:bodyPr/>
+        <a:lstStyle/>
+        <a:p>
+          <a:r>
+            <a:rPr lang="en-US" dirty="0"/>
+            <a:t> </a:t>
+          </a:r>
+        </a:p>
+      </dgm:t>
+    </dgm:pt>
+    <dgm:pt modelId="{6252270C-4BA9-48AF-957D-A1592D047912}" type="sibTrans" cxnId="{F440214C-D684-4F0A-8E93-5E53EFB0D337}">
+      <dgm:prSet/>
+      <dgm:spPr>
+        <a:blipFill rotWithShape="1">
+          <a:blip xmlns:r="http://schemas.openxmlformats.org/officeDocument/2006/relationships" r:embed="rId1">
+            <a:extLst>
+              <a:ext uri="{BEBA8EAE-BF5A-486C-A8C5-ECC9F3942E4B}">
+                <a14:imgProps xmlns:a14="http://schemas.microsoft.com/office/drawing/2010/main">
+                  <a14:imgLayer r:embed="rId2">
+                    <a14:imgEffect>
+                      <a14:artisticGlowEdges/>
+                    </a14:imgEffect>
+                  </a14:imgLayer>
+                </a14:imgProps>
+              </a:ext>
+              <a:ext uri="{28A0092B-C50C-407E-A947-70E740481C1C}">
+                <a14:useLocalDpi xmlns:a14="http://schemas.microsoft.com/office/drawing/2010/main" val="0"/>
+              </a:ext>
+            </a:extLst>
+          </a:blip>
+          <a:srcRect/>
+          <a:stretch>
+            <a:fillRect l="-32000" r="-32000"/>
+          </a:stretch>
+        </a:blipFill>
+        <a:scene3d>
+          <a:camera prst="perspectiveRight"/>
+          <a:lightRig rig="threePt" dir="t"/>
+        </a:scene3d>
+      </dgm:spPr>
+      <dgm:t>
+        <a:bodyPr/>
+        <a:lstStyle/>
+        <a:p>
+          <a:endParaRPr lang="en-US"/>
+        </a:p>
+      </dgm:t>
+    </dgm:pt>
+    <dgm:pt modelId="{87D0E6B7-BF3E-4DA9-955B-39CA210EFB9E}" type="parTrans" cxnId="{F440214C-D684-4F0A-8E93-5E53EFB0D337}">
+      <dgm:prSet/>
+      <dgm:spPr/>
+      <dgm:t>
+        <a:bodyPr/>
+        <a:lstStyle/>
+        <a:p>
+          <a:endParaRPr lang="en-US"/>
+        </a:p>
+      </dgm:t>
+    </dgm:pt>
+    <dgm:pt modelId="{CCA20407-68F7-4A4F-A1C7-57685DD45BD8}" type="pres">
+      <dgm:prSet presAssocID="{31FD5060-DD8D-4963-8A2E-2929E5BA8B2B}" presName="Name0" presStyleCnt="0">
+        <dgm:presLayoutVars>
+          <dgm:dir/>
+        </dgm:presLayoutVars>
+      </dgm:prSet>
+      <dgm:spPr/>
+    </dgm:pt>
+    <dgm:pt modelId="{029D5908-70AC-4304-9648-CD32F30B1F61}" type="pres">
+      <dgm:prSet presAssocID="{6252270C-4BA9-48AF-957D-A1592D047912}" presName="picture_1" presStyleLbl="bgImgPlace1" presStyleIdx="0" presStyleCnt="1" custScaleX="122344"/>
+      <dgm:spPr/>
+    </dgm:pt>
+    <dgm:pt modelId="{16ABC6BC-7271-46B8-A1DE-CEC663ABC04F}" type="pres">
+      <dgm:prSet presAssocID="{495593AA-6931-4B7A-8763-E69CA7C5D601}" presName="text_1" presStyleLbl="node1" presStyleIdx="0" presStyleCnt="0">
+        <dgm:presLayoutVars>
+          <dgm:bulletEnabled val="1"/>
+        </dgm:presLayoutVars>
+      </dgm:prSet>
+      <dgm:spPr/>
+    </dgm:pt>
+    <dgm:pt modelId="{986E29C1-7EEB-40E9-9F08-F94BAD550EC3}" type="pres">
+      <dgm:prSet presAssocID="{31FD5060-DD8D-4963-8A2E-2929E5BA8B2B}" presName="maxNode" presStyleCnt="0"/>
+      <dgm:spPr/>
+    </dgm:pt>
+    <dgm:pt modelId="{CBABEF15-2879-4EF4-AE60-525DF663964C}" type="pres">
+      <dgm:prSet presAssocID="{31FD5060-DD8D-4963-8A2E-2929E5BA8B2B}" presName="Name33" presStyleCnt="0"/>
+      <dgm:spPr/>
+    </dgm:pt>
+  </dgm:ptLst>
+  <dgm:cxnLst>
+    <dgm:cxn modelId="{20822710-81B8-4CF5-A0B9-22EAE0156EF4}" type="presOf" srcId="{6252270C-4BA9-48AF-957D-A1592D047912}" destId="{029D5908-70AC-4304-9648-CD32F30B1F61}" srcOrd="0" destOrd="0" presId="urn:microsoft.com/office/officeart/2008/layout/AccentedPicture"/>
+    <dgm:cxn modelId="{53907130-D7FA-41F0-B272-DE12BBBDADAD}" type="presOf" srcId="{495593AA-6931-4B7A-8763-E69CA7C5D601}" destId="{16ABC6BC-7271-46B8-A1DE-CEC663ABC04F}" srcOrd="0" destOrd="0" presId="urn:microsoft.com/office/officeart/2008/layout/AccentedPicture"/>
+    <dgm:cxn modelId="{F440214C-D684-4F0A-8E93-5E53EFB0D337}" srcId="{31FD5060-DD8D-4963-8A2E-2929E5BA8B2B}" destId="{495593AA-6931-4B7A-8763-E69CA7C5D601}" srcOrd="0" destOrd="0" parTransId="{87D0E6B7-BF3E-4DA9-955B-39CA210EFB9E}" sibTransId="{6252270C-4BA9-48AF-957D-A1592D047912}"/>
+    <dgm:cxn modelId="{662B4C80-565E-4CC2-B343-371471D18527}" type="presOf" srcId="{31FD5060-DD8D-4963-8A2E-2929E5BA8B2B}" destId="{CCA20407-68F7-4A4F-A1C7-57685DD45BD8}" srcOrd="0" destOrd="0" presId="urn:microsoft.com/office/officeart/2008/layout/AccentedPicture"/>
+    <dgm:cxn modelId="{F55D64D6-306C-47F5-BA67-37AAB14C73F7}" type="presParOf" srcId="{CCA20407-68F7-4A4F-A1C7-57685DD45BD8}" destId="{029D5908-70AC-4304-9648-CD32F30B1F61}" srcOrd="0" destOrd="0" presId="urn:microsoft.com/office/officeart/2008/layout/AccentedPicture"/>
+    <dgm:cxn modelId="{01595DAC-3B30-48C3-AC81-38043EF989B6}" type="presParOf" srcId="{CCA20407-68F7-4A4F-A1C7-57685DD45BD8}" destId="{16ABC6BC-7271-46B8-A1DE-CEC663ABC04F}" srcOrd="1" destOrd="0" presId="urn:microsoft.com/office/officeart/2008/layout/AccentedPicture"/>
+    <dgm:cxn modelId="{B88A4D8B-DD3C-45CE-B9DA-0B92AFD6C973}" type="presParOf" srcId="{CCA20407-68F7-4A4F-A1C7-57685DD45BD8}" destId="{986E29C1-7EEB-40E9-9F08-F94BAD550EC3}" srcOrd="2" destOrd="0" presId="urn:microsoft.com/office/officeart/2008/layout/AccentedPicture"/>
+    <dgm:cxn modelId="{87254EEE-802F-42ED-878A-3055DCCBB066}" type="presParOf" srcId="{986E29C1-7EEB-40E9-9F08-F94BAD550EC3}" destId="{CBABEF15-2879-4EF4-AE60-525DF663964C}" srcOrd="0" destOrd="0" presId="urn:microsoft.com/office/officeart/2008/layout/AccentedPicture"/>
+  </dgm:cxnLst>
+  <dgm:bg/>
+  <dgm:whole/>
+  <dgm:extLst>
+    <a:ext uri="http://schemas.microsoft.com/office/drawing/2008/diagram">
+      <dsp:dataModelExt xmlns:dsp="http://schemas.microsoft.com/office/drawing/2008/diagram" relId="rId7" minVer="http://schemas.openxmlformats.org/drawingml/2006/diagram"/>
+    </a:ext>
+  </dgm:extLst>
+</dgm:dataModel>
+</file>
+
+<file path=ppt/diagrams/drawing1.xml><?xml version="1.0" encoding="utf-8"?>
+<dsp:drawing xmlns:dgm="http://schemas.openxmlformats.org/drawingml/2006/diagram" xmlns:dsp="http://schemas.microsoft.com/office/drawing/2008/diagram" xmlns:a="http://schemas.openxmlformats.org/drawingml/2006/main">
+  <dsp:spTree>
+    <dsp:nvGrpSpPr>
+      <dsp:cNvPr id="0" name=""/>
+      <dsp:cNvGrpSpPr/>
+    </dsp:nvGrpSpPr>
+    <dsp:grpSpPr/>
+    <dsp:sp modelId="{DA929F9D-00D4-4391-A278-C5136F3DA67A}">
+      <dsp:nvSpPr>
+        <dsp:cNvPr id="0" name=""/>
+        <dsp:cNvSpPr/>
+      </dsp:nvSpPr>
+      <dsp:spPr>
+        <a:xfrm>
+          <a:off x="1283" y="408925"/>
+          <a:ext cx="4505585" cy="2861046"/>
+        </a:xfrm>
+        <a:prstGeom prst="roundRect">
+          <a:avLst>
+            <a:gd name="adj" fmla="val 10000"/>
+          </a:avLst>
+        </a:prstGeom>
+        <a:solidFill>
+          <a:schemeClr val="accent1">
+            <a:lumMod val="75000"/>
+          </a:schemeClr>
+        </a:solidFill>
+        <a:ln>
+          <a:noFill/>
+        </a:ln>
+        <a:effectLst/>
+      </dsp:spPr>
+      <dsp:style>
+        <a:lnRef idx="0">
+          <a:scrgbClr r="0" g="0" b="0"/>
+        </a:lnRef>
+        <a:fillRef idx="3">
+          <a:scrgbClr r="0" g="0" b="0"/>
+        </a:fillRef>
+        <a:effectRef idx="2">
+          <a:scrgbClr r="0" g="0" b="0"/>
+        </a:effectRef>
+        <a:fontRef idx="minor">
+          <a:schemeClr val="lt1"/>
+        </a:fontRef>
+      </dsp:style>
+    </dsp:sp>
+    <dsp:sp modelId="{30A772DD-BED5-4A30-A41A-AB64AEBDC0DA}">
+      <dsp:nvSpPr>
+        <dsp:cNvPr id="0" name=""/>
+        <dsp:cNvSpPr/>
+      </dsp:nvSpPr>
+      <dsp:spPr>
+        <a:xfrm>
+          <a:off x="501904" y="884515"/>
+          <a:ext cx="4505585" cy="2861046"/>
+        </a:xfrm>
+        <a:prstGeom prst="roundRect">
+          <a:avLst>
+            <a:gd name="adj" fmla="val 10000"/>
+          </a:avLst>
+        </a:prstGeom>
+        <a:solidFill>
+          <a:schemeClr val="lt1">
+            <a:alpha val="90000"/>
+            <a:hueOff val="0"/>
+            <a:satOff val="0"/>
+            <a:lumOff val="0"/>
+            <a:alphaOff val="0"/>
+          </a:schemeClr>
+        </a:solidFill>
+        <a:ln w="6350" cap="flat" cmpd="sng" algn="ctr">
+          <a:solidFill>
+            <a:schemeClr val="accent2">
+              <a:shade val="80000"/>
+              <a:hueOff val="0"/>
+              <a:satOff val="0"/>
+              <a:lumOff val="0"/>
+              <a:alphaOff val="0"/>
+            </a:schemeClr>
+          </a:solidFill>
+          <a:prstDash val="solid"/>
+          <a:miter lim="800000"/>
+        </a:ln>
+        <a:effectLst/>
+      </dsp:spPr>
+      <dsp:style>
+        <a:lnRef idx="1">
+          <a:scrgbClr r="0" g="0" b="0"/>
+        </a:lnRef>
+        <a:fillRef idx="1">
+          <a:scrgbClr r="0" g="0" b="0"/>
+        </a:fillRef>
+        <a:effectRef idx="0">
+          <a:scrgbClr r="0" g="0" b="0"/>
+        </a:effectRef>
+        <a:fontRef idx="minor"/>
+      </dsp:style>
+      <dsp:txBody>
+        <a:bodyPr spcFirstLastPara="0" vert="horz" wrap="square" lIns="247650" tIns="247650" rIns="247650" bIns="247650" numCol="1" spcCol="1270" anchor="ctr" anchorCtr="0">
+          <a:noAutofit/>
+        </a:bodyPr>
+        <a:lstStyle/>
+        <a:p>
+          <a:pPr marL="0" lvl="0" indent="0" algn="ctr" defTabSz="2889250">
+            <a:lnSpc>
+              <a:spcPct val="90000"/>
+            </a:lnSpc>
+            <a:spcBef>
+              <a:spcPct val="0"/>
+            </a:spcBef>
+            <a:spcAft>
+              <a:spcPct val="35000"/>
+            </a:spcAft>
+            <a:buNone/>
+          </a:pPr>
+          <a:r>
+            <a:rPr lang="en-IE" sz="6500" kern="1200" dirty="0"/>
+            <a:t>Pathfinding</a:t>
+          </a:r>
+          <a:endParaRPr lang="en-US" sz="6500" kern="1200" dirty="0"/>
+        </a:p>
+      </dsp:txBody>
+      <dsp:txXfrm>
+        <a:off x="585701" y="968312"/>
+        <a:ext cx="4337991" cy="2693452"/>
+      </dsp:txXfrm>
+    </dsp:sp>
+    <dsp:sp modelId="{3FC7280C-1FB3-49C5-B01A-AFB54617CFB4}">
+      <dsp:nvSpPr>
+        <dsp:cNvPr id="0" name=""/>
+        <dsp:cNvSpPr/>
+      </dsp:nvSpPr>
+      <dsp:spPr>
+        <a:xfrm>
+          <a:off x="5508110" y="408925"/>
+          <a:ext cx="4505585" cy="2861046"/>
+        </a:xfrm>
+        <a:prstGeom prst="roundRect">
+          <a:avLst>
+            <a:gd name="adj" fmla="val 10000"/>
+          </a:avLst>
+        </a:prstGeom>
+        <a:solidFill>
+          <a:schemeClr val="accent1">
+            <a:lumMod val="50000"/>
+          </a:schemeClr>
+        </a:solidFill>
+        <a:ln>
+          <a:noFill/>
+        </a:ln>
+        <a:effectLst/>
+      </dsp:spPr>
+      <dsp:style>
+        <a:lnRef idx="0">
+          <a:scrgbClr r="0" g="0" b="0"/>
+        </a:lnRef>
+        <a:fillRef idx="3">
+          <a:scrgbClr r="0" g="0" b="0"/>
+        </a:fillRef>
+        <a:effectRef idx="2">
+          <a:scrgbClr r="0" g="0" b="0"/>
+        </a:effectRef>
+        <a:fontRef idx="minor">
+          <a:schemeClr val="lt1"/>
+        </a:fontRef>
+      </dsp:style>
+    </dsp:sp>
+    <dsp:sp modelId="{E285258B-1CA6-4855-9852-4B09B56D903C}">
+      <dsp:nvSpPr>
+        <dsp:cNvPr id="0" name=""/>
+        <dsp:cNvSpPr/>
+      </dsp:nvSpPr>
+      <dsp:spPr>
+        <a:xfrm>
+          <a:off x="6008730" y="884515"/>
+          <a:ext cx="4505585" cy="2861046"/>
+        </a:xfrm>
+        <a:prstGeom prst="roundRect">
+          <a:avLst>
+            <a:gd name="adj" fmla="val 10000"/>
+          </a:avLst>
+        </a:prstGeom>
+        <a:solidFill>
+          <a:schemeClr val="lt1">
+            <a:alpha val="90000"/>
+            <a:hueOff val="0"/>
+            <a:satOff val="0"/>
+            <a:lumOff val="0"/>
+            <a:alphaOff val="0"/>
+          </a:schemeClr>
+        </a:solidFill>
+        <a:ln w="6350" cap="flat" cmpd="sng" algn="ctr">
+          <a:solidFill>
+            <a:schemeClr val="accent2">
+              <a:shade val="80000"/>
+              <a:hueOff val="0"/>
+              <a:satOff val="0"/>
+              <a:lumOff val="0"/>
+              <a:alphaOff val="0"/>
+            </a:schemeClr>
+          </a:solidFill>
+          <a:prstDash val="solid"/>
+          <a:miter lim="800000"/>
+        </a:ln>
+        <a:effectLst/>
+      </dsp:spPr>
+      <dsp:style>
+        <a:lnRef idx="1">
+          <a:scrgbClr r="0" g="0" b="0"/>
+        </a:lnRef>
+        <a:fillRef idx="1">
+          <a:scrgbClr r="0" g="0" b="0"/>
+        </a:fillRef>
+        <a:effectRef idx="0">
+          <a:scrgbClr r="0" g="0" b="0"/>
+        </a:effectRef>
+        <a:fontRef idx="minor"/>
+      </dsp:style>
+      <dsp:txBody>
+        <a:bodyPr spcFirstLastPara="0" vert="horz" wrap="square" lIns="247650" tIns="247650" rIns="247650" bIns="247650" numCol="1" spcCol="1270" anchor="ctr" anchorCtr="0">
+          <a:noAutofit/>
+        </a:bodyPr>
+        <a:lstStyle/>
+        <a:p>
+          <a:pPr marL="0" lvl="0" indent="0" algn="ctr" defTabSz="2889250">
+            <a:lnSpc>
+              <a:spcPct val="90000"/>
+            </a:lnSpc>
+            <a:spcBef>
+              <a:spcPct val="0"/>
+            </a:spcBef>
+            <a:spcAft>
+              <a:spcPct val="35000"/>
+            </a:spcAft>
+            <a:buNone/>
+          </a:pPr>
+          <a:r>
+            <a:rPr lang="en-IE" sz="6500" kern="1200" dirty="0"/>
+            <a:t>Behaviour</a:t>
+          </a:r>
+          <a:endParaRPr lang="en-US" sz="6500" kern="1200" dirty="0"/>
+        </a:p>
+      </dsp:txBody>
+      <dsp:txXfrm>
+        <a:off x="6092527" y="968312"/>
+        <a:ext cx="4337991" cy="2693452"/>
+      </dsp:txXfrm>
+    </dsp:sp>
+  </dsp:spTree>
+</dsp:drawing>
+</file>
+
+<file path=ppt/diagrams/drawing2.xml><?xml version="1.0" encoding="utf-8"?>
+<dsp:drawing xmlns:dgm="http://schemas.openxmlformats.org/drawingml/2006/diagram" xmlns:dsp="http://schemas.microsoft.com/office/drawing/2008/diagram" xmlns:a="http://schemas.openxmlformats.org/drawingml/2006/main">
+  <dsp:spTree>
+    <dsp:nvGrpSpPr>
+      <dsp:cNvPr id="0" name=""/>
+      <dsp:cNvGrpSpPr/>
+    </dsp:nvGrpSpPr>
+    <dsp:grpSpPr/>
+    <dsp:sp modelId="{029D5908-70AC-4304-9648-CD32F30B1F61}">
+      <dsp:nvSpPr>
+        <dsp:cNvPr id="0" name=""/>
+        <dsp:cNvSpPr/>
+      </dsp:nvSpPr>
+      <dsp:spPr>
+        <a:xfrm>
+          <a:off x="364069" y="0"/>
+          <a:ext cx="3737982" cy="3897073"/>
+        </a:xfrm>
+        <a:prstGeom prst="roundRect">
+          <a:avLst/>
+        </a:prstGeom>
+        <a:blipFill rotWithShape="1">
+          <a:blip xmlns:r="http://schemas.openxmlformats.org/officeDocument/2006/relationships" r:embed="rId1">
+            <a:extLst>
+              <a:ext uri="{BEBA8EAE-BF5A-486C-A8C5-ECC9F3942E4B}">
+                <a14:imgProps xmlns:a14="http://schemas.microsoft.com/office/drawing/2010/main">
+                  <a14:imgLayer r:embed="rId2">
+                    <a14:imgEffect>
+                      <a14:artisticGlowEdges/>
+                    </a14:imgEffect>
+                  </a14:imgLayer>
+                </a14:imgProps>
+              </a:ext>
+              <a:ext uri="{28A0092B-C50C-407E-A947-70E740481C1C}">
+                <a14:useLocalDpi xmlns:a14="http://schemas.microsoft.com/office/drawing/2010/main" val="0"/>
+              </a:ext>
+            </a:extLst>
+          </a:blip>
+          <a:srcRect/>
+          <a:stretch>
+            <a:fillRect l="-32000" r="-32000"/>
+          </a:stretch>
+        </a:blipFill>
+        <a:ln w="12700" cap="flat" cmpd="sng" algn="ctr">
+          <a:solidFill>
+            <a:schemeClr val="lt1">
+              <a:hueOff val="0"/>
+              <a:satOff val="0"/>
+              <a:lumOff val="0"/>
+              <a:alphaOff val="0"/>
+            </a:schemeClr>
+          </a:solidFill>
+          <a:prstDash val="solid"/>
+          <a:miter lim="800000"/>
+        </a:ln>
+        <a:effectLst/>
+        <a:scene3d>
+          <a:camera prst="perspectiveRight"/>
+          <a:lightRig rig="threePt" dir="t"/>
+        </a:scene3d>
+      </dsp:spPr>
+      <dsp:style>
+        <a:lnRef idx="2">
+          <a:scrgbClr r="0" g="0" b="0"/>
+        </a:lnRef>
+        <a:fillRef idx="1">
+          <a:scrgbClr r="0" g="0" b="0"/>
+        </a:fillRef>
+        <a:effectRef idx="0">
+          <a:scrgbClr r="0" g="0" b="0"/>
+        </a:effectRef>
+        <a:fontRef idx="minor"/>
+      </dsp:style>
+    </dsp:sp>
+    <dsp:sp modelId="{16ABC6BC-7271-46B8-A1DE-CEC663ABC04F}">
+      <dsp:nvSpPr>
+        <dsp:cNvPr id="0" name=""/>
+        <dsp:cNvSpPr/>
+      </dsp:nvSpPr>
+      <dsp:spPr>
+        <a:xfrm>
+          <a:off x="827620" y="1558829"/>
+          <a:ext cx="2352585" cy="2338243"/>
+        </a:xfrm>
+        <a:prstGeom prst="rect">
+          <a:avLst/>
+        </a:prstGeom>
+        <a:noFill/>
+        <a:ln w="12700" cap="flat" cmpd="sng" algn="ctr">
+          <a:noFill/>
+          <a:prstDash val="solid"/>
+          <a:miter lim="800000"/>
+        </a:ln>
+        <a:effectLst/>
+        <a:sp3d/>
+      </dsp:spPr>
+      <dsp:style>
+        <a:lnRef idx="2">
+          <a:scrgbClr r="0" g="0" b="0"/>
+        </a:lnRef>
+        <a:fillRef idx="1">
+          <a:scrgbClr r="0" g="0" b="0"/>
+        </a:fillRef>
+        <a:effectRef idx="0">
+          <a:scrgbClr r="0" g="0" b="0"/>
+        </a:effectRef>
+        <a:fontRef idx="minor">
+          <a:schemeClr val="lt1"/>
+        </a:fontRef>
+      </dsp:style>
+      <dsp:txBody>
+        <a:bodyPr spcFirstLastPara="0" vert="horz" wrap="square" lIns="165100" tIns="165100" rIns="165100" bIns="165100" numCol="1" spcCol="1270" anchor="b" anchorCtr="0">
+          <a:noAutofit/>
+        </a:bodyPr>
+        <a:lstStyle/>
+        <a:p>
+          <a:pPr marL="0" lvl="0" indent="0" algn="l" defTabSz="2889250">
+            <a:lnSpc>
+              <a:spcPct val="90000"/>
+            </a:lnSpc>
+            <a:spcBef>
+              <a:spcPct val="0"/>
+            </a:spcBef>
+            <a:spcAft>
+              <a:spcPct val="35000"/>
+            </a:spcAft>
+            <a:buNone/>
+          </a:pPr>
+          <a:r>
+            <a:rPr lang="en-US" sz="6500" kern="1200" dirty="0"/>
+            <a:t> </a:t>
+          </a:r>
+        </a:p>
+      </dsp:txBody>
+      <dsp:txXfrm>
+        <a:off x="827620" y="1558829"/>
+        <a:ext cx="2352585" cy="2338243"/>
+      </dsp:txXfrm>
+    </dsp:sp>
+  </dsp:spTree>
+</dsp:drawing>
+</file>
+
+<file path=ppt/diagrams/layout1.xml><?xml version="1.0" encoding="utf-8"?>
+<dgm:layoutDef xmlns:dgm="http://schemas.openxmlformats.org/drawingml/2006/diagram" xmlns:a="http://schemas.openxmlformats.org/drawingml/2006/main" uniqueId="urn:microsoft.com/office/officeart/2005/8/layout/hierarchy1">
+  <dgm:title val=""/>
+  <dgm:desc val=""/>
+  <dgm:catLst>
+    <dgm:cat type="hierarchy" pri="2000"/>
+  </dgm:catLst>
+  <dgm:sampData>
+    <dgm:dataModel>
+      <dgm:ptLst>
+        <dgm:pt modelId="0" type="doc"/>
+        <dgm:pt modelId="1">
+          <dgm:prSet phldr="1"/>
+        </dgm:pt>
+        <dgm:pt modelId="2">
+          <dgm:prSet phldr="1"/>
+        </dgm:pt>
+        <dgm:pt modelId="21">
+          <dgm:prSet phldr="1"/>
+        </dgm:pt>
+        <dgm:pt modelId="22">
+          <dgm:prSet phldr="1"/>
+        </dgm:pt>
+        <dgm:pt modelId="3">
+          <dgm:prSet phldr="1"/>
+        </dgm:pt>
+        <dgm:pt modelId="31">
+          <dgm:prSet phldr="1"/>
+        </dgm:pt>
+      </dgm:ptLst>
+      <dgm:cxnLst>
+        <dgm:cxn modelId="4" srcId="0" destId="1" srcOrd="0" destOrd="0"/>
+        <dgm:cxn modelId="5" srcId="1" destId="2" srcOrd="0" destOrd="0"/>
+        <dgm:cxn modelId="6" srcId="1" destId="3" srcOrd="1" destOrd="0"/>
+        <dgm:cxn modelId="23" srcId="2" destId="21" srcOrd="0" destOrd="0"/>
+        <dgm:cxn modelId="24" srcId="2" destId="22" srcOrd="1" destOrd="0"/>
+        <dgm:cxn modelId="33" srcId="3" destId="31" srcOrd="0" destOrd="0"/>
+      </dgm:cxnLst>
+      <dgm:bg/>
+      <dgm:whole/>
+    </dgm:dataModel>
+  </dgm:sampData>
+  <dgm:styleData>
+    <dgm:dataModel>
+      <dgm:ptLst>
+        <dgm:pt modelId="0" type="doc"/>
+        <dgm:pt modelId="1"/>
+        <dgm:pt modelId="11"/>
+        <dgm:pt modelId="12"/>
+      </dgm:ptLst>
+      <dgm:cxnLst>
+        <dgm:cxn modelId="2" srcId="0" destId="1" srcOrd="0" destOrd="0"/>
+        <dgm:cxn modelId="13" srcId="1" destId="11" srcOrd="0" destOrd="0"/>
+        <dgm:cxn modelId="14" srcId="1" destId="12" srcOrd="1" destOrd="0"/>
+      </dgm:cxnLst>
+      <dgm:bg/>
+      <dgm:whole/>
+    </dgm:dataModel>
+  </dgm:styleData>
+  <dgm:clrData>
+    <dgm:dataModel>
+      <dgm:ptLst>
+        <dgm:pt modelId="0" type="doc"/>
+        <dgm:pt modelId="1"/>
+        <dgm:pt modelId="2"/>
+        <dgm:pt modelId="21"/>
+        <dgm:pt modelId="211"/>
+        <dgm:pt modelId="3"/>
+        <dgm:pt modelId="31"/>
+        <dgm:pt modelId="311"/>
+      </dgm:ptLst>
+      <dgm:cxnLst>
+        <dgm:cxn modelId="4" srcId="0" destId="1" srcOrd="0" destOrd="0"/>
+        <dgm:cxn modelId="5" srcId="1" destId="2" srcOrd="0" destOrd="0"/>
+        <dgm:cxn modelId="6" srcId="1" destId="3" srcOrd="1" destOrd="0"/>
+        <dgm:cxn modelId="23" srcId="2" destId="21" srcOrd="0" destOrd="0"/>
+        <dgm:cxn modelId="24" srcId="21" destId="211" srcOrd="0" destOrd="0"/>
+        <dgm:cxn modelId="33" srcId="3" destId="31" srcOrd="0" destOrd="0"/>
+        <dgm:cxn modelId="34" srcId="31" destId="311" srcOrd="0" destOrd="0"/>
+      </dgm:cxnLst>
+      <dgm:bg/>
+      <dgm:whole/>
+    </dgm:dataModel>
+  </dgm:clrData>
+  <dgm:layoutNode name="hierChild1">
+    <dgm:varLst>
+      <dgm:chPref val="1"/>
+      <dgm:dir/>
+      <dgm:animOne val="branch"/>
+      <dgm:animLvl val="lvl"/>
+      <dgm:resizeHandles/>
+    </dgm:varLst>
+    <dgm:choose name="Name0">
+      <dgm:if name="Name1" func="var" arg="dir" op="equ" val="norm">
+        <dgm:alg type="hierChild">
+          <dgm:param type="linDir" val="fromL"/>
+        </dgm:alg>
+      </dgm:if>
+      <dgm:else name="Name2">
+        <dgm:alg type="hierChild">
+          <dgm:param type="linDir" val="fromR"/>
+        </dgm:alg>
+      </dgm:else>
+    </dgm:choose>
+    <dgm:shape xmlns:r="http://schemas.openxmlformats.org/officeDocument/2006/relationships" r:blip="">
+      <dgm:adjLst/>
+    </dgm:shape>
+    <dgm:presOf/>
+    <dgm:constrLst>
+      <dgm:constr type="primFontSz" for="des" ptType="node" op="equ" val="65"/>
+      <dgm:constr type="w" for="des" forName="composite" refType="w"/>
+      <dgm:constr type="h" for="des" forName="composite" refType="w" refFor="des" refForName="composite" fact="0.667"/>
+      <dgm:constr type="w" for="des" forName="composite2" refType="w" refFor="des" refForName="composite"/>
+      <dgm:constr type="h" for="des" forName="composite2" refType="h" refFor="des" refForName="composite"/>
+      <dgm:constr type="w" for="des" forName="composite3" refType="w" refFor="des" refForName="composite"/>
+      <dgm:constr type="h" for="des" forName="composite3" refType="h" refFor="des" refForName="composite"/>
+      <dgm:constr type="w" for="des" forName="composite4" refType="w" refFor="des" refForName="composite"/>
+      <dgm:constr type="h" for="des" forName="composite4" refType="h" refFor="des" refForName="composite"/>
+      <dgm:constr type="w" for="des" forName="composite5" refType="w" refFor="des" refForName="composite"/>
+      <dgm:constr type="h" for="des" forName="composite5" refType="h" refFor="des" refForName="composite"/>
+      <dgm:constr type="sibSp" refType="w" refFor="des" refForName="composite" fact="0.1"/>
+      <dgm:constr type="sibSp" for="des" forName="hierChild2" refType="sibSp"/>
+      <dgm:constr type="sibSp" for="des" forName="hierChild3" refType="sibSp"/>
+      <dgm:constr type="sibSp" for="des" forName="hierChild4" refType="sibSp"/>
+      <dgm:constr type="sibSp" for="des" forName="hierChild5" refType="sibSp"/>
+      <dgm:constr type="sibSp" for="des" forName="hierChild6" refType="sibSp"/>
+      <dgm:constr type="sp" for="des" forName="hierRoot1" refType="h" refFor="des" refForName="composite" fact="0.25"/>
+      <dgm:constr type="sp" for="des" forName="hierRoot2" refType="sp" refFor="des" refForName="hierRoot1"/>
+      <dgm:constr type="sp" for="des" forName="hierRoot3" refType="sp" refFor="des" refForName="hierRoot1"/>
+      <dgm:constr type="sp" for="des" forName="hierRoot4" refType="sp" refFor="des" refForName="hierRoot1"/>
+      <dgm:constr type="sp" for="des" forName="hierRoot5" refType="sp" refFor="des" refForName="hierRoot1"/>
+    </dgm:constrLst>
+    <dgm:ruleLst/>
+    <dgm:forEach name="Name3" axis="ch">
+      <dgm:forEach name="Name4" axis="self" ptType="node">
+        <dgm:layoutNode name="hierRoot1">
+          <dgm:alg type="hierRoot"/>
+          <dgm:shape xmlns:r="http://schemas.openxmlformats.org/officeDocument/2006/relationships" r:blip="">
+            <dgm:adjLst/>
+          </dgm:shape>
+          <dgm:presOf/>
+          <dgm:constrLst>
+            <dgm:constr type="bendDist" for="des" ptType="parTrans" refType="sp" fact="0.5"/>
+          </dgm:constrLst>
+          <dgm:ruleLst/>
+          <dgm:layoutNode name="composite">
+            <dgm:alg type="composite"/>
+            <dgm:shape xmlns:r="http://schemas.openxmlformats.org/officeDocument/2006/relationships" r:blip="">
+              <dgm:adjLst/>
+            </dgm:shape>
+            <dgm:presOf/>
+            <dgm:constrLst>
+              <dgm:constr type="w" for="ch" forName="background" refType="w" fact="0.9"/>
+              <dgm:constr type="h" for="ch" forName="background" refType="w" refFor="ch" refForName="background" fact="0.635"/>
+              <dgm:constr type="t" for="ch" forName="background"/>
+              <dgm:constr type="l" for="ch" forName="background"/>
+              <dgm:constr type="w" for="ch" forName="text" refType="w" fact="0.9"/>
+              <dgm:constr type="h" for="ch" forName="text" refType="w" refFor="ch" refForName="text" fact="0.635"/>
+              <dgm:constr type="t" for="ch" forName="text" refType="w" fact="0.095"/>
+              <dgm:constr type="l" for="ch" forName="text" refType="w" fact="0.1"/>
+            </dgm:constrLst>
+            <dgm:ruleLst/>
+            <dgm:layoutNode name="background" styleLbl="node0" moveWith="text">
+              <dgm:alg type="sp"/>
+              <dgm:shape xmlns:r="http://schemas.openxmlformats.org/officeDocument/2006/relationships" type="roundRect" r:blip="">
+                <dgm:adjLst>
+                  <dgm:adj idx="1" val="0.1"/>
+                </dgm:adjLst>
+              </dgm:shape>
+              <dgm:presOf/>
+              <dgm:constrLst/>
+              <dgm:ruleLst/>
+            </dgm:layoutNode>
+            <dgm:layoutNode name="text" styleLbl="fgAcc0">
+              <dgm:varLst>
+                <dgm:chPref val="3"/>
+              </dgm:varLst>
+              <dgm:alg type="tx"/>
+              <dgm:shape xmlns:r="http://schemas.openxmlformats.org/officeDocument/2006/relationships" type="roundRect" r:blip="">
+                <dgm:adjLst>
+                  <dgm:adj idx="1" val="0.1"/>
+                </dgm:adjLst>
+              </dgm:shape>
+              <dgm:presOf axis="self"/>
+              <dgm:constrLst>
+                <dgm:constr type="tMarg" refType="primFontSz" fact="0.3"/>
+                <dgm:constr type="bMarg" refType="primFontSz" fact="0.3"/>
+                <dgm:constr type="lMarg" refType="primFontSz" fact="0.3"/>
+                <dgm:constr type="rMarg" refType="primFontSz" fact="0.3"/>
+              </dgm:constrLst>
+              <dgm:ruleLst>
+                <dgm:rule type="primFontSz" val="5" fact="NaN" max="NaN"/>
+              </dgm:ruleLst>
+            </dgm:layoutNode>
+          </dgm:layoutNode>
+          <dgm:layoutNode name="hierChild2">
+            <dgm:choose name="Name5">
+              <dgm:if name="Name6" func="var" arg="dir" op="equ" val="norm">
+                <dgm:alg type="hierChild">
+                  <dgm:param type="linDir" val="fromL"/>
+                </dgm:alg>
+              </dgm:if>
+              <dgm:else name="Name7">
+                <dgm:alg type="hierChild">
+                  <dgm:param type="linDir" val="fromR"/>
+                </dgm:alg>
+              </dgm:else>
+            </dgm:choose>
+            <dgm:shape xmlns:r="http://schemas.openxmlformats.org/officeDocument/2006/relationships" r:blip="">
+              <dgm:adjLst/>
+            </dgm:shape>
+            <dgm:presOf/>
+            <dgm:constrLst/>
+            <dgm:ruleLst/>
+            <dgm:forEach name="Name8" axis="ch">
+              <dgm:forEach name="Name9" axis="self" ptType="parTrans" cnt="1">
+                <dgm:layoutNode name="Name10">
+                  <dgm:alg type="conn">
+                    <dgm:param type="dim" val="1D"/>
+                    <dgm:param type="endSty" val="noArr"/>
+                    <dgm:param type="connRout" val="bend"/>
+                    <dgm:param type="bendPt" val="end"/>
+                    <dgm:param type="begPts" val="bCtr"/>
+                    <dgm:param type="endPts" val="tCtr"/>
+                    <dgm:param type="srcNode" val="background"/>
+                    <dgm:param type="dstNode" val="background2"/>
+                  </dgm:alg>
+                  <dgm:shape xmlns:r="http://schemas.openxmlformats.org/officeDocument/2006/relationships" type="conn" r:blip="" zOrderOff="-999">
+                    <dgm:adjLst/>
+                  </dgm:shape>
+                  <dgm:presOf axis="self"/>
+                  <dgm:constrLst>
+                    <dgm:constr type="begPad"/>
+                    <dgm:constr type="endPad"/>
+                  </dgm:constrLst>
+                  <dgm:ruleLst/>
+                </dgm:layoutNode>
+              </dgm:forEach>
+              <dgm:forEach name="Name11" axis="self" ptType="node">
+                <dgm:layoutNode name="hierRoot2">
+                  <dgm:alg type="hierRoot"/>
+                  <dgm:shape xmlns:r="http://schemas.openxmlformats.org/officeDocument/2006/relationships" r:blip="">
+                    <dgm:adjLst/>
+                  </dgm:shape>
+                  <dgm:presOf/>
+                  <dgm:constrLst>
+                    <dgm:constr type="bendDist" for="des" ptType="parTrans" refType="sp" fact="0.5"/>
+                  </dgm:constrLst>
+                  <dgm:ruleLst/>
+                  <dgm:layoutNode name="composite2">
+                    <dgm:alg type="composite"/>
+                    <dgm:shape xmlns:r="http://schemas.openxmlformats.org/officeDocument/2006/relationships" r:blip="">
+                      <dgm:adjLst/>
+                    </dgm:shape>
+                    <dgm:presOf/>
+                    <dgm:constrLst>
+                      <dgm:constr type="w" for="ch" forName="background2" refType="w" fact="0.9"/>
+                      <dgm:constr type="h" for="ch" forName="background2" refType="w" refFor="ch" refForName="background2" fact="0.635"/>
+                      <dgm:constr type="t" for="ch" forName="background2"/>
+                      <dgm:constr type="l" for="ch" forName="background2"/>
+                      <dgm:constr type="w" for="ch" forName="text2" refType="w" fact="0.9"/>
+                      <dgm:constr type="h" for="ch" forName="text2" refType="w" refFor="ch" refForName="text2" fact="0.635"/>
+                      <dgm:constr type="t" for="ch" forName="text2" refType="w" fact="0.095"/>
+                      <dgm:constr type="l" for="ch" forName="text2" refType="w" fact="0.1"/>
+                    </dgm:constrLst>
+                    <dgm:ruleLst/>
+                    <dgm:layoutNode name="background2" moveWith="text2">
+                      <dgm:alg type="sp"/>
+                      <dgm:shape xmlns:r="http://schemas.openxmlformats.org/officeDocument/2006/relationships" type="roundRect" r:blip="">
+                        <dgm:adjLst>
+                          <dgm:adj idx="1" val="0.1"/>
+                        </dgm:adjLst>
+                      </dgm:shape>
+                      <dgm:presOf/>
+                      <dgm:constrLst/>
+                      <dgm:ruleLst/>
+                    </dgm:layoutNode>
+                    <dgm:layoutNode name="text2" styleLbl="fgAcc2">
+                      <dgm:varLst>
+                        <dgm:chPref val="3"/>
+                      </dgm:varLst>
+                      <dgm:alg type="tx"/>
+                      <dgm:shape xmlns:r="http://schemas.openxmlformats.org/officeDocument/2006/relationships" type="roundRect" r:blip="">
+                        <dgm:adjLst>
+                          <dgm:adj idx="1" val="0.1"/>
+                        </dgm:adjLst>
+                      </dgm:shape>
+                      <dgm:presOf axis="self"/>
+                      <dgm:constrLst>
+                        <dgm:constr type="tMarg" refType="primFontSz" fact="0.3"/>
+                        <dgm:constr type="bMarg" refType="primFontSz" fact="0.3"/>
+                        <dgm:constr type="lMarg" refType="primFontSz" fact="0.3"/>
+                        <dgm:constr type="rMarg" refType="primFontSz" fact="0.3"/>
+                      </dgm:constrLst>
+                      <dgm:ruleLst>
+                        <dgm:rule type="primFontSz" val="5" fact="NaN" max="NaN"/>
+                      </dgm:ruleLst>
+                    </dgm:layoutNode>
+                  </dgm:layoutNode>
+                  <dgm:layoutNode name="hierChild3">
+                    <dgm:choose name="Name12">
+                      <dgm:if name="Name13" func="var" arg="dir" op="equ" val="norm">
+                        <dgm:alg type="hierChild">
+                          <dgm:param type="linDir" val="fromL"/>
+                        </dgm:alg>
+                      </dgm:if>
+                      <dgm:else name="Name14">
+                        <dgm:alg type="hierChild">
+                          <dgm:param type="linDir" val="fromR"/>
+                        </dgm:alg>
+                      </dgm:else>
+                    </dgm:choose>
+                    <dgm:shape xmlns:r="http://schemas.openxmlformats.org/officeDocument/2006/relationships" r:blip="">
+                      <dgm:adjLst/>
+                    </dgm:shape>
+                    <dgm:presOf/>
+                    <dgm:constrLst/>
+                    <dgm:ruleLst/>
+                    <dgm:forEach name="Name15" axis="ch">
+                      <dgm:forEach name="Name16" axis="self" ptType="parTrans" cnt="1">
+                        <dgm:layoutNode name="Name17">
+                          <dgm:alg type="conn">
+                            <dgm:param type="dim" val="1D"/>
+                            <dgm:param type="endSty" val="noArr"/>
+                            <dgm:param type="connRout" val="bend"/>
+                            <dgm:param type="bendPt" val="end"/>
+                            <dgm:param type="begPts" val="bCtr"/>
+                            <dgm:param type="endPts" val="tCtr"/>
+                            <dgm:param type="srcNode" val="background2"/>
+                            <dgm:param type="dstNode" val="background3"/>
+                          </dgm:alg>
+                          <dgm:shape xmlns:r="http://schemas.openxmlformats.org/officeDocument/2006/relationships" type="conn" r:blip="" zOrderOff="-999">
+                            <dgm:adjLst/>
+                          </dgm:shape>
+                          <dgm:presOf axis="self"/>
+                          <dgm:constrLst>
+                            <dgm:constr type="begPad"/>
+                            <dgm:constr type="endPad"/>
+                          </dgm:constrLst>
+                          <dgm:ruleLst/>
+                        </dgm:layoutNode>
+                      </dgm:forEach>
+                      <dgm:forEach name="Name18" axis="self" ptType="node">
+                        <dgm:layoutNode name="hierRoot3">
+                          <dgm:alg type="hierRoot"/>
+                          <dgm:shape xmlns:r="http://schemas.openxmlformats.org/officeDocument/2006/relationships" r:blip="">
+                            <dgm:adjLst/>
+                          </dgm:shape>
+                          <dgm:presOf/>
+                          <dgm:constrLst>
+                            <dgm:constr type="bendDist" for="des" ptType="parTrans" refType="sp" fact="0.5"/>
+                          </dgm:constrLst>
+                          <dgm:ruleLst/>
+                          <dgm:layoutNode name="composite3">
+                            <dgm:alg type="composite"/>
+                            <dgm:shape xmlns:r="http://schemas.openxmlformats.org/officeDocument/2006/relationships" r:blip="">
+                              <dgm:adjLst/>
+                            </dgm:shape>
+                            <dgm:presOf/>
+                            <dgm:constrLst>
+                              <dgm:constr type="w" for="ch" forName="background3" refType="w" fact="0.9"/>
+                              <dgm:constr type="h" for="ch" forName="background3" refType="w" refFor="ch" refForName="background3" fact="0.635"/>
+                              <dgm:constr type="t" for="ch" forName="background3"/>
+                              <dgm:constr type="l" for="ch" forName="background3"/>
+                              <dgm:constr type="w" for="ch" forName="text3" refType="w" fact="0.9"/>
+                              <dgm:constr type="h" for="ch" forName="text3" refType="w" refFor="ch" refForName="text3" fact="0.635"/>
+                              <dgm:constr type="t" for="ch" forName="text3" refType="w" fact="0.095"/>
+                              <dgm:constr type="l" for="ch" forName="text3" refType="w" fact="0.1"/>
+                            </dgm:constrLst>
+                            <dgm:ruleLst/>
+                            <dgm:layoutNode name="background3" moveWith="text3">
+                              <dgm:alg type="sp"/>
+                              <dgm:shape xmlns:r="http://schemas.openxmlformats.org/officeDocument/2006/relationships" type="roundRect" r:blip="">
+                                <dgm:adjLst>
+                                  <dgm:adj idx="1" val="0.1"/>
+                                </dgm:adjLst>
+                              </dgm:shape>
+                              <dgm:presOf/>
+                              <dgm:constrLst/>
+                              <dgm:ruleLst/>
+                            </dgm:layoutNode>
+                            <dgm:layoutNode name="text3" styleLbl="fgAcc3">
+                              <dgm:varLst>
+                                <dgm:chPref val="3"/>
+                              </dgm:varLst>
+                              <dgm:alg type="tx"/>
+                              <dgm:shape xmlns:r="http://schemas.openxmlformats.org/officeDocument/2006/relationships" type="roundRect" r:blip="">
+                                <dgm:adjLst>
+                                  <dgm:adj idx="1" val="0.1"/>
+                                </dgm:adjLst>
+                              </dgm:shape>
+                              <dgm:presOf axis="self"/>
+                              <dgm:constrLst>
+                                <dgm:constr type="tMarg" refType="primFontSz" fact="0.3"/>
+                                <dgm:constr type="bMarg" refType="primFontSz" fact="0.3"/>
+                                <dgm:constr type="lMarg" refType="primFontSz" fact="0.3"/>
+                                <dgm:constr type="rMarg" refType="primFontSz" fact="0.3"/>
+                              </dgm:constrLst>
+                              <dgm:ruleLst>
+                                <dgm:rule type="primFontSz" val="5" fact="NaN" max="NaN"/>
+                              </dgm:ruleLst>
+                            </dgm:layoutNode>
+                          </dgm:layoutNode>
+                          <dgm:layoutNode name="hierChild4">
+                            <dgm:choose name="Name19">
+                              <dgm:if name="Name20" func="var" arg="dir" op="equ" val="norm">
+                                <dgm:alg type="hierChild">
+                                  <dgm:param type="linDir" val="fromL"/>
+                                </dgm:alg>
+                              </dgm:if>
+                              <dgm:else name="Name21">
+                                <dgm:alg type="hierChild">
+                                  <dgm:param type="linDir" val="fromR"/>
+                                </dgm:alg>
+                              </dgm:else>
+                            </dgm:choose>
+                            <dgm:shape xmlns:r="http://schemas.openxmlformats.org/officeDocument/2006/relationships" r:blip="">
+                              <dgm:adjLst/>
+                            </dgm:shape>
+                            <dgm:presOf/>
+                            <dgm:constrLst/>
+                            <dgm:ruleLst/>
+                            <dgm:forEach name="repeat" axis="ch">
+                              <dgm:forEach name="Name22" axis="self" ptType="parTrans" cnt="1">
+                                <dgm:layoutNode name="Name23">
+                                  <dgm:choose name="Name24">
+                                    <dgm:if name="Name25" axis="self" func="depth" op="lte" val="4">
+                                      <dgm:alg type="conn">
+                                        <dgm:param type="dim" val="1D"/>
+                                        <dgm:param type="endSty" val="noArr"/>
+                                        <dgm:param type="connRout" val="bend"/>
+                                        <dgm:param type="bendPt" val="end"/>
+                                        <dgm:param type="begPts" val="bCtr"/>
+                                        <dgm:param type="endPts" val="tCtr"/>
+                                        <dgm:param type="srcNode" val="background3"/>
+                                        <dgm:param type="dstNode" val="background4"/>
+                                      </dgm:alg>
+                                    </dgm:if>
+                                    <dgm:else name="Name26">
+                                      <dgm:alg type="conn">
+                                        <dgm:param type="dim" val="1D"/>
+                                        <dgm:param type="endSty" val="noArr"/>
+                                        <dgm:param type="connRout" val="bend"/>
+                                        <dgm:param type="bendPt" val="end"/>
+                                        <dgm:param type="begPts" val="bCtr"/>
+                                        <dgm:param type="endPts" val="tCtr"/>
+                                        <dgm:param type="srcNode" val="background4"/>
+                                        <dgm:param type="dstNode" val="background4"/>
+                                      </dgm:alg>
+                                    </dgm:else>
+                                  </dgm:choose>
+                                  <dgm:shape xmlns:r="http://schemas.openxmlformats.org/officeDocument/2006/relationships" type="conn" r:blip="" zOrderOff="-999">
+                                    <dgm:adjLst/>
+                                  </dgm:shape>
+                                  <dgm:presOf axis="self"/>
+                                  <dgm:constrLst>
+                                    <dgm:constr type="begPad"/>
+                                    <dgm:constr type="endPad"/>
+                                  </dgm:constrLst>
+                                  <dgm:ruleLst/>
+                                </dgm:layoutNode>
+                              </dgm:forEach>
+                              <dgm:forEach name="Name27" axis="self" ptType="node">
+                                <dgm:layoutNode name="hierRoot4">
+                                  <dgm:alg type="hierRoot"/>
+                                  <dgm:shape xmlns:r="http://schemas.openxmlformats.org/officeDocument/2006/relationships" r:blip="">
+                                    <dgm:adjLst/>
+                                  </dgm:shape>
+                                  <dgm:presOf/>
+                                  <dgm:constrLst>
+                                    <dgm:constr type="bendDist" for="des" ptType="parTrans" refType="sp" fact="0.5"/>
+                                  </dgm:constrLst>
+                                  <dgm:ruleLst/>
+                                  <dgm:layoutNode name="composite4">
+                                    <dgm:alg type="composite"/>
+                                    <dgm:shape xmlns:r="http://schemas.openxmlformats.org/officeDocument/2006/relationships" r:blip="">
+                                      <dgm:adjLst/>
+                                    </dgm:shape>
+                                    <dgm:presOf/>
+                                    <dgm:constrLst>
+                                      <dgm:constr type="w" for="ch" forName="background4" refType="w" fact="0.9"/>
+                                      <dgm:constr type="h" for="ch" forName="background4" refType="w" refFor="ch" refForName="background4" fact="0.635"/>
+                                      <dgm:constr type="t" for="ch" forName="background4"/>
+                                      <dgm:constr type="l" for="ch" forName="background4"/>
+                                      <dgm:constr type="w" for="ch" forName="text4" refType="w" fact="0.9"/>
+                                      <dgm:constr type="h" for="ch" forName="text4" refType="w" refFor="ch" refForName="text4" fact="0.635"/>
+                                      <dgm:constr type="t" for="ch" forName="text4" refType="w" fact="0.095"/>
+                                      <dgm:constr type="l" for="ch" forName="text4" refType="w" fact="0.1"/>
+                                    </dgm:constrLst>
+                                    <dgm:ruleLst/>
+                                    <dgm:layoutNode name="background4" moveWith="text4">
+                                      <dgm:alg type="sp"/>
+                                      <dgm:shape xmlns:r="http://schemas.openxmlformats.org/officeDocument/2006/relationships" type="roundRect" r:blip="">
+                                        <dgm:adjLst>
+                                          <dgm:adj idx="1" val="0.1"/>
+                                        </dgm:adjLst>
+                                      </dgm:shape>
+                                      <dgm:presOf/>
+                                      <dgm:constrLst/>
+                                      <dgm:ruleLst/>
+                                    </dgm:layoutNode>
+                                    <dgm:layoutNode name="text4" styleLbl="fgAcc4">
+                                      <dgm:varLst>
+                                        <dgm:chPref val="3"/>
+                                      </dgm:varLst>
+                                      <dgm:alg type="tx"/>
+                                      <dgm:shape xmlns:r="http://schemas.openxmlformats.org/officeDocument/2006/relationships" type="roundRect" r:blip="">
+                                        <dgm:adjLst>
+                                          <dgm:adj idx="1" val="0.1"/>
+                                        </dgm:adjLst>
+                                      </dgm:shape>
+                                      <dgm:presOf axis="self"/>
+                                      <dgm:constrLst>
+                                        <dgm:constr type="tMarg" refType="primFontSz" fact="0.3"/>
+                                        <dgm:constr type="bMarg" refType="primFontSz" fact="0.3"/>
+                                        <dgm:constr type="lMarg" refType="primFontSz" fact="0.3"/>
+                                        <dgm:constr type="rMarg" refType="primFontSz" fact="0.3"/>
+                                      </dgm:constrLst>
+                                      <dgm:ruleLst>
+                                        <dgm:rule type="primFontSz" val="5" fact="NaN" max="NaN"/>
+                                      </dgm:ruleLst>
+                                    </dgm:layoutNode>
+                                  </dgm:layoutNode>
+                                  <dgm:layoutNode name="hierChild5">
+                                    <dgm:choose name="Name28">
+                                      <dgm:if name="Name29" func="var" arg="dir" op="equ" val="norm">
+                                        <dgm:alg type="hierChild">
+                                          <dgm:param type="linDir" val="fromL"/>
+                                        </dgm:alg>
+                                      </dgm:if>
+                                      <dgm:else name="Name30">
+                                        <dgm:alg type="hierChild">
+                                          <dgm:param type="linDir" val="fromR"/>
+                                        </dgm:alg>
+                                      </dgm:else>
+                                    </dgm:choose>
+                                    <dgm:shape xmlns:r="http://schemas.openxmlformats.org/officeDocument/2006/relationships" r:blip="">
+                                      <dgm:adjLst/>
+                                    </dgm:shape>
+                                    <dgm:presOf/>
+                                    <dgm:constrLst/>
+                                    <dgm:ruleLst/>
+                                    <dgm:forEach name="Name31" ref="repeat"/>
+                                  </dgm:layoutNode>
+                                </dgm:layoutNode>
+                              </dgm:forEach>
+                            </dgm:forEach>
+                          </dgm:layoutNode>
+                        </dgm:layoutNode>
+                      </dgm:forEach>
+                    </dgm:forEach>
+                  </dgm:layoutNode>
+                </dgm:layoutNode>
+              </dgm:forEach>
+            </dgm:forEach>
+          </dgm:layoutNode>
+        </dgm:layoutNode>
+      </dgm:forEach>
+    </dgm:forEach>
+  </dgm:layoutNode>
+</dgm:layoutDef>
+</file>
+
+<file path=ppt/diagrams/layout2.xml><?xml version="1.0" encoding="utf-8"?>
+<dgm:layoutDef xmlns:dgm="http://schemas.openxmlformats.org/drawingml/2006/diagram" xmlns:a="http://schemas.openxmlformats.org/drawingml/2006/main" uniqueId="urn:microsoft.com/office/officeart/2008/layout/AccentedPicture">
+  <dgm:title val=""/>
+  <dgm:desc val=""/>
+  <dgm:catLst>
+    <dgm:cat type="picture" pri="1000"/>
+    <dgm:cat type="pictureconvert" pri="1000"/>
+  </dgm:catLst>
+  <dgm:sampData>
+    <dgm:dataModel>
+      <dgm:ptLst>
+        <dgm:pt modelId="0" type="doc"/>
+        <dgm:pt modelId="1">
+          <dgm:prSet phldr="1"/>
+        </dgm:pt>
+        <dgm:pt modelId="2">
+          <dgm:prSet phldr="1"/>
+        </dgm:pt>
+        <dgm:pt modelId="3">
+          <dgm:prSet phldr="1"/>
+        </dgm:pt>
+        <dgm:pt modelId="4">
+          <dgm:prSet phldr="1"/>
+        </dgm:pt>
+      </dgm:ptLst>
+      <dgm:cxnLst>
+        <dgm:cxn modelId="5" srcId="0" destId="1" srcOrd="0" destOrd="0"/>
+        <dgm:cxn modelId="6" srcId="0" destId="2" srcOrd="1" destOrd="0"/>
+        <dgm:cxn modelId="7" srcId="0" destId="3" srcOrd="2" destOrd="0"/>
+        <dgm:cxn modelId="8" srcId="0" destId="4" srcOrd="3" destOrd="0"/>
+      </dgm:cxnLst>
+      <dgm:bg/>
+      <dgm:whole/>
+    </dgm:dataModel>
+  </dgm:sampData>
+  <dgm:styleData>
+    <dgm:dataModel>
+      <dgm:ptLst>
+        <dgm:pt modelId="0" type="doc"/>
+        <dgm:pt modelId="1">
+          <dgm:prSet phldr="1"/>
+        </dgm:pt>
+        <dgm:pt modelId="2">
+          <dgm:prSet phldr="1"/>
+        </dgm:pt>
+        <dgm:pt modelId="3">
+          <dgm:prSet phldr="1"/>
+        </dgm:pt>
+        <dgm:pt modelId="4">
+          <dgm:prSet phldr="1"/>
+        </dgm:pt>
+      </dgm:ptLst>
+      <dgm:cxnLst>
+        <dgm:cxn modelId="5" srcId="0" destId="1" srcOrd="0" destOrd="0"/>
+        <dgm:cxn modelId="6" srcId="0" destId="2" srcOrd="1" destOrd="0"/>
+        <dgm:cxn modelId="7" srcId="0" destId="3" srcOrd="2" destOrd="0"/>
+        <dgm:cxn modelId="8" srcId="0" destId="4" srcOrd="3" destOrd="0"/>
+      </dgm:cxnLst>
+      <dgm:bg/>
+      <dgm:whole/>
+    </dgm:dataModel>
+  </dgm:styleData>
+  <dgm:clrData>
+    <dgm:dataModel>
+      <dgm:ptLst>
+        <dgm:pt modelId="0" type="doc"/>
+        <dgm:pt modelId="1">
+          <dgm:prSet phldr="1"/>
+        </dgm:pt>
+        <dgm:pt modelId="2">
+          <dgm:prSet phldr="1"/>
+        </dgm:pt>
+        <dgm:pt modelId="3">
+          <dgm:prSet phldr="1"/>
+        </dgm:pt>
+        <dgm:pt modelId="4">
+          <dgm:prSet phldr="1"/>
+        </dgm:pt>
+      </dgm:ptLst>
+      <dgm:cxnLst>
+        <dgm:cxn modelId="5" srcId="0" destId="1" srcOrd="0" destOrd="0"/>
+        <dgm:cxn modelId="6" srcId="0" destId="2" srcOrd="1" destOrd="0"/>
+        <dgm:cxn modelId="7" srcId="0" destId="3" srcOrd="2" destOrd="0"/>
+        <dgm:cxn modelId="8" srcId="0" destId="4" srcOrd="3" destOrd="0"/>
+      </dgm:cxnLst>
+      <dgm:bg/>
+      <dgm:whole/>
+    </dgm:dataModel>
+  </dgm:clrData>
+  <dgm:layoutNode name="Name0">
+    <dgm:varLst>
+      <dgm:dir/>
+    </dgm:varLst>
+    <dgm:alg type="composite"/>
+    <dgm:shape xmlns:r="http://schemas.openxmlformats.org/officeDocument/2006/relationships" r:blip="">
+      <dgm:adjLst/>
+    </dgm:shape>
+    <dgm:choose name="Name1">
+      <dgm:if name="Name2" axis="ch" ptType="node" func="cnt" op="lte" val="1">
+        <dgm:constrLst>
+          <dgm:constr type="h" for="ch" forName="picture_1" refType="h"/>
+          <dgm:constr type="w" for="ch" forName="picture_1" refType="h" refFor="ch" refForName="picture_1" op="equ" fact="0.784"/>
+          <dgm:constr type="l" for="ch" forName="picture_1"/>
+          <dgm:constr type="t" for="ch" forName="picture_1"/>
+          <dgm:constr type="w" for="ch" forName="text_1" refType="w" refFor="ch" refForName="picture_1" fact="0.77"/>
+          <dgm:constr type="h" for="ch" forName="text_1" refType="h" refFor="ch" refForName="picture_1" fact="0.6"/>
+          <dgm:constr type="l" for="ch" forName="text_1" refType="w" refFor="ch" refForName="picture_1" fact="0.04"/>
+          <dgm:constr type="t" for="ch" forName="text_1" refType="h" refFor="ch" refForName="picture_1" fact="0.4"/>
+        </dgm:constrLst>
+      </dgm:if>
+      <dgm:if name="Name3" axis="ch" ptType="node" func="cnt" op="lte" val="5">
+        <dgm:choose name="Name4">
+          <dgm:if name="Name5" func="var" arg="dir" op="equ" val="norm">
+            <dgm:constrLst>
+              <dgm:constr type="h" for="ch" forName="picture_1" refType="h" fact="0.909"/>
+              <dgm:constr type="w" for="ch" forName="picture_1" refType="h" refFor="ch" refForName="picture_1" op="equ" fact="0.784"/>
+              <dgm:constr type="l" for="ch" forName="picture_1"/>
+              <dgm:constr type="t" for="ch" forName="picture_1" refType="h" refFor="ch" refForName="picture_1" fact="0.05"/>
+              <dgm:constr type="w" for="ch" forName="picture_1" refType="w" op="lte" fact="0.588"/>
+              <dgm:constr type="w" for="ch" forName="text_1" refType="w" refFor="ch" refForName="picture_1" fact="0.77"/>
+              <dgm:constr type="h" for="ch" forName="text_1" refType="h" refFor="ch" refForName="picture_1" fact="0.6"/>
+              <dgm:constr type="l" for="ch" forName="text_1" refType="w" refFor="ch" refForName="picture_1" fact="0.04"/>
+              <dgm:constr type="t" for="ch" forName="text_1" refType="h" refFor="ch" refForName="picture_1" fact="0.41"/>
+              <dgm:constr type="w" for="ch" forName="linV" refType="w"/>
+              <dgm:constr type="h" for="ch" forName="linV" refType="h" refFor="ch" refForName="picture_1" fact="1.1"/>
+              <dgm:constr type="l" for="ch" forName="linV"/>
+              <dgm:constr type="t" for="ch" forName="linV"/>
+              <dgm:constr type="userC" for="des" forName="pair" refType="r" refFor="ch" refForName="picture_1"/>
+              <dgm:constr type="h" for="des" forName="pair" refType="h" refFor="ch" refForName="picture_1" fact="0.27"/>
+              <dgm:constr type="h" for="des" forName="spaceV" refType="h" refFor="ch" refForName="picture_1" fact="0.0486"/>
+              <dgm:constr type="l" for="ch" forName="maxNode" refType="r" refFor="ch" refForName="picture_1"/>
+              <dgm:constr type="lOff" for="ch" forName="maxNode" refType="h" refFor="des" refForName="pair" fact="0.5"/>
+              <dgm:constr type="r" for="ch" forName="maxNode" refType="w"/>
+              <dgm:constr type="t" for="ch" forName="maxNode"/>
+              <dgm:constr type="h" for="ch" forName="maxNode" val="1"/>
+              <dgm:constr type="userW" for="des" forName="desText" refType="w" refFor="ch" refForName="maxNode"/>
+            </dgm:constrLst>
+          </dgm:if>
+          <dgm:else name="Name6">
+            <dgm:constrLst>
+              <dgm:constr type="h" for="ch" forName="picture_1" refType="h" fact="0.909"/>
+              <dgm:constr type="w" for="ch" forName="picture_1" refType="h" refFor="ch" refForName="picture_1" op="equ" fact="0.784"/>
+              <dgm:constr type="r" for="ch" forName="picture_1" refType="w"/>
+              <dgm:constr type="t" for="ch" forName="picture_1" refType="h" refFor="ch" refForName="picture_1" fact="0.05"/>
+              <dgm:constr type="w" for="ch" forName="picture_1" refType="w" op="lte" fact="0.588"/>
+              <dgm:constr type="w" for="ch" forName="text_1" refType="w" refFor="ch" refForName="picture_1" fact="0.77"/>
+              <dgm:constr type="h" for="ch" forName="text_1" refType="h" refFor="ch" refForName="picture_1" fact="0.6"/>
+              <dgm:constr type="r" for="ch" forName="text_1" refType="w"/>
+              <dgm:constr type="t" for="ch" forName="text_1" refType="h" refFor="ch" refForName="picture_1" fact="0.41"/>
+              <dgm:constr type="w" for="ch" forName="linV" refType="w"/>
+              <dgm:constr type="h" for="ch" forName="linV" refType="h" refFor="ch" refForName="picture_1" fact="1.1"/>
+              <dgm:constr type="l" for="ch" forName="linV"/>
+              <dgm:constr type="t" for="ch" forName="linV"/>
+              <dgm:constr type="userC" for="des" forName="pair" refType="l" refFor="ch" refForName="picture_1"/>
+              <dgm:constr type="h" for="des" forName="pair" refType="h" refFor="ch" refForName="picture_1" fact="0.27"/>
+              <dgm:constr type="h" for="des" forName="spaceV" refType="h" refFor="ch" refForName="picture_1" fact="0.0486"/>
+              <dgm:constr type="r" for="ch" forName="maxNode" refType="l" refFor="ch" refForName="picture_1"/>
+              <dgm:constr type="rOff" for="ch" forName="maxNode" refType="h" refFor="des" refForName="pair" fact="-0.5"/>
+              <dgm:constr type="l" for="ch" forName="maxNode"/>
+              <dgm:constr type="t" for="ch" forName="maxNode"/>
+              <dgm:constr type="h" for="ch" forName="maxNode" val="1"/>
+              <dgm:constr type="userW" for="des" forName="desText" refType="w" refFor="ch" refForName="maxNode"/>
+            </dgm:constrLst>
+          </dgm:else>
+        </dgm:choose>
+      </dgm:if>
+      <dgm:else name="Name7">
+        <dgm:choose name="Name8">
+          <dgm:if name="Name9" func="var" arg="dir" op="equ" val="norm">
+            <dgm:constrLst>
+              <dgm:constr type="h" for="ch" forName="picture_1" refType="h" fact="0.909"/>
+              <dgm:constr type="w" for="ch" forName="picture_1" refType="h" refFor="ch" refForName="picture_1" op="equ" fact="0.784"/>
+              <dgm:constr type="l" for="ch" forName="picture_1"/>
+              <dgm:constr type="t" for="ch" forName="picture_1" refType="h" refFor="ch" refForName="picture_1" fact="0.05"/>
+              <dgm:constr type="w" for="ch" forName="picture_1" refType="w" op="lte" fact="0.588"/>
+              <dgm:constr type="w" for="ch" forName="text_1" refType="w" refFor="ch" refForName="picture_1" fact="0.77"/>
+              <dgm:constr type="h" for="ch" forName="text_1" refType="h" refFor="ch" refForName="picture_1" fact="0.6"/>
+              <dgm:constr type="l" for="ch" forName="text_1" refType="w" refFor="ch" refForName="picture_1" fact="0.04"/>
+              <dgm:constr type="t" for="ch" forName="text_1" refType="h" refFor="ch" refForName="picture_1" fact="0.41"/>
+              <dgm:constr type="w" for="ch" forName="linV" refType="w"/>
+              <dgm:constr type="h" for="ch" forName="linV" refType="h" refFor="ch" refForName="picture_1" fact="1.1"/>
+              <dgm:constr type="l" for="ch" forName="linV"/>
+              <dgm:constr type="t" for="ch" forName="linV"/>
+              <dgm:constr type="userC" for="des" forName="pair" refType="r" refFor="ch" refForName="picture_1"/>
+              <dgm:constr type="h" for="des" forName="pair" refType="h" refFor="ch" refForName="picture_1" fact="0.27"/>
+              <dgm:constr type="h" for="des" forName="spaceV" refType="h" refFor="ch" refForName="picture_1" fact="0.0486"/>
+              <dgm:constr type="l" for="ch" forName="maxNode" refType="r" refFor="ch" refForName="picture_1"/>
+              <dgm:constr type="lOff" for="ch" forName="maxNode" refType="h" refFor="des" refForName="pair" fact="0.5"/>
+              <dgm:constr type="r" for="ch" forName="maxNode" refType="w"/>
+              <dgm:constr type="t" for="ch" forName="maxNode"/>
+              <dgm:constr type="h" for="ch" forName="maxNode" val="1"/>
+              <dgm:constr type="userW" for="des" forName="desText" refType="w" refFor="ch" refForName="maxNode"/>
+            </dgm:constrLst>
+          </dgm:if>
+          <dgm:else name="Name10">
+            <dgm:constrLst>
+              <dgm:constr type="h" for="ch" forName="picture_1" refType="h" fact="0.909"/>
+              <dgm:constr type="w" for="ch" forName="picture_1" refType="h" refFor="ch" refForName="picture_1" op="equ" fact="0.784"/>
+              <dgm:constr type="r" for="ch" forName="picture_1" refType="w"/>
+              <dgm:constr type="t" for="ch" forName="picture_1" refType="h" refFor="ch" refForName="picture_1" fact="0.05"/>
+              <dgm:constr type="w" for="ch" forName="picture_1" refType="w" op="lte" fact="0.588"/>
+              <dgm:constr type="w" for="ch" forName="text_1" refType="w" refFor="ch" refForName="picture_1" fact="0.77"/>
+              <dgm:constr type="h" for="ch" forName="text_1" refType="h" refFor="ch" refForName="picture_1" fact="0.6"/>
+              <dgm:constr type="r" for="ch" forName="text_1" refType="w"/>
+              <dgm:constr type="t" for="ch" forName="text_1" refType="h" refFor="ch" refForName="picture_1" fact="0.41"/>
+              <dgm:constr type="w" for="ch" forName="linV" refType="w"/>
+              <dgm:constr type="h" for="ch" forName="linV" refType="h" refFor="ch" refForName="picture_1" fact="1.1"/>
+              <dgm:constr type="l" for="ch" forName="linV"/>
+              <dgm:constr type="t" for="ch" forName="linV"/>
+              <dgm:constr type="userC" for="des" forName="pair" refType="l" refFor="ch" refForName="picture_1"/>
+              <dgm:constr type="h" for="des" forName="pair" refType="h" refFor="ch" refForName="picture_1" fact="0.27"/>
+              <dgm:constr type="h" for="des" forName="spaceV" refType="h" refFor="ch" refForName="picture_1" fact="0.0486"/>
+              <dgm:constr type="r" for="ch" forName="maxNode" refType="l" refFor="ch" refForName="picture_1"/>
+              <dgm:constr type="rOff" for="ch" forName="maxNode" refType="h" refFor="des" refForName="pair" fact="-0.5"/>
+              <dgm:constr type="l" for="ch" forName="maxNode"/>
+              <dgm:constr type="t" for="ch" forName="maxNode"/>
+              <dgm:constr type="h" for="ch" forName="maxNode" val="1"/>
+              <dgm:constr type="userW" for="des" forName="desText" refType="w" refFor="ch" refForName="maxNode"/>
+            </dgm:constrLst>
+          </dgm:else>
+        </dgm:choose>
+      </dgm:else>
+    </dgm:choose>
+    <dgm:forEach name="Name11" axis="ch" ptType="sibTrans" hideLastTrans="0" cnt="1">
+      <dgm:layoutNode name="picture_1" styleLbl="bgImgPlace1">
+        <dgm:alg type="sp"/>
+        <dgm:shape xmlns:r="http://schemas.openxmlformats.org/officeDocument/2006/relationships" type="roundRect" r:blip="" blipPhldr="1">
+          <dgm:adjLst/>
+        </dgm:shape>
+        <dgm:presOf axis="self"/>
+      </dgm:layoutNode>
+    </dgm:forEach>
+    <dgm:forEach name="Name12" axis="ch" ptType="node" cnt="1">
+      <dgm:layoutNode name="text_1" styleLbl="node1">
+        <dgm:varLst>
+          <dgm:bulletEnabled val="1"/>
+        </dgm:varLst>
+        <dgm:choose name="Name13">
+          <dgm:if name="Name14" func="var" arg="dir" op="equ" val="norm">
+            <dgm:alg type="tx">
+              <dgm:param type="txAnchorVert" val="b"/>
+              <dgm:param type="parTxLTRAlign" val="l"/>
+              <dgm:param type="shpTxLTRAlignCh" val="l"/>
+              <dgm:param type="parTxRTLAlign" val="l"/>
+              <dgm:param type="shpTxRTLAlignCh" val="l"/>
+            </dgm:alg>
+          </dgm:if>
+          <dgm:else name="Name15">
+            <dgm:alg type="tx">
+              <dgm:param type="txAnchorVert" val="b"/>
+              <dgm:param type="parTxLTRAlign" val="r"/>
+              <dgm:param type="shpTxLTRAlignCh" val="r"/>
+              <dgm:param type="parTxRTLAlign" val="r"/>
+              <dgm:param type="shpTxRTLAlignCh" val="r"/>
+            </dgm:alg>
+          </dgm:else>
+        </dgm:choose>
+        <dgm:shape xmlns:r="http://schemas.openxmlformats.org/officeDocument/2006/relationships" type="rect" r:blip="" hideGeom="1">
+          <dgm:adjLst/>
+        </dgm:shape>
+        <dgm:presOf axis="desOrSelf" ptType="node"/>
+        <dgm:constrLst>
+          <dgm:constr type="primFontSz" val="65"/>
+          <dgm:constr type="lMarg" refType="primFontSz" fact="0.2"/>
+          <dgm:constr type="rMarg" refType="primFontSz" fact="0.2"/>
+          <dgm:constr type="tMarg" refType="primFontSz" fact="0.2"/>
+          <dgm:constr type="bMarg" refType="primFontSz" fact="0.2"/>
+        </dgm:constrLst>
+        <dgm:ruleLst>
+          <dgm:rule type="primFontSz" val="5" fact="NaN" max="NaN"/>
+        </dgm:ruleLst>
+      </dgm:layoutNode>
+    </dgm:forEach>
+    <dgm:choose name="Name16">
+      <dgm:if name="Name17" axis="ch" ptType="node" func="cnt" op="gte" val="2">
+        <dgm:layoutNode name="linV">
+          <dgm:choose name="Name18">
+            <dgm:if name="Name19" func="var" arg="dir" op="equ" val="norm">
+              <dgm:alg type="lin">
+                <dgm:param type="linDir" val="fromT"/>
+                <dgm:param type="vertAlign" val="t"/>
+                <dgm:param type="fallback" val="1D"/>
+                <dgm:param type="horzAlign" val="l"/>
+                <dgm:param type="nodeHorzAlign" val="l"/>
+              </dgm:alg>
+            </dgm:if>
+            <dgm:else name="Name20">
+              <dgm:alg type="lin">
+                <dgm:param type="linDir" val="fromT"/>
+                <dgm:param type="vertAlign" val="t"/>
+                <dgm:param type="fallback" val="1D"/>
+                <dgm:param type="horzAlign" val="r"/>
+                <dgm:param type="nodeHorzAlign" val="r"/>
+              </dgm:alg>
+            </dgm:else>
+          </dgm:choose>
+          <dgm:shape xmlns:r="http://schemas.openxmlformats.org/officeDocument/2006/relationships" r:blip="">
+            <dgm:adjLst/>
+          </dgm:shape>
+          <dgm:constrLst>
+            <dgm:constr type="w" for="ch" forName="spaceV" val="1"/>
+            <dgm:constr type="w" for="ch" forName="pair" refType="w" op="equ"/>
+            <dgm:constr type="w" for="des" forName="desText" op="equ"/>
+            <dgm:constr type="primFontSz" for="des" forName="desText" op="equ" val="65"/>
+          </dgm:constrLst>
+          <dgm:forEach name="Name21" axis="ch" ptType="node" st="2">
+            <dgm:layoutNode name="pair">
+              <dgm:alg type="composite"/>
+              <dgm:shape xmlns:r="http://schemas.openxmlformats.org/officeDocument/2006/relationships" r:blip="">
+                <dgm:adjLst/>
+              </dgm:shape>
+              <dgm:choose name="Name22">
+                <dgm:if name="Name23" func="var" arg="dir" op="equ" val="norm">
+                  <dgm:constrLst>
+                    <dgm:constr type="userC"/>
+                    <dgm:constr type="l" for="ch" forName="spaceH"/>
+                    <dgm:constr type="r" for="ch" forName="spaceH" refType="userC"/>
+                    <dgm:constr type="ctrY" for="ch" forName="spaceH" refType="w" fact="0.5"/>
+                    <dgm:constr type="h" for="ch" forName="spaceH" val="1"/>
+                    <dgm:constr type="w" for="ch" forName="desPictures" refType="h"/>
+                    <dgm:constr type="h" for="ch" forName="desPictures" refType="w" refFor="ch" refForName="desPictures" op="equ"/>
+                    <dgm:constr type="ctrX" for="ch" forName="desPictures" refType="userC"/>
+                    <dgm:constr type="ctrY" for="ch" forName="desPictures" refType="w" fact="0.5"/>
+                    <dgm:constr type="l" for="ch" forName="desTextWrapper" refType="r" refFor="ch" refForName="desPictures"/>
+                    <dgm:constr type="ctrY" for="ch" forName="desTextWrapper" refType="w" fact="0.5"/>
+                    <dgm:constr type="h" for="ch" forName="desTextWrapper" refType="h"/>
+                    <dgm:constr type="h" for="des" forName="desText" refType="h"/>
+                  </dgm:constrLst>
+                </dgm:if>
+                <dgm:else name="Name24">
+                  <dgm:constrLst>
+                    <dgm:constr type="userC"/>
+                    <dgm:constr type="r" for="ch" forName="spaceH" refType="w"/>
+                    <dgm:constr type="l" for="ch" forName="spaceH" refType="userC"/>
+                    <dgm:constr type="ctrY" for="ch" forName="spaceH" refType="w" fact="0.5"/>
+                    <dgm:constr type="h" for="ch" forName="spaceH" val="1"/>
+                    <dgm:constr type="w" for="ch" forName="desPictures" refType="h"/>
+                    <dgm:constr type="h" for="ch" forName="desPictures" refType="w" refFor="ch" refForName="desPictures" op="equ"/>
+                    <dgm:constr type="ctrX" for="ch" forName="desPictures" refType="userC"/>
+                    <dgm:constr type="ctrY" for="ch" forName="desPictures" refType="w" fact="0.5"/>
+                    <dgm:constr type="r" for="ch" forName="desTextWrapper" refType="l" refFor="ch" refForName="desPictures"/>
+                    <dgm:constr type="ctrY" for="ch" forName="desTextWrapper" refType="w" fact="0.5"/>
+                    <dgm:constr type="h" for="ch" forName="desTextWrapper" refType="h"/>
+                    <dgm:constr type="h" for="des" forName="desText" refType="h"/>
+                  </dgm:constrLst>
+                </dgm:else>
+              </dgm:choose>
+              <dgm:layoutNode name="spaceH">
+                <dgm:alg type="sp"/>
+                <dgm:shape xmlns:r="http://schemas.openxmlformats.org/officeDocument/2006/relationships" type="rect" r:blip="" hideGeom="1">
+                  <dgm:adjLst/>
+                </dgm:shape>
+                <dgm:presOf/>
+              </dgm:layoutNode>
+              <dgm:layoutNode name="desPictures" styleLbl="alignImgPlace1">
+                <dgm:alg type="sp"/>
+                <dgm:shape xmlns:r="http://schemas.openxmlformats.org/officeDocument/2006/relationships" type="ellipse" r:blip="" blipPhldr="1">
+                  <dgm:adjLst/>
+                </dgm:shape>
+                <dgm:presOf/>
+              </dgm:layoutNode>
+              <dgm:layoutNode name="desTextWrapper">
+                <dgm:choose name="Name25">
+                  <dgm:if name="Name26" func="var" arg="dir" op="equ" val="norm">
+                    <dgm:alg type="lin">
+                      <dgm:param type="horzAlign" val="l"/>
+                    </dgm:alg>
+                  </dgm:if>
+                  <dgm:else name="Name27">
+                    <dgm:alg type="lin">
+                      <dgm:param type="horzAlign" val="r"/>
+                    </dgm:alg>
+                  </dgm:else>
+                </dgm:choose>
+                <dgm:layoutNode name="desText" styleLbl="revTx">
+                  <dgm:varLst>
+                    <dgm:bulletEnabled val="1"/>
+                  </dgm:varLst>
+                  <dgm:choose name="Name28">
+                    <dgm:if name="Name29" func="var" arg="dir" op="equ" val="norm">
+                      <dgm:alg type="tx">
+                        <dgm:param type="parTxLTRAlign" val="l"/>
+                        <dgm:param type="shpTxLTRAlignCh" val="l"/>
+                        <dgm:param type="parTxRTLAlign" val="r"/>
+                        <dgm:param type="shpTxRTLAlignCh" val="r"/>
+                      </dgm:alg>
+                    </dgm:if>
+                    <dgm:else name="Name30">
+                      <dgm:alg type="tx">
+                        <dgm:param type="parTxLTRAlign" val="r"/>
+                        <dgm:param type="shpTxLTRAlignCh" val="r"/>
+                        <dgm:param type="parTxRTLAlign" val="r"/>
+                        <dgm:param type="shpTxRTLAlignCh" val="r"/>
+                      </dgm:alg>
+                    </dgm:else>
+                  </dgm:choose>
+                  <dgm:shape xmlns:r="http://schemas.openxmlformats.org/officeDocument/2006/relationships" type="rect" r:blip="">
+                    <dgm:adjLst/>
+                  </dgm:shape>
+                  <dgm:presOf axis="desOrSelf" ptType="node"/>
+                  <dgm:constrLst>
+                    <dgm:constr type="userW"/>
+                    <dgm:constr type="w" refType="userW" fact="0.1"/>
+                    <dgm:constr type="lMarg" refType="primFontSz" fact="0.2"/>
+                    <dgm:constr type="rMarg" refType="primFontSz" fact="0.2"/>
+                    <dgm:constr type="tMarg" refType="primFontSz" fact="0.1"/>
+                    <dgm:constr type="bMarg" refType="primFontSz" fact="0.1"/>
+                  </dgm:constrLst>
+                  <dgm:ruleLst>
+                    <dgm:rule type="w" val="NaN" fact="1" max="NaN"/>
+                    <dgm:rule type="primFontSz" val="5" fact="NaN" max="NaN"/>
+                  </dgm:ruleLst>
+                </dgm:layoutNode>
+              </dgm:layoutNode>
+            </dgm:layoutNode>
+            <dgm:forEach name="Name31" axis="followSib" ptType="sibTrans" cnt="1">
+              <dgm:layoutNode name="spaceV">
+                <dgm:alg type="sp"/>
+                <dgm:shape xmlns:r="http://schemas.openxmlformats.org/officeDocument/2006/relationships" r:blip="">
+                  <dgm:adjLst/>
+                </dgm:shape>
+                <dgm:presOf/>
+              </dgm:layoutNode>
+            </dgm:forEach>
+          </dgm:forEach>
+        </dgm:layoutNode>
+      </dgm:if>
+      <dgm:else name="Name32"/>
+    </dgm:choose>
+    <dgm:layoutNode name="maxNode">
+      <dgm:alg type="lin"/>
+      <dgm:shape xmlns:r="http://schemas.openxmlformats.org/officeDocument/2006/relationships" r:blip="">
+        <dgm:adjLst/>
+      </dgm:shape>
+      <dgm:presOf/>
+      <dgm:constrLst>
+        <dgm:constr type="w" for="ch"/>
+        <dgm:constr type="h" for="ch"/>
+      </dgm:constrLst>
+      <dgm:layoutNode name="Name33">
+        <dgm:alg type="sp"/>
+        <dgm:shape xmlns:r="http://schemas.openxmlformats.org/officeDocument/2006/relationships" r:blip="">
+          <dgm:adjLst/>
+        </dgm:shape>
+        <dgm:presOf/>
+      </dgm:layoutNode>
+    </dgm:layoutNode>
+  </dgm:layoutNode>
+</dgm:layoutDef>
+</file>
+
+<file path=ppt/diagrams/quickStyle1.xml><?xml version="1.0" encoding="utf-8"?>
+<dgm:styleDef xmlns:dgm="http://schemas.openxmlformats.org/drawingml/2006/diagram" xmlns:a="http://schemas.openxmlformats.org/drawingml/2006/main" uniqueId="urn:microsoft.com/office/officeart/2005/8/quickstyle/simple4">
+  <dgm:title val=""/>
+  <dgm:desc val=""/>
+  <dgm:catLst>
+    <dgm:cat type="simple" pri="10400"/>
+  </dgm:catLst>
+  <dgm:scene3d>
+    <a:camera prst="orthographicFront"/>
+    <a:lightRig rig="threePt" dir="t"/>
+  </dgm:scene3d>
+  <dgm:styleLbl name="node0">
+    <dgm:scene3d>
+      <a:camera prst="orthographicFront"/>
+      <a:lightRig rig="threePt" dir="t"/>
+    </dgm:scene3d>
+    <dgm:sp3d/>
+    <dgm:txPr/>
+    <dgm:style>
+      <a:lnRef idx="0">
+        <a:scrgbClr r="0" g="0" b="0"/>
+      </a:lnRef>
+      <a:fillRef idx="3">
+        <a:scrgbClr r="0" g="0" b="0"/>
+      </a:fillRef>
+      <a:effectRef idx="2">
+        <a:scrgbClr r="0" g="0" b="0"/>
+      </a:effectRef>
+      <a:fontRef idx="minor">
+        <a:schemeClr val="lt1"/>
+      </a:fontRef>
+    </dgm:style>
+  </dgm:styleLbl>
+  <dgm:styleLbl name="lnNode1">
+    <dgm:scene3d>
+      <a:camera prst="orthographicFront"/>
+      <a:lightRig rig="threePt" dir="t"/>
+    </dgm:scene3d>
+    <dgm:sp3d/>
+    <dgm:txPr/>
+    <dgm:style>
+      <a:lnRef idx="1">
+        <a:scrgbClr r="0" g="0" b="0"/>
+      </a:lnRef>
+      <a:fillRef idx="3">
+        <a:scrgbClr r="0" g="0" b="0"/>
+      </a:fillRef>
+      <a:effectRef idx="2">
+        <a:scrgbClr r="0" g="0" b="0"/>
+      </a:effectRef>
+      <a:fontRef idx="minor">
+        <a:schemeClr val="lt1"/>
+      </a:fontRef>
+    </dgm:style>
+  </dgm:styleLbl>
+  <dgm:styleLbl name="vennNode1">
+    <dgm:scene3d>
+      <a:camera prst="orthographicFront"/>
+      <a:lightRig rig="threePt" dir="t"/>
+    </dgm:scene3d>
+    <dgm:sp3d/>
+    <dgm:txPr/>
+    <dgm:style>
+      <a:lnRef idx="0">
+        <a:scrgbClr r="0" g="0" b="0"/>
+      </a:lnRef>
+      <a:fillRef idx="3">
+        <a:scrgbClr r="0" g="0" b="0"/>
+      </a:fillRef>
+      <a:effectRef idx="0">
+        <a:scrgbClr r="0" g="0" b="0"/>
+      </a:effectRef>
+      <a:fontRef idx="minor">
+        <a:schemeClr val="tx1"/>
+      </a:fontRef>
+    </dgm:style>
+  </dgm:styleLbl>
+  <dgm:styleLbl name="alignNode1">
+    <dgm:scene3d>
+      <a:camera prst="orthographicFront"/>
+      <a:lightRig rig="threePt" dir="t"/>
+    </dgm:scene3d>
+    <dgm:sp3d/>
+    <dgm:txPr/>
+    <dgm:style>
+      <a:lnRef idx="1">
+        <a:scrgbClr r="0" g="0" b="0"/>
+      </a:lnRef>
+      <a:fillRef idx="3">
+        <a:scrgbClr r="0" g="0" b="0"/>
+      </a:fillRef>
+      <a:effectRef idx="2">
+        <a:scrgbClr r="0" g="0" b="0"/>
+      </a:effectRef>
+      <a:fontRef idx="minor">
+        <a:schemeClr val="lt1"/>
+      </a:fontRef>
+    </dgm:style>
+  </dgm:styleLbl>
+  <dgm:styleLbl name="node1">
+    <dgm:scene3d>
+      <a:camera prst="orthographicFront"/>
+      <a:lightRig rig="threePt" dir="t"/>
+    </dgm:scene3d>
+    <dgm:sp3d/>
+    <dgm:txPr/>
+    <dgm:style>
+      <a:lnRef idx="0">
+        <a:scrgbClr r="0" g="0" b="0"/>
+      </a:lnRef>
+      <a:fillRef idx="3">
+        <a:scrgbClr r="0" g="0" b="0"/>
+      </a:fillRef>
+      <a:effectRef idx="2">
+        <a:scrgbClr r="0" g="0" b="0"/>
+      </a:effectRef>
+      <a:fontRef idx="minor">
+        <a:schemeClr val="lt1"/>
+      </a:fontRef>
+    </dgm:style>
+  </dgm:styleLbl>
+  <dgm:styleLbl name="node2">
+    <dgm:scene3d>
+      <a:camera prst="orthographicFront"/>
+      <a:lightRig rig="threePt" dir="t"/>
+    </dgm:scene3d>
+    <dgm:sp3d/>
+    <dgm:txPr/>
+    <dgm:style>
+      <a:lnRef idx="0">
+        <a:scrgbClr r="0" g="0" b="0"/>
+      </a:lnRef>
+      <a:fillRef idx="3">
+        <a:scrgbClr r="0" g="0" b="0"/>
+      </a:fillRef>
+      <a:effectRef idx="2">
+        <a:scrgbClr r="0" g="0" b="0"/>
+      </a:effectRef>
+      <a:fontRef idx="minor">
+        <a:schemeClr val="lt1"/>
+      </a:fontRef>
+    </dgm:style>
+  </dgm:styleLbl>
+  <dgm:styleLbl name="node3">
+    <dgm:scene3d>
+      <a:camera prst="orthographicFront"/>
+      <a:lightRig rig="threePt" dir="t"/>
+    </dgm:scene3d>
+    <dgm:sp3d/>
+    <dgm:txPr/>
+    <dgm:style>
+      <a:lnRef idx="0">
+        <a:scrgbClr r="0" g="0" b="0"/>
+      </a:lnRef>
+      <a:fillRef idx="3">
+        <a:scrgbClr r="0" g="0" b="0"/>
+      </a:fillRef>
+      <a:effectRef idx="2">
+        <a:scrgbClr r="0" g="0" b="0"/>
+      </a:effectRef>
+      <a:fontRef idx="minor">
+        <a:schemeClr val="lt1"/>
+      </a:fontRef>
+    </dgm:style>
+  </dgm:styleLbl>
+  <dgm:styleLbl name="node4">
+    <dgm:scene3d>
+      <a:camera prst="orthographicFront"/>
+      <a:lightRig rig="threePt" dir="t"/>
+    </dgm:scene3d>
+    <dgm:sp3d/>
+    <dgm:txPr/>
+    <dgm:style>
+      <a:lnRef idx="0">
+        <a:scrgbClr r="0" g="0" b="0"/>
+      </a:lnRef>
+      <a:fillRef idx="3">
+        <a:scrgbClr r="0" g="0" b="0"/>
+      </a:fillRef>
+      <a:effectRef idx="2">
+        <a:scrgbClr r="0" g="0" b="0"/>
+      </a:effectRef>
+      <a:fontRef idx="minor">
+        <a:schemeClr val="lt1"/>
+      </a:fontRef>
+    </dgm:style>
+  </dgm:styleLbl>
+  <dgm:styleLbl name="fgImgPlace1">
+    <dgm:scene3d>
+      <a:camera prst="orthographicFront"/>
+      <a:lightRig rig="threePt" dir="t"/>
+    </dgm:scene3d>
+    <dgm:sp3d/>
+    <dgm:txPr/>
+    <dgm:style>
+      <a:lnRef idx="0">
+        <a:scrgbClr r="0" g="0" b="0"/>
+      </a:lnRef>
+      <a:fillRef idx="1">
+        <a:scrgbClr r="0" g="0" b="0"/>
+      </a:fillRef>
+      <a:effectRef idx="2">
+        <a:scrgbClr r="0" g="0" b="0"/>
+      </a:effectRef>
+      <a:fontRef idx="minor"/>
+    </dgm:style>
+  </dgm:styleLbl>
+  <dgm:styleLbl name="alignImgPlace1">
+    <dgm:scene3d>
+      <a:camera prst="orthographicFront"/>
+      <a:lightRig rig="threePt" dir="t"/>
+    </dgm:scene3d>
+    <dgm:sp3d/>
+    <dgm:txPr/>
+    <dgm:style>
+      <a:lnRef idx="0">
+        <a:scrgbClr r="0" g="0" b="0"/>
+      </a:lnRef>
+      <a:fillRef idx="1">
+        <a:scrgbClr r="0" g="0" b="0"/>
+      </a:fillRef>
+      <a:effectRef idx="2">
+        <a:scrgbClr r="0" g="0" b="0"/>
+      </a:effectRef>
+      <a:fontRef idx="minor"/>
+    </dgm:style>
+  </dgm:styleLbl>
+  <dgm:styleLbl name="bgImgPlace1">
+    <dgm:scene3d>
+      <a:camera prst="orthographicFront"/>
+      <a:lightRig rig="threePt" dir="t"/>
+    </dgm:scene3d>
+    <dgm:sp3d/>
+    <dgm:txPr/>
+    <dgm:style>
+      <a:lnRef idx="0">
+        <a:scrgbClr r="0" g="0" b="0"/>
+      </a:lnRef>
+      <a:fillRef idx="1">
+        <a:scrgbClr r="0" g="0" b="0"/>
+      </a:fillRef>
+      <a:effectRef idx="2">
+        <a:scrgbClr r="0" g="0" b="0"/>
+      </a:effectRef>
+      <a:fontRef idx="minor"/>
+    </dgm:style>
+  </dgm:styleLbl>
+  <dgm:styleLbl name="sibTrans2D1">
+    <dgm:scene3d>
+      <a:camera prst="orthographicFront"/>
+      <a:lightRig rig="threePt" dir="t"/>
+    </dgm:scene3d>
+    <dgm:sp3d/>
+    <dgm:txPr/>
+    <dgm:style>
+      <a:lnRef idx="0">
+        <a:scrgbClr r="0" g="0" b="0"/>
+      </a:lnRef>
+      <a:fillRef idx="3">
+        <a:scrgbClr r="0" g="0" b="0"/>
+      </a:fillRef>
+      <a:effectRef idx="2">
+        <a:scrgbClr r="0" g="0" b="0"/>
+      </a:effectRef>
+      <a:fontRef idx="minor">
+        <a:schemeClr val="lt1"/>
+      </a:fontRef>
+    </dgm:style>
+  </dgm:styleLbl>
+  <dgm:styleLbl name="fgSibTrans2D1">
+    <dgm:scene3d>
+      <a:camera prst="orthographicFront"/>
+      <a:lightRig rig="threePt" dir="t"/>
+    </dgm:scene3d>
+    <dgm:sp3d/>
+    <dgm:txPr/>
+    <dgm:style>
+      <a:lnRef idx="0">
+        <a:scrgbClr r="0" g="0" b="0"/>
+      </a:lnRef>
+      <a:fillRef idx="3">
+        <a:scrgbClr r="0" g="0" b="0"/>
+      </a:fillRef>
+      <a:effectRef idx="2">
+        <a:scrgbClr r="0" g="0" b="0"/>
+      </a:effectRef>
+      <a:fontRef idx="minor">
+        <a:schemeClr val="lt1"/>
+      </a:fontRef>
+    </dgm:style>
+  </dgm:styleLbl>
+  <dgm:styleLbl name="bgSibTrans2D1">
+    <dgm:scene3d>
+      <a:camera prst="orthographicFront"/>
+      <a:lightRig rig="threePt" dir="t"/>
+    </dgm:scene3d>
+    <dgm:sp3d/>
+    <dgm:txPr/>
+    <dgm:style>
+      <a:lnRef idx="0">
+        <a:scrgbClr r="0" g="0" b="0"/>
+      </a:lnRef>
+      <a:fillRef idx="3">
+        <a:scrgbClr r="0" g="0" b="0"/>
+      </a:fillRef>
+      <a:effectRef idx="2">
+        <a:scrgbClr r="0" g="0" b="0"/>
+      </a:effectRef>
+      <a:fontRef idx="minor">
+        <a:schemeClr val="lt1"/>
+      </a:fontRef>
+    </dgm:style>
+  </dgm:styleLbl>
+  <dgm:styleLbl name="sibTrans1D1">
+    <dgm:scene3d>
+      <a:camera prst="orthographicFront"/>
+      <a:lightRig rig="threePt" dir="t"/>
+    </dgm:scene3d>
+    <dgm:sp3d/>
+    <dgm:txPr/>
+    <dgm:style>
+      <a:lnRef idx="1">
+        <a:scrgbClr r="0" g="0" b="0"/>
+      </a:lnRef>
+      <a:fillRef idx="0">
+        <a:scrgbClr r="0" g="0" b="0"/>
+      </a:fillRef>
+      <a:effectRef idx="0">
+        <a:scrgbClr r="0" g="0" b="0"/>
+      </a:effectRef>
+      <a:fontRef idx="minor"/>
+    </dgm:style>
+  </dgm:styleLbl>
+  <dgm:styleLbl name="callout">
+    <dgm:scene3d>
+      <a:camera prst="orthographicFront"/>
+      <a:lightRig rig="threePt" dir="t"/>
+    </dgm:scene3d>
+    <dgm:sp3d/>
+    <dgm:txPr/>
+    <dgm:style>
+      <a:lnRef idx="2">
+        <a:scrgbClr r="0" g="0" b="0"/>
+      </a:lnRef>
+      <a:fillRef idx="1">
+        <a:scrgbClr r="0" g="0" b="0"/>
+      </a:fillRef>
+      <a:effectRef idx="1">
+        <a:scrgbClr r="0" g="0" b="0"/>
+      </a:effectRef>
+      <a:fontRef idx="minor"/>
+    </dgm:style>
+  </dgm:styleLbl>
+  <dgm:styleLbl name="asst0">
+    <dgm:scene3d>
+      <a:camera prst="orthographicFront"/>
+      <a:lightRig rig="threePt" dir="t"/>
+    </dgm:scene3d>
+    <dgm:sp3d/>
+    <dgm:txPr/>
+    <dgm:style>
+      <a:lnRef idx="0">
+        <a:scrgbClr r="0" g="0" b="0"/>
+      </a:lnRef>
+      <a:fillRef idx="3">
+        <a:scrgbClr r="0" g="0" b="0"/>
+      </a:fillRef>
+      <a:effectRef idx="2">
+        <a:scrgbClr r="0" g="0" b="0"/>
+      </a:effectRef>
+      <a:fontRef idx="minor">
+        <a:schemeClr val="lt1"/>
+      </a:fontRef>
+    </dgm:style>
+  </dgm:styleLbl>
+  <dgm:styleLbl name="asst1">
+    <dgm:scene3d>
+      <a:camera prst="orthographicFront"/>
+      <a:lightRig rig="threePt" dir="t"/>
+    </dgm:scene3d>
+    <dgm:sp3d/>
+    <dgm:txPr/>
+    <dgm:style>
+      <a:lnRef idx="0">
+        <a:scrgbClr r="0" g="0" b="0"/>
+      </a:lnRef>
+      <a:fillRef idx="3">
+        <a:scrgbClr r="0" g="0" b="0"/>
+      </a:fillRef>
+      <a:effectRef idx="2">
+        <a:scrgbClr r="0" g="0" b="0"/>
+      </a:effectRef>
+      <a:fontRef idx="minor">
+        <a:schemeClr val="lt1"/>
+      </a:fontRef>
+    </dgm:style>
+  </dgm:styleLbl>
+  <dgm:styleLbl name="asst2">
+    <dgm:scene3d>
+      <a:camera prst="orthographicFront"/>
+      <a:lightRig rig="threePt" dir="t"/>
+    </dgm:scene3d>
+    <dgm:sp3d/>
+    <dgm:txPr/>
+    <dgm:style>
+      <a:lnRef idx="0">
+        <a:scrgbClr r="0" g="0" b="0"/>
+      </a:lnRef>
+      <a:fillRef idx="3">
+        <a:scrgbClr r="0" g="0" b="0"/>
+      </a:fillRef>
+      <a:effectRef idx="2">
+        <a:scrgbClr r="0" g="0" b="0"/>
+      </a:effectRef>
+      <a:fontRef idx="minor">
+        <a:schemeClr val="lt1"/>
+      </a:fontRef>
+    </dgm:style>
+  </dgm:styleLbl>
+  <dgm:styleLbl name="asst3">
+    <dgm:scene3d>
+      <a:camera prst="orthographicFront"/>
+      <a:lightRig rig="threePt" dir="t"/>
+    </dgm:scene3d>
+    <dgm:sp3d/>
+    <dgm:txPr/>
+    <dgm:style>
+      <a:lnRef idx="0">
+        <a:scrgbClr r="0" g="0" b="0"/>
+      </a:lnRef>
+      <a:fillRef idx="3">
+        <a:scrgbClr r="0" g="0" b="0"/>
+      </a:fillRef>
+      <a:effectRef idx="2">
+        <a:scrgbClr r="0" g="0" b="0"/>
+      </a:effectRef>
+      <a:fontRef idx="minor">
+        <a:schemeClr val="lt1"/>
+      </a:fontRef>
+    </dgm:style>
+  </dgm:styleLbl>
+  <dgm:styleLbl name="asst4">
+    <dgm:scene3d>
+      <a:camera prst="orthographicFront"/>
+      <a:lightRig rig="threePt" dir="t"/>
+    </dgm:scene3d>
+    <dgm:sp3d/>
+    <dgm:txPr/>
+    <dgm:style>
+      <a:lnRef idx="0">
+        <a:scrgbClr r="0" g="0" b="0"/>
+      </a:lnRef>
+      <a:fillRef idx="3">
+        <a:scrgbClr r="0" g="0" b="0"/>
+      </a:fillRef>
+      <a:effectRef idx="2">
+        <a:scrgbClr r="0" g="0" b="0"/>
+      </a:effectRef>
+      <a:fontRef idx="minor">
+        <a:schemeClr val="lt1"/>
+      </a:fontRef>
+    </dgm:style>
+  </dgm:styleLbl>
+  <dgm:styleLbl name="parChTrans2D1">
+    <dgm:scene3d>
+      <a:camera prst="orthographicFront"/>
+      <a:lightRig rig="threePt" dir="t"/>
+    </dgm:scene3d>
+    <dgm:sp3d/>
+    <dgm:txPr/>
+    <dgm:style>
+      <a:lnRef idx="0">
+        <a:scrgbClr r="0" g="0" b="0"/>
+      </a:lnRef>
+      <a:fillRef idx="3">
+        <a:scrgbClr r="0" g="0" b="0"/>
+      </a:fillRef>
+      <a:effectRef idx="2">
+        <a:scrgbClr r="0" g="0" b="0"/>
+      </a:effectRef>
+      <a:fontRef idx="minor">
+        <a:schemeClr val="lt1"/>
+      </a:fontRef>
+    </dgm:style>
+  </dgm:styleLbl>
+  <dgm:styleLbl name="parChTrans2D2">
+    <dgm:scene3d>
+      <a:camera prst="orthographicFront"/>
+      <a:lightRig rig="threePt" dir="t"/>
+    </dgm:scene3d>
+    <dgm:sp3d/>
+    <dgm:txPr/>
+    <dgm:style>
+      <a:lnRef idx="0">
+        <a:scrgbClr r="0" g="0" b="0"/>
+      </a:lnRef>
+      <a:fillRef idx="3">
+        <a:scrgbClr r="0" g="0" b="0"/>
+      </a:fillRef>
+      <a:effectRef idx="2">
+        <a:scrgbClr r="0" g="0" b="0"/>
+      </a:effectRef>
+      <a:fontRef idx="minor">
+        <a:schemeClr val="lt1"/>
+      </a:fontRef>
+    </dgm:style>
+  </dgm:styleLbl>
+  <dgm:styleLbl name="parChTrans2D3">
+    <dgm:scene3d>
+      <a:camera prst="orthographicFront"/>
+      <a:lightRig rig="threePt" dir="t"/>
+    </dgm:scene3d>
+    <dgm:sp3d/>
+    <dgm:txPr/>
+    <dgm:style>
+      <a:lnRef idx="1">
+        <a:scrgbClr r="0" g="0" b="0"/>
+      </a:lnRef>
+      <a:fillRef idx="3">
+        <a:scrgbClr r="0" g="0" b="0"/>
+      </a:fillRef>
+      <a:effectRef idx="2">
+        <a:scrgbClr r="0" g="0" b="0"/>
+      </a:effectRef>
+      <a:fontRef idx="minor">
+        <a:schemeClr val="lt1"/>
+      </a:fontRef>
+    </dgm:style>
+  </dgm:styleLbl>
+  <dgm:styleLbl name="parChTrans2D4">
+    <dgm:scene3d>
+      <a:camera prst="orthographicFront"/>
+      <a:lightRig rig="threePt" dir="t"/>
+    </dgm:scene3d>
+    <dgm:sp3d/>
+    <dgm:txPr/>
+    <dgm:style>
+      <a:lnRef idx="1">
+        <a:scrgbClr r="0" g="0" b="0"/>
+      </a:lnRef>
+      <a:fillRef idx="3">
+        <a:scrgbClr r="0" g="0" b="0"/>
+      </a:fillRef>
+      <a:effectRef idx="2">
+        <a:scrgbClr r="0" g="0" b="0"/>
+      </a:effectRef>
+      <a:fontRef idx="minor">
+        <a:schemeClr val="lt1"/>
+      </a:fontRef>
+    </dgm:style>
+  </dgm:styleLbl>
+  <dgm:styleLbl name="parChTrans1D1">
+    <dgm:scene3d>
+      <a:camera prst="orthographicFront"/>
+      <a:lightRig rig="threePt" dir="t"/>
+    </dgm:scene3d>
+    <dgm:sp3d/>
+    <dgm:txPr/>
+    <dgm:style>
+      <a:lnRef idx="1">
+        <a:scrgbClr r="0" g="0" b="0"/>
+      </a:lnRef>
+      <a:fillRef idx="0">
+        <a:scrgbClr r="0" g="0" b="0"/>
+      </a:fillRef>
+      <a:effectRef idx="0">
+        <a:scrgbClr r="0" g="0" b="0"/>
+      </a:effectRef>
+      <a:fontRef idx="minor"/>
+    </dgm:style>
+  </dgm:styleLbl>
+  <dgm:styleLbl name="parChTrans1D2">
+    <dgm:scene3d>
+      <a:camera prst="orthographicFront"/>
+      <a:lightRig rig="threePt" dir="t"/>
+    </dgm:scene3d>
+    <dgm:sp3d/>
+    <dgm:txPr/>
+    <dgm:style>
+      <a:lnRef idx="1">
+        <a:scrgbClr r="0" g="0" b="0"/>
+      </a:lnRef>
+      <a:fillRef idx="0">
+        <a:scrgbClr r="0" g="0" b="0"/>
+      </a:fillRef>
+      <a:effectRef idx="0">
+        <a:scrgbClr r="0" g="0" b="0"/>
+      </a:effectRef>
+      <a:fontRef idx="minor"/>
+    </dgm:style>
+  </dgm:styleLbl>
+  <dgm:styleLbl name="parChTrans1D3">
+    <dgm:scene3d>
+      <a:camera prst="orthographicFront"/>
+      <a:lightRig rig="threePt" dir="t"/>
+    </dgm:scene3d>
+    <dgm:sp3d/>
+    <dgm:txPr/>
+    <dgm:style>
+      <a:lnRef idx="1">
+        <a:scrgbClr r="0" g="0" b="0"/>
+      </a:lnRef>
+      <a:fillRef idx="0">
+        <a:scrgbClr r="0" g="0" b="0"/>
+      </a:fillRef>
+      <a:effectRef idx="0">
+        <a:scrgbClr r="0" g="0" b="0"/>
+      </a:effectRef>
+      <a:fontRef idx="minor"/>
+    </dgm:style>
+  </dgm:styleLbl>
+  <dgm:styleLbl name="parChTrans1D4">
+    <dgm:scene3d>
+      <a:camera prst="orthographicFront"/>
+      <a:lightRig rig="threePt" dir="t"/>
+    </dgm:scene3d>
+    <dgm:sp3d/>
+    <dgm:txPr/>
+    <dgm:style>
+      <a:lnRef idx="1">
+        <a:scrgbClr r="0" g="0" b="0"/>
+      </a:lnRef>
+      <a:fillRef idx="0">
+        <a:scrgbClr r="0" g="0" b="0"/>
+      </a:fillRef>
+      <a:effectRef idx="0">
+        <a:scrgbClr r="0" g="0" b="0"/>
+      </a:effectRef>
+      <a:fontRef idx="minor"/>
+    </dgm:style>
+  </dgm:styleLbl>
+  <dgm:styleLbl name="fgAcc1">
+    <dgm:scene3d>
+      <a:camera prst="orthographicFront"/>
+      <a:lightRig rig="threePt" dir="t"/>
+    </dgm:scene3d>
+    <dgm:sp3d/>
+    <dgm:txPr/>
+    <dgm:style>
+      <a:lnRef idx="1">
+        <a:scrgbClr r="0" g="0" b="0"/>
+      </a:lnRef>
+      <a:fillRef idx="1">
+        <a:scrgbClr r="0" g="0" b="0"/>
+      </a:fillRef>
+      <a:effectRef idx="0">
+        <a:scrgbClr r="0" g="0" b="0"/>
+      </a:effectRef>
+      <a:fontRef idx="minor"/>
+    </dgm:style>
+  </dgm:styleLbl>
+  <dgm:styleLbl name="conFgAcc1">
+    <dgm:scene3d>
+      <a:camera prst="orthographicFront"/>
+      <a:lightRig rig="threePt" dir="t"/>
+    </dgm:scene3d>
+    <dgm:sp3d/>
+    <dgm:txPr/>
+    <dgm:style>
+      <a:lnRef idx="1">
+        <a:scrgbClr r="0" g="0" b="0"/>
+      </a:lnRef>
+      <a:fillRef idx="1">
+        <a:scrgbClr r="0" g="0" b="0"/>
+      </a:fillRef>
+      <a:effectRef idx="0">
+        <a:scrgbClr r="0" g="0" b="0"/>
+      </a:effectRef>
+      <a:fontRef idx="minor"/>
+    </dgm:style>
+  </dgm:styleLbl>
+  <dgm:styleLbl name="alignAcc1">
+    <dgm:scene3d>
+      <a:camera prst="orthographicFront"/>
+      <a:lightRig rig="threePt" dir="t"/>
+    </dgm:scene3d>
+    <dgm:sp3d/>
+    <dgm:txPr/>
+    <dgm:style>
+      <a:lnRef idx="1">
+        <a:scrgbClr r="0" g="0" b="0"/>
+      </a:lnRef>
+      <a:fillRef idx="1">
+        <a:scrgbClr r="0" g="0" b="0"/>
+      </a:fillRef>
+      <a:effectRef idx="0">
+        <a:scrgbClr r="0" g="0" b="0"/>
+      </a:effectRef>
+      <a:fontRef idx="minor"/>
+    </dgm:style>
+  </dgm:styleLbl>
+  <dgm:styleLbl name="trAlignAcc1">
+    <dgm:scene3d>
+      <a:camera prst="orthographicFront"/>
+      <a:lightRig rig="threePt" dir="t"/>
+    </dgm:scene3d>
+    <dgm:sp3d/>
+    <dgm:txPr/>
+    <dgm:style>
+      <a:lnRef idx="1">
+        <a:scrgbClr r="0" g="0" b="0"/>
+      </a:lnRef>
+      <a:fillRef idx="1">
+        <a:scrgbClr r="0" g="0" b="0"/>
+      </a:fillRef>
+      <a:effectRef idx="0">
+        <a:scrgbClr r="0" g="0" b="0"/>
+      </a:effectRef>
+      <a:fontRef idx="minor"/>
+    </dgm:style>
+  </dgm:styleLbl>
+  <dgm:styleLbl name="bgAcc1">
+    <dgm:scene3d>
+      <a:camera prst="orthographicFront"/>
+      <a:lightRig rig="threePt" dir="t"/>
+    </dgm:scene3d>
+    <dgm:sp3d/>
+    <dgm:txPr/>
+    <dgm:style>
+      <a:lnRef idx="1">
+        <a:scrgbClr r="0" g="0" b="0"/>
+      </a:lnRef>
+      <a:fillRef idx="1">
+        <a:scrgbClr r="0" g="0" b="0"/>
+      </a:fillRef>
+      <a:effectRef idx="0">
+        <a:scrgbClr r="0" g="0" b="0"/>
+      </a:effectRef>
+      <a:fontRef idx="minor"/>
+    </dgm:style>
+  </dgm:styleLbl>
+  <dgm:styleLbl name="solidFgAcc1">
+    <dgm:scene3d>
+      <a:camera prst="orthographicFront"/>
+      <a:lightRig rig="threePt" dir="t"/>
+    </dgm:scene3d>
+    <dgm:sp3d/>
+    <dgm:txPr/>
+    <dgm:style>
+      <a:lnRef idx="1">
+        <a:scrgbClr r="0" g="0" b="0"/>
+      </a:lnRef>
+      <a:fillRef idx="1">
+        <a:scrgbClr r="0" g="0" b="0"/>
+      </a:fillRef>
+      <a:effectRef idx="0">
+        <a:scrgbClr r="0" g="0" b="0"/>
+      </a:effectRef>
+      <a:fontRef idx="minor"/>
+    </dgm:style>
+  </dgm:styleLbl>
+  <dgm:styleLbl name="solidAlignAcc1">
+    <dgm:scene3d>
+      <a:camera prst="orthographicFront"/>
+      <a:lightRig rig="threePt" dir="t"/>
+    </dgm:scene3d>
+    <dgm:sp3d/>
+    <dgm:txPr/>
+    <dgm:style>
+      <a:lnRef idx="1">
+        <a:scrgbClr r="0" g="0" b="0"/>
+      </a:lnRef>
+      <a:fillRef idx="1">
+        <a:scrgbClr r="0" g="0" b="0"/>
+      </a:fillRef>
+      <a:effectRef idx="0">
+        <a:scrgbClr r="0" g="0" b="0"/>
+      </a:effectRef>
+      <a:fontRef idx="minor"/>
+    </dgm:style>
+  </dgm:styleLbl>
+  <dgm:styleLbl name="solidBgAcc1">
+    <dgm:scene3d>
+      <a:camera prst="orthographicFront"/>
+      <a:lightRig rig="threePt" dir="t"/>
+    </dgm:scene3d>
+    <dgm:sp3d/>
+    <dgm:txPr/>
+    <dgm:style>
+      <a:lnRef idx="1">
+        <a:scrgbClr r="0" g="0" b="0"/>
+      </a:lnRef>
+      <a:fillRef idx="1">
+        <a:scrgbClr r="0" g="0" b="0"/>
+      </a:fillRef>
+      <a:effectRef idx="0">
+        <a:scrgbClr r="0" g="0" b="0"/>
+      </a:effectRef>
+      <a:fontRef idx="minor"/>
+    </dgm:style>
+  </dgm:styleLbl>
+  <dgm:styleLbl name="fgAccFollowNode1">
+    <dgm:scene3d>
+      <a:camera prst="orthographicFront"/>
+      <a:lightRig rig="threePt" dir="t"/>
+    </dgm:scene3d>
+    <dgm:sp3d/>
+    <dgm:txPr/>
+    <dgm:style>
+      <a:lnRef idx="1">
+        <a:scrgbClr r="0" g="0" b="0"/>
+      </a:lnRef>
+      <a:fillRef idx="1">
+        <a:scrgbClr r="0" g="0" b="0"/>
+      </a:fillRef>
+      <a:effectRef idx="0">
+        <a:scrgbClr r="0" g="0" b="0"/>
+      </a:effectRef>
+      <a:fontRef idx="minor"/>
+    </dgm:style>
+  </dgm:styleLbl>
+  <dgm:styleLbl name="alignAccFollowNode1">
+    <dgm:scene3d>
+      <a:camera prst="orthographicFront"/>
+      <a:lightRig rig="threePt" dir="t"/>
+    </dgm:scene3d>
+    <dgm:sp3d/>
+    <dgm:txPr/>
+    <dgm:style>
+      <a:lnRef idx="1">
+        <a:scrgbClr r="0" g="0" b="0"/>
+      </a:lnRef>
+      <a:fillRef idx="1">
+        <a:scrgbClr r="0" g="0" b="0"/>
+      </a:fillRef>
+      <a:effectRef idx="0">
+        <a:scrgbClr r="0" g="0" b="0"/>
+      </a:effectRef>
+      <a:fontRef idx="minor"/>
+    </dgm:style>
+  </dgm:styleLbl>
+  <dgm:styleLbl name="bgAccFollowNode1">
+    <dgm:scene3d>
+      <a:camera prst="orthographicFront"/>
+      <a:lightRig rig="threePt" dir="t"/>
+    </dgm:scene3d>
+    <dgm:sp3d/>
+    <dgm:txPr/>
+    <dgm:style>
+      <a:lnRef idx="1">
+        <a:scrgbClr r="0" g="0" b="0"/>
+      </a:lnRef>
+      <a:fillRef idx="1">
+        <a:scrgbClr r="0" g="0" b="0"/>
+      </a:fillRef>
+      <a:effectRef idx="0">
+        <a:scrgbClr r="0" g="0" b="0"/>
+      </a:effectRef>
+      <a:fontRef idx="minor"/>
+    </dgm:style>
+  </dgm:styleLbl>
+  <dgm:styleLbl name="fgAcc0">
+    <dgm:scene3d>
+      <a:camera prst="orthographicFront"/>
+      <a:lightRig rig="threePt" dir="t"/>
+    </dgm:scene3d>
+    <dgm:sp3d/>
+    <dgm:txPr/>
+    <dgm:style>
+      <a:lnRef idx="1">
+        <a:scrgbClr r="0" g="0" b="0"/>
+      </a:lnRef>
+      <a:fillRef idx="1">
+        <a:scrgbClr r="0" g="0" b="0"/>
+      </a:fillRef>
+      <a:effectRef idx="0">
+        <a:scrgbClr r="0" g="0" b="0"/>
+      </a:effectRef>
+      <a:fontRef idx="minor"/>
+    </dgm:style>
+  </dgm:styleLbl>
+  <dgm:styleLbl name="fgAcc2">
+    <dgm:scene3d>
+      <a:camera prst="orthographicFront"/>
+      <a:lightRig rig="threePt" dir="t"/>
+    </dgm:scene3d>
+    <dgm:sp3d/>
+    <dgm:txPr/>
+    <dgm:style>
+      <a:lnRef idx="1">
+        <a:scrgbClr r="0" g="0" b="0"/>
+      </a:lnRef>
+      <a:fillRef idx="1">
+        <a:scrgbClr r="0" g="0" b="0"/>
+      </a:fillRef>
+      <a:effectRef idx="0">
+        <a:scrgbClr r="0" g="0" b="0"/>
+      </a:effectRef>
+      <a:fontRef idx="minor"/>
+    </dgm:style>
+  </dgm:styleLbl>
+  <dgm:styleLbl name="fgAcc3">
+    <dgm:scene3d>
+      <a:camera prst="orthographicFront"/>
+      <a:lightRig rig="threePt" dir="t"/>
+    </dgm:scene3d>
+    <dgm:sp3d/>
+    <dgm:txPr/>
+    <dgm:style>
+      <a:lnRef idx="1">
+        <a:scrgbClr r="0" g="0" b="0"/>
+      </a:lnRef>
+      <a:fillRef idx="1">
+        <a:scrgbClr r="0" g="0" b="0"/>
+      </a:fillRef>
+      <a:effectRef idx="0">
+        <a:scrgbClr r="0" g="0" b="0"/>
+      </a:effectRef>
+      <a:fontRef idx="minor"/>
+    </dgm:style>
+  </dgm:styleLbl>
+  <dgm:styleLbl name="fgAcc4">
+    <dgm:scene3d>
+      <a:camera prst="orthographicFront"/>
+      <a:lightRig rig="threePt" dir="t"/>
+    </dgm:scene3d>
+    <dgm:sp3d/>
+    <dgm:txPr/>
+    <dgm:style>
+      <a:lnRef idx="1">
+        <a:scrgbClr r="0" g="0" b="0"/>
+      </a:lnRef>
+      <a:fillRef idx="1">
+        <a:scrgbClr r="0" g="0" b="0"/>
+      </a:fillRef>
+      <a:effectRef idx="0">
+        <a:scrgbClr r="0" g="0" b="0"/>
+      </a:effectRef>
+      <a:fontRef idx="minor"/>
+    </dgm:style>
+  </dgm:styleLbl>
+  <dgm:styleLbl name="bgShp">
+    <dgm:scene3d>
+      <a:camera prst="orthographicFront"/>
+      <a:lightRig rig="threePt" dir="t"/>
+    </dgm:scene3d>
+    <dgm:sp3d/>
+    <dgm:txPr/>
+    <dgm:style>
+      <a:lnRef idx="0">
+        <a:scrgbClr r="0" g="0" b="0"/>
+      </a:lnRef>
+      <a:fillRef idx="1">
+        <a:scrgbClr r="0" g="0" b="0"/>
+      </a:fillRef>
+      <a:effectRef idx="2">
+        <a:scrgbClr r="0" g="0" b="0"/>
+      </a:effectRef>
+      <a:fontRef idx="minor"/>
+    </dgm:style>
+  </dgm:styleLbl>
+  <dgm:styleLbl name="dkBgShp">
+    <dgm:scene3d>
+      <a:camera prst="orthographicFront"/>
+      <a:lightRig rig="threePt" dir="t"/>
+    </dgm:scene3d>
+    <dgm:sp3d/>
+    <dgm:txPr/>
+    <dgm:style>
+      <a:lnRef idx="0">
+        <a:scrgbClr r="0" g="0" b="0"/>
+      </a:lnRef>
+      <a:fillRef idx="1">
+        <a:scrgbClr r="0" g="0" b="0"/>
+      </a:fillRef>
+      <a:effectRef idx="2">
+        <a:scrgbClr r="0" g="0" b="0"/>
+      </a:effectRef>
+      <a:fontRef idx="minor"/>
+    </dgm:style>
+  </dgm:styleLbl>
+  <dgm:styleLbl name="trBgShp">
+    <dgm:scene3d>
+      <a:camera prst="orthographicFront"/>
+      <a:lightRig rig="threePt" dir="t"/>
+    </dgm:scene3d>
+    <dgm:sp3d/>
+    <dgm:txPr/>
+    <dgm:style>
+      <a:lnRef idx="0">
+        <a:scrgbClr r="0" g="0" b="0"/>
+      </a:lnRef>
+      <a:fillRef idx="1">
+        <a:scrgbClr r="0" g="0" b="0"/>
+      </a:fillRef>
+      <a:effectRef idx="0">
+        <a:scrgbClr r="0" g="0" b="0"/>
+      </a:effectRef>
+      <a:fontRef idx="minor"/>
+    </dgm:style>
+  </dgm:styleLbl>
+  <dgm:styleLbl name="fgShp">
+    <dgm:scene3d>
+      <a:camera prst="orthographicFront"/>
+      <a:lightRig rig="threePt" dir="t"/>
+    </dgm:scene3d>
+    <dgm:sp3d/>
+    <dgm:txPr/>
+    <dgm:style>
+      <a:lnRef idx="0">
+        <a:scrgbClr r="0" g="0" b="0"/>
+      </a:lnRef>
+      <a:fillRef idx="3">
+        <a:scrgbClr r="0" g="0" b="0"/>
+      </a:fillRef>
+      <a:effectRef idx="2">
+        <a:scrgbClr r="0" g="0" b="0"/>
+      </a:effectRef>
+      <a:fontRef idx="minor"/>
+    </dgm:style>
+  </dgm:styleLbl>
+  <dgm:styleLbl name="revTx">
+    <dgm:scene3d>
+      <a:camera prst="orthographicFront"/>
+      <a:lightRig rig="threePt" dir="t"/>
+    </dgm:scene3d>
+    <dgm:sp3d/>
+    <dgm:txPr/>
+    <dgm:style>
+      <a:lnRef idx="0">
+        <a:scrgbClr r="0" g="0" b="0"/>
+      </a:lnRef>
+      <a:fillRef idx="0">
+        <a:scrgbClr r="0" g="0" b="0"/>
+      </a:fillRef>
+      <a:effectRef idx="0">
+        <a:scrgbClr r="0" g="0" b="0"/>
+      </a:effectRef>
+      <a:fontRef idx="minor"/>
+    </dgm:style>
+  </dgm:styleLbl>
+</dgm:styleDef>
+</file>
+
+<file path=ppt/diagrams/quickStyle2.xml><?xml version="1.0" encoding="utf-8"?>
+<dgm:styleDef xmlns:dgm="http://schemas.openxmlformats.org/drawingml/2006/diagram" xmlns:a="http://schemas.openxmlformats.org/drawingml/2006/main" uniqueId="urn:microsoft.com/office/officeart/2005/8/quickstyle/simple1">
+  <dgm:title val=""/>
+  <dgm:desc val=""/>
+  <dgm:catLst>
+    <dgm:cat type="simple" pri="10100"/>
+  </dgm:catLst>
+  <dgm:scene3d>
+    <a:camera prst="orthographicFront"/>
+    <a:lightRig rig="threePt" dir="t"/>
+  </dgm:scene3d>
+  <dgm:styleLbl name="node0">
+    <dgm:scene3d>
+      <a:camera prst="orthographicFront"/>
+      <a:lightRig rig="threePt" dir="t"/>
+    </dgm:scene3d>
+    <dgm:sp3d/>
+    <dgm:txPr/>
+    <dgm:style>
+      <a:lnRef idx="2">
+        <a:scrgbClr r="0" g="0" b="0"/>
+      </a:lnRef>
+      <a:fillRef idx="1">
+        <a:scrgbClr r="0" g="0" b="0"/>
+      </a:fillRef>
+      <a:effectRef idx="0">
+        <a:scrgbClr r="0" g="0" b="0"/>
+      </a:effectRef>
+      <a:fontRef idx="minor">
+        <a:schemeClr val="lt1"/>
+      </a:fontRef>
+    </dgm:style>
+  </dgm:styleLbl>
+  <dgm:styleLbl name="lnNode1">
+    <dgm:scene3d>
+      <a:camera prst="orthographicFront"/>
+      <a:lightRig rig="threePt" dir="t"/>
+    </dgm:scene3d>
+    <dgm:sp3d/>
+    <dgm:txPr/>
+    <dgm:style>
+      <a:lnRef idx="2">
+        <a:scrgbClr r="0" g="0" b="0"/>
+      </a:lnRef>
+      <a:fillRef idx="1">
+        <a:scrgbClr r="0" g="0" b="0"/>
+      </a:fillRef>
+      <a:effectRef idx="0">
+        <a:scrgbClr r="0" g="0" b="0"/>
+      </a:effectRef>
+      <a:fontRef idx="minor">
+        <a:schemeClr val="lt1"/>
+      </a:fontRef>
+    </dgm:style>
+  </dgm:styleLbl>
+  <dgm:styleLbl name="vennNode1">
+    <dgm:scene3d>
+      <a:camera prst="orthographicFront"/>
+      <a:lightRig rig="threePt" dir="t"/>
+    </dgm:scene3d>
+    <dgm:sp3d/>
+    <dgm:txPr/>
+    <dgm:style>
+      <a:lnRef idx="2">
+        <a:scrgbClr r="0" g="0" b="0"/>
+      </a:lnRef>
+      <a:fillRef idx="1">
+        <a:scrgbClr r="0" g="0" b="0"/>
+      </a:fillRef>
+      <a:effectRef idx="0">
+        <a:scrgbClr r="0" g="0" b="0"/>
+      </a:effectRef>
+      <a:fontRef idx="minor">
+        <a:schemeClr val="tx1"/>
+      </a:fontRef>
+    </dgm:style>
+  </dgm:styleLbl>
+  <dgm:styleLbl name="alignNode1">
+    <dgm:scene3d>
+      <a:camera prst="orthographicFront"/>
+      <a:lightRig rig="threePt" dir="t"/>
+    </dgm:scene3d>
+    <dgm:sp3d/>
+    <dgm:txPr/>
+    <dgm:style>
+      <a:lnRef idx="2">
+        <a:scrgbClr r="0" g="0" b="0"/>
+      </a:lnRef>
+      <a:fillRef idx="1">
+        <a:scrgbClr r="0" g="0" b="0"/>
+      </a:fillRef>
+      <a:effectRef idx="0">
+        <a:scrgbClr r="0" g="0" b="0"/>
+      </a:effectRef>
+      <a:fontRef idx="minor">
+        <a:schemeClr val="lt1"/>
+      </a:fontRef>
+    </dgm:style>
+  </dgm:styleLbl>
+  <dgm:styleLbl name="node1">
+    <dgm:scene3d>
+      <a:camera prst="orthographicFront"/>
+      <a:lightRig rig="threePt" dir="t"/>
+    </dgm:scene3d>
+    <dgm:sp3d/>
+    <dgm:txPr/>
+    <dgm:style>
+      <a:lnRef idx="2">
+        <a:scrgbClr r="0" g="0" b="0"/>
+      </a:lnRef>
+      <a:fillRef idx="1">
+        <a:scrgbClr r="0" g="0" b="0"/>
+      </a:fillRef>
+      <a:effectRef idx="0">
+        <a:scrgbClr r="0" g="0" b="0"/>
+      </a:effectRef>
+      <a:fontRef idx="minor">
+        <a:schemeClr val="lt1"/>
+      </a:fontRef>
+    </dgm:style>
+  </dgm:styleLbl>
+  <dgm:styleLbl name="node2">
+    <dgm:scene3d>
+      <a:camera prst="orthographicFront"/>
+      <a:lightRig rig="threePt" dir="t"/>
+    </dgm:scene3d>
+    <dgm:sp3d/>
+    <dgm:txPr/>
+    <dgm:style>
+      <a:lnRef idx="2">
+        <a:scrgbClr r="0" g="0" b="0"/>
+      </a:lnRef>
+      <a:fillRef idx="1">
+        <a:scrgbClr r="0" g="0" b="0"/>
+      </a:fillRef>
+      <a:effectRef idx="0">
+        <a:scrgbClr r="0" g="0" b="0"/>
+      </a:effectRef>
+      <a:fontRef idx="minor">
+        <a:schemeClr val="lt1"/>
+      </a:fontRef>
+    </dgm:style>
+  </dgm:styleLbl>
+  <dgm:styleLbl name="node3">
+    <dgm:scene3d>
+      <a:camera prst="orthographicFront"/>
+      <a:lightRig rig="threePt" dir="t"/>
+    </dgm:scene3d>
+    <dgm:sp3d/>
+    <dgm:txPr/>
+    <dgm:style>
+      <a:lnRef idx="2">
+        <a:scrgbClr r="0" g="0" b="0"/>
+      </a:lnRef>
+      <a:fillRef idx="1">
+        <a:scrgbClr r="0" g="0" b="0"/>
+      </a:fillRef>
+      <a:effectRef idx="0">
+        <a:scrgbClr r="0" g="0" b="0"/>
+      </a:effectRef>
+      <a:fontRef idx="minor">
+        <a:schemeClr val="lt1"/>
+      </a:fontRef>
+    </dgm:style>
+  </dgm:styleLbl>
+  <dgm:styleLbl name="node4">
+    <dgm:scene3d>
+      <a:camera prst="orthographicFront"/>
+      <a:lightRig rig="threePt" dir="t"/>
+    </dgm:scene3d>
+    <dgm:sp3d/>
+    <dgm:txPr/>
+    <dgm:style>
+      <a:lnRef idx="2">
+        <a:scrgbClr r="0" g="0" b="0"/>
+      </a:lnRef>
+      <a:fillRef idx="1">
+        <a:scrgbClr r="0" g="0" b="0"/>
+      </a:fillRef>
+      <a:effectRef idx="0">
+        <a:scrgbClr r="0" g="0" b="0"/>
+      </a:effectRef>
+      <a:fontRef idx="minor">
+        <a:schemeClr val="lt1"/>
+      </a:fontRef>
+    </dgm:style>
+  </dgm:styleLbl>
+  <dgm:styleLbl name="fgImgPlace1">
+    <dgm:scene3d>
+      <a:camera prst="orthographicFront"/>
+      <a:lightRig rig="threePt" dir="t"/>
+    </dgm:scene3d>
+    <dgm:sp3d/>
+    <dgm:txPr/>
+    <dgm:style>
+      <a:lnRef idx="2">
+        <a:scrgbClr r="0" g="0" b="0"/>
+      </a:lnRef>
+      <a:fillRef idx="1">
+        <a:scrgbClr r="0" g="0" b="0"/>
+      </a:fillRef>
+      <a:effectRef idx="0">
+        <a:scrgbClr r="0" g="0" b="0"/>
+      </a:effectRef>
+      <a:fontRef idx="minor"/>
+    </dgm:style>
+  </dgm:styleLbl>
+  <dgm:styleLbl name="alignImgPlace1">
+    <dgm:scene3d>
+      <a:camera prst="orthographicFront"/>
+      <a:lightRig rig="threePt" dir="t"/>
+    </dgm:scene3d>
+    <dgm:sp3d/>
+    <dgm:txPr/>
+    <dgm:style>
+      <a:lnRef idx="2">
+        <a:scrgbClr r="0" g="0" b="0"/>
+      </a:lnRef>
+      <a:fillRef idx="1">
+        <a:scrgbClr r="0" g="0" b="0"/>
+      </a:fillRef>
+      <a:effectRef idx="0">
+        <a:scrgbClr r="0" g="0" b="0"/>
+      </a:effectRef>
+      <a:fontRef idx="minor"/>
+    </dgm:style>
+  </dgm:styleLbl>
+  <dgm:styleLbl name="bgImgPlace1">
+    <dgm:scene3d>
+      <a:camera prst="orthographicFront"/>
+      <a:lightRig rig="threePt" dir="t"/>
+    </dgm:scene3d>
+    <dgm:sp3d/>
+    <dgm:txPr/>
+    <dgm:style>
+      <a:lnRef idx="2">
+        <a:scrgbClr r="0" g="0" b="0"/>
+      </a:lnRef>
+      <a:fillRef idx="1">
+        <a:scrgbClr r="0" g="0" b="0"/>
+      </a:fillRef>
+      <a:effectRef idx="0">
+        <a:scrgbClr r="0" g="0" b="0"/>
+      </a:effectRef>
+      <a:fontRef idx="minor"/>
+    </dgm:style>
+  </dgm:styleLbl>
+  <dgm:styleLbl name="sibTrans2D1">
+    <dgm:scene3d>
+      <a:camera prst="orthographicFront"/>
+      <a:lightRig rig="threePt" dir="t"/>
+    </dgm:scene3d>
+    <dgm:sp3d/>
+    <dgm:txPr/>
+    <dgm:style>
+      <a:lnRef idx="0">
+        <a:scrgbClr r="0" g="0" b="0"/>
+      </a:lnRef>
+      <a:fillRef idx="1">
+        <a:scrgbClr r="0" g="0" b="0"/>
+      </a:fillRef>
+      <a:effectRef idx="0">
+        <a:scrgbClr r="0" g="0" b="0"/>
+      </a:effectRef>
+      <a:fontRef idx="minor">
+        <a:schemeClr val="lt1"/>
+      </a:fontRef>
+    </dgm:style>
+  </dgm:styleLbl>
+  <dgm:styleLbl name="fgSibTrans2D1">
+    <dgm:scene3d>
+      <a:camera prst="orthographicFront"/>
+      <a:lightRig rig="threePt" dir="t"/>
+    </dgm:scene3d>
+    <dgm:sp3d/>
+    <dgm:txPr/>
+    <dgm:style>
+      <a:lnRef idx="0">
+        <a:scrgbClr r="0" g="0" b="0"/>
+      </a:lnRef>
+      <a:fillRef idx="1">
+        <a:scrgbClr r="0" g="0" b="0"/>
+      </a:fillRef>
+      <a:effectRef idx="0">
+        <a:scrgbClr r="0" g="0" b="0"/>
+      </a:effectRef>
+      <a:fontRef idx="minor">
+        <a:schemeClr val="lt1"/>
+      </a:fontRef>
+    </dgm:style>
+  </dgm:styleLbl>
+  <dgm:styleLbl name="bgSibTrans2D1">
+    <dgm:scene3d>
+      <a:camera prst="orthographicFront"/>
+      <a:lightRig rig="threePt" dir="t"/>
+    </dgm:scene3d>
+    <dgm:sp3d/>
+    <dgm:txPr/>
+    <dgm:style>
+      <a:lnRef idx="0">
+        <a:scrgbClr r="0" g="0" b="0"/>
+      </a:lnRef>
+      <a:fillRef idx="1">
+        <a:scrgbClr r="0" g="0" b="0"/>
+      </a:fillRef>
+      <a:effectRef idx="0">
+        <a:scrgbClr r="0" g="0" b="0"/>
+      </a:effectRef>
+      <a:fontRef idx="minor">
+        <a:schemeClr val="lt1"/>
+      </a:fontRef>
+    </dgm:style>
+  </dgm:styleLbl>
+  <dgm:styleLbl name="sibTrans1D1">
+    <dgm:scene3d>
+      <a:camera prst="orthographicFront"/>
+      <a:lightRig rig="threePt" dir="t"/>
+    </dgm:scene3d>
+    <dgm:sp3d/>
+    <dgm:txPr/>
+    <dgm:style>
+      <a:lnRef idx="1">
+        <a:scrgbClr r="0" g="0" b="0"/>
+      </a:lnRef>
+      <a:fillRef idx="0">
+        <a:scrgbClr r="0" g="0" b="0"/>
+      </a:fillRef>
+      <a:effectRef idx="0">
+        <a:scrgbClr r="0" g="0" b="0"/>
+      </a:effectRef>
+      <a:fontRef idx="minor"/>
+    </dgm:style>
+  </dgm:styleLbl>
+  <dgm:styleLbl name="callout">
+    <dgm:scene3d>
+      <a:camera prst="orthographicFront"/>
+      <a:lightRig rig="threePt" dir="t"/>
+    </dgm:scene3d>
+    <dgm:sp3d/>
+    <dgm:txPr/>
+    <dgm:style>
+      <a:lnRef idx="2">
+        <a:scrgbClr r="0" g="0" b="0"/>
+      </a:lnRef>
+      <a:fillRef idx="1">
+        <a:scrgbClr r="0" g="0" b="0"/>
+      </a:fillRef>
+      <a:effectRef idx="0">
+        <a:scrgbClr r="0" g="0" b="0"/>
+      </a:effectRef>
+      <a:fontRef idx="minor"/>
+    </dgm:style>
+  </dgm:styleLbl>
+  <dgm:styleLbl name="asst0">
+    <dgm:scene3d>
+      <a:camera prst="orthographicFront"/>
+      <a:lightRig rig="threePt" dir="t"/>
+    </dgm:scene3d>
+    <dgm:sp3d/>
+    <dgm:txPr/>
+    <dgm:style>
+      <a:lnRef idx="2">
+        <a:scrgbClr r="0" g="0" b="0"/>
+      </a:lnRef>
+      <a:fillRef idx="1">
+        <a:scrgbClr r="0" g="0" b="0"/>
+      </a:fillRef>
+      <a:effectRef idx="0">
+        <a:scrgbClr r="0" g="0" b="0"/>
+      </a:effectRef>
+      <a:fontRef idx="minor">
+        <a:schemeClr val="lt1"/>
+      </a:fontRef>
+    </dgm:style>
+  </dgm:styleLbl>
+  <dgm:styleLbl name="asst1">
+    <dgm:scene3d>
+      <a:camera prst="orthographicFront"/>
+      <a:lightRig rig="threePt" dir="t"/>
+    </dgm:scene3d>
+    <dgm:sp3d/>
+    <dgm:txPr/>
+    <dgm:style>
+      <a:lnRef idx="2">
+        <a:scrgbClr r="0" g="0" b="0"/>
+      </a:lnRef>
+      <a:fillRef idx="1">
+        <a:scrgbClr r="0" g="0" b="0"/>
+      </a:fillRef>
+      <a:effectRef idx="0">
+        <a:scrgbClr r="0" g="0" b="0"/>
+      </a:effectRef>
+      <a:fontRef idx="minor">
+        <a:schemeClr val="lt1"/>
+      </a:fontRef>
+    </dgm:style>
+  </dgm:styleLbl>
+  <dgm:styleLbl name="asst2">
+    <dgm:scene3d>
+      <a:camera prst="orthographicFront"/>
+      <a:lightRig rig="threePt" dir="t"/>
+    </dgm:scene3d>
+    <dgm:sp3d/>
+    <dgm:txPr/>
+    <dgm:style>
+      <a:lnRef idx="2">
+        <a:scrgbClr r="0" g="0" b="0"/>
+      </a:lnRef>
+      <a:fillRef idx="1">
+        <a:scrgbClr r="0" g="0" b="0"/>
+      </a:fillRef>
+      <a:effectRef idx="0">
+        <a:scrgbClr r="0" g="0" b="0"/>
+      </a:effectRef>
+      <a:fontRef idx="minor">
+        <a:schemeClr val="lt1"/>
+      </a:fontRef>
+    </dgm:style>
+  </dgm:styleLbl>
+  <dgm:styleLbl name="asst3">
+    <dgm:scene3d>
+      <a:camera prst="orthographicFront"/>
+      <a:lightRig rig="threePt" dir="t"/>
+    </dgm:scene3d>
+    <dgm:sp3d/>
+    <dgm:txPr/>
+    <dgm:style>
+      <a:lnRef idx="2">
+        <a:scrgbClr r="0" g="0" b="0"/>
+      </a:lnRef>
+      <a:fillRef idx="1">
+        <a:scrgbClr r="0" g="0" b="0"/>
+      </a:fillRef>
+      <a:effectRef idx="0">
+        <a:scrgbClr r="0" g="0" b="0"/>
+      </a:effectRef>
+      <a:fontRef idx="minor">
+        <a:schemeClr val="lt1"/>
+      </a:fontRef>
+    </dgm:style>
+  </dgm:styleLbl>
+  <dgm:styleLbl name="asst4">
+    <dgm:scene3d>
+      <a:camera prst="orthographicFront"/>
+      <a:lightRig rig="threePt" dir="t"/>
+    </dgm:scene3d>
+    <dgm:sp3d/>
+    <dgm:txPr/>
+    <dgm:style>
+      <a:lnRef idx="2">
+        <a:scrgbClr r="0" g="0" b="0"/>
+      </a:lnRef>
+      <a:fillRef idx="1">
+        <a:scrgbClr r="0" g="0" b="0"/>
+      </a:fillRef>
+      <a:effectRef idx="0">
+        <a:scrgbClr r="0" g="0" b="0"/>
+      </a:effectRef>
+      <a:fontRef idx="minor">
+        <a:schemeClr val="lt1"/>
+      </a:fontRef>
+    </dgm:style>
+  </dgm:styleLbl>
+  <dgm:styleLbl name="parChTrans2D1">
+    <dgm:scene3d>
+      <a:camera prst="orthographicFront"/>
+      <a:lightRig rig="threePt" dir="t"/>
+    </dgm:scene3d>
+    <dgm:sp3d/>
+    <dgm:txPr/>
+    <dgm:style>
+      <a:lnRef idx="2">
+        <a:scrgbClr r="0" g="0" b="0"/>
+      </a:lnRef>
+      <a:fillRef idx="1">
+        <a:scrgbClr r="0" g="0" b="0"/>
+      </a:fillRef>
+      <a:effectRef idx="0">
+        <a:scrgbClr r="0" g="0" b="0"/>
+      </a:effectRef>
+      <a:fontRef idx="minor">
+        <a:schemeClr val="lt1"/>
+      </a:fontRef>
+    </dgm:style>
+  </dgm:styleLbl>
+  <dgm:styleLbl name="parChTrans2D2">
+    <dgm:scene3d>
+      <a:camera prst="orthographicFront"/>
+      <a:lightRig rig="threePt" dir="t"/>
+    </dgm:scene3d>
+    <dgm:sp3d/>
+    <dgm:txPr/>
+    <dgm:style>
+      <a:lnRef idx="2">
+        <a:scrgbClr r="0" g="0" b="0"/>
+      </a:lnRef>
+      <a:fillRef idx="1">
+        <a:scrgbClr r="0" g="0" b="0"/>
+      </a:fillRef>
+      <a:effectRef idx="0">
+        <a:scrgbClr r="0" g="0" b="0"/>
+      </a:effectRef>
+      <a:fontRef idx="minor">
+        <a:schemeClr val="lt1"/>
+      </a:fontRef>
+    </dgm:style>
+  </dgm:styleLbl>
+  <dgm:styleLbl name="parChTrans2D3">
+    <dgm:scene3d>
+      <a:camera prst="orthographicFront"/>
+      <a:lightRig rig="threePt" dir="t"/>
+    </dgm:scene3d>
+    <dgm:sp3d/>
+    <dgm:txPr/>
+    <dgm:style>
+      <a:lnRef idx="2">
+        <a:scrgbClr r="0" g="0" b="0"/>
+      </a:lnRef>
+      <a:fillRef idx="1">
+        <a:scrgbClr r="0" g="0" b="0"/>
+      </a:fillRef>
+      <a:effectRef idx="0">
+        <a:scrgbClr r="0" g="0" b="0"/>
+      </a:effectRef>
+      <a:fontRef idx="minor">
+        <a:schemeClr val="lt1"/>
+      </a:fontRef>
+    </dgm:style>
+  </dgm:styleLbl>
+  <dgm:styleLbl name="parChTrans2D4">
+    <dgm:scene3d>
+      <a:camera prst="orthographicFront"/>
+      <a:lightRig rig="threePt" dir="t"/>
+    </dgm:scene3d>
+    <dgm:sp3d/>
+    <dgm:txPr/>
+    <dgm:style>
+      <a:lnRef idx="2">
+        <a:scrgbClr r="0" g="0" b="0"/>
+      </a:lnRef>
+      <a:fillRef idx="1">
+        <a:scrgbClr r="0" g="0" b="0"/>
+      </a:fillRef>
+      <a:effectRef idx="0">
+        <a:scrgbClr r="0" g="0" b="0"/>
+      </a:effectRef>
+      <a:fontRef idx="minor">
+        <a:schemeClr val="lt1"/>
+      </a:fontRef>
+    </dgm:style>
+  </dgm:styleLbl>
+  <dgm:styleLbl name="parChTrans1D1">
+    <dgm:scene3d>
+      <a:camera prst="orthographicFront"/>
+      <a:lightRig rig="threePt" dir="t"/>
+    </dgm:scene3d>
+    <dgm:sp3d/>
+    <dgm:txPr/>
+    <dgm:style>
+      <a:lnRef idx="2">
+        <a:scrgbClr r="0" g="0" b="0"/>
+      </a:lnRef>
+      <a:fillRef idx="0">
+        <a:scrgbClr r="0" g="0" b="0"/>
+      </a:fillRef>
+      <a:effectRef idx="0">
+        <a:scrgbClr r="0" g="0" b="0"/>
+      </a:effectRef>
+      <a:fontRef idx="minor"/>
+    </dgm:style>
+  </dgm:styleLbl>
+  <dgm:styleLbl name="parChTrans1D2">
+    <dgm:scene3d>
+      <a:camera prst="orthographicFront"/>
+      <a:lightRig rig="threePt" dir="t"/>
+    </dgm:scene3d>
+    <dgm:sp3d/>
+    <dgm:txPr/>
+    <dgm:style>
+      <a:lnRef idx="2">
+        <a:scrgbClr r="0" g="0" b="0"/>
+      </a:lnRef>
+      <a:fillRef idx="0">
+        <a:scrgbClr r="0" g="0" b="0"/>
+      </a:fillRef>
+      <a:effectRef idx="0">
+        <a:scrgbClr r="0" g="0" b="0"/>
+      </a:effectRef>
+      <a:fontRef idx="minor"/>
+    </dgm:style>
+  </dgm:styleLbl>
+  <dgm:styleLbl name="parChTrans1D3">
+    <dgm:scene3d>
+      <a:camera prst="orthographicFront"/>
+      <a:lightRig rig="threePt" dir="t"/>
+    </dgm:scene3d>
+    <dgm:sp3d/>
+    <dgm:txPr/>
+    <dgm:style>
+      <a:lnRef idx="2">
+        <a:scrgbClr r="0" g="0" b="0"/>
+      </a:lnRef>
+      <a:fillRef idx="0">
+        <a:scrgbClr r="0" g="0" b="0"/>
+      </a:fillRef>
+      <a:effectRef idx="0">
+        <a:scrgbClr r="0" g="0" b="0"/>
+      </a:effectRef>
+      <a:fontRef idx="minor"/>
+    </dgm:style>
+  </dgm:styleLbl>
+  <dgm:styleLbl name="parChTrans1D4">
+    <dgm:scene3d>
+      <a:camera prst="orthographicFront"/>
+      <a:lightRig rig="threePt" dir="t"/>
+    </dgm:scene3d>
+    <dgm:sp3d/>
+    <dgm:txPr/>
+    <dgm:style>
+      <a:lnRef idx="2">
+        <a:scrgbClr r="0" g="0" b="0"/>
+      </a:lnRef>
+      <a:fillRef idx="0">
+        <a:scrgbClr r="0" g="0" b="0"/>
+      </a:fillRef>
+      <a:effectRef idx="0">
+        <a:scrgbClr r="0" g="0" b="0"/>
+      </a:effectRef>
+      <a:fontRef idx="minor"/>
+    </dgm:style>
+  </dgm:styleLbl>
+  <dgm:styleLbl name="fgAcc1">
+    <dgm:scene3d>
+      <a:camera prst="orthographicFront"/>
+      <a:lightRig rig="threePt" dir="t"/>
+    </dgm:scene3d>
+    <dgm:sp3d/>
+    <dgm:txPr/>
+    <dgm:style>
+      <a:lnRef idx="2">
+        <a:scrgbClr r="0" g="0" b="0"/>
+      </a:lnRef>
+      <a:fillRef idx="1">
+        <a:scrgbClr r="0" g="0" b="0"/>
+      </a:fillRef>
+      <a:effectRef idx="0">
+        <a:scrgbClr r="0" g="0" b="0"/>
+      </a:effectRef>
+      <a:fontRef idx="minor"/>
+    </dgm:style>
+  </dgm:styleLbl>
+  <dgm:styleLbl name="conFgAcc1">
+    <dgm:scene3d>
+      <a:camera prst="orthographicFront"/>
+      <a:lightRig rig="threePt" dir="t"/>
+    </dgm:scene3d>
+    <dgm:sp3d/>
+    <dgm:txPr/>
+    <dgm:style>
+      <a:lnRef idx="2">
+        <a:scrgbClr r="0" g="0" b="0"/>
+      </a:lnRef>
+      <a:fillRef idx="1">
+        <a:scrgbClr r="0" g="0" b="0"/>
+      </a:fillRef>
+      <a:effectRef idx="0">
+        <a:scrgbClr r="0" g="0" b="0"/>
+      </a:effectRef>
+      <a:fontRef idx="minor"/>
+    </dgm:style>
+  </dgm:styleLbl>
+  <dgm:styleLbl name="alignAcc1">
+    <dgm:scene3d>
+      <a:camera prst="orthographicFront"/>
+      <a:lightRig rig="threePt" dir="t"/>
+    </dgm:scene3d>
+    <dgm:sp3d/>
+    <dgm:txPr/>
+    <dgm:style>
+      <a:lnRef idx="2">
+        <a:scrgbClr r="0" g="0" b="0"/>
+      </a:lnRef>
+      <a:fillRef idx="1">
+        <a:scrgbClr r="0" g="0" b="0"/>
+      </a:fillRef>
+      <a:effectRef idx="0">
+        <a:scrgbClr r="0" g="0" b="0"/>
+      </a:effectRef>
+      <a:fontRef idx="minor"/>
+    </dgm:style>
+  </dgm:styleLbl>
+  <dgm:styleLbl name="trAlignAcc1">
+    <dgm:scene3d>
+      <a:camera prst="orthographicFront"/>
+      <a:lightRig rig="threePt" dir="t"/>
+    </dgm:scene3d>
+    <dgm:sp3d/>
+    <dgm:txPr/>
+    <dgm:style>
+      <a:lnRef idx="1">
+        <a:scrgbClr r="0" g="0" b="0"/>
+      </a:lnRef>
+      <a:fillRef idx="1">
+        <a:scrgbClr r="0" g="0" b="0"/>
+      </a:fillRef>
+      <a:effectRef idx="0">
+        <a:scrgbClr r="0" g="0" b="0"/>
+      </a:effectRef>
+      <a:fontRef idx="minor"/>
+    </dgm:style>
+  </dgm:styleLbl>
+  <dgm:styleLbl name="bgAcc1">
+    <dgm:scene3d>
+      <a:camera prst="orthographicFront"/>
+      <a:lightRig rig="threePt" dir="t"/>
+    </dgm:scene3d>
+    <dgm:sp3d/>
+    <dgm:txPr/>
+    <dgm:style>
+      <a:lnRef idx="2">
+        <a:scrgbClr r="0" g="0" b="0"/>
+      </a:lnRef>
+      <a:fillRef idx="1">
+        <a:scrgbClr r="0" g="0" b="0"/>
+      </a:fillRef>
+      <a:effectRef idx="0">
+        <a:scrgbClr r="0" g="0" b="0"/>
+      </a:effectRef>
+      <a:fontRef idx="minor"/>
+    </dgm:style>
+  </dgm:styleLbl>
+  <dgm:styleLbl name="solidFgAcc1">
+    <dgm:scene3d>
+      <a:camera prst="orthographicFront"/>
+      <a:lightRig rig="threePt" dir="t"/>
+    </dgm:scene3d>
+    <dgm:sp3d/>
+    <dgm:txPr/>
+    <dgm:style>
+      <a:lnRef idx="2">
+        <a:scrgbClr r="0" g="0" b="0"/>
+      </a:lnRef>
+      <a:fillRef idx="1">
+        <a:scrgbClr r="0" g="0" b="0"/>
+      </a:fillRef>
+      <a:effectRef idx="0">
+        <a:scrgbClr r="0" g="0" b="0"/>
+      </a:effectRef>
+      <a:fontRef idx="minor"/>
+    </dgm:style>
+  </dgm:styleLbl>
+  <dgm:styleLbl name="solidAlignAcc1">
+    <dgm:scene3d>
+      <a:camera prst="orthographicFront"/>
+      <a:lightRig rig="threePt" dir="t"/>
+    </dgm:scene3d>
+    <dgm:sp3d/>
+    <dgm:txPr/>
+    <dgm:style>
+      <a:lnRef idx="2">
+        <a:scrgbClr r="0" g="0" b="0"/>
+      </a:lnRef>
+      <a:fillRef idx="1">
+        <a:scrgbClr r="0" g="0" b="0"/>
+      </a:fillRef>
+      <a:effectRef idx="0">
+        <a:scrgbClr r="0" g="0" b="0"/>
+      </a:effectRef>
+      <a:fontRef idx="minor"/>
+    </dgm:style>
+  </dgm:styleLbl>
+  <dgm:styleLbl name="solidBgAcc1">
+    <dgm:scene3d>
+      <a:camera prst="orthographicFront"/>
+      <a:lightRig rig="threePt" dir="t"/>
+    </dgm:scene3d>
+    <dgm:sp3d/>
+    <dgm:txPr/>
+    <dgm:style>
+      <a:lnRef idx="2">
+        <a:scrgbClr r="0" g="0" b="0"/>
+      </a:lnRef>
+      <a:fillRef idx="1">
+        <a:scrgbClr r="0" g="0" b="0"/>
+      </a:fillRef>
+      <a:effectRef idx="0">
+        <a:scrgbClr r="0" g="0" b="0"/>
+      </a:effectRef>
+      <a:fontRef idx="minor"/>
+    </dgm:style>
+  </dgm:styleLbl>
+  <dgm:styleLbl name="fgAccFollowNode1">
+    <dgm:scene3d>
+      <a:camera prst="orthographicFront"/>
+      <a:lightRig rig="threePt" dir="t"/>
+    </dgm:scene3d>
+    <dgm:sp3d/>
+    <dgm:txPr/>
+    <dgm:style>
+      <a:lnRef idx="2">
+        <a:scrgbClr r="0" g="0" b="0"/>
+      </a:lnRef>
+      <a:fillRef idx="1">
+        <a:scrgbClr r="0" g="0" b="0"/>
+      </a:fillRef>
+      <a:effectRef idx="0">
+        <a:scrgbClr r="0" g="0" b="0"/>
+      </a:effectRef>
+      <a:fontRef idx="minor"/>
+    </dgm:style>
+  </dgm:styleLbl>
+  <dgm:styleLbl name="alignAccFollowNode1">
+    <dgm:scene3d>
+      <a:camera prst="orthographicFront"/>
+      <a:lightRig rig="threePt" dir="t"/>
+    </dgm:scene3d>
+    <dgm:sp3d/>
+    <dgm:txPr/>
+    <dgm:style>
+      <a:lnRef idx="2">
+        <a:scrgbClr r="0" g="0" b="0"/>
+      </a:lnRef>
+      <a:fillRef idx="1">
+        <a:scrgbClr r="0" g="0" b="0"/>
+      </a:fillRef>
+      <a:effectRef idx="0">
+        <a:scrgbClr r="0" g="0" b="0"/>
+      </a:effectRef>
+      <a:fontRef idx="minor"/>
+    </dgm:style>
+  </dgm:styleLbl>
+  <dgm:styleLbl name="bgAccFollowNode1">
+    <dgm:scene3d>
+      <a:camera prst="orthographicFront"/>
+      <a:lightRig rig="threePt" dir="t"/>
+    </dgm:scene3d>
+    <dgm:sp3d/>
+    <dgm:txPr/>
+    <dgm:style>
+      <a:lnRef idx="2">
+        <a:scrgbClr r="0" g="0" b="0"/>
+      </a:lnRef>
+      <a:fillRef idx="1">
+        <a:scrgbClr r="0" g="0" b="0"/>
+      </a:fillRef>
+      <a:effectRef idx="0">
+        <a:scrgbClr r="0" g="0" b="0"/>
+      </a:effectRef>
+      <a:fontRef idx="minor"/>
+    </dgm:style>
+  </dgm:styleLbl>
+  <dgm:styleLbl name="fgAcc0">
+    <dgm:scene3d>
+      <a:camera prst="orthographicFront"/>
+      <a:lightRig rig="threePt" dir="t"/>
+    </dgm:scene3d>
+    <dgm:sp3d/>
+    <dgm:txPr/>
+    <dgm:style>
+      <a:lnRef idx="2">
+        <a:scrgbClr r="0" g="0" b="0"/>
+      </a:lnRef>
+      <a:fillRef idx="1">
+        <a:scrgbClr r="0" g="0" b="0"/>
+      </a:fillRef>
+      <a:effectRef idx="0">
+        <a:scrgbClr r="0" g="0" b="0"/>
+      </a:effectRef>
+      <a:fontRef idx="minor"/>
+    </dgm:style>
+  </dgm:styleLbl>
+  <dgm:styleLbl name="fgAcc2">
+    <dgm:scene3d>
+      <a:camera prst="orthographicFront"/>
+      <a:lightRig rig="threePt" dir="t"/>
+    </dgm:scene3d>
+    <dgm:sp3d/>
+    <dgm:txPr/>
+    <dgm:style>
+      <a:lnRef idx="2">
+        <a:scrgbClr r="0" g="0" b="0"/>
+      </a:lnRef>
+      <a:fillRef idx="1">
+        <a:scrgbClr r="0" g="0" b="0"/>
+      </a:fillRef>
+      <a:effectRef idx="0">
+        <a:scrgbClr r="0" g="0" b="0"/>
+      </a:effectRef>
+      <a:fontRef idx="minor"/>
+    </dgm:style>
+  </dgm:styleLbl>
+  <dgm:styleLbl name="fgAcc3">
+    <dgm:scene3d>
+      <a:camera prst="orthographicFront"/>
+      <a:lightRig rig="threePt" dir="t"/>
+    </dgm:scene3d>
+    <dgm:sp3d/>
+    <dgm:txPr/>
+    <dgm:style>
+      <a:lnRef idx="2">
+        <a:scrgbClr r="0" g="0" b="0"/>
+      </a:lnRef>
+      <a:fillRef idx="1">
+        <a:scrgbClr r="0" g="0" b="0"/>
+      </a:fillRef>
+      <a:effectRef idx="0">
+        <a:scrgbClr r="0" g="0" b="0"/>
+      </a:effectRef>
+      <a:fontRef idx="minor"/>
+    </dgm:style>
+  </dgm:styleLbl>
+  <dgm:styleLbl name="fgAcc4">
+    <dgm:scene3d>
+      <a:camera prst="orthographicFront"/>
+      <a:lightRig rig="threePt" dir="t"/>
+    </dgm:scene3d>
+    <dgm:sp3d/>
+    <dgm:txPr/>
+    <dgm:style>
+      <a:lnRef idx="2">
+        <a:scrgbClr r="0" g="0" b="0"/>
+      </a:lnRef>
+      <a:fillRef idx="1">
+        <a:scrgbClr r="0" g="0" b="0"/>
+      </a:fillRef>
+      <a:effectRef idx="0">
+        <a:scrgbClr r="0" g="0" b="0"/>
+      </a:effectRef>
+      <a:fontRef idx="minor"/>
+    </dgm:style>
+  </dgm:styleLbl>
+  <dgm:styleLbl name="bgShp">
+    <dgm:scene3d>
+      <a:camera prst="orthographicFront"/>
+      <a:lightRig rig="threePt" dir="t"/>
+    </dgm:scene3d>
+    <dgm:sp3d/>
+    <dgm:txPr/>
+    <dgm:style>
+      <a:lnRef idx="0">
+        <a:scrgbClr r="0" g="0" b="0"/>
+      </a:lnRef>
+      <a:fillRef idx="1">
+        <a:scrgbClr r="0" g="0" b="0"/>
+      </a:fillRef>
+      <a:effectRef idx="0">
+        <a:scrgbClr r="0" g="0" b="0"/>
+      </a:effectRef>
+      <a:fontRef idx="minor"/>
+    </dgm:style>
+  </dgm:styleLbl>
+  <dgm:styleLbl name="dkBgShp">
+    <dgm:scene3d>
+      <a:camera prst="orthographicFront"/>
+      <a:lightRig rig="threePt" dir="t"/>
+    </dgm:scene3d>
+    <dgm:sp3d/>
+    <dgm:txPr/>
+    <dgm:style>
+      <a:lnRef idx="0">
+        <a:scrgbClr r="0" g="0" b="0"/>
+      </a:lnRef>
+      <a:fillRef idx="1">
+        <a:scrgbClr r="0" g="0" b="0"/>
+      </a:fillRef>
+      <a:effectRef idx="0">
+        <a:scrgbClr r="0" g="0" b="0"/>
+      </a:effectRef>
+      <a:fontRef idx="minor"/>
+    </dgm:style>
+  </dgm:styleLbl>
+  <dgm:styleLbl name="trBgShp">
+    <dgm:scene3d>
+      <a:camera prst="orthographicFront"/>
+      <a:lightRig rig="threePt" dir="t"/>
+    </dgm:scene3d>
+    <dgm:sp3d/>
+    <dgm:txPr/>
+    <dgm:style>
+      <a:lnRef idx="0">
+        <a:scrgbClr r="0" g="0" b="0"/>
+      </a:lnRef>
+      <a:fillRef idx="1">
+        <a:scrgbClr r="0" g="0" b="0"/>
+      </a:fillRef>
+      <a:effectRef idx="0">
+        <a:scrgbClr r="0" g="0" b="0"/>
+      </a:effectRef>
+      <a:fontRef idx="minor"/>
+    </dgm:style>
+  </dgm:styleLbl>
+  <dgm:styleLbl name="fgShp">
+    <dgm:scene3d>
+      <a:camera prst="orthographicFront"/>
+      <a:lightRig rig="threePt" dir="t"/>
+    </dgm:scene3d>
+    <dgm:sp3d/>
+    <dgm:txPr/>
+    <dgm:style>
+      <a:lnRef idx="2">
+        <a:scrgbClr r="0" g="0" b="0"/>
+      </a:lnRef>
+      <a:fillRef idx="1">
+        <a:scrgbClr r="0" g="0" b="0"/>
+      </a:fillRef>
+      <a:effectRef idx="0">
+        <a:scrgbClr r="0" g="0" b="0"/>
+      </a:effectRef>
+      <a:fontRef idx="minor"/>
+    </dgm:style>
+  </dgm:styleLbl>
+  <dgm:styleLbl name="revTx">
+    <dgm:scene3d>
+      <a:camera prst="orthographicFront"/>
+      <a:lightRig rig="threePt" dir="t"/>
+    </dgm:scene3d>
+    <dgm:sp3d/>
+    <dgm:txPr/>
+    <dgm:style>
+      <a:lnRef idx="0">
+        <a:scrgbClr r="0" g="0" b="0"/>
+      </a:lnRef>
+      <a:fillRef idx="0">
+        <a:scrgbClr r="0" g="0" b="0"/>
+      </a:fillRef>
+      <a:effectRef idx="0">
+        <a:scrgbClr r="0" g="0" b="0"/>
+      </a:effectRef>
+      <a:fontRef idx="minor"/>
+    </dgm:style>
+  </dgm:styleLbl>
+</dgm:styleDef>
 </file>
 
 <file path=ppt/notesMasters/notesMaster1.xml><?xml version="1.0" encoding="utf-8"?>
@@ -203,7 +5614,7 @@
           <a:p>
             <a:fld id="{11696EBC-6160-4F28-BAE3-DF2B97D0DCAF}" type="datetimeFigureOut">
               <a:rPr lang="en-IE" smtClean="0"/>
-              <a:t>25/11/2017</a:t>
+              <a:t>26/11/2017</a:t>
             </a:fld>
             <a:endParaRPr lang="en-IE"/>
           </a:p>
@@ -610,7 +6021,13 @@
           <a:p>
             <a:r>
               <a:rPr lang="en-IE" dirty="0"/>
-              <a:t>Maybe mention DOTA 2 bot.</a:t>
+              <a:t>Maybe mention DOTA 2 bot. Open AI DOTA 2 bot.</a:t>
+            </a:r>
+          </a:p>
+          <a:p>
+            <a:r>
+              <a:rPr lang="en-IE" dirty="0"/>
+              <a:t>- https://blog.openai.com/dota-2/</a:t>
             </a:r>
           </a:p>
         </p:txBody>
@@ -642,6 +6059,90 @@
     <p:extLst>
       <p:ext uri="{BB962C8B-B14F-4D97-AF65-F5344CB8AC3E}">
         <p14:creationId xmlns:p14="http://schemas.microsoft.com/office/powerpoint/2010/main" val="2484620722"/>
+      </p:ext>
+    </p:extLst>
+  </p:cSld>
+  <p:clrMapOvr>
+    <a:masterClrMapping/>
+  </p:clrMapOvr>
+</p:notes>
+</file>
+
+<file path=ppt/notesSlides/notesSlide11.xml><?xml version="1.0" encoding="utf-8"?>
+<p:notes xmlns:a="http://schemas.openxmlformats.org/drawingml/2006/main" xmlns:r="http://schemas.openxmlformats.org/officeDocument/2006/relationships" xmlns:p="http://schemas.openxmlformats.org/presentationml/2006/main">
+  <p:cSld>
+    <p:spTree>
+      <p:nvGrpSpPr>
+        <p:cNvPr id="1" name=""/>
+        <p:cNvGrpSpPr/>
+        <p:nvPr/>
+      </p:nvGrpSpPr>
+      <p:grpSpPr>
+        <a:xfrm>
+          <a:off x="0" y="0"/>
+          <a:ext cx="0" cy="0"/>
+          <a:chOff x="0" y="0"/>
+          <a:chExt cx="0" cy="0"/>
+        </a:xfrm>
+      </p:grpSpPr>
+      <p:sp>
+        <p:nvSpPr>
+          <p:cNvPr id="2" name="Slide Image Placeholder 1"/>
+          <p:cNvSpPr>
+            <a:spLocks noGrp="1" noRot="1" noChangeAspect="1"/>
+          </p:cNvSpPr>
+          <p:nvPr>
+            <p:ph type="sldImg"/>
+          </p:nvPr>
+        </p:nvSpPr>
+        <p:spPr/>
+      </p:sp>
+      <p:sp>
+        <p:nvSpPr>
+          <p:cNvPr id="3" name="Notes Placeholder 2"/>
+          <p:cNvSpPr>
+            <a:spLocks noGrp="1"/>
+          </p:cNvSpPr>
+          <p:nvPr>
+            <p:ph type="body" idx="1"/>
+          </p:nvPr>
+        </p:nvSpPr>
+        <p:spPr/>
+        <p:txBody>
+          <a:bodyPr/>
+          <a:lstStyle/>
+          <a:p>
+            <a:endParaRPr lang="en-IE" dirty="0"/>
+          </a:p>
+        </p:txBody>
+      </p:sp>
+      <p:sp>
+        <p:nvSpPr>
+          <p:cNvPr id="4" name="Slide Number Placeholder 3"/>
+          <p:cNvSpPr>
+            <a:spLocks noGrp="1"/>
+          </p:cNvSpPr>
+          <p:nvPr>
+            <p:ph type="sldNum" sz="quarter" idx="10"/>
+          </p:nvPr>
+        </p:nvSpPr>
+        <p:spPr/>
+        <p:txBody>
+          <a:bodyPr/>
+          <a:lstStyle/>
+          <a:p>
+            <a:fld id="{F2FA16C5-A4D7-4499-AD65-B02C103C4B17}" type="slidenum">
+              <a:rPr lang="en-IE" smtClean="0"/>
+              <a:t>12</a:t>
+            </a:fld>
+            <a:endParaRPr lang="en-IE"/>
+          </a:p>
+        </p:txBody>
+      </p:sp>
+    </p:spTree>
+    <p:extLst>
+      <p:ext uri="{BB962C8B-B14F-4D97-AF65-F5344CB8AC3E}">
+        <p14:creationId xmlns:p14="http://schemas.microsoft.com/office/powerpoint/2010/main" val="1779625415"/>
       </p:ext>
     </p:extLst>
   </p:cSld>
@@ -1002,73 +6503,48 @@
           <a:p>
             <a:r>
               <a:rPr lang="en-IE" dirty="0"/>
-              <a:t>EXPLAIN A* ALGORITHM AND DIJKSTRA ALGORITHM</a:t>
+              <a:t>Explain how the grid system works.</a:t>
             </a:r>
           </a:p>
           <a:p>
-            <a:pPr marL="171450" indent="-171450">
-              <a:buFontTx/>
-              <a:buChar char="-"/>
-            </a:pPr>
+            <a:endParaRPr lang="en-IE" dirty="0"/>
+          </a:p>
+          <a:p>
             <a:r>
-              <a:rPr lang="en-IE" dirty="0"/>
-              <a:t>https://en.wikipedia.org/wiki/Pathfinding</a:t>
+              <a:rPr lang="en-IE" sz="1200" b="0" i="0" u="none" strike="noStrike" kern="1200" baseline="0" dirty="0">
+                <a:solidFill>
+                  <a:schemeClr val="tx1"/>
+                </a:solidFill>
+                <a:latin typeface="+mn-lt"/>
+                <a:ea typeface="+mn-ea"/>
+                <a:cs typeface="+mn-cs"/>
+              </a:rPr>
+              <a:t>A grid is composed of vertices or points that are connected by edges to represent a graph. In most pathfinding algorithms, the navigation performance is based on the attributes of this graph representation.</a:t>
             </a:r>
           </a:p>
           <a:p>
-            <a:pPr marL="171450" indent="-171450">
-              <a:buFontTx/>
-              <a:buChar char="-"/>
-            </a:pPr>
-            <a:endParaRPr lang="en-IE" dirty="0"/>
-          </a:p>
-          <a:p>
-            <a:pPr marL="0" indent="0">
-              <a:buFontTx/>
-              <a:buNone/>
-            </a:pPr>
             <a:r>
-              <a:rPr lang="en-IE" dirty="0"/>
-              <a:t>Dijkstra Algorithm was conceived by </a:t>
+              <a:rPr lang="en-IE" sz="1200" b="0" i="1" u="none" strike="noStrike" kern="1200" baseline="0" dirty="0">
+                <a:solidFill>
+                  <a:schemeClr val="tx1"/>
+                </a:solidFill>
+                <a:latin typeface="+mn-lt"/>
+                <a:ea typeface="+mn-ea"/>
+                <a:cs typeface="+mn-cs"/>
+              </a:rPr>
+              <a:t>Regular Grids. </a:t>
             </a:r>
             <a:r>
-              <a:rPr lang="en-IE" dirty="0">
-                <a:hlinkClick r:id="rId3" tooltip="Computer scientist"/>
+              <a:rPr lang="en-IE" sz="1200" b="0" i="0" u="none" strike="noStrike" kern="1200" baseline="0" dirty="0">
+                <a:solidFill>
+                  <a:schemeClr val="tx1"/>
+                </a:solidFill>
+                <a:latin typeface="+mn-lt"/>
+                <a:ea typeface="+mn-ea"/>
+                <a:cs typeface="+mn-cs"/>
               </a:rPr>
-              <a:t>computer scientist</a:t>
+              <a:t>Regular grids are one of the most well known graph types and are widely used by computer games developers and roboticists. There are a number of video game developers who have worked in this area, producing games such as Dawn of War 1 and 2, Civilization V, and Company of Heroes; roboticists have employed regular grids in the mars rovers spirit and opportunity. In 2D and 3D environments, regular grids describe tessellations of regular polygons (i.e., equilateral and equiangular polygons). Hexagons, squares, and triangles are the only regular polygons that can be used to tessellate continuous 2D environments.</a:t>
             </a:r>
-            <a:r>
-              <a:rPr lang="en-IE" dirty="0"/>
-              <a:t> </a:t>
-            </a:r>
-            <a:r>
-              <a:rPr lang="en-IE" dirty="0" err="1">
-                <a:hlinkClick r:id="rId4" tooltip="Edsger W. Dijkstra"/>
-              </a:rPr>
-              <a:t>Edsger</a:t>
-            </a:r>
-            <a:r>
-              <a:rPr lang="en-IE" dirty="0">
-                <a:hlinkClick r:id="rId4" tooltip="Edsger W. Dijkstra"/>
-              </a:rPr>
-              <a:t> W. Dijkstra</a:t>
-            </a:r>
-            <a:r>
-              <a:rPr lang="en-IE" dirty="0"/>
-              <a:t> in 1956. It is closely related to the shortest path problem. It uses a weighted graph to find the shortest path between two nodes. Starting from node 1 it visits every edge coming out of it and assigns to the next node the cost of getting there, and then it does the same with every other node until it finds the path with the lower cost from node 1 to node N.</a:t>
-            </a:r>
-          </a:p>
-          <a:p>
-            <a:pPr marL="0" indent="0">
-              <a:buFontTx/>
-              <a:buNone/>
-            </a:pPr>
-            <a:r>
-              <a:rPr lang="en-IE" dirty="0"/>
-              <a:t>A* Algorithm is a variation of Dijkstra’s Algorithm but it discards every path whose cost is higher to avoid spending resources visiting inviable or longer paths.</a:t>
-            </a:r>
-          </a:p>
-          <a:p>
             <a:endParaRPr lang="en-IE" dirty="0"/>
           </a:p>
         </p:txBody>
@@ -1099,7 +6575,7 @@
     </p:spTree>
     <p:extLst>
       <p:ext uri="{BB962C8B-B14F-4D97-AF65-F5344CB8AC3E}">
-        <p14:creationId xmlns:p14="http://schemas.microsoft.com/office/powerpoint/2010/main" val="1098942220"/>
+        <p14:creationId xmlns:p14="http://schemas.microsoft.com/office/powerpoint/2010/main" val="3843093288"/>
       </p:ext>
     </p:extLst>
   </p:cSld>
@@ -1155,70 +6631,73 @@
           <a:p>
             <a:r>
               <a:rPr lang="en-IE" dirty="0"/>
-              <a:t>Explain how the grid system works.</a:t>
+              <a:t>EXPLAIN A* ALGORITHM AND DIJKSTRA ALGORITHM</a:t>
             </a:r>
           </a:p>
           <a:p>
+            <a:pPr marL="171450" indent="-171450">
+              <a:buFontTx/>
+              <a:buChar char="-"/>
+            </a:pPr>
+            <a:r>
+              <a:rPr lang="en-IE" dirty="0"/>
+              <a:t>https://en.wikipedia.org/wiki/Pathfinding</a:t>
+            </a:r>
+          </a:p>
+          <a:p>
+            <a:pPr marL="171450" indent="-171450">
+              <a:buFontTx/>
+              <a:buChar char="-"/>
+            </a:pPr>
             <a:endParaRPr lang="en-IE" dirty="0"/>
           </a:p>
           <a:p>
+            <a:pPr marL="0" indent="0">
+              <a:buFontTx/>
+              <a:buNone/>
+            </a:pPr>
             <a:r>
-              <a:rPr lang="en-IE" sz="1200" b="0" i="0" u="none" strike="noStrike" kern="1200" baseline="0" dirty="0">
-                <a:solidFill>
-                  <a:schemeClr val="tx1"/>
-                </a:solidFill>
-                <a:latin typeface="+mn-lt"/>
-                <a:ea typeface="+mn-ea"/>
-                <a:cs typeface="+mn-cs"/>
-              </a:rPr>
-              <a:t>A grid is composed of vertices or points that are connected by edges to represent a graph. In most pathfinding algorithms, the navigation performance is based on the attributes of this graph representation.</a:t>
-            </a:r>
-          </a:p>
-          <a:p>
-            <a:r>
-              <a:rPr lang="en-IE" sz="1200" b="0" i="1" u="none" strike="noStrike" kern="1200" baseline="0" dirty="0">
-                <a:solidFill>
-                  <a:schemeClr val="tx1"/>
-                </a:solidFill>
-                <a:latin typeface="+mn-lt"/>
-                <a:ea typeface="+mn-ea"/>
-                <a:cs typeface="+mn-cs"/>
-              </a:rPr>
-              <a:t>Regular Grids. </a:t>
+              <a:rPr lang="en-IE" dirty="0"/>
+              <a:t>Dijkstra Algorithm was conceived by </a:t>
             </a:r>
             <a:r>
-              <a:rPr lang="en-IE" sz="1200" b="0" i="0" u="none" strike="noStrike" kern="1200" baseline="0" dirty="0">
-                <a:solidFill>
-                  <a:schemeClr val="tx1"/>
-                </a:solidFill>
-                <a:latin typeface="+mn-lt"/>
-                <a:ea typeface="+mn-ea"/>
-                <a:cs typeface="+mn-cs"/>
+              <a:rPr lang="en-IE" dirty="0">
+                <a:hlinkClick r:id="rId3" tooltip="Computer scientist"/>
               </a:rPr>
-              <a:t>Regular grids are one of the most well known graph types and are widely used by computer games developers and roboticists. There are a number of video game developers who have worked in this area, producing games such as Dawn </a:t>
+              <a:t>computer scientist</a:t>
             </a:r>
             <a:r>
-              <a:rPr lang="en-IE" sz="1200" b="0" i="0" u="none" strike="noStrike" kern="1200" baseline="0" dirty="0" err="1">
-                <a:solidFill>
-                  <a:schemeClr val="tx1"/>
-                </a:solidFill>
-                <a:latin typeface="+mn-lt"/>
-                <a:ea typeface="+mn-ea"/>
-                <a:cs typeface="+mn-cs"/>
-              </a:rPr>
-              <a:t>ofWar</a:t>
+              <a:rPr lang="en-IE" dirty="0"/>
+              <a:t> </a:t>
             </a:r>
             <a:r>
-              <a:rPr lang="en-IE" sz="1200" b="0" i="0" u="none" strike="noStrike" kern="1200" baseline="0" dirty="0">
-                <a:solidFill>
-                  <a:schemeClr val="tx1"/>
-                </a:solidFill>
-                <a:latin typeface="+mn-lt"/>
-                <a:ea typeface="+mn-ea"/>
-                <a:cs typeface="+mn-cs"/>
+              <a:rPr lang="en-IE" dirty="0" err="1">
+                <a:hlinkClick r:id="rId4" tooltip="Edsger W. Dijkstra"/>
               </a:rPr>
-              <a:t> 1 and 2, Civilization V, and Company of Heroes; roboticists have employed regular grids in the mars rovers spirit and opportunity. In 2D and 3D environments, regular grids describe tessellations of regular polygons (i.e., equilateral and equiangular polygons). Hexagons, squares, and triangles are the only regular polygons that can be used to tessellate continuous 2D environments.</a:t>
+              <a:t>Edsger</a:t>
             </a:r>
+            <a:r>
+              <a:rPr lang="en-IE" dirty="0">
+                <a:hlinkClick r:id="rId4" tooltip="Edsger W. Dijkstra"/>
+              </a:rPr>
+              <a:t> W. Dijkstra</a:t>
+            </a:r>
+            <a:r>
+              <a:rPr lang="en-IE" dirty="0"/>
+              <a:t> in 1956. It is closely related to the shortest path problem. It uses a weighted graph to find the shortest path between two nodes. Starting from node 1 it visits every edge coming out of it and assigns to the next node the cost of getting there, and then it does the same with every other node until it finds the path with the lower cost from node 1 to node N.</a:t>
+            </a:r>
+          </a:p>
+          <a:p>
+            <a:pPr marL="0" indent="0">
+              <a:buFontTx/>
+              <a:buNone/>
+            </a:pPr>
+            <a:r>
+              <a:rPr lang="en-IE" dirty="0"/>
+              <a:t>A* Algorithm is a variation of Dijkstra’s Algorithm but it discards every path whose cost is higher to avoid spending resources visiting inviable or longer paths.</a:t>
+            </a:r>
+          </a:p>
+          <a:p>
             <a:endParaRPr lang="en-IE" dirty="0"/>
           </a:p>
         </p:txBody>
@@ -1249,7 +6728,7 @@
     </p:spTree>
     <p:extLst>
       <p:ext uri="{BB962C8B-B14F-4D97-AF65-F5344CB8AC3E}">
-        <p14:creationId xmlns:p14="http://schemas.microsoft.com/office/powerpoint/2010/main" val="3843093288"/>
+        <p14:creationId xmlns:p14="http://schemas.microsoft.com/office/powerpoint/2010/main" val="1098942220"/>
       </p:ext>
     </p:extLst>
   </p:cSld>
@@ -1305,15 +6784,7 @@
           <a:p>
             <a:r>
               <a:rPr lang="en-IE" dirty="0"/>
-              <a:t>Explain how robotics and </a:t>
-            </a:r>
-            <a:r>
-              <a:rPr lang="en-IE" dirty="0" err="1"/>
-              <a:t>ai</a:t>
-            </a:r>
-            <a:r>
-              <a:rPr lang="en-IE" dirty="0"/>
-              <a:t> can use potential fields for pathfinding.</a:t>
+              <a:t>Explain how robotics and AI can use potential fields for pathfinding.</a:t>
             </a:r>
           </a:p>
         </p:txBody>
@@ -1665,7 +7136,7 @@
           <a:p>
             <a:fld id="{0690F08F-D52B-48C6-B2BC-F04883AF5FF8}" type="datetimeFigureOut">
               <a:rPr lang="en-IE" smtClean="0"/>
-              <a:t>25/11/2017</a:t>
+              <a:t>26/11/2017</a:t>
             </a:fld>
             <a:endParaRPr lang="en-IE"/>
           </a:p>
@@ -1716,7 +7187,7 @@
     </p:spTree>
     <p:extLst>
       <p:ext uri="{BB962C8B-B14F-4D97-AF65-F5344CB8AC3E}">
-        <p14:creationId xmlns:p14="http://schemas.microsoft.com/office/powerpoint/2010/main" val="1766275368"/>
+        <p14:creationId xmlns:p14="http://schemas.microsoft.com/office/powerpoint/2010/main" val="2440975211"/>
       </p:ext>
     </p:extLst>
   </p:cSld>
@@ -1835,7 +7306,7 @@
           <a:p>
             <a:fld id="{0690F08F-D52B-48C6-B2BC-F04883AF5FF8}" type="datetimeFigureOut">
               <a:rPr lang="en-IE" smtClean="0"/>
-              <a:t>25/11/2017</a:t>
+              <a:t>26/11/2017</a:t>
             </a:fld>
             <a:endParaRPr lang="en-IE"/>
           </a:p>
@@ -1886,7 +7357,7 @@
     </p:spTree>
     <p:extLst>
       <p:ext uri="{BB962C8B-B14F-4D97-AF65-F5344CB8AC3E}">
-        <p14:creationId xmlns:p14="http://schemas.microsoft.com/office/powerpoint/2010/main" val="3815934270"/>
+        <p14:creationId xmlns:p14="http://schemas.microsoft.com/office/powerpoint/2010/main" val="1694331234"/>
       </p:ext>
     </p:extLst>
   </p:cSld>
@@ -2015,7 +7486,7 @@
           <a:p>
             <a:fld id="{0690F08F-D52B-48C6-B2BC-F04883AF5FF8}" type="datetimeFigureOut">
               <a:rPr lang="en-IE" smtClean="0"/>
-              <a:t>25/11/2017</a:t>
+              <a:t>26/11/2017</a:t>
             </a:fld>
             <a:endParaRPr lang="en-IE"/>
           </a:p>
@@ -2066,7 +7537,7 @@
     </p:spTree>
     <p:extLst>
       <p:ext uri="{BB962C8B-B14F-4D97-AF65-F5344CB8AC3E}">
-        <p14:creationId xmlns:p14="http://schemas.microsoft.com/office/powerpoint/2010/main" val="2743641859"/>
+        <p14:creationId xmlns:p14="http://schemas.microsoft.com/office/powerpoint/2010/main" val="1312223823"/>
       </p:ext>
     </p:extLst>
   </p:cSld>
@@ -2185,7 +7656,7 @@
           <a:p>
             <a:fld id="{0690F08F-D52B-48C6-B2BC-F04883AF5FF8}" type="datetimeFigureOut">
               <a:rPr lang="en-IE" smtClean="0"/>
-              <a:t>25/11/2017</a:t>
+              <a:t>26/11/2017</a:t>
             </a:fld>
             <a:endParaRPr lang="en-IE"/>
           </a:p>
@@ -2236,7 +7707,7 @@
     </p:spTree>
     <p:extLst>
       <p:ext uri="{BB962C8B-B14F-4D97-AF65-F5344CB8AC3E}">
-        <p14:creationId xmlns:p14="http://schemas.microsoft.com/office/powerpoint/2010/main" val="3308438774"/>
+        <p14:creationId xmlns:p14="http://schemas.microsoft.com/office/powerpoint/2010/main" val="823994174"/>
       </p:ext>
     </p:extLst>
   </p:cSld>
@@ -2431,7 +7902,7 @@
           <a:p>
             <a:fld id="{0690F08F-D52B-48C6-B2BC-F04883AF5FF8}" type="datetimeFigureOut">
               <a:rPr lang="en-IE" smtClean="0"/>
-              <a:t>25/11/2017</a:t>
+              <a:t>26/11/2017</a:t>
             </a:fld>
             <a:endParaRPr lang="en-IE"/>
           </a:p>
@@ -2482,7 +7953,7 @@
     </p:spTree>
     <p:extLst>
       <p:ext uri="{BB962C8B-B14F-4D97-AF65-F5344CB8AC3E}">
-        <p14:creationId xmlns:p14="http://schemas.microsoft.com/office/powerpoint/2010/main" val="2793675566"/>
+        <p14:creationId xmlns:p14="http://schemas.microsoft.com/office/powerpoint/2010/main" val="2585070763"/>
       </p:ext>
     </p:extLst>
   </p:cSld>
@@ -2663,7 +8134,7 @@
           <a:p>
             <a:fld id="{0690F08F-D52B-48C6-B2BC-F04883AF5FF8}" type="datetimeFigureOut">
               <a:rPr lang="en-IE" smtClean="0"/>
-              <a:t>25/11/2017</a:t>
+              <a:t>26/11/2017</a:t>
             </a:fld>
             <a:endParaRPr lang="en-IE"/>
           </a:p>
@@ -2714,7 +8185,7 @@
     </p:spTree>
     <p:extLst>
       <p:ext uri="{BB962C8B-B14F-4D97-AF65-F5344CB8AC3E}">
-        <p14:creationId xmlns:p14="http://schemas.microsoft.com/office/powerpoint/2010/main" val="4139892265"/>
+        <p14:creationId xmlns:p14="http://schemas.microsoft.com/office/powerpoint/2010/main" val="1568525285"/>
       </p:ext>
     </p:extLst>
   </p:cSld>
@@ -3030,7 +8501,7 @@
           <a:p>
             <a:fld id="{0690F08F-D52B-48C6-B2BC-F04883AF5FF8}" type="datetimeFigureOut">
               <a:rPr lang="en-IE" smtClean="0"/>
-              <a:t>25/11/2017</a:t>
+              <a:t>26/11/2017</a:t>
             </a:fld>
             <a:endParaRPr lang="en-IE"/>
           </a:p>
@@ -3081,7 +8552,7 @@
     </p:spTree>
     <p:extLst>
       <p:ext uri="{BB962C8B-B14F-4D97-AF65-F5344CB8AC3E}">
-        <p14:creationId xmlns:p14="http://schemas.microsoft.com/office/powerpoint/2010/main" val="637002727"/>
+        <p14:creationId xmlns:p14="http://schemas.microsoft.com/office/powerpoint/2010/main" val="4283205355"/>
       </p:ext>
     </p:extLst>
   </p:cSld>
@@ -3148,7 +8619,7 @@
           <a:p>
             <a:fld id="{0690F08F-D52B-48C6-B2BC-F04883AF5FF8}" type="datetimeFigureOut">
               <a:rPr lang="en-IE" smtClean="0"/>
-              <a:t>25/11/2017</a:t>
+              <a:t>26/11/2017</a:t>
             </a:fld>
             <a:endParaRPr lang="en-IE"/>
           </a:p>
@@ -3199,7 +8670,7 @@
     </p:spTree>
     <p:extLst>
       <p:ext uri="{BB962C8B-B14F-4D97-AF65-F5344CB8AC3E}">
-        <p14:creationId xmlns:p14="http://schemas.microsoft.com/office/powerpoint/2010/main" val="3445686608"/>
+        <p14:creationId xmlns:p14="http://schemas.microsoft.com/office/powerpoint/2010/main" val="3120301351"/>
       </p:ext>
     </p:extLst>
   </p:cSld>
@@ -3243,7 +8714,7 @@
           <a:p>
             <a:fld id="{0690F08F-D52B-48C6-B2BC-F04883AF5FF8}" type="datetimeFigureOut">
               <a:rPr lang="en-IE" smtClean="0"/>
-              <a:t>25/11/2017</a:t>
+              <a:t>26/11/2017</a:t>
             </a:fld>
             <a:endParaRPr lang="en-IE"/>
           </a:p>
@@ -3294,7 +8765,7 @@
     </p:spTree>
     <p:extLst>
       <p:ext uri="{BB962C8B-B14F-4D97-AF65-F5344CB8AC3E}">
-        <p14:creationId xmlns:p14="http://schemas.microsoft.com/office/powerpoint/2010/main" val="2891943179"/>
+        <p14:creationId xmlns:p14="http://schemas.microsoft.com/office/powerpoint/2010/main" val="4222336587"/>
       </p:ext>
     </p:extLst>
   </p:cSld>
@@ -3520,7 +8991,7 @@
           <a:p>
             <a:fld id="{0690F08F-D52B-48C6-B2BC-F04883AF5FF8}" type="datetimeFigureOut">
               <a:rPr lang="en-IE" smtClean="0"/>
-              <a:t>25/11/2017</a:t>
+              <a:t>26/11/2017</a:t>
             </a:fld>
             <a:endParaRPr lang="en-IE"/>
           </a:p>
@@ -3571,7 +9042,7 @@
     </p:spTree>
     <p:extLst>
       <p:ext uri="{BB962C8B-B14F-4D97-AF65-F5344CB8AC3E}">
-        <p14:creationId xmlns:p14="http://schemas.microsoft.com/office/powerpoint/2010/main" val="3810800336"/>
+        <p14:creationId xmlns:p14="http://schemas.microsoft.com/office/powerpoint/2010/main" val="1689598809"/>
       </p:ext>
     </p:extLst>
   </p:cSld>
@@ -3777,7 +9248,7 @@
           <a:p>
             <a:fld id="{0690F08F-D52B-48C6-B2BC-F04883AF5FF8}" type="datetimeFigureOut">
               <a:rPr lang="en-IE" smtClean="0"/>
-              <a:t>25/11/2017</a:t>
+              <a:t>26/11/2017</a:t>
             </a:fld>
             <a:endParaRPr lang="en-IE"/>
           </a:p>
@@ -3828,7 +9299,7 @@
     </p:spTree>
     <p:extLst>
       <p:ext uri="{BB962C8B-B14F-4D97-AF65-F5344CB8AC3E}">
-        <p14:creationId xmlns:p14="http://schemas.microsoft.com/office/powerpoint/2010/main" val="2335377515"/>
+        <p14:creationId xmlns:p14="http://schemas.microsoft.com/office/powerpoint/2010/main" val="396635508"/>
       </p:ext>
     </p:extLst>
   </p:cSld>
@@ -3990,7 +9461,7 @@
           <a:p>
             <a:fld id="{0690F08F-D52B-48C6-B2BC-F04883AF5FF8}" type="datetimeFigureOut">
               <a:rPr lang="en-IE" smtClean="0"/>
-              <a:t>25/11/2017</a:t>
+              <a:t>26/11/2017</a:t>
             </a:fld>
             <a:endParaRPr lang="en-IE"/>
           </a:p>
@@ -4077,23 +9548,23 @@
     </p:spTree>
     <p:extLst>
       <p:ext uri="{BB962C8B-B14F-4D97-AF65-F5344CB8AC3E}">
-        <p14:creationId xmlns:p14="http://schemas.microsoft.com/office/powerpoint/2010/main" val="2999794450"/>
+        <p14:creationId xmlns:p14="http://schemas.microsoft.com/office/powerpoint/2010/main" val="1714400751"/>
       </p:ext>
     </p:extLst>
   </p:cSld>
   <p:clrMap bg1="dk1" tx1="lt1" bg2="dk2" tx2="lt2" accent1="accent1" accent2="accent2" accent3="accent3" accent4="accent4" accent5="accent5" accent6="accent6" hlink="hlink" folHlink="folHlink"/>
   <p:sldLayoutIdLst>
-    <p:sldLayoutId id="2147483805" r:id="rId1"/>
-    <p:sldLayoutId id="2147483806" r:id="rId2"/>
-    <p:sldLayoutId id="2147483807" r:id="rId3"/>
-    <p:sldLayoutId id="2147483808" r:id="rId4"/>
-    <p:sldLayoutId id="2147483809" r:id="rId5"/>
-    <p:sldLayoutId id="2147483810" r:id="rId6"/>
-    <p:sldLayoutId id="2147483811" r:id="rId7"/>
-    <p:sldLayoutId id="2147483812" r:id="rId8"/>
-    <p:sldLayoutId id="2147483813" r:id="rId9"/>
-    <p:sldLayoutId id="2147483814" r:id="rId10"/>
-    <p:sldLayoutId id="2147483815" r:id="rId11"/>
+    <p:sldLayoutId id="2147483871" r:id="rId1"/>
+    <p:sldLayoutId id="2147483872" r:id="rId2"/>
+    <p:sldLayoutId id="2147483873" r:id="rId3"/>
+    <p:sldLayoutId id="2147483874" r:id="rId4"/>
+    <p:sldLayoutId id="2147483875" r:id="rId5"/>
+    <p:sldLayoutId id="2147483876" r:id="rId6"/>
+    <p:sldLayoutId id="2147483877" r:id="rId7"/>
+    <p:sldLayoutId id="2147483878" r:id="rId8"/>
+    <p:sldLayoutId id="2147483879" r:id="rId9"/>
+    <p:sldLayoutId id="2147483880" r:id="rId10"/>
+    <p:sldLayoutId id="2147483881" r:id="rId11"/>
   </p:sldLayoutIdLst>
   <p:txStyles>
     <p:titleStyle>
@@ -4649,6 +10120,14 @@
 <file path=ppt/slides/slide10.xml><?xml version="1.0" encoding="utf-8"?>
 <p:sld xmlns:a="http://schemas.openxmlformats.org/drawingml/2006/main" xmlns:r="http://schemas.openxmlformats.org/officeDocument/2006/relationships" xmlns:p="http://schemas.openxmlformats.org/presentationml/2006/main">
   <p:cSld>
+    <p:bg>
+      <p:bgPr>
+        <a:solidFill>
+          <a:schemeClr val="bg1"/>
+        </a:solidFill>
+        <a:effectLst/>
+      </p:bgPr>
+    </p:bg>
     <p:spTree>
       <p:nvGrpSpPr>
         <p:cNvPr id="1" name=""/>
@@ -4665,6 +10144,266 @@
       </p:grpSpPr>
       <p:sp>
         <p:nvSpPr>
+          <p:cNvPr id="20" name="Rectangle 15">
+            <a:extLst>
+              <a:ext uri="{FF2B5EF4-FFF2-40B4-BE49-F238E27FC236}">
+                <a16:creationId xmlns:a16="http://schemas.microsoft.com/office/drawing/2014/main" id="{AA85D8C8-E1FC-478D-81C8-F981379BE377}"/>
+              </a:ext>
+            </a:extLst>
+          </p:cNvPr>
+          <p:cNvSpPr>
+            <a:spLocks noGrp="1" noRot="1" noChangeAspect="1" noMove="1" noResize="1" noEditPoints="1" noAdjustHandles="1" noChangeArrowheads="1" noChangeShapeType="1" noTextEdit="1"/>
+          </p:cNvSpPr>
+          <p:nvPr>
+            <p:extLst>
+              <p:ext uri="{386F3935-93C4-4BCD-93E2-E3B085C9AB24}">
+                <p16:designElem xmlns:p16="http://schemas.microsoft.com/office/powerpoint/2015/main" val="1"/>
+              </p:ext>
+            </p:extLst>
+          </p:nvPr>
+        </p:nvSpPr>
+        <p:spPr bwMode="ltGray">
+          <a:xfrm>
+            <a:off x="4708357" y="3509963"/>
+            <a:ext cx="7092215" cy="2967839"/>
+          </a:xfrm>
+          <a:prstGeom prst="rect">
+            <a:avLst/>
+          </a:prstGeom>
+          <a:solidFill>
+            <a:schemeClr val="bg1">
+              <a:lumMod val="75000"/>
+              <a:lumOff val="25000"/>
+            </a:schemeClr>
+          </a:solidFill>
+          <a:ln w="127000" cap="sq" cmpd="thinThick">
+            <a:solidFill>
+              <a:schemeClr val="bg1">
+                <a:lumMod val="75000"/>
+                <a:lumOff val="25000"/>
+              </a:schemeClr>
+            </a:solidFill>
+          </a:ln>
+        </p:spPr>
+        <p:style>
+          <a:lnRef idx="2">
+            <a:schemeClr val="accent1">
+              <a:shade val="50000"/>
+            </a:schemeClr>
+          </a:lnRef>
+          <a:fillRef idx="1">
+            <a:schemeClr val="accent1"/>
+          </a:fillRef>
+          <a:effectRef idx="0">
+            <a:schemeClr val="accent1"/>
+          </a:effectRef>
+          <a:fontRef idx="minor">
+            <a:schemeClr val="lt1"/>
+          </a:fontRef>
+        </p:style>
+        <p:txBody>
+          <a:bodyPr rtlCol="0" anchor="ctr"/>
+          <a:lstStyle/>
+          <a:p>
+            <a:pPr algn="ctr"/>
+            <a:endParaRPr lang="en-US" dirty="0"/>
+          </a:p>
+        </p:txBody>
+      </p:sp>
+      <p:cxnSp>
+        <p:nvCxnSpPr>
+          <p:cNvPr id="21" name="Straight Connector 17">
+            <a:extLst>
+              <a:ext uri="{FF2B5EF4-FFF2-40B4-BE49-F238E27FC236}">
+                <a16:creationId xmlns:a16="http://schemas.microsoft.com/office/drawing/2014/main" id="{26D5C3E7-ECD6-4660-A0FF-B4AB199605DC}"/>
+              </a:ext>
+            </a:extLst>
+          </p:cNvPr>
+          <p:cNvCxnSpPr>
+            <a:cxnSpLocks noGrp="1" noRot="1" noChangeAspect="1" noMove="1" noResize="1" noEditPoints="1" noAdjustHandles="1" noChangeArrowheads="1" noChangeShapeType="1"/>
+          </p:cNvCxnSpPr>
+          <p:nvPr>
+            <p:extLst>
+              <p:ext uri="{386F3935-93C4-4BCD-93E2-E3B085C9AB24}">
+                <p16:designElem xmlns:p16="http://schemas.microsoft.com/office/powerpoint/2015/main" val="1"/>
+              </p:ext>
+            </p:extLst>
+          </p:nvPr>
+        </p:nvCxnSpPr>
+        <p:spPr>
+          <a:xfrm>
+            <a:off x="5138287" y="5443086"/>
+            <a:ext cx="6400800" cy="0"/>
+          </a:xfrm>
+          <a:prstGeom prst="line">
+            <a:avLst/>
+          </a:prstGeom>
+          <a:ln w="22225">
+            <a:solidFill>
+              <a:schemeClr val="bg1">
+                <a:lumMod val="50000"/>
+                <a:lumOff val="50000"/>
+              </a:schemeClr>
+            </a:solidFill>
+          </a:ln>
+        </p:spPr>
+        <p:style>
+          <a:lnRef idx="1">
+            <a:schemeClr val="accent1"/>
+          </a:lnRef>
+          <a:fillRef idx="0">
+            <a:schemeClr val="accent1"/>
+          </a:fillRef>
+          <a:effectRef idx="0">
+            <a:schemeClr val="accent1"/>
+          </a:effectRef>
+          <a:fontRef idx="minor">
+            <a:schemeClr val="tx1"/>
+          </a:fontRef>
+        </p:style>
+      </p:cxnSp>
+      <p:pic>
+        <p:nvPicPr>
+          <p:cNvPr id="5" name="Picture 4">
+            <a:extLst>
+              <a:ext uri="{FF2B5EF4-FFF2-40B4-BE49-F238E27FC236}">
+                <a16:creationId xmlns:a16="http://schemas.microsoft.com/office/drawing/2014/main" id="{074E6707-6B92-47C5-A0BE-D9D2882D9AC5}"/>
+              </a:ext>
+            </a:extLst>
+          </p:cNvPr>
+          <p:cNvPicPr>
+            <a:picLocks noChangeAspect="1"/>
+          </p:cNvPicPr>
+          <p:nvPr/>
+        </p:nvPicPr>
+        <p:blipFill rotWithShape="1">
+          <a:blip r:embed="rId3">
+            <a:extLst>
+              <a:ext uri="{28A0092B-C50C-407E-A947-70E740481C1C}">
+                <a14:useLocalDpi xmlns:a14="http://schemas.microsoft.com/office/drawing/2010/main" val="0"/>
+              </a:ext>
+            </a:extLst>
+          </a:blip>
+          <a:srcRect l="16403" r="22511" b="-2"/>
+          <a:stretch/>
+        </p:blipFill>
+        <p:spPr>
+          <a:xfrm>
+            <a:off x="317635" y="2705099"/>
+            <a:ext cx="4160452" cy="3831167"/>
+          </a:xfrm>
+          <a:prstGeom prst="rect">
+            <a:avLst/>
+          </a:prstGeom>
+        </p:spPr>
+      </p:pic>
+      <p:pic>
+        <p:nvPicPr>
+          <p:cNvPr id="7" name="Picture 6">
+            <a:extLst>
+              <a:ext uri="{FF2B5EF4-FFF2-40B4-BE49-F238E27FC236}">
+                <a16:creationId xmlns:a16="http://schemas.microsoft.com/office/drawing/2014/main" id="{F9C5CCE3-F111-4215-8AD8-00DDC76BE1B5}"/>
+              </a:ext>
+            </a:extLst>
+          </p:cNvPr>
+          <p:cNvPicPr>
+            <a:picLocks noChangeAspect="1"/>
+          </p:cNvPicPr>
+          <p:nvPr/>
+        </p:nvPicPr>
+        <p:blipFill rotWithShape="1">
+          <a:blip r:embed="rId4">
+            <a:extLst>
+              <a:ext uri="{28A0092B-C50C-407E-A947-70E740481C1C}">
+                <a14:useLocalDpi xmlns:a14="http://schemas.microsoft.com/office/drawing/2010/main" val="0"/>
+              </a:ext>
+            </a:extLst>
+          </a:blip>
+          <a:srcRect l="10480" r="2" b="2"/>
+          <a:stretch/>
+        </p:blipFill>
+        <p:spPr>
+          <a:xfrm>
+            <a:off x="7574805" y="299363"/>
+            <a:ext cx="4308687" cy="3008188"/>
+          </a:xfrm>
+          <a:prstGeom prst="rect">
+            <a:avLst/>
+          </a:prstGeom>
+        </p:spPr>
+      </p:pic>
+      <p:pic>
+        <p:nvPicPr>
+          <p:cNvPr id="9" name="Picture 8">
+            <a:extLst>
+              <a:ext uri="{FF2B5EF4-FFF2-40B4-BE49-F238E27FC236}">
+                <a16:creationId xmlns:a16="http://schemas.microsoft.com/office/drawing/2014/main" id="{4CA1FDF5-E0C0-4715-BDCC-670FD50CCCA6}"/>
+              </a:ext>
+            </a:extLst>
+          </p:cNvPr>
+          <p:cNvPicPr>
+            <a:picLocks noChangeAspect="1"/>
+          </p:cNvPicPr>
+          <p:nvPr/>
+        </p:nvPicPr>
+        <p:blipFill rotWithShape="1">
+          <a:blip r:embed="rId5">
+            <a:extLst>
+              <a:ext uri="{28A0092B-C50C-407E-A947-70E740481C1C}">
+                <a14:useLocalDpi xmlns:a14="http://schemas.microsoft.com/office/drawing/2010/main" val="0"/>
+              </a:ext>
+            </a:extLst>
+          </a:blip>
+          <a:srcRect l="12564" r="50071"/>
+          <a:stretch/>
+        </p:blipFill>
+        <p:spPr>
+          <a:xfrm>
+            <a:off x="4638675" y="299364"/>
+            <a:ext cx="2775313" cy="3008188"/>
+          </a:xfrm>
+          <a:prstGeom prst="rect">
+            <a:avLst/>
+          </a:prstGeom>
+        </p:spPr>
+      </p:pic>
+      <p:pic>
+        <p:nvPicPr>
+          <p:cNvPr id="11" name="Picture 10">
+            <a:extLst>
+              <a:ext uri="{FF2B5EF4-FFF2-40B4-BE49-F238E27FC236}">
+                <a16:creationId xmlns:a16="http://schemas.microsoft.com/office/drawing/2014/main" id="{7BD1E7D5-04F0-4B33-9881-819894D29F66}"/>
+              </a:ext>
+            </a:extLst>
+          </p:cNvPr>
+          <p:cNvPicPr>
+            <a:picLocks noChangeAspect="1"/>
+          </p:cNvPicPr>
+          <p:nvPr/>
+        </p:nvPicPr>
+        <p:blipFill rotWithShape="1">
+          <a:blip r:embed="rId6">
+            <a:extLst>
+              <a:ext uri="{28A0092B-C50C-407E-A947-70E740481C1C}">
+                <a14:useLocalDpi xmlns:a14="http://schemas.microsoft.com/office/drawing/2010/main" val="0"/>
+              </a:ext>
+            </a:extLst>
+          </a:blip>
+          <a:srcRect t="5032" r="-1" b="-1"/>
+          <a:stretch/>
+        </p:blipFill>
+        <p:spPr>
+          <a:xfrm>
+            <a:off x="317635" y="321733"/>
+            <a:ext cx="4160452" cy="2222497"/>
+          </a:xfrm>
+          <a:prstGeom prst="rect">
+            <a:avLst/>
+          </a:prstGeom>
+        </p:spPr>
+      </p:pic>
+      <p:sp>
+        <p:nvSpPr>
           <p:cNvPr id="2" name="Title 1">
             <a:extLst>
               <a:ext uri="{FF2B5EF4-FFF2-40B4-BE49-F238E27FC236}">
@@ -4679,14 +10418,21 @@
             <p:ph type="title"/>
           </p:nvPr>
         </p:nvSpPr>
-        <p:spPr/>
+        <p:spPr>
+          <a:xfrm>
+            <a:off x="5021821" y="3812954"/>
+            <a:ext cx="6465287" cy="1516014"/>
+          </a:xfrm>
+        </p:spPr>
         <p:txBody>
-          <a:bodyPr/>
+          <a:bodyPr vert="horz" lIns="91440" tIns="45720" rIns="91440" bIns="45720" rtlCol="0" anchor="b">
+            <a:normAutofit/>
+          </a:bodyPr>
           <a:lstStyle/>
           <a:p>
             <a:r>
-              <a:rPr lang="en-IE" dirty="0"/>
-              <a:t>3.2 Perfect versus Imperfect Knowledge</a:t>
+              <a:rPr lang="en-US" sz="4800"/>
+              <a:t>Perfect versus Imperfect Knowledge</a:t>
             </a:r>
           </a:p>
         </p:txBody>
@@ -4707,12 +10453,29 @@
             <p:ph idx="1"/>
           </p:nvPr>
         </p:nvSpPr>
-        <p:spPr/>
+        <p:spPr>
+          <a:xfrm>
+            <a:off x="5021821" y="5550568"/>
+            <a:ext cx="6465286" cy="602551"/>
+          </a:xfrm>
+        </p:spPr>
         <p:txBody>
-          <a:bodyPr/>
+          <a:bodyPr vert="horz" lIns="91440" tIns="45720" rIns="91440" bIns="45720" rtlCol="0">
+            <a:normAutofit/>
+          </a:bodyPr>
           <a:lstStyle/>
           <a:p>
-            <a:endParaRPr lang="en-IE"/>
+            <a:pPr marL="0" indent="0">
+              <a:buNone/>
+            </a:pPr>
+            <a:r>
+              <a:rPr lang="en-US" sz="2000">
+                <a:solidFill>
+                  <a:schemeClr val="accent1"/>
+                </a:solidFill>
+              </a:rPr>
+              <a:t>The notion of Fog of War</a:t>
+            </a:r>
           </a:p>
         </p:txBody>
       </p:sp>
@@ -4767,9 +10530,10 @@
           <a:bodyPr/>
           <a:lstStyle/>
           <a:p>
+            <a:pPr algn="ctr"/>
             <a:r>
               <a:rPr lang="en-IE" dirty="0"/>
-              <a:t>3.1 Defining Behaviour with AI</a:t>
+              <a:t>Defining Behaviour with AI</a:t>
             </a:r>
           </a:p>
         </p:txBody>
@@ -4815,6 +10579,14 @@
 <file path=ppt/slides/slide12.xml><?xml version="1.0" encoding="utf-8"?>
 <p:sld xmlns:a="http://schemas.openxmlformats.org/drawingml/2006/main" xmlns:r="http://schemas.openxmlformats.org/officeDocument/2006/relationships" xmlns:p="http://schemas.openxmlformats.org/presentationml/2006/main">
   <p:cSld>
+    <p:bg>
+      <p:bgPr>
+        <a:solidFill>
+          <a:schemeClr val="bg1"/>
+        </a:solidFill>
+        <a:effectLst/>
+      </p:bgPr>
+    </p:bg>
     <p:spTree>
       <p:nvGrpSpPr>
         <p:cNvPr id="1" name=""/>
@@ -4829,6 +10601,132 @@
           <a:chExt cx="0" cy="0"/>
         </a:xfrm>
       </p:grpSpPr>
+      <p:pic>
+        <p:nvPicPr>
+          <p:cNvPr id="5" name="Picture 4">
+            <a:extLst>
+              <a:ext uri="{FF2B5EF4-FFF2-40B4-BE49-F238E27FC236}">
+                <a16:creationId xmlns:a16="http://schemas.microsoft.com/office/drawing/2014/main" id="{2570D363-7E89-4449-B0A7-1E9B34C65837}"/>
+              </a:ext>
+            </a:extLst>
+          </p:cNvPr>
+          <p:cNvPicPr>
+            <a:picLocks noChangeAspect="1"/>
+          </p:cNvPicPr>
+          <p:nvPr/>
+        </p:nvPicPr>
+        <p:blipFill rotWithShape="1">
+          <a:blip r:embed="rId3">
+            <a:extLst>
+              <a:ext uri="{28A0092B-C50C-407E-A947-70E740481C1C}">
+                <a14:useLocalDpi xmlns:a14="http://schemas.microsoft.com/office/drawing/2010/main" val="0"/>
+              </a:ext>
+            </a:extLst>
+          </a:blip>
+          <a:srcRect t="7128" b="8602"/>
+          <a:stretch/>
+        </p:blipFill>
+        <p:spPr>
+          <a:xfrm>
+            <a:off x="20" y="10"/>
+            <a:ext cx="12191980" cy="6857990"/>
+          </a:xfrm>
+          <a:prstGeom prst="rect">
+            <a:avLst/>
+          </a:prstGeom>
+        </p:spPr>
+      </p:pic>
+      <p:sp>
+        <p:nvSpPr>
+          <p:cNvPr id="12" name="Rectangle 9">
+            <a:extLst>
+              <a:ext uri="{FF2B5EF4-FFF2-40B4-BE49-F238E27FC236}">
+                <a16:creationId xmlns:a16="http://schemas.microsoft.com/office/drawing/2014/main" id="{E172F6C6-4870-45D2-9A56-57A50CD1BEB1}"/>
+              </a:ext>
+            </a:extLst>
+          </p:cNvPr>
+          <p:cNvSpPr>
+            <a:spLocks noGrp="1" noRot="1" noChangeAspect="1" noMove="1" noResize="1" noEditPoints="1" noAdjustHandles="1" noChangeArrowheads="1" noChangeShapeType="1" noTextEdit="1"/>
+          </p:cNvSpPr>
+          <p:nvPr>
+            <p:extLst>
+              <p:ext uri="{386F3935-93C4-4BCD-93E2-E3B085C9AB24}">
+                <p16:designElem xmlns:p16="http://schemas.microsoft.com/office/powerpoint/2015/main" val="1"/>
+              </p:ext>
+            </p:extLst>
+          </p:nvPr>
+        </p:nvSpPr>
+        <p:spPr bwMode="white">
+          <a:xfrm>
+            <a:off x="0" y="3894861"/>
+            <a:ext cx="10883900" cy="1671361"/>
+          </a:xfrm>
+          <a:prstGeom prst="rect">
+            <a:avLst/>
+          </a:prstGeom>
+          <a:solidFill>
+            <a:schemeClr val="bg1">
+              <a:alpha val="80000"/>
+            </a:schemeClr>
+          </a:solidFill>
+          <a:ln>
+            <a:noFill/>
+          </a:ln>
+        </p:spPr>
+        <p:style>
+          <a:lnRef idx="2">
+            <a:schemeClr val="accent1">
+              <a:shade val="50000"/>
+            </a:schemeClr>
+          </a:lnRef>
+          <a:fillRef idx="1">
+            <a:schemeClr val="accent1"/>
+          </a:fillRef>
+          <a:effectRef idx="0">
+            <a:schemeClr val="accent1"/>
+          </a:effectRef>
+          <a:fontRef idx="minor">
+            <a:schemeClr val="lt1"/>
+          </a:fontRef>
+        </p:style>
+        <p:txBody>
+          <a:bodyPr rtlCol="0" anchor="ctr"/>
+          <a:lstStyle/>
+          <a:p>
+            <a:pPr marL="0" marR="0" lvl="0" indent="0" algn="ctr" defTabSz="914400" rtl="0" eaLnBrk="1" fontAlgn="auto" latinLnBrk="0" hangingPunct="1">
+              <a:lnSpc>
+                <a:spcPct val="100000"/>
+              </a:lnSpc>
+              <a:spcBef>
+                <a:spcPts val="0"/>
+              </a:spcBef>
+              <a:spcAft>
+                <a:spcPts val="0"/>
+              </a:spcAft>
+              <a:buClrTx/>
+              <a:buSzTx/>
+              <a:buFontTx/>
+              <a:buNone/>
+              <a:tabLst/>
+              <a:defRPr/>
+            </a:pPr>
+            <a:endParaRPr kumimoji="0" lang="en-US" sz="1800" b="0" i="0" u="none" strike="noStrike" kern="1200" cap="none" spc="0" normalizeH="0" baseline="0" noProof="0">
+              <a:ln>
+                <a:noFill/>
+              </a:ln>
+              <a:solidFill>
+                <a:prstClr val="white"/>
+              </a:solidFill>
+              <a:effectLst/>
+              <a:uLnTx/>
+              <a:uFillTx/>
+              <a:latin typeface="Calibri" panose="020F0502020204030204"/>
+              <a:ea typeface="+mn-ea"/>
+              <a:cs typeface="+mn-cs"/>
+            </a:endParaRPr>
+          </a:p>
+        </p:txBody>
+      </p:sp>
       <p:sp>
         <p:nvSpPr>
           <p:cNvPr id="2" name="Title 1">
@@ -4845,40 +10743,35 @@
             <p:ph type="title"/>
           </p:nvPr>
         </p:nvSpPr>
-        <p:spPr/>
+        <p:spPr>
+          <a:xfrm>
+            <a:off x="816366" y="4055729"/>
+            <a:ext cx="9902881" cy="1325563"/>
+          </a:xfrm>
+        </p:spPr>
         <p:txBody>
-          <a:bodyPr/>
+          <a:bodyPr vert="horz" lIns="91440" tIns="45720" rIns="91440" bIns="45720" rtlCol="0" anchor="ctr">
+            <a:normAutofit/>
+          </a:bodyPr>
           <a:lstStyle/>
           <a:p>
+            <a:pPr>
+              <a:lnSpc>
+                <a:spcPct val="100000"/>
+              </a:lnSpc>
+            </a:pPr>
             <a:r>
-              <a:rPr lang="en-IE" dirty="0"/>
-              <a:t>4 CONCLUSION</a:t>
+              <a:rPr lang="en-US" sz="6000" spc="300" dirty="0">
+                <a:latin typeface="Berlin Sans FB Demi" panose="020E0802020502020306" pitchFamily="34" charset="0"/>
+              </a:rPr>
+              <a:t>QUESTIONS</a:t>
             </a:r>
-          </a:p>
-        </p:txBody>
-      </p:sp>
-      <p:sp>
-        <p:nvSpPr>
-          <p:cNvPr id="3" name="Content Placeholder 2">
-            <a:extLst>
-              <a:ext uri="{FF2B5EF4-FFF2-40B4-BE49-F238E27FC236}">
-                <a16:creationId xmlns:a16="http://schemas.microsoft.com/office/drawing/2014/main" id="{4AE145D7-130A-41B9-8EC7-C42C9673C149}"/>
-              </a:ext>
-            </a:extLst>
-          </p:cNvPr>
-          <p:cNvSpPr>
-            <a:spLocks noGrp="1"/>
-          </p:cNvSpPr>
-          <p:nvPr>
-            <p:ph idx="1"/>
-          </p:nvPr>
-        </p:nvSpPr>
-        <p:spPr/>
-        <p:txBody>
-          <a:bodyPr/>
-          <a:lstStyle/>
-          <a:p>
-            <a:endParaRPr lang="en-IE"/>
+            <a:r>
+              <a:rPr lang="en-US" sz="6000" dirty="0">
+                <a:latin typeface="Berlin Sans FB Demi" panose="020E0802020502020306" pitchFamily="34" charset="0"/>
+              </a:rPr>
+              <a:t> ?</a:t>
+            </a:r>
           </a:p>
         </p:txBody>
       </p:sp>
@@ -5176,6 +11069,14 @@
 <file path=ppt/slides/slide3.xml><?xml version="1.0" encoding="utf-8"?>
 <p:sld xmlns:a="http://schemas.openxmlformats.org/drawingml/2006/main" xmlns:r="http://schemas.openxmlformats.org/officeDocument/2006/relationships" xmlns:p="http://schemas.openxmlformats.org/presentationml/2006/main">
   <p:cSld>
+    <p:bg>
+      <p:bgPr>
+        <a:solidFill>
+          <a:schemeClr val="bg1"/>
+        </a:solidFill>
+        <a:effectLst/>
+      </p:bgPr>
+    </p:bg>
     <p:spTree>
       <p:nvGrpSpPr>
         <p:cNvPr id="1" name=""/>
@@ -5206,9 +11107,16 @@
             <p:ph type="title"/>
           </p:nvPr>
         </p:nvSpPr>
-        <p:spPr/>
+        <p:spPr>
+          <a:xfrm>
+            <a:off x="833002" y="365125"/>
+            <a:ext cx="10520702" cy="1325563"/>
+          </a:xfrm>
+        </p:spPr>
         <p:txBody>
-          <a:bodyPr/>
+          <a:bodyPr>
+            <a:normAutofit/>
+          </a:bodyPr>
           <a:lstStyle/>
           <a:p>
             <a:pPr algn="ctr"/>
@@ -5219,274 +11127,67 @@
           </a:p>
         </p:txBody>
       </p:sp>
-      <p:sp>
-        <p:nvSpPr>
-          <p:cNvPr id="3" name="Content Placeholder 2">
+      <p:graphicFrame>
+        <p:nvGraphicFramePr>
+          <p:cNvPr id="5" name="Content Placeholder 2"/>
+          <p:cNvGraphicFramePr>
+            <a:graphicFrameLocks noGrp="1"/>
+          </p:cNvGraphicFramePr>
+          <p:nvPr>
+            <p:ph idx="1"/>
+            <p:extLst>
+              <p:ext uri="{D42A27DB-BD31-4B8C-83A1-F6EECF244321}">
+                <p14:modId xmlns:p14="http://schemas.microsoft.com/office/powerpoint/2010/main" val="2279319936"/>
+              </p:ext>
+            </p:extLst>
+          </p:nvPr>
+        </p:nvGraphicFramePr>
+        <p:xfrm>
+          <a:off x="838200" y="2022475"/>
+          <a:ext cx="10515600" cy="4154488"/>
+        </p:xfrm>
+        <a:graphic>
+          <a:graphicData uri="http://schemas.openxmlformats.org/drawingml/2006/diagram">
+            <dgm:relIds xmlns:dgm="http://schemas.openxmlformats.org/drawingml/2006/diagram" xmlns:r="http://schemas.openxmlformats.org/officeDocument/2006/relationships" r:dm="rId3" r:lo="rId4" r:qs="rId5" r:cs="rId6"/>
+          </a:graphicData>
+        </a:graphic>
+      </p:graphicFrame>
+      <p:cxnSp>
+        <p:nvCxnSpPr>
+          <p:cNvPr id="7" name="Straight Connector 6">
             <a:extLst>
               <a:ext uri="{FF2B5EF4-FFF2-40B4-BE49-F238E27FC236}">
-                <a16:creationId xmlns:a16="http://schemas.microsoft.com/office/drawing/2014/main" id="{18296CE9-27C0-42C0-A8E9-7DB8BFC35B79}"/>
+                <a16:creationId xmlns:a16="http://schemas.microsoft.com/office/drawing/2014/main" id="{3830F31C-DE24-4B7E-BCFB-67970BF405DF}"/>
               </a:ext>
             </a:extLst>
           </p:cNvPr>
-          <p:cNvSpPr>
-            <a:spLocks noGrp="1"/>
-          </p:cNvSpPr>
-          <p:nvPr>
-            <p:ph idx="1"/>
-          </p:nvPr>
-        </p:nvSpPr>
+          <p:cNvCxnSpPr/>
+          <p:nvPr/>
+        </p:nvCxnSpPr>
         <p:spPr>
           <a:xfrm>
-            <a:off x="838200" y="1825625"/>
-            <a:ext cx="4508351" cy="4351338"/>
+            <a:off x="1075669" y="1355464"/>
+            <a:ext cx="10278035" cy="0"/>
           </a:xfrm>
-        </p:spPr>
-        <p:txBody>
-          <a:bodyPr/>
-          <a:lstStyle/>
-          <a:p>
-            <a:pPr marL="0" indent="0" algn="ctr">
-              <a:buNone/>
-            </a:pPr>
-            <a:r>
-              <a:rPr lang="en-IE" dirty="0"/>
-              <a:t>Pathfinding</a:t>
-            </a:r>
-          </a:p>
-          <a:p>
-            <a:pPr marL="0" indent="0" algn="ctr">
-              <a:buNone/>
-            </a:pPr>
-            <a:endParaRPr lang="en-IE" dirty="0"/>
-          </a:p>
-          <a:p>
-            <a:pPr marL="0" indent="0" algn="ctr">
-              <a:buNone/>
-            </a:pPr>
-            <a:r>
-              <a:rPr lang="en-IE" dirty="0"/>
-              <a:t>The ability to find the shortest traversable path between point A and point B.</a:t>
-            </a:r>
-          </a:p>
-        </p:txBody>
-      </p:sp>
-      <p:sp>
-        <p:nvSpPr>
-          <p:cNvPr id="4" name="Content Placeholder 2">
-            <a:extLst>
-              <a:ext uri="{FF2B5EF4-FFF2-40B4-BE49-F238E27FC236}">
-                <a16:creationId xmlns:a16="http://schemas.microsoft.com/office/drawing/2014/main" id="{7D1EDA9B-C31A-4B73-9C6B-AF735EC1AA2B}"/>
-              </a:ext>
-            </a:extLst>
-          </p:cNvPr>
-          <p:cNvSpPr txBox="1">
-            <a:spLocks/>
-          </p:cNvSpPr>
-          <p:nvPr/>
-        </p:nvSpPr>
-        <p:spPr>
-          <a:xfrm>
-            <a:off x="6845449" y="1825625"/>
-            <a:ext cx="4508351" cy="4351338"/>
-          </a:xfrm>
-          <a:prstGeom prst="rect">
+          <a:prstGeom prst="line">
             <a:avLst/>
           </a:prstGeom>
         </p:spPr>
-        <p:txBody>
-          <a:bodyPr vert="horz" lIns="91440" tIns="45720" rIns="91440" bIns="45720" rtlCol="0">
-            <a:normAutofit/>
-          </a:bodyPr>
-          <a:lstStyle>
-            <a:lvl1pPr marL="228600" indent="-228600" algn="l" defTabSz="914400" rtl="0" eaLnBrk="1" latinLnBrk="0" hangingPunct="1">
-              <a:lnSpc>
-                <a:spcPct val="90000"/>
-              </a:lnSpc>
-              <a:spcBef>
-                <a:spcPts val="1000"/>
-              </a:spcBef>
-              <a:buFont typeface="Arial" panose="020B0604020202020204" pitchFamily="34" charset="0"/>
-              <a:buChar char="•"/>
-              <a:defRPr sz="2800" kern="1200">
-                <a:solidFill>
-                  <a:schemeClr val="tx1"/>
-                </a:solidFill>
-                <a:latin typeface="+mn-lt"/>
-                <a:ea typeface="+mn-ea"/>
-                <a:cs typeface="+mn-cs"/>
-              </a:defRPr>
-            </a:lvl1pPr>
-            <a:lvl2pPr marL="685800" indent="-228600" algn="l" defTabSz="914400" rtl="0" eaLnBrk="1" latinLnBrk="0" hangingPunct="1">
-              <a:lnSpc>
-                <a:spcPct val="90000"/>
-              </a:lnSpc>
-              <a:spcBef>
-                <a:spcPts val="500"/>
-              </a:spcBef>
-              <a:buFont typeface="Arial" panose="020B0604020202020204" pitchFamily="34" charset="0"/>
-              <a:buChar char="•"/>
-              <a:defRPr sz="2400" kern="1200">
-                <a:solidFill>
-                  <a:schemeClr val="tx1"/>
-                </a:solidFill>
-                <a:latin typeface="+mn-lt"/>
-                <a:ea typeface="+mn-ea"/>
-                <a:cs typeface="+mn-cs"/>
-              </a:defRPr>
-            </a:lvl2pPr>
-            <a:lvl3pPr marL="1143000" indent="-228600" algn="l" defTabSz="914400" rtl="0" eaLnBrk="1" latinLnBrk="0" hangingPunct="1">
-              <a:lnSpc>
-                <a:spcPct val="90000"/>
-              </a:lnSpc>
-              <a:spcBef>
-                <a:spcPts val="500"/>
-              </a:spcBef>
-              <a:buFont typeface="Arial" panose="020B0604020202020204" pitchFamily="34" charset="0"/>
-              <a:buChar char="•"/>
-              <a:defRPr sz="2000" kern="1200">
-                <a:solidFill>
-                  <a:schemeClr val="tx1"/>
-                </a:solidFill>
-                <a:latin typeface="+mn-lt"/>
-                <a:ea typeface="+mn-ea"/>
-                <a:cs typeface="+mn-cs"/>
-              </a:defRPr>
-            </a:lvl3pPr>
-            <a:lvl4pPr marL="1600200" indent="-228600" algn="l" defTabSz="914400" rtl="0" eaLnBrk="1" latinLnBrk="0" hangingPunct="1">
-              <a:lnSpc>
-                <a:spcPct val="90000"/>
-              </a:lnSpc>
-              <a:spcBef>
-                <a:spcPts val="500"/>
-              </a:spcBef>
-              <a:buFont typeface="Arial" panose="020B0604020202020204" pitchFamily="34" charset="0"/>
-              <a:buChar char="•"/>
-              <a:defRPr sz="1800" kern="1200">
-                <a:solidFill>
-                  <a:schemeClr val="tx1"/>
-                </a:solidFill>
-                <a:latin typeface="+mn-lt"/>
-                <a:ea typeface="+mn-ea"/>
-                <a:cs typeface="+mn-cs"/>
-              </a:defRPr>
-            </a:lvl4pPr>
-            <a:lvl5pPr marL="2057400" indent="-228600" algn="l" defTabSz="914400" rtl="0" eaLnBrk="1" latinLnBrk="0" hangingPunct="1">
-              <a:lnSpc>
-                <a:spcPct val="90000"/>
-              </a:lnSpc>
-              <a:spcBef>
-                <a:spcPts val="500"/>
-              </a:spcBef>
-              <a:buFont typeface="Arial" panose="020B0604020202020204" pitchFamily="34" charset="0"/>
-              <a:buChar char="•"/>
-              <a:defRPr sz="1800" kern="1200">
-                <a:solidFill>
-                  <a:schemeClr val="tx1"/>
-                </a:solidFill>
-                <a:latin typeface="+mn-lt"/>
-                <a:ea typeface="+mn-ea"/>
-                <a:cs typeface="+mn-cs"/>
-              </a:defRPr>
-            </a:lvl5pPr>
-            <a:lvl6pPr marL="2514600" indent="-228600" algn="l" defTabSz="914400" rtl="0" eaLnBrk="1" latinLnBrk="0" hangingPunct="1">
-              <a:lnSpc>
-                <a:spcPct val="90000"/>
-              </a:lnSpc>
-              <a:spcBef>
-                <a:spcPts val="500"/>
-              </a:spcBef>
-              <a:buFont typeface="Arial" panose="020B0604020202020204" pitchFamily="34" charset="0"/>
-              <a:buChar char="•"/>
-              <a:defRPr sz="1800" kern="1200">
-                <a:solidFill>
-                  <a:schemeClr val="tx1"/>
-                </a:solidFill>
-                <a:latin typeface="+mn-lt"/>
-                <a:ea typeface="+mn-ea"/>
-                <a:cs typeface="+mn-cs"/>
-              </a:defRPr>
-            </a:lvl6pPr>
-            <a:lvl7pPr marL="2971800" indent="-228600" algn="l" defTabSz="914400" rtl="0" eaLnBrk="1" latinLnBrk="0" hangingPunct="1">
-              <a:lnSpc>
-                <a:spcPct val="90000"/>
-              </a:lnSpc>
-              <a:spcBef>
-                <a:spcPts val="500"/>
-              </a:spcBef>
-              <a:buFont typeface="Arial" panose="020B0604020202020204" pitchFamily="34" charset="0"/>
-              <a:buChar char="•"/>
-              <a:defRPr sz="1800" kern="1200">
-                <a:solidFill>
-                  <a:schemeClr val="tx1"/>
-                </a:solidFill>
-                <a:latin typeface="+mn-lt"/>
-                <a:ea typeface="+mn-ea"/>
-                <a:cs typeface="+mn-cs"/>
-              </a:defRPr>
-            </a:lvl7pPr>
-            <a:lvl8pPr marL="3429000" indent="-228600" algn="l" defTabSz="914400" rtl="0" eaLnBrk="1" latinLnBrk="0" hangingPunct="1">
-              <a:lnSpc>
-                <a:spcPct val="90000"/>
-              </a:lnSpc>
-              <a:spcBef>
-                <a:spcPts val="500"/>
-              </a:spcBef>
-              <a:buFont typeface="Arial" panose="020B0604020202020204" pitchFamily="34" charset="0"/>
-              <a:buChar char="•"/>
-              <a:defRPr sz="1800" kern="1200">
-                <a:solidFill>
-                  <a:schemeClr val="tx1"/>
-                </a:solidFill>
-                <a:latin typeface="+mn-lt"/>
-                <a:ea typeface="+mn-ea"/>
-                <a:cs typeface="+mn-cs"/>
-              </a:defRPr>
-            </a:lvl8pPr>
-            <a:lvl9pPr marL="3886200" indent="-228600" algn="l" defTabSz="914400" rtl="0" eaLnBrk="1" latinLnBrk="0" hangingPunct="1">
-              <a:lnSpc>
-                <a:spcPct val="90000"/>
-              </a:lnSpc>
-              <a:spcBef>
-                <a:spcPts val="500"/>
-              </a:spcBef>
-              <a:buFont typeface="Arial" panose="020B0604020202020204" pitchFamily="34" charset="0"/>
-              <a:buChar char="•"/>
-              <a:defRPr sz="1800" kern="1200">
-                <a:solidFill>
-                  <a:schemeClr val="tx1"/>
-                </a:solidFill>
-                <a:latin typeface="+mn-lt"/>
-                <a:ea typeface="+mn-ea"/>
-                <a:cs typeface="+mn-cs"/>
-              </a:defRPr>
-            </a:lvl9pPr>
-          </a:lstStyle>
-          <a:p>
-            <a:pPr marL="0" indent="0" algn="ctr">
-              <a:buNone/>
-            </a:pPr>
-            <a:r>
-              <a:rPr lang="en-IE" dirty="0"/>
-              <a:t>Behaviour</a:t>
-            </a:r>
-          </a:p>
-          <a:p>
-            <a:pPr marL="0" indent="0" algn="ctr">
-              <a:buNone/>
-            </a:pPr>
-            <a:endParaRPr lang="en-IE" dirty="0"/>
-          </a:p>
-          <a:p>
-            <a:pPr marL="0" indent="0" algn="ctr">
-              <a:buNone/>
-            </a:pPr>
-            <a:r>
-              <a:rPr lang="en-IE" dirty="0"/>
-              <a:t>How does the Non-playable character behaves, what determines its actions.</a:t>
-            </a:r>
-          </a:p>
-        </p:txBody>
-      </p:sp>
+        <p:style>
+          <a:lnRef idx="1">
+            <a:schemeClr val="accent1"/>
+          </a:lnRef>
+          <a:fillRef idx="0">
+            <a:schemeClr val="accent1"/>
+          </a:fillRef>
+          <a:effectRef idx="0">
+            <a:schemeClr val="accent1"/>
+          </a:effectRef>
+          <a:fontRef idx="minor">
+            <a:schemeClr val="tx1"/>
+          </a:fontRef>
+        </p:style>
+      </p:cxnSp>
     </p:spTree>
     <p:extLst>
       <p:ext uri="{BB962C8B-B14F-4D97-AF65-F5344CB8AC3E}">
@@ -5527,7 +11228,7 @@
       </p:grpSpPr>
       <p:sp>
         <p:nvSpPr>
-          <p:cNvPr id="12" name="Rectangle 11">
+          <p:cNvPr id="29" name="Rectangle 28">
             <a:extLst>
               <a:ext uri="{FF2B5EF4-FFF2-40B4-BE49-F238E27FC236}">
                 <a16:creationId xmlns:a16="http://schemas.microsoft.com/office/drawing/2014/main" id="{C9FE097D-9190-4491-9359-507DF2DA4401}"/>
@@ -5590,7 +11291,7 @@
       </p:sp>
       <p:cxnSp>
         <p:nvCxnSpPr>
-          <p:cNvPr id="14" name="Straight Connector 13">
+          <p:cNvPr id="31" name="Straight Connector 30">
             <a:extLst>
               <a:ext uri="{FF2B5EF4-FFF2-40B4-BE49-F238E27FC236}">
                 <a16:creationId xmlns:a16="http://schemas.microsoft.com/office/drawing/2014/main" id="{F7EDB97D-3C20-4DB0-96F1-76D0111938C6}"/>
@@ -5639,7 +11340,7 @@
       </p:cxnSp>
       <p:sp>
         <p:nvSpPr>
-          <p:cNvPr id="16" name="Rectangle 15">
+          <p:cNvPr id="33" name="Rectangle 32">
             <a:extLst>
               <a:ext uri="{FF2B5EF4-FFF2-40B4-BE49-F238E27FC236}">
                 <a16:creationId xmlns:a16="http://schemas.microsoft.com/office/drawing/2014/main" id="{6AD61D6C-BD35-4101-90D0-B0CF7637B1BE}"/>
@@ -5697,12 +11398,40 @@
           </a:p>
         </p:txBody>
       </p:sp>
+      <p:graphicFrame>
+        <p:nvGraphicFramePr>
+          <p:cNvPr id="3" name="Diagram 2">
+            <a:extLst>
+              <a:ext uri="{FF2B5EF4-FFF2-40B4-BE49-F238E27FC236}">
+                <a16:creationId xmlns:a16="http://schemas.microsoft.com/office/drawing/2014/main" id="{D2443404-A6E8-4A3F-AE40-789DA368BF93}"/>
+              </a:ext>
+            </a:extLst>
+          </p:cNvPr>
+          <p:cNvGraphicFramePr/>
+          <p:nvPr>
+            <p:extLst>
+              <p:ext uri="{D42A27DB-BD31-4B8C-83A1-F6EECF244321}">
+                <p14:modId xmlns:p14="http://schemas.microsoft.com/office/powerpoint/2010/main" val="527362835"/>
+              </p:ext>
+            </p:extLst>
+          </p:nvPr>
+        </p:nvGraphicFramePr>
+        <p:xfrm>
+          <a:off x="394638" y="2503727"/>
+          <a:ext cx="4466122" cy="3897073"/>
+        </p:xfrm>
+        <a:graphic>
+          <a:graphicData uri="http://schemas.openxmlformats.org/drawingml/2006/diagram">
+            <dgm:relIds xmlns:dgm="http://schemas.openxmlformats.org/drawingml/2006/diagram" xmlns:r="http://schemas.openxmlformats.org/officeDocument/2006/relationships" r:dm="rId3" r:lo="rId4" r:qs="rId5" r:cs="rId6"/>
+          </a:graphicData>
+        </a:graphic>
+      </p:graphicFrame>
       <p:pic>
         <p:nvPicPr>
-          <p:cNvPr id="7" name="Picture 6">
+          <p:cNvPr id="19" name="Content Placeholder 4">
             <a:extLst>
               <a:ext uri="{FF2B5EF4-FFF2-40B4-BE49-F238E27FC236}">
-                <a16:creationId xmlns:a16="http://schemas.microsoft.com/office/drawing/2014/main" id="{F169F5F1-DF4F-4956-8EE9-24693F712B58}"/>
+                <a16:creationId xmlns:a16="http://schemas.microsoft.com/office/drawing/2014/main" id="{52DA3F99-2F86-4CEA-AA02-11E3F29BE134}"/>
               </a:ext>
             </a:extLst>
           </p:cNvPr>
@@ -5712,31 +11441,21 @@
           <p:nvPr/>
         </p:nvPicPr>
         <p:blipFill rotWithShape="1">
-          <a:blip r:embed="rId3">
+          <a:blip r:embed="rId8">
             <a:extLst>
-              <a:ext uri="{BEBA8EAE-BF5A-486C-A8C5-ECC9F3942E4B}">
-                <a14:imgProps xmlns:a14="http://schemas.microsoft.com/office/drawing/2010/main">
-                  <a14:imgLayer r:embed="rId4">
-                    <a14:imgEffect>
-                      <a14:artisticGlowEdges/>
-                    </a14:imgEffect>
-                  </a14:imgLayer>
-                </a14:imgProps>
-              </a:ext>
               <a:ext uri="{28A0092B-C50C-407E-A947-70E740481C1C}">
                 <a14:useLocalDpi xmlns:a14="http://schemas.microsoft.com/office/drawing/2010/main" val="0"/>
               </a:ext>
             </a:extLst>
           </a:blip>
-          <a:srcRect l="9468" r="1714" b="-2"/>
           <a:stretch/>
         </p:blipFill>
         <p:spPr>
           <a:xfrm>
-            <a:off x="394638" y="2503727"/>
-            <a:ext cx="4466122" cy="3897073"/>
+            <a:off x="5025351" y="750206"/>
+            <a:ext cx="2212849" cy="2466330"/>
           </a:xfrm>
-          <a:prstGeom prst="rect">
+          <a:prstGeom prst="snip2DiagRect">
             <a:avLst/>
           </a:prstGeom>
           <a:solidFill>
@@ -5744,8 +11463,21 @@
               <a:shade val="85000"/>
             </a:srgbClr>
           </a:solidFill>
+          <a:ln w="88900" cap="sq">
+            <a:solidFill>
+              <a:srgbClr val="FFFFFF"/>
+            </a:solidFill>
+            <a:miter lim="800000"/>
+          </a:ln>
+          <a:effectLst>
+            <a:outerShdw blurRad="88900" algn="tl" rotWithShape="0">
+              <a:srgbClr val="000000">
+                <a:alpha val="45000"/>
+              </a:srgbClr>
+            </a:outerShdw>
+          </a:effectLst>
           <a:scene3d>
-            <a:camera prst="perspectiveRelaxedModerately"/>
+            <a:camera prst="orthographicFront"/>
             <a:lightRig rig="twoPt" dir="t">
               <a:rot lat="0" lon="0" rev="7200000"/>
             </a:lightRig>
@@ -5756,48 +11488,6 @@
               <a:srgbClr val="FFFFFF"/>
             </a:contourClr>
           </a:sp3d>
-        </p:spPr>
-      </p:pic>
-      <p:pic>
-        <p:nvPicPr>
-          <p:cNvPr id="5" name="Content Placeholder 4">
-            <a:extLst>
-              <a:ext uri="{FF2B5EF4-FFF2-40B4-BE49-F238E27FC236}">
-                <a16:creationId xmlns:a16="http://schemas.microsoft.com/office/drawing/2014/main" id="{52DA3F99-2F86-4CEA-AA02-11E3F29BE134}"/>
-              </a:ext>
-            </a:extLst>
-          </p:cNvPr>
-          <p:cNvPicPr>
-            <a:picLocks noGrp="1" noChangeAspect="1"/>
-          </p:cNvPicPr>
-          <p:nvPr>
-            <p:ph idx="1"/>
-          </p:nvPr>
-        </p:nvPicPr>
-        <p:blipFill rotWithShape="1">
-          <a:blip r:embed="rId5">
-            <a:extLst>
-              <a:ext uri="{28A0092B-C50C-407E-A947-70E740481C1C}">
-                <a14:useLocalDpi xmlns:a14="http://schemas.microsoft.com/office/drawing/2010/main" val="0"/>
-              </a:ext>
-            </a:extLst>
-          </a:blip>
-          <a:stretch/>
-        </p:blipFill>
-        <p:spPr>
-          <a:xfrm>
-            <a:off x="5025351" y="481264"/>
-            <a:ext cx="2212848" cy="3047923"/>
-          </a:xfrm>
-          <a:prstGeom prst="rect">
-            <a:avLst/>
-          </a:prstGeom>
-          <a:ln>
-            <a:noFill/>
-          </a:ln>
-          <a:effectLst>
-            <a:softEdge rad="112500"/>
-          </a:effectLst>
         </p:spPr>
       </p:pic>
       <p:sp>
@@ -5849,328 +11539,6 @@
 </file>
 
 <file path=ppt/slides/slide5.xml><?xml version="1.0" encoding="utf-8"?>
-<p:sld xmlns:a="http://schemas.openxmlformats.org/drawingml/2006/main" xmlns:r="http://schemas.openxmlformats.org/officeDocument/2006/relationships" xmlns:p="http://schemas.openxmlformats.org/presentationml/2006/main">
-  <p:cSld>
-    <p:spTree>
-      <p:nvGrpSpPr>
-        <p:cNvPr id="1" name=""/>
-        <p:cNvGrpSpPr/>
-        <p:nvPr/>
-      </p:nvGrpSpPr>
-      <p:grpSpPr>
-        <a:xfrm>
-          <a:off x="0" y="0"/>
-          <a:ext cx="0" cy="0"/>
-          <a:chOff x="0" y="0"/>
-          <a:chExt cx="0" cy="0"/>
-        </a:xfrm>
-      </p:grpSpPr>
-      <p:sp>
-        <p:nvSpPr>
-          <p:cNvPr id="2" name="Title 1">
-            <a:extLst>
-              <a:ext uri="{FF2B5EF4-FFF2-40B4-BE49-F238E27FC236}">
-                <a16:creationId xmlns:a16="http://schemas.microsoft.com/office/drawing/2014/main" id="{749D3918-A0F9-4FDE-850E-6816F25BE8AB}"/>
-              </a:ext>
-            </a:extLst>
-          </p:cNvPr>
-          <p:cNvSpPr>
-            <a:spLocks noGrp="1"/>
-          </p:cNvSpPr>
-          <p:nvPr>
-            <p:ph type="title"/>
-          </p:nvPr>
-        </p:nvSpPr>
-        <p:spPr/>
-        <p:txBody>
-          <a:bodyPr/>
-          <a:lstStyle/>
-          <a:p>
-            <a:pPr algn="ctr"/>
-            <a:r>
-              <a:rPr lang="en-IE" dirty="0"/>
-              <a:t>Pathfinding Algorithms</a:t>
-            </a:r>
-          </a:p>
-        </p:txBody>
-      </p:sp>
-      <p:pic>
-        <p:nvPicPr>
-          <p:cNvPr id="5" name="Content Placeholder 4">
-            <a:extLst>
-              <a:ext uri="{FF2B5EF4-FFF2-40B4-BE49-F238E27FC236}">
-                <a16:creationId xmlns:a16="http://schemas.microsoft.com/office/drawing/2014/main" id="{7B37E52D-7E49-467C-BB78-BF7D8C52BB40}"/>
-              </a:ext>
-            </a:extLst>
-          </p:cNvPr>
-          <p:cNvPicPr>
-            <a:picLocks noGrp="1" noChangeAspect="1"/>
-          </p:cNvPicPr>
-          <p:nvPr>
-            <p:ph idx="1"/>
-          </p:nvPr>
-        </p:nvPicPr>
-        <p:blipFill>
-          <a:blip r:embed="rId3">
-            <a:extLst>
-              <a:ext uri="{28A0092B-C50C-407E-A947-70E740481C1C}">
-                <a14:useLocalDpi xmlns:a14="http://schemas.microsoft.com/office/drawing/2010/main" val="0"/>
-              </a:ext>
-            </a:extLst>
-          </a:blip>
-          <a:stretch>
-            <a:fillRect/>
-          </a:stretch>
-        </p:blipFill>
-        <p:spPr>
-          <a:xfrm>
-            <a:off x="5531026" y="2845904"/>
-            <a:ext cx="2700675" cy="2195066"/>
-          </a:xfrm>
-          <a:prstGeom prst="round2DiagRect">
-            <a:avLst>
-              <a:gd name="adj1" fmla="val 16667"/>
-              <a:gd name="adj2" fmla="val 0"/>
-            </a:avLst>
-          </a:prstGeom>
-          <a:ln w="88900" cap="sq">
-            <a:solidFill>
-              <a:srgbClr val="FFFFFF"/>
-            </a:solidFill>
-            <a:miter lim="800000"/>
-          </a:ln>
-          <a:effectLst>
-            <a:outerShdw blurRad="254000" algn="tl" rotWithShape="0">
-              <a:srgbClr val="000000">
-                <a:alpha val="43000"/>
-              </a:srgbClr>
-            </a:outerShdw>
-          </a:effectLst>
-        </p:spPr>
-      </p:pic>
-      <p:sp>
-        <p:nvSpPr>
-          <p:cNvPr id="6" name="TextBox 5">
-            <a:extLst>
-              <a:ext uri="{FF2B5EF4-FFF2-40B4-BE49-F238E27FC236}">
-                <a16:creationId xmlns:a16="http://schemas.microsoft.com/office/drawing/2014/main" id="{37867EC8-F206-4F90-A4AA-A6C8746AFC07}"/>
-              </a:ext>
-            </a:extLst>
-          </p:cNvPr>
-          <p:cNvSpPr txBox="1"/>
-          <p:nvPr/>
-        </p:nvSpPr>
-        <p:spPr>
-          <a:xfrm>
-            <a:off x="838200" y="1520341"/>
-            <a:ext cx="5048364" cy="646331"/>
-          </a:xfrm>
-          <a:prstGeom prst="rect">
-            <a:avLst/>
-          </a:prstGeom>
-          <a:noFill/>
-        </p:spPr>
-        <p:txBody>
-          <a:bodyPr wrap="square" rtlCol="0">
-            <a:spAutoFit/>
-          </a:bodyPr>
-          <a:lstStyle/>
-          <a:p>
-            <a:r>
-              <a:rPr lang="en-IE" dirty="0"/>
-              <a:t>Dijkstra’s Algorithm and A* Algorithm</a:t>
-            </a:r>
-          </a:p>
-          <a:p>
-            <a:endParaRPr lang="en-IE" dirty="0"/>
-          </a:p>
-        </p:txBody>
-      </p:sp>
-      <p:sp>
-        <p:nvSpPr>
-          <p:cNvPr id="7" name="TextBox 6">
-            <a:extLst>
-              <a:ext uri="{FF2B5EF4-FFF2-40B4-BE49-F238E27FC236}">
-                <a16:creationId xmlns:a16="http://schemas.microsoft.com/office/drawing/2014/main" id="{A4EC910F-6F97-4DA5-BF0A-7624C5721224}"/>
-              </a:ext>
-            </a:extLst>
-          </p:cNvPr>
-          <p:cNvSpPr txBox="1"/>
-          <p:nvPr/>
-        </p:nvSpPr>
-        <p:spPr>
-          <a:xfrm>
-            <a:off x="9241234" y="2690954"/>
-            <a:ext cx="2112566" cy="646331"/>
-          </a:xfrm>
-          <a:prstGeom prst="rect">
-            <a:avLst/>
-          </a:prstGeom>
-          <a:noFill/>
-        </p:spPr>
-        <p:txBody>
-          <a:bodyPr wrap="none" rtlCol="0">
-            <a:spAutoFit/>
-          </a:bodyPr>
-          <a:lstStyle/>
-          <a:p>
-            <a:pPr algn="ctr"/>
-            <a:r>
-              <a:rPr lang="en-IE" dirty="0"/>
-              <a:t>And what about the </a:t>
-            </a:r>
-          </a:p>
-          <a:p>
-            <a:pPr algn="ctr"/>
-            <a:r>
-              <a:rPr lang="en-IE" dirty="0"/>
-              <a:t>A* Algorithm?</a:t>
-            </a:r>
-          </a:p>
-        </p:txBody>
-      </p:sp>
-      <p:pic>
-        <p:nvPicPr>
-          <p:cNvPr id="9" name="Picture 8">
-            <a:extLst>
-              <a:ext uri="{FF2B5EF4-FFF2-40B4-BE49-F238E27FC236}">
-                <a16:creationId xmlns:a16="http://schemas.microsoft.com/office/drawing/2014/main" id="{84ABB8A5-2B56-439E-938A-DE5F9AF334F5}"/>
-              </a:ext>
-            </a:extLst>
-          </p:cNvPr>
-          <p:cNvPicPr>
-            <a:picLocks noChangeAspect="1"/>
-          </p:cNvPicPr>
-          <p:nvPr/>
-        </p:nvPicPr>
-        <p:blipFill>
-          <a:blip r:embed="rId4">
-            <a:extLst>
-              <a:ext uri="{28A0092B-C50C-407E-A947-70E740481C1C}">
-                <a14:useLocalDpi xmlns:a14="http://schemas.microsoft.com/office/drawing/2010/main" val="0"/>
-              </a:ext>
-            </a:extLst>
-          </a:blip>
-          <a:stretch>
-            <a:fillRect/>
-          </a:stretch>
-        </p:blipFill>
-        <p:spPr>
-          <a:xfrm>
-            <a:off x="838200" y="2845904"/>
-            <a:ext cx="3002278" cy="2194806"/>
-          </a:xfrm>
-          <a:prstGeom prst="round2DiagRect">
-            <a:avLst>
-              <a:gd name="adj1" fmla="val 16667"/>
-              <a:gd name="adj2" fmla="val 0"/>
-            </a:avLst>
-          </a:prstGeom>
-          <a:ln w="88900" cap="sq">
-            <a:solidFill>
-              <a:srgbClr val="FFFFFF"/>
-            </a:solidFill>
-            <a:miter lim="800000"/>
-          </a:ln>
-          <a:effectLst>
-            <a:outerShdw blurRad="254000" algn="tl" rotWithShape="0">
-              <a:srgbClr val="000000">
-                <a:alpha val="43000"/>
-              </a:srgbClr>
-            </a:outerShdw>
-          </a:effectLst>
-        </p:spPr>
-      </p:pic>
-      <p:sp>
-        <p:nvSpPr>
-          <p:cNvPr id="10" name="TextBox 9">
-            <a:extLst>
-              <a:ext uri="{FF2B5EF4-FFF2-40B4-BE49-F238E27FC236}">
-                <a16:creationId xmlns:a16="http://schemas.microsoft.com/office/drawing/2014/main" id="{D9E13A17-215D-42C7-9811-E472E8C9144A}"/>
-              </a:ext>
-            </a:extLst>
-          </p:cNvPr>
-          <p:cNvSpPr txBox="1"/>
-          <p:nvPr/>
-        </p:nvSpPr>
-        <p:spPr>
-          <a:xfrm>
-            <a:off x="838200" y="2321622"/>
-            <a:ext cx="3619004" cy="369332"/>
-          </a:xfrm>
-          <a:prstGeom prst="rect">
-            <a:avLst/>
-          </a:prstGeom>
-          <a:noFill/>
-        </p:spPr>
-        <p:txBody>
-          <a:bodyPr wrap="none" rtlCol="0">
-            <a:spAutoFit/>
-          </a:bodyPr>
-          <a:lstStyle/>
-          <a:p>
-            <a:r>
-              <a:rPr lang="en-IE" dirty="0"/>
-              <a:t>How does Dijkstra’s Algorithm work?</a:t>
-            </a:r>
-          </a:p>
-        </p:txBody>
-      </p:sp>
-      <p:sp>
-        <p:nvSpPr>
-          <p:cNvPr id="11" name="TextBox 10">
-            <a:extLst>
-              <a:ext uri="{FF2B5EF4-FFF2-40B4-BE49-F238E27FC236}">
-                <a16:creationId xmlns:a16="http://schemas.microsoft.com/office/drawing/2014/main" id="{729ED7D3-04C1-4C90-92C5-4AB013DD3E28}"/>
-              </a:ext>
-            </a:extLst>
-          </p:cNvPr>
-          <p:cNvSpPr txBox="1"/>
-          <p:nvPr/>
-        </p:nvSpPr>
-        <p:spPr>
-          <a:xfrm>
-            <a:off x="5368962" y="5163434"/>
-            <a:ext cx="3511602" cy="646331"/>
-          </a:xfrm>
-          <a:prstGeom prst="rect">
-            <a:avLst/>
-          </a:prstGeom>
-          <a:noFill/>
-        </p:spPr>
-        <p:txBody>
-          <a:bodyPr wrap="none" rtlCol="0">
-            <a:spAutoFit/>
-          </a:bodyPr>
-          <a:lstStyle/>
-          <a:p>
-            <a:r>
-              <a:rPr lang="en-IE" dirty="0"/>
-              <a:t>How does Dijkstra’s Algorithm work</a:t>
-            </a:r>
-          </a:p>
-          <a:p>
-            <a:r>
-              <a:rPr lang="en-IE" dirty="0"/>
-              <a:t>In an actual game?</a:t>
-            </a:r>
-          </a:p>
-        </p:txBody>
-      </p:sp>
-    </p:spTree>
-    <p:extLst>
-      <p:ext uri="{BB962C8B-B14F-4D97-AF65-F5344CB8AC3E}">
-        <p14:creationId xmlns:p14="http://schemas.microsoft.com/office/powerpoint/2010/main" val="4279048335"/>
-      </p:ext>
-    </p:extLst>
-  </p:cSld>
-  <p:clrMapOvr>
-    <a:masterClrMapping/>
-  </p:clrMapOvr>
-</p:sld>
-</file>
-
-<file path=ppt/slides/slide6.xml><?xml version="1.0" encoding="utf-8"?>
 <p:sld xmlns:a="http://schemas.openxmlformats.org/drawingml/2006/main" xmlns:r="http://schemas.openxmlformats.org/officeDocument/2006/relationships" xmlns:p="http://schemas.openxmlformats.org/presentationml/2006/main">
   <p:cSld>
     <p:bg>
@@ -6261,6 +11629,42 @@
           </a:sp3d>
         </p:spPr>
       </p:pic>
+      <p:sp>
+        <p:nvSpPr>
+          <p:cNvPr id="2" name="Title 1">
+            <a:extLst>
+              <a:ext uri="{FF2B5EF4-FFF2-40B4-BE49-F238E27FC236}">
+                <a16:creationId xmlns:a16="http://schemas.microsoft.com/office/drawing/2014/main" id="{16B6FED7-E548-4EFB-860E-E5BA88A9798B}"/>
+              </a:ext>
+            </a:extLst>
+          </p:cNvPr>
+          <p:cNvSpPr>
+            <a:spLocks noGrp="1"/>
+          </p:cNvSpPr>
+          <p:nvPr>
+            <p:ph type="title"/>
+          </p:nvPr>
+        </p:nvSpPr>
+        <p:spPr>
+          <a:xfrm>
+            <a:off x="642996" y="4571216"/>
+            <a:ext cx="10906008" cy="1115415"/>
+          </a:xfrm>
+        </p:spPr>
+        <p:txBody>
+          <a:bodyPr vert="horz" lIns="91440" tIns="45720" rIns="91440" bIns="45720" rtlCol="0" anchor="b">
+            <a:normAutofit/>
+          </a:bodyPr>
+          <a:lstStyle/>
+          <a:p>
+            <a:pPr algn="ctr"/>
+            <a:r>
+              <a:rPr lang="en-US" sz="6000"/>
+              <a:t>Grids</a:t>
+            </a:r>
+          </a:p>
+        </p:txBody>
+      </p:sp>
       <p:pic>
         <p:nvPicPr>
           <p:cNvPr id="5" name="Content Placeholder 4">
@@ -6395,61 +11799,42 @@
           </a:sp3d>
         </p:spPr>
       </p:pic>
-      <p:cxnSp>
-        <p:nvCxnSpPr>
-          <p:cNvPr id="14" name="Straight Connector 13">
-            <a:extLst>
-              <a:ext uri="{FF2B5EF4-FFF2-40B4-BE49-F238E27FC236}">
-                <a16:creationId xmlns:a16="http://schemas.microsoft.com/office/drawing/2014/main" id="{1BC440D7-A6EF-4164-B28F-87CDDEE9BEDC}"/>
-              </a:ext>
-            </a:extLst>
-          </p:cNvPr>
-          <p:cNvCxnSpPr>
-            <a:cxnSpLocks noGrp="1" noRot="1" noChangeAspect="1" noMove="1" noResize="1" noEditPoints="1" noAdjustHandles="1" noChangeArrowheads="1" noChangeShapeType="1"/>
-          </p:cNvCxnSpPr>
-          <p:nvPr>
-            <p:extLst>
-              <p:ext uri="{386F3935-93C4-4BCD-93E2-E3B085C9AB24}">
-                <p16:designElem xmlns:p16="http://schemas.microsoft.com/office/powerpoint/2015/main" val="1"/>
-              </p:ext>
-            </p:extLst>
-          </p:nvPr>
-        </p:nvCxnSpPr>
-        <p:spPr>
-          <a:xfrm>
-            <a:off x="1981200" y="5778706"/>
-            <a:ext cx="8229600" cy="0"/>
-          </a:xfrm>
-          <a:prstGeom prst="line">
-            <a:avLst/>
-          </a:prstGeom>
-          <a:ln w="19050">
-            <a:solidFill>
-              <a:schemeClr val="accent1"/>
-            </a:solidFill>
-          </a:ln>
-        </p:spPr>
-        <p:style>
-          <a:lnRef idx="1">
-            <a:schemeClr val="accent1"/>
-          </a:lnRef>
-          <a:fillRef idx="0">
-            <a:schemeClr val="accent1"/>
-          </a:fillRef>
-          <a:effectRef idx="0">
-            <a:schemeClr val="accent1"/>
-          </a:effectRef>
-          <a:fontRef idx="minor">
-            <a:schemeClr val="tx1"/>
-          </a:fontRef>
-        </p:style>
-      </p:cxnSp>
+    </p:spTree>
+    <p:extLst>
+      <p:ext uri="{BB962C8B-B14F-4D97-AF65-F5344CB8AC3E}">
+        <p14:creationId xmlns:p14="http://schemas.microsoft.com/office/powerpoint/2010/main" val="309976108"/>
+      </p:ext>
+    </p:extLst>
+  </p:cSld>
+  <p:clrMapOvr>
+    <a:masterClrMapping/>
+  </p:clrMapOvr>
+</p:sld>
+</file>
+
+<file path=ppt/slides/slide6.xml><?xml version="1.0" encoding="utf-8"?>
+<p:sld xmlns:a="http://schemas.openxmlformats.org/drawingml/2006/main" xmlns:r="http://schemas.openxmlformats.org/officeDocument/2006/relationships" xmlns:p="http://schemas.openxmlformats.org/presentationml/2006/main">
+  <p:cSld>
+    <p:spTree>
+      <p:nvGrpSpPr>
+        <p:cNvPr id="1" name=""/>
+        <p:cNvGrpSpPr/>
+        <p:nvPr/>
+      </p:nvGrpSpPr>
+      <p:grpSpPr>
+        <a:xfrm>
+          <a:off x="0" y="0"/>
+          <a:ext cx="0" cy="0"/>
+          <a:chOff x="0" y="0"/>
+          <a:chExt cx="0" cy="0"/>
+        </a:xfrm>
+      </p:grpSpPr>
       <p:sp>
         <p:nvSpPr>
           <p:cNvPr id="2" name="Title 1">
             <a:extLst>
               <a:ext uri="{FF2B5EF4-FFF2-40B4-BE49-F238E27FC236}">
-                <a16:creationId xmlns:a16="http://schemas.microsoft.com/office/drawing/2014/main" id="{16B6FED7-E548-4EFB-860E-E5BA88A9798B}"/>
+                <a16:creationId xmlns:a16="http://schemas.microsoft.com/office/drawing/2014/main" id="{749D3918-A0F9-4FDE-850E-6816F25BE8AB}"/>
               </a:ext>
             </a:extLst>
           </p:cNvPr>
@@ -6460,22 +11845,278 @@
             <p:ph type="title"/>
           </p:nvPr>
         </p:nvSpPr>
+        <p:spPr/>
+        <p:txBody>
+          <a:bodyPr/>
+          <a:lstStyle/>
+          <a:p>
+            <a:pPr algn="ctr"/>
+            <a:r>
+              <a:rPr lang="en-IE" dirty="0"/>
+              <a:t>Pathfinding Algorithms</a:t>
+            </a:r>
+          </a:p>
+        </p:txBody>
+      </p:sp>
+      <p:pic>
+        <p:nvPicPr>
+          <p:cNvPr id="5" name="Content Placeholder 4">
+            <a:extLst>
+              <a:ext uri="{FF2B5EF4-FFF2-40B4-BE49-F238E27FC236}">
+                <a16:creationId xmlns:a16="http://schemas.microsoft.com/office/drawing/2014/main" id="{7B37E52D-7E49-467C-BB78-BF7D8C52BB40}"/>
+              </a:ext>
+            </a:extLst>
+          </p:cNvPr>
+          <p:cNvPicPr>
+            <a:picLocks noGrp="1" noChangeAspect="1"/>
+          </p:cNvPicPr>
+          <p:nvPr>
+            <p:ph idx="1"/>
+          </p:nvPr>
+        </p:nvPicPr>
+        <p:blipFill>
+          <a:blip r:embed="rId3">
+            <a:extLst>
+              <a:ext uri="{28A0092B-C50C-407E-A947-70E740481C1C}">
+                <a14:useLocalDpi xmlns:a14="http://schemas.microsoft.com/office/drawing/2010/main" val="0"/>
+              </a:ext>
+            </a:extLst>
+          </a:blip>
+          <a:stretch>
+            <a:fillRect/>
+          </a:stretch>
+        </p:blipFill>
         <p:spPr>
           <a:xfrm>
-            <a:off x="642996" y="4571216"/>
-            <a:ext cx="10906008" cy="1115415"/>
+            <a:off x="5095875" y="3001169"/>
+            <a:ext cx="2000250" cy="2000250"/>
           </a:xfrm>
+          <a:prstGeom prst="round2DiagRect">
+            <a:avLst>
+              <a:gd name="adj1" fmla="val 16667"/>
+              <a:gd name="adj2" fmla="val 0"/>
+            </a:avLst>
+          </a:prstGeom>
+          <a:ln w="88900" cap="sq">
+            <a:solidFill>
+              <a:srgbClr val="FFFFFF"/>
+            </a:solidFill>
+            <a:miter lim="800000"/>
+          </a:ln>
+          <a:effectLst>
+            <a:outerShdw blurRad="254000" algn="tl" rotWithShape="0">
+              <a:srgbClr val="000000">
+                <a:alpha val="43000"/>
+              </a:srgbClr>
+            </a:outerShdw>
+          </a:effectLst>
+        </p:spPr>
+      </p:pic>
+      <p:sp>
+        <p:nvSpPr>
+          <p:cNvPr id="6" name="TextBox 5">
+            <a:extLst>
+              <a:ext uri="{FF2B5EF4-FFF2-40B4-BE49-F238E27FC236}">
+                <a16:creationId xmlns:a16="http://schemas.microsoft.com/office/drawing/2014/main" id="{37867EC8-F206-4F90-A4AA-A6C8746AFC07}"/>
+              </a:ext>
+            </a:extLst>
+          </p:cNvPr>
+          <p:cNvSpPr txBox="1"/>
+          <p:nvPr/>
+        </p:nvSpPr>
+        <p:spPr>
+          <a:xfrm>
+            <a:off x="838200" y="1520341"/>
+            <a:ext cx="5048364" cy="646331"/>
+          </a:xfrm>
+          <a:prstGeom prst="rect">
+            <a:avLst/>
+          </a:prstGeom>
+          <a:noFill/>
         </p:spPr>
         <p:txBody>
-          <a:bodyPr vert="horz" lIns="91440" tIns="45720" rIns="91440" bIns="45720" rtlCol="0" anchor="b">
-            <a:normAutofit/>
+          <a:bodyPr wrap="square" rtlCol="0">
+            <a:spAutoFit/>
           </a:bodyPr>
           <a:lstStyle/>
           <a:p>
+            <a:r>
+              <a:rPr lang="en-IE" dirty="0"/>
+              <a:t>Dijkstra’s Algorithm and A* Algorithm</a:t>
+            </a:r>
+          </a:p>
+          <a:p>
+            <a:endParaRPr lang="en-IE" dirty="0"/>
+          </a:p>
+        </p:txBody>
+      </p:sp>
+      <p:sp>
+        <p:nvSpPr>
+          <p:cNvPr id="7" name="TextBox 6">
+            <a:extLst>
+              <a:ext uri="{FF2B5EF4-FFF2-40B4-BE49-F238E27FC236}">
+                <a16:creationId xmlns:a16="http://schemas.microsoft.com/office/drawing/2014/main" id="{A4EC910F-6F97-4DA5-BF0A-7624C5721224}"/>
+              </a:ext>
+            </a:extLst>
+          </p:cNvPr>
+          <p:cNvSpPr txBox="1"/>
+          <p:nvPr/>
+        </p:nvSpPr>
+        <p:spPr>
+          <a:xfrm>
+            <a:off x="9241234" y="2690954"/>
+            <a:ext cx="2112566" cy="646331"/>
+          </a:xfrm>
+          <a:prstGeom prst="rect">
+            <a:avLst/>
+          </a:prstGeom>
+          <a:noFill/>
+        </p:spPr>
+        <p:txBody>
+          <a:bodyPr wrap="none" rtlCol="0">
+            <a:spAutoFit/>
+          </a:bodyPr>
+          <a:lstStyle/>
+          <a:p>
             <a:pPr algn="ctr"/>
             <a:r>
-              <a:rPr lang="en-US" sz="6000"/>
-              <a:t>Grids</a:t>
+              <a:rPr lang="en-IE" dirty="0"/>
+              <a:t>And what about the </a:t>
+            </a:r>
+          </a:p>
+          <a:p>
+            <a:pPr algn="ctr"/>
+            <a:r>
+              <a:rPr lang="en-IE" dirty="0"/>
+              <a:t>A* Algorithm?</a:t>
+            </a:r>
+          </a:p>
+        </p:txBody>
+      </p:sp>
+      <p:pic>
+        <p:nvPicPr>
+          <p:cNvPr id="9" name="Picture 8">
+            <a:extLst>
+              <a:ext uri="{FF2B5EF4-FFF2-40B4-BE49-F238E27FC236}">
+                <a16:creationId xmlns:a16="http://schemas.microsoft.com/office/drawing/2014/main" id="{84ABB8A5-2B56-439E-938A-DE5F9AF334F5}"/>
+              </a:ext>
+            </a:extLst>
+          </p:cNvPr>
+          <p:cNvPicPr>
+            <a:picLocks noChangeAspect="1"/>
+          </p:cNvPicPr>
+          <p:nvPr/>
+        </p:nvPicPr>
+        <p:blipFill>
+          <a:blip r:embed="rId4">
+            <a:extLst>
+              <a:ext uri="{28A0092B-C50C-407E-A947-70E740481C1C}">
+                <a14:useLocalDpi xmlns:a14="http://schemas.microsoft.com/office/drawing/2010/main" val="0"/>
+              </a:ext>
+            </a:extLst>
+          </a:blip>
+          <a:stretch>
+            <a:fillRect/>
+          </a:stretch>
+        </p:blipFill>
+        <p:spPr>
+          <a:xfrm>
+            <a:off x="838200" y="2845904"/>
+            <a:ext cx="3002278" cy="2194806"/>
+          </a:xfrm>
+          <a:prstGeom prst="round2DiagRect">
+            <a:avLst>
+              <a:gd name="adj1" fmla="val 16667"/>
+              <a:gd name="adj2" fmla="val 0"/>
+            </a:avLst>
+          </a:prstGeom>
+          <a:ln w="88900" cap="sq">
+            <a:solidFill>
+              <a:srgbClr val="FFFFFF"/>
+            </a:solidFill>
+            <a:miter lim="800000"/>
+          </a:ln>
+          <a:effectLst>
+            <a:outerShdw blurRad="254000" algn="tl" rotWithShape="0">
+              <a:srgbClr val="000000">
+                <a:alpha val="43000"/>
+              </a:srgbClr>
+            </a:outerShdw>
+          </a:effectLst>
+        </p:spPr>
+      </p:pic>
+      <p:sp>
+        <p:nvSpPr>
+          <p:cNvPr id="10" name="TextBox 9">
+            <a:extLst>
+              <a:ext uri="{FF2B5EF4-FFF2-40B4-BE49-F238E27FC236}">
+                <a16:creationId xmlns:a16="http://schemas.microsoft.com/office/drawing/2014/main" id="{D9E13A17-215D-42C7-9811-E472E8C9144A}"/>
+              </a:ext>
+            </a:extLst>
+          </p:cNvPr>
+          <p:cNvSpPr txBox="1"/>
+          <p:nvPr/>
+        </p:nvSpPr>
+        <p:spPr>
+          <a:xfrm>
+            <a:off x="838200" y="2321622"/>
+            <a:ext cx="3619004" cy="369332"/>
+          </a:xfrm>
+          <a:prstGeom prst="rect">
+            <a:avLst/>
+          </a:prstGeom>
+          <a:noFill/>
+        </p:spPr>
+        <p:txBody>
+          <a:bodyPr wrap="none" rtlCol="0">
+            <a:spAutoFit/>
+          </a:bodyPr>
+          <a:lstStyle/>
+          <a:p>
+            <a:r>
+              <a:rPr lang="en-IE" dirty="0"/>
+              <a:t>How does Dijkstra’s Algorithm work?</a:t>
+            </a:r>
+          </a:p>
+        </p:txBody>
+      </p:sp>
+      <p:sp>
+        <p:nvSpPr>
+          <p:cNvPr id="11" name="TextBox 10">
+            <a:extLst>
+              <a:ext uri="{FF2B5EF4-FFF2-40B4-BE49-F238E27FC236}">
+                <a16:creationId xmlns:a16="http://schemas.microsoft.com/office/drawing/2014/main" id="{729ED7D3-04C1-4C90-92C5-4AB013DD3E28}"/>
+              </a:ext>
+            </a:extLst>
+          </p:cNvPr>
+          <p:cNvSpPr txBox="1"/>
+          <p:nvPr/>
+        </p:nvSpPr>
+        <p:spPr>
+          <a:xfrm>
+            <a:off x="5368962" y="5163434"/>
+            <a:ext cx="3511602" cy="646331"/>
+          </a:xfrm>
+          <a:prstGeom prst="rect">
+            <a:avLst/>
+          </a:prstGeom>
+          <a:noFill/>
+        </p:spPr>
+        <p:txBody>
+          <a:bodyPr wrap="none" rtlCol="0">
+            <a:spAutoFit/>
+          </a:bodyPr>
+          <a:lstStyle/>
+          <a:p>
+            <a:r>
+              <a:rPr lang="en-IE" dirty="0"/>
+              <a:t>How does Dijkstra’s Algorithm work</a:t>
+            </a:r>
+          </a:p>
+          <a:p>
+            <a:r>
+              <a:rPr lang="en-IE" dirty="0"/>
+              <a:t>In an actual game?</a:t>
             </a:r>
           </a:p>
         </p:txBody>
@@ -6483,7 +12124,7 @@
     </p:spTree>
     <p:extLst>
       <p:ext uri="{BB962C8B-B14F-4D97-AF65-F5344CB8AC3E}">
-        <p14:creationId xmlns:p14="http://schemas.microsoft.com/office/powerpoint/2010/main" val="309976108"/>
+        <p14:creationId xmlns:p14="http://schemas.microsoft.com/office/powerpoint/2010/main" val="4279048335"/>
       </p:ext>
     </p:extLst>
   </p:cSld>
@@ -6526,16 +12167,12 @@
             <p:ph type="title"/>
           </p:nvPr>
         </p:nvSpPr>
-        <p:spPr>
-          <a:xfrm>
-            <a:off x="838200" y="365125"/>
-            <a:ext cx="10515600" cy="1325563"/>
-          </a:xfrm>
-        </p:spPr>
+        <p:spPr/>
         <p:txBody>
           <a:bodyPr/>
           <a:lstStyle/>
           <a:p>
+            <a:pPr algn="ctr"/>
             <a:r>
               <a:rPr lang="en-IE" dirty="0"/>
               <a:t>Using Potential Fields</a:t>
@@ -6619,9 +12256,10 @@
           <a:bodyPr/>
           <a:lstStyle/>
           <a:p>
+            <a:pPr algn="ctr"/>
             <a:r>
               <a:rPr lang="en-IE" dirty="0"/>
-              <a:t>2.3 Aesthetics in Pathfinding</a:t>
+              <a:t>Aesthetics in Pathfinding</a:t>
             </a:r>
           </a:p>
         </p:txBody>
@@ -6702,9 +12340,10 @@
           <a:bodyPr/>
           <a:lstStyle/>
           <a:p>
+            <a:pPr algn="ctr"/>
             <a:r>
               <a:rPr lang="en-IE" dirty="0"/>
-              <a:t>3 MACHINE LEARNING</a:t>
+              <a:t>MACHINE LEARNING</a:t>
             </a:r>
           </a:p>
         </p:txBody>
@@ -6730,7 +12369,10 @@
           <a:bodyPr/>
           <a:lstStyle/>
           <a:p>
-            <a:endParaRPr lang="en-IE"/>
+            <a:pPr marL="0" indent="0">
+              <a:buNone/>
+            </a:pPr>
+            <a:endParaRPr lang="en-IE" dirty="0"/>
           </a:p>
         </p:txBody>
       </p:sp>

--- a/Presentation/AI in Video Games.pptx
+++ b/Presentation/AI in Video Games.pptx
@@ -6015,19 +6015,7 @@
           <a:p>
             <a:r>
               <a:rPr lang="en-IE" dirty="0"/>
-              <a:t>Explain how to use machine learning to improve behaviour of NPCs.</a:t>
-            </a:r>
-          </a:p>
-          <a:p>
-            <a:r>
-              <a:rPr lang="en-IE" dirty="0"/>
-              <a:t>Maybe mention DOTA 2 bot. Open AI DOTA 2 bot.</a:t>
-            </a:r>
-          </a:p>
-          <a:p>
-            <a:r>
-              <a:rPr lang="en-IE" dirty="0"/>
-              <a:t>- https://blog.openai.com/dota-2/</a:t>
+              <a:t>Explain the concept of perfect and imperfect knowledge.</a:t>
             </a:r>
           </a:p>
         </p:txBody>
@@ -6049,6 +6037,105 @@
           <a:p>
             <a:fld id="{F2FA16C5-A4D7-4499-AD65-B02C103C4B17}" type="slidenum">
               <a:rPr lang="en-IE" smtClean="0"/>
+              <a:t>10</a:t>
+            </a:fld>
+            <a:endParaRPr lang="en-IE"/>
+          </a:p>
+        </p:txBody>
+      </p:sp>
+    </p:spTree>
+    <p:extLst>
+      <p:ext uri="{BB962C8B-B14F-4D97-AF65-F5344CB8AC3E}">
+        <p14:creationId xmlns:p14="http://schemas.microsoft.com/office/powerpoint/2010/main" val="347245357"/>
+      </p:ext>
+    </p:extLst>
+  </p:cSld>
+  <p:clrMapOvr>
+    <a:masterClrMapping/>
+  </p:clrMapOvr>
+</p:notes>
+</file>
+
+<file path=ppt/notesSlides/notesSlide11.xml><?xml version="1.0" encoding="utf-8"?>
+<p:notes xmlns:a="http://schemas.openxmlformats.org/drawingml/2006/main" xmlns:r="http://schemas.openxmlformats.org/officeDocument/2006/relationships" xmlns:p="http://schemas.openxmlformats.org/presentationml/2006/main">
+  <p:cSld>
+    <p:spTree>
+      <p:nvGrpSpPr>
+        <p:cNvPr id="1" name=""/>
+        <p:cNvGrpSpPr/>
+        <p:nvPr/>
+      </p:nvGrpSpPr>
+      <p:grpSpPr>
+        <a:xfrm>
+          <a:off x="0" y="0"/>
+          <a:ext cx="0" cy="0"/>
+          <a:chOff x="0" y="0"/>
+          <a:chExt cx="0" cy="0"/>
+        </a:xfrm>
+      </p:grpSpPr>
+      <p:sp>
+        <p:nvSpPr>
+          <p:cNvPr id="2" name="Slide Image Placeholder 1"/>
+          <p:cNvSpPr>
+            <a:spLocks noGrp="1" noRot="1" noChangeAspect="1"/>
+          </p:cNvSpPr>
+          <p:nvPr>
+            <p:ph type="sldImg"/>
+          </p:nvPr>
+        </p:nvSpPr>
+        <p:spPr/>
+      </p:sp>
+      <p:sp>
+        <p:nvSpPr>
+          <p:cNvPr id="3" name="Notes Placeholder 2"/>
+          <p:cNvSpPr>
+            <a:spLocks noGrp="1"/>
+          </p:cNvSpPr>
+          <p:nvPr>
+            <p:ph type="body" idx="1"/>
+          </p:nvPr>
+        </p:nvSpPr>
+        <p:spPr/>
+        <p:txBody>
+          <a:bodyPr/>
+          <a:lstStyle/>
+          <a:p>
+            <a:r>
+              <a:rPr lang="en-IE" dirty="0"/>
+              <a:t>Explain how to use machine learning to improve behaviour of NPCs.</a:t>
+            </a:r>
+          </a:p>
+          <a:p>
+            <a:r>
+              <a:rPr lang="en-IE" dirty="0"/>
+              <a:t>Maybe mention DOTA 2 bot. Open AI DOTA 2 bot.</a:t>
+            </a:r>
+          </a:p>
+          <a:p>
+            <a:r>
+              <a:rPr lang="en-IE" dirty="0"/>
+              <a:t>- https://blog.openai.com/dota-2/</a:t>
+            </a:r>
+          </a:p>
+        </p:txBody>
+      </p:sp>
+      <p:sp>
+        <p:nvSpPr>
+          <p:cNvPr id="4" name="Slide Number Placeholder 3"/>
+          <p:cNvSpPr>
+            <a:spLocks noGrp="1"/>
+          </p:cNvSpPr>
+          <p:nvPr>
+            <p:ph type="sldNum" sz="quarter" idx="10"/>
+          </p:nvPr>
+        </p:nvSpPr>
+        <p:spPr/>
+        <p:txBody>
+          <a:bodyPr/>
+          <a:lstStyle/>
+          <a:p>
+            <a:fld id="{F2FA16C5-A4D7-4499-AD65-B02C103C4B17}" type="slidenum">
+              <a:rPr lang="en-IE" smtClean="0"/>
               <a:t>11</a:t>
             </a:fld>
             <a:endParaRPr lang="en-IE"/>
@@ -6068,7 +6155,7 @@
 </p:notes>
 </file>
 
-<file path=ppt/notesSlides/notesSlide11.xml><?xml version="1.0" encoding="utf-8"?>
+<file path=ppt/notesSlides/notesSlide12.xml><?xml version="1.0" encoding="utf-8"?>
 <p:notes xmlns:a="http://schemas.openxmlformats.org/drawingml/2006/main" xmlns:r="http://schemas.openxmlformats.org/officeDocument/2006/relationships" xmlns:p="http://schemas.openxmlformats.org/presentationml/2006/main">
   <p:cSld>
     <p:spTree>
@@ -6869,15 +6956,23 @@
           <a:bodyPr/>
           <a:lstStyle/>
           <a:p>
+            <a:pPr marL="171450" indent="-171450">
+              <a:buFontTx/>
+              <a:buChar char="-"/>
+            </a:pPr>
             <a:r>
               <a:rPr lang="en-IE" dirty="0"/>
-              <a:t>We know already how to move, now is time to talk about behaviour more in depth.</a:t>
+              <a:t>http://aigamedev.com/open/tutorials/theta-star-any-angle-paths/</a:t>
             </a:r>
           </a:p>
           <a:p>
+            <a:pPr marL="0" indent="0">
+              <a:buFontTx/>
+              <a:buNone/>
+            </a:pPr>
             <a:r>
               <a:rPr lang="en-IE" dirty="0"/>
-              <a:t>It is really necessary to implement machine learning?</a:t>
+              <a:t>Talk about how</a:t>
             </a:r>
           </a:p>
         </p:txBody>
@@ -6899,7 +6994,7 @@
           <a:p>
             <a:fld id="{F2FA16C5-A4D7-4499-AD65-B02C103C4B17}" type="slidenum">
               <a:rPr lang="en-IE" smtClean="0"/>
-              <a:t>9</a:t>
+              <a:t>8</a:t>
             </a:fld>
             <a:endParaRPr lang="en-IE"/>
           </a:p>
@@ -6908,7 +7003,7 @@
     </p:spTree>
     <p:extLst>
       <p:ext uri="{BB962C8B-B14F-4D97-AF65-F5344CB8AC3E}">
-        <p14:creationId xmlns:p14="http://schemas.microsoft.com/office/powerpoint/2010/main" val="2715523814"/>
+        <p14:creationId xmlns:p14="http://schemas.microsoft.com/office/powerpoint/2010/main" val="1920154497"/>
       </p:ext>
     </p:extLst>
   </p:cSld>
@@ -6964,7 +7059,13 @@
           <a:p>
             <a:r>
               <a:rPr lang="en-IE" dirty="0"/>
-              <a:t>Explain the concept of perfect and imperfect knowledge.</a:t>
+              <a:t>We know already how to move, now is time to talk about behaviour more in depth.</a:t>
+            </a:r>
+          </a:p>
+          <a:p>
+            <a:r>
+              <a:rPr lang="en-IE" dirty="0"/>
+              <a:t>It is really necessary to implement machine learning?</a:t>
             </a:r>
           </a:p>
         </p:txBody>
@@ -6986,7 +7087,7 @@
           <a:p>
             <a:fld id="{F2FA16C5-A4D7-4499-AD65-B02C103C4B17}" type="slidenum">
               <a:rPr lang="en-IE" smtClean="0"/>
-              <a:t>10</a:t>
+              <a:t>9</a:t>
             </a:fld>
             <a:endParaRPr lang="en-IE"/>
           </a:p>
@@ -6995,7 +7096,7 @@
     </p:spTree>
     <p:extLst>
       <p:ext uri="{BB962C8B-B14F-4D97-AF65-F5344CB8AC3E}">
-        <p14:creationId xmlns:p14="http://schemas.microsoft.com/office/powerpoint/2010/main" val="347245357"/>
+        <p14:creationId xmlns:p14="http://schemas.microsoft.com/office/powerpoint/2010/main" val="2715523814"/>
       </p:ext>
     </p:extLst>
   </p:cSld>
@@ -9930,8 +10031,8 @@
         </p:blipFill>
         <p:spPr>
           <a:xfrm>
-            <a:off x="988263" y="-195653"/>
-            <a:ext cx="10430624" cy="2293394"/>
+            <a:off x="1344276" y="-131107"/>
+            <a:ext cx="9761627" cy="1992180"/>
           </a:xfrm>
           <a:prstGeom prst="rect">
             <a:avLst/>
@@ -10027,6 +10128,9 @@
   <p:clrMapOvr>
     <a:masterClrMapping/>
   </p:clrMapOvr>
+  <p:transition spd="slow">
+    <p:push dir="u"/>
+  </p:transition>
   <p:timing>
     <p:tnLst>
       <p:par>
@@ -10495,6 +10599,14 @@
 <file path=ppt/slides/slide11.xml><?xml version="1.0" encoding="utf-8"?>
 <p:sld xmlns:a="http://schemas.openxmlformats.org/drawingml/2006/main" xmlns:r="http://schemas.openxmlformats.org/officeDocument/2006/relationships" xmlns:p="http://schemas.openxmlformats.org/presentationml/2006/main">
   <p:cSld>
+    <p:bg>
+      <p:bgPr>
+        <a:solidFill>
+          <a:schemeClr val="bg1"/>
+        </a:solidFill>
+        <a:effectLst/>
+      </p:bgPr>
+    </p:bg>
     <p:spTree>
       <p:nvGrpSpPr>
         <p:cNvPr id="1" name=""/>
@@ -10509,6 +10621,109 @@
           <a:chExt cx="0" cy="0"/>
         </a:xfrm>
       </p:grpSpPr>
+      <p:pic>
+        <p:nvPicPr>
+          <p:cNvPr id="5" name="Content Placeholder 4">
+            <a:extLst>
+              <a:ext uri="{FF2B5EF4-FFF2-40B4-BE49-F238E27FC236}">
+                <a16:creationId xmlns:a16="http://schemas.microsoft.com/office/drawing/2014/main" id="{18A845A1-17C2-47E6-8757-A85B8E6CF393}"/>
+              </a:ext>
+            </a:extLst>
+          </p:cNvPr>
+          <p:cNvPicPr>
+            <a:picLocks noGrp="1" noChangeAspect="1"/>
+          </p:cNvPicPr>
+          <p:nvPr>
+            <p:ph idx="1"/>
+          </p:nvPr>
+        </p:nvPicPr>
+        <p:blipFill rotWithShape="1">
+          <a:blip r:embed="rId3">
+            <a:extLst>
+              <a:ext uri="{28A0092B-C50C-407E-A947-70E740481C1C}">
+                <a14:useLocalDpi xmlns:a14="http://schemas.microsoft.com/office/drawing/2010/main" val="0"/>
+              </a:ext>
+            </a:extLst>
+          </a:blip>
+          <a:srcRect/>
+          <a:stretch/>
+        </p:blipFill>
+        <p:spPr>
+          <a:xfrm>
+            <a:off x="20" y="10"/>
+            <a:ext cx="12191980" cy="6857990"/>
+          </a:xfrm>
+          <a:prstGeom prst="rect">
+            <a:avLst/>
+          </a:prstGeom>
+        </p:spPr>
+      </p:pic>
+      <p:sp>
+        <p:nvSpPr>
+          <p:cNvPr id="10" name="Down Arrow 7">
+            <a:extLst>
+              <a:ext uri="{FF2B5EF4-FFF2-40B4-BE49-F238E27FC236}">
+                <a16:creationId xmlns:a16="http://schemas.microsoft.com/office/drawing/2014/main" id="{09E7410C-E0A6-4162-B29C-7FA9C5F686A5}"/>
+              </a:ext>
+            </a:extLst>
+          </p:cNvPr>
+          <p:cNvSpPr>
+            <a:spLocks noGrp="1" noRot="1" noChangeAspect="1" noMove="1" noResize="1" noEditPoints="1" noAdjustHandles="1" noChangeArrowheads="1" noChangeShapeType="1" noTextEdit="1"/>
+          </p:cNvSpPr>
+          <p:nvPr>
+            <p:extLst>
+              <p:ext uri="{386F3935-93C4-4BCD-93E2-E3B085C9AB24}">
+                <p16:designElem xmlns:p16="http://schemas.microsoft.com/office/powerpoint/2015/main" val="1"/>
+              </p:ext>
+            </p:extLst>
+          </p:nvPr>
+        </p:nvSpPr>
+        <p:spPr>
+          <a:xfrm>
+            <a:off x="800100" y="-4763"/>
+            <a:ext cx="3333749" cy="3338514"/>
+          </a:xfrm>
+          <a:prstGeom prst="downArrow">
+            <a:avLst>
+              <a:gd name="adj1" fmla="val 100000"/>
+              <a:gd name="adj2" fmla="val 26890"/>
+            </a:avLst>
+          </a:prstGeom>
+          <a:solidFill>
+            <a:schemeClr val="tx1">
+              <a:lumMod val="85000"/>
+              <a:lumOff val="15000"/>
+            </a:schemeClr>
+          </a:solidFill>
+          <a:ln w="53975">
+            <a:noFill/>
+          </a:ln>
+        </p:spPr>
+        <p:style>
+          <a:lnRef idx="2">
+            <a:schemeClr val="accent1">
+              <a:shade val="50000"/>
+            </a:schemeClr>
+          </a:lnRef>
+          <a:fillRef idx="1">
+            <a:schemeClr val="accent1"/>
+          </a:fillRef>
+          <a:effectRef idx="0">
+            <a:schemeClr val="accent1"/>
+          </a:effectRef>
+          <a:fontRef idx="minor">
+            <a:schemeClr val="lt1"/>
+          </a:fontRef>
+        </p:style>
+        <p:txBody>
+          <a:bodyPr rtlCol="0" anchor="ctr"/>
+          <a:lstStyle/>
+          <a:p>
+            <a:pPr algn="ctr"/>
+            <a:endParaRPr lang="en-US"/>
+          </a:p>
+        </p:txBody>
+      </p:sp>
       <p:sp>
         <p:nvSpPr>
           <p:cNvPr id="2" name="Title 1">
@@ -10525,41 +10740,28 @@
             <p:ph type="title"/>
           </p:nvPr>
         </p:nvSpPr>
-        <p:spPr/>
+        <p:spPr>
+          <a:xfrm>
+            <a:off x="1028700" y="190501"/>
+            <a:ext cx="2886075" cy="2486024"/>
+          </a:xfrm>
+          <a:noFill/>
+        </p:spPr>
         <p:txBody>
-          <a:bodyPr/>
+          <a:bodyPr vert="horz" lIns="91440" tIns="45720" rIns="91440" bIns="45720" rtlCol="0" anchor="ctr">
+            <a:normAutofit/>
+          </a:bodyPr>
           <a:lstStyle/>
           <a:p>
             <a:pPr algn="ctr"/>
             <a:r>
-              <a:rPr lang="en-IE" dirty="0"/>
+              <a:rPr lang="en-US" sz="3600">
+                <a:solidFill>
+                  <a:schemeClr val="bg1"/>
+                </a:solidFill>
+              </a:rPr>
               <a:t>Defining Behaviour with AI</a:t>
             </a:r>
-          </a:p>
-        </p:txBody>
-      </p:sp>
-      <p:sp>
-        <p:nvSpPr>
-          <p:cNvPr id="3" name="Content Placeholder 2">
-            <a:extLst>
-              <a:ext uri="{FF2B5EF4-FFF2-40B4-BE49-F238E27FC236}">
-                <a16:creationId xmlns:a16="http://schemas.microsoft.com/office/drawing/2014/main" id="{388AB2D1-D882-4CFA-AA41-9902ACAC0C2F}"/>
-              </a:ext>
-            </a:extLst>
-          </p:cNvPr>
-          <p:cNvSpPr>
-            <a:spLocks noGrp="1"/>
-          </p:cNvSpPr>
-          <p:nvPr>
-            <p:ph idx="1"/>
-          </p:nvPr>
-        </p:nvSpPr>
-        <p:spPr/>
-        <p:txBody>
-          <a:bodyPr/>
-          <a:lstStyle/>
-          <a:p>
-            <a:endParaRPr lang="en-IE"/>
           </a:p>
         </p:txBody>
       </p:sp>
@@ -10571,7 +10773,7 @@
     </p:extLst>
   </p:cSld>
   <p:clrMapOvr>
-    <a:masterClrMapping/>
+    <a:overrideClrMapping bg1="lt1" tx1="dk1" bg2="lt2" tx2="dk2" accent1="accent1" accent2="accent2" accent3="accent3" accent4="accent4" accent5="accent5" accent6="accent6" hlink="hlink" folHlink="folHlink"/>
   </p:clrMapOvr>
 </p:sld>
 </file>
@@ -10871,8 +11073,8 @@
         </p:blipFill>
         <p:spPr>
           <a:xfrm>
-            <a:off x="729264" y="1644233"/>
-            <a:ext cx="4402133" cy="2529734"/>
+            <a:off x="1190263" y="1760190"/>
+            <a:ext cx="4926292" cy="2830948"/>
           </a:xfrm>
           <a:prstGeom prst="snip2DiagRect">
             <a:avLst/>
@@ -10937,8 +11139,8 @@
         </p:blipFill>
         <p:spPr>
           <a:xfrm>
-            <a:off x="6930417" y="3281082"/>
-            <a:ext cx="4680000" cy="2554500"/>
+            <a:off x="6116555" y="2711422"/>
+            <a:ext cx="5237245" cy="2858663"/>
           </a:xfrm>
           <a:prstGeom prst="snip2DiagRect">
             <a:avLst/>
@@ -10989,8 +11191,8 @@
         </p:nvSpPr>
         <p:spPr>
           <a:xfrm rot="477430">
-            <a:off x="7295774" y="5819887"/>
-            <a:ext cx="3949286" cy="369332"/>
+            <a:off x="7291382" y="5861035"/>
+            <a:ext cx="4229165" cy="369332"/>
           </a:xfrm>
           <a:prstGeom prst="rect">
             <a:avLst/>
@@ -11002,7 +11204,7 @@
           </a:scene3d>
         </p:spPr>
         <p:txBody>
-          <a:bodyPr wrap="none" rtlCol="0">
+          <a:bodyPr wrap="square" rtlCol="0">
             <a:spAutoFit/>
           </a:bodyPr>
           <a:lstStyle/>
@@ -11028,8 +11230,8 @@
         </p:nvSpPr>
         <p:spPr>
           <a:xfrm rot="21045044">
-            <a:off x="2495774" y="4050917"/>
-            <a:ext cx="1979581" cy="369332"/>
+            <a:off x="2272485" y="4759096"/>
+            <a:ext cx="2119871" cy="369332"/>
           </a:xfrm>
           <a:prstGeom prst="rect">
             <a:avLst/>
@@ -11041,7 +11243,7 @@
           </a:scene3d>
         </p:spPr>
         <p:txBody>
-          <a:bodyPr wrap="none" rtlCol="0">
+          <a:bodyPr wrap="square" rtlCol="0">
             <a:spAutoFit/>
           </a:bodyPr>
           <a:lstStyle/>
@@ -11063,6 +11265,18 @@
   <p:clrMapOvr>
     <a:masterClrMapping/>
   </p:clrMapOvr>
+  <mc:AlternateContent xmlns:mc="http://schemas.openxmlformats.org/markup-compatibility/2006">
+    <mc:Choice xmlns:p14="http://schemas.microsoft.com/office/powerpoint/2010/main" Requires="p14">
+      <p:transition spd="slow">
+        <p14:flash/>
+      </p:transition>
+    </mc:Choice>
+    <mc:Fallback>
+      <p:transition spd="slow">
+        <p:fade/>
+      </p:transition>
+    </mc:Fallback>
+  </mc:AlternateContent>
 </p:sld>
 </file>
 
@@ -11888,8 +12102,8 @@
         </p:blipFill>
         <p:spPr>
           <a:xfrm>
-            <a:off x="5095875" y="3001169"/>
-            <a:ext cx="2000250" cy="2000250"/>
+            <a:off x="5632152" y="2690954"/>
+            <a:ext cx="3027754" cy="2310465"/>
           </a:xfrm>
           <a:prstGeom prst="round2DiagRect">
             <a:avLst>
@@ -11926,7 +12140,7 @@
         </p:nvSpPr>
         <p:spPr>
           <a:xfrm>
-            <a:off x="838200" y="1520341"/>
+            <a:off x="3571818" y="1359824"/>
             <a:ext cx="5048364" cy="646331"/>
           </a:xfrm>
           <a:prstGeom prst="rect">
@@ -11940,6 +12154,7 @@
           </a:bodyPr>
           <a:lstStyle/>
           <a:p>
+            <a:pPr algn="ctr"/>
             <a:r>
               <a:rPr lang="en-IE" dirty="0"/>
               <a:t>Dijkstra’s Algorithm and A* Algorithm</a:t>
@@ -12021,7 +12236,7 @@
         </p:blipFill>
         <p:spPr>
           <a:xfrm>
-            <a:off x="838200" y="2845904"/>
+            <a:off x="1021043" y="2903891"/>
             <a:ext cx="3002278" cy="2194806"/>
           </a:xfrm>
           <a:prstGeom prst="round2DiagRect">
@@ -12180,31 +12395,74 @@
           </a:p>
         </p:txBody>
       </p:sp>
-      <p:sp>
-        <p:nvSpPr>
-          <p:cNvPr id="3" name="Content Placeholder 2">
+      <p:pic>
+        <p:nvPicPr>
+          <p:cNvPr id="5" name="Content Placeholder 4">
             <a:extLst>
               <a:ext uri="{FF2B5EF4-FFF2-40B4-BE49-F238E27FC236}">
-                <a16:creationId xmlns:a16="http://schemas.microsoft.com/office/drawing/2014/main" id="{93D7FBAB-8D0D-4197-BE14-5D3FED2B3191}"/>
+                <a16:creationId xmlns:a16="http://schemas.microsoft.com/office/drawing/2014/main" id="{2828EF34-5A96-437B-B2C7-B32D8F9958FA}"/>
               </a:ext>
             </a:extLst>
           </p:cNvPr>
-          <p:cNvSpPr>
-            <a:spLocks noGrp="1"/>
-          </p:cNvSpPr>
+          <p:cNvPicPr>
+            <a:picLocks noGrp="1" noChangeAspect="1"/>
+          </p:cNvPicPr>
           <p:nvPr>
             <p:ph idx="1"/>
           </p:nvPr>
-        </p:nvSpPr>
-        <p:spPr/>
-        <p:txBody>
-          <a:bodyPr/>
-          <a:lstStyle/>
-          <a:p>
-            <a:endParaRPr lang="en-IE" dirty="0"/>
-          </a:p>
-        </p:txBody>
-      </p:sp>
+        </p:nvPicPr>
+        <p:blipFill>
+          <a:blip r:embed="rId3">
+            <a:extLst>
+              <a:ext uri="{28A0092B-C50C-407E-A947-70E740481C1C}">
+                <a14:useLocalDpi xmlns:a14="http://schemas.microsoft.com/office/drawing/2010/main" val="0"/>
+              </a:ext>
+            </a:extLst>
+          </a:blip>
+          <a:stretch>
+            <a:fillRect/>
+          </a:stretch>
+        </p:blipFill>
+        <p:spPr>
+          <a:xfrm>
+            <a:off x="3674513" y="1825625"/>
+            <a:ext cx="4842973" cy="4351338"/>
+          </a:xfrm>
+          <a:prstGeom prst="snip2DiagRect">
+            <a:avLst/>
+          </a:prstGeom>
+          <a:solidFill>
+            <a:srgbClr val="FFFFFF">
+              <a:shade val="85000"/>
+            </a:srgbClr>
+          </a:solidFill>
+          <a:ln w="88900" cap="sq">
+            <a:solidFill>
+              <a:srgbClr val="FFFFFF"/>
+            </a:solidFill>
+            <a:miter lim="800000"/>
+          </a:ln>
+          <a:effectLst>
+            <a:outerShdw blurRad="88900" algn="tl" rotWithShape="0">
+              <a:srgbClr val="000000">
+                <a:alpha val="45000"/>
+              </a:srgbClr>
+            </a:outerShdw>
+          </a:effectLst>
+          <a:scene3d>
+            <a:camera prst="orthographicFront"/>
+            <a:lightRig rig="twoPt" dir="t">
+              <a:rot lat="0" lon="0" rev="7200000"/>
+            </a:lightRig>
+          </a:scene3d>
+          <a:sp3d>
+            <a:bevelT w="25400" h="19050"/>
+            <a:contourClr>
+              <a:srgbClr val="FFFFFF"/>
+            </a:contourClr>
+          </a:sp3d>
+        </p:spPr>
+      </p:pic>
     </p:spTree>
     <p:extLst>
       <p:ext uri="{BB962C8B-B14F-4D97-AF65-F5344CB8AC3E}">
@@ -12221,6 +12479,14 @@
 <file path=ppt/slides/slide8.xml><?xml version="1.0" encoding="utf-8"?>
 <p:sld xmlns:a="http://schemas.openxmlformats.org/drawingml/2006/main" xmlns:r="http://schemas.openxmlformats.org/officeDocument/2006/relationships" xmlns:p="http://schemas.openxmlformats.org/presentationml/2006/main">
   <p:cSld>
+    <p:bg>
+      <p:bgPr>
+        <a:solidFill>
+          <a:schemeClr val="bg1"/>
+        </a:solidFill>
+        <a:effectLst/>
+      </p:bgPr>
+    </p:bg>
     <p:spTree>
       <p:nvGrpSpPr>
         <p:cNvPr id="1" name=""/>
@@ -12237,6 +12503,416 @@
       </p:grpSpPr>
       <p:sp>
         <p:nvSpPr>
+          <p:cNvPr id="13" name="Freeform: Shape 12">
+            <a:extLst>
+              <a:ext uri="{FF2B5EF4-FFF2-40B4-BE49-F238E27FC236}">
+                <a16:creationId xmlns:a16="http://schemas.microsoft.com/office/drawing/2014/main" id="{3A74D71B-C3B6-4A46-A37E-131657159A28}"/>
+              </a:ext>
+            </a:extLst>
+          </p:cNvPr>
+          <p:cNvSpPr>
+            <a:spLocks noGrp="1" noRot="1" noChangeAspect="1" noMove="1" noResize="1" noEditPoints="1" noAdjustHandles="1" noChangeArrowheads="1" noChangeShapeType="1" noTextEdit="1"/>
+          </p:cNvSpPr>
+          <p:nvPr>
+            <p:extLst>
+              <p:ext uri="{386F3935-93C4-4BCD-93E2-E3B085C9AB24}">
+                <p16:designElem xmlns:p16="http://schemas.microsoft.com/office/powerpoint/2015/main" val="1"/>
+              </p:ext>
+            </p:extLst>
+          </p:nvPr>
+        </p:nvSpPr>
+        <p:spPr>
+          <a:xfrm>
+            <a:off x="6831955" y="5346696"/>
+            <a:ext cx="5360045" cy="1511304"/>
+          </a:xfrm>
+          <a:custGeom>
+            <a:avLst/>
+            <a:gdLst>
+              <a:gd name="connsiteX0" fmla="*/ 4545473 w 5360045"/>
+              <a:gd name="connsiteY0" fmla="*/ 0 h 1511304"/>
+              <a:gd name="connsiteX1" fmla="*/ 5360045 w 5360045"/>
+              <a:gd name="connsiteY1" fmla="*/ 0 h 1511304"/>
+              <a:gd name="connsiteX2" fmla="*/ 5360045 w 5360045"/>
+              <a:gd name="connsiteY2" fmla="*/ 1046730 h 1511304"/>
+              <a:gd name="connsiteX3" fmla="*/ 5360045 w 5360045"/>
+              <a:gd name="connsiteY3" fmla="*/ 1508760 h 1511304"/>
+              <a:gd name="connsiteX4" fmla="*/ 5360045 w 5360045"/>
+              <a:gd name="connsiteY4" fmla="*/ 1511304 h 1511304"/>
+              <a:gd name="connsiteX5" fmla="*/ 4545474 w 5360045"/>
+              <a:gd name="connsiteY5" fmla="*/ 1511304 h 1511304"/>
+              <a:gd name="connsiteX6" fmla="*/ 2525897 w 5360045"/>
+              <a:gd name="connsiteY6" fmla="*/ 1511304 h 1511304"/>
+              <a:gd name="connsiteX7" fmla="*/ 0 w 5360045"/>
+              <a:gd name="connsiteY7" fmla="*/ 1511304 h 1511304"/>
+              <a:gd name="connsiteX8" fmla="*/ 697617 w 5360045"/>
+              <a:gd name="connsiteY8" fmla="*/ 3 h 1511304"/>
+              <a:gd name="connsiteX9" fmla="*/ 4545473 w 5360045"/>
+              <a:gd name="connsiteY9" fmla="*/ 3 h 1511304"/>
+            </a:gdLst>
+            <a:ahLst/>
+            <a:cxnLst>
+              <a:cxn ang="0">
+                <a:pos x="connsiteX0" y="connsiteY0"/>
+              </a:cxn>
+              <a:cxn ang="0">
+                <a:pos x="connsiteX1" y="connsiteY1"/>
+              </a:cxn>
+              <a:cxn ang="0">
+                <a:pos x="connsiteX2" y="connsiteY2"/>
+              </a:cxn>
+              <a:cxn ang="0">
+                <a:pos x="connsiteX3" y="connsiteY3"/>
+              </a:cxn>
+              <a:cxn ang="0">
+                <a:pos x="connsiteX4" y="connsiteY4"/>
+              </a:cxn>
+              <a:cxn ang="0">
+                <a:pos x="connsiteX5" y="connsiteY5"/>
+              </a:cxn>
+              <a:cxn ang="0">
+                <a:pos x="connsiteX6" y="connsiteY6"/>
+              </a:cxn>
+              <a:cxn ang="0">
+                <a:pos x="connsiteX7" y="connsiteY7"/>
+              </a:cxn>
+              <a:cxn ang="0">
+                <a:pos x="connsiteX8" y="connsiteY8"/>
+              </a:cxn>
+              <a:cxn ang="0">
+                <a:pos x="connsiteX9" y="connsiteY9"/>
+              </a:cxn>
+            </a:cxnLst>
+            <a:rect l="l" t="t" r="r" b="b"/>
+            <a:pathLst>
+              <a:path w="5360045" h="1511304">
+                <a:moveTo>
+                  <a:pt x="4545473" y="0"/>
+                </a:moveTo>
+                <a:lnTo>
+                  <a:pt x="5360045" y="0"/>
+                </a:lnTo>
+                <a:lnTo>
+                  <a:pt x="5360045" y="1046730"/>
+                </a:lnTo>
+                <a:lnTo>
+                  <a:pt x="5360045" y="1508760"/>
+                </a:lnTo>
+                <a:lnTo>
+                  <a:pt x="5360045" y="1511304"/>
+                </a:lnTo>
+                <a:lnTo>
+                  <a:pt x="4545474" y="1511304"/>
+                </a:lnTo>
+                <a:lnTo>
+                  <a:pt x="2525897" y="1511304"/>
+                </a:lnTo>
+                <a:lnTo>
+                  <a:pt x="0" y="1511304"/>
+                </a:lnTo>
+                <a:lnTo>
+                  <a:pt x="697617" y="3"/>
+                </a:lnTo>
+                <a:lnTo>
+                  <a:pt x="4545473" y="3"/>
+                </a:lnTo>
+                <a:close/>
+              </a:path>
+            </a:pathLst>
+          </a:custGeom>
+          <a:solidFill>
+            <a:schemeClr val="tx1">
+              <a:lumMod val="75000"/>
+              <a:alpha val="85000"/>
+            </a:schemeClr>
+          </a:solidFill>
+          <a:ln>
+            <a:noFill/>
+          </a:ln>
+        </p:spPr>
+        <p:style>
+          <a:lnRef idx="2">
+            <a:schemeClr val="accent1">
+              <a:shade val="50000"/>
+            </a:schemeClr>
+          </a:lnRef>
+          <a:fillRef idx="1">
+            <a:schemeClr val="accent1"/>
+          </a:fillRef>
+          <a:effectRef idx="0">
+            <a:schemeClr val="accent1"/>
+          </a:effectRef>
+          <a:fontRef idx="minor">
+            <a:schemeClr val="lt1"/>
+          </a:fontRef>
+        </p:style>
+        <p:txBody>
+          <a:bodyPr wrap="square" rtlCol="0" anchor="ctr">
+            <a:noAutofit/>
+          </a:bodyPr>
+          <a:lstStyle/>
+          <a:p>
+            <a:pPr algn="ctr"/>
+            <a:endParaRPr lang="en-US"/>
+          </a:p>
+        </p:txBody>
+      </p:sp>
+      <p:sp>
+        <p:nvSpPr>
+          <p:cNvPr id="15" name="Freeform: Shape 14">
+            <a:extLst>
+              <a:ext uri="{FF2B5EF4-FFF2-40B4-BE49-F238E27FC236}">
+                <a16:creationId xmlns:a16="http://schemas.microsoft.com/office/drawing/2014/main" id="{7A5574B9-924B-4CF8-BD67-A50C72896EE6}"/>
+              </a:ext>
+            </a:extLst>
+          </p:cNvPr>
+          <p:cNvSpPr>
+            <a:spLocks noGrp="1" noRot="1" noChangeAspect="1" noMove="1" noResize="1" noEditPoints="1" noAdjustHandles="1" noChangeArrowheads="1" noChangeShapeType="1" noTextEdit="1"/>
+          </p:cNvSpPr>
+          <p:nvPr>
+            <p:extLst>
+              <p:ext uri="{386F3935-93C4-4BCD-93E2-E3B085C9AB24}">
+                <p16:designElem xmlns:p16="http://schemas.microsoft.com/office/powerpoint/2015/main" val="1"/>
+              </p:ext>
+            </p:extLst>
+          </p:nvPr>
+        </p:nvSpPr>
+        <p:spPr>
+          <a:xfrm>
+            <a:off x="0" y="5346694"/>
+            <a:ext cx="7346605" cy="1511306"/>
+          </a:xfrm>
+          <a:custGeom>
+            <a:avLst/>
+            <a:gdLst>
+              <a:gd name="connsiteX0" fmla="*/ 0 w 7346605"/>
+              <a:gd name="connsiteY0" fmla="*/ 0 h 1511306"/>
+              <a:gd name="connsiteX1" fmla="*/ 239486 w 7346605"/>
+              <a:gd name="connsiteY1" fmla="*/ 0 h 1511306"/>
+              <a:gd name="connsiteX2" fmla="*/ 1209568 w 7346605"/>
+              <a:gd name="connsiteY2" fmla="*/ 0 h 1511306"/>
+              <a:gd name="connsiteX3" fmla="*/ 2405743 w 7346605"/>
+              <a:gd name="connsiteY3" fmla="*/ 0 h 1511306"/>
+              <a:gd name="connsiteX4" fmla="*/ 2405743 w 7346605"/>
+              <a:gd name="connsiteY4" fmla="*/ 2544 h 1511306"/>
+              <a:gd name="connsiteX5" fmla="*/ 2801131 w 7346605"/>
+              <a:gd name="connsiteY5" fmla="*/ 2544 h 1511306"/>
+              <a:gd name="connsiteX6" fmla="*/ 2801131 w 7346605"/>
+              <a:gd name="connsiteY6" fmla="*/ 0 h 1511306"/>
+              <a:gd name="connsiteX7" fmla="*/ 7346605 w 7346605"/>
+              <a:gd name="connsiteY7" fmla="*/ 0 h 1511306"/>
+              <a:gd name="connsiteX8" fmla="*/ 6648988 w 7346605"/>
+              <a:gd name="connsiteY8" fmla="*/ 1511301 h 1511306"/>
+              <a:gd name="connsiteX9" fmla="*/ 2801132 w 7346605"/>
+              <a:gd name="connsiteY9" fmla="*/ 1511301 h 1511306"/>
+              <a:gd name="connsiteX10" fmla="*/ 2801132 w 7346605"/>
+              <a:gd name="connsiteY10" fmla="*/ 1511304 h 1511306"/>
+              <a:gd name="connsiteX11" fmla="*/ 2405743 w 7346605"/>
+              <a:gd name="connsiteY11" fmla="*/ 1511304 h 1511306"/>
+              <a:gd name="connsiteX12" fmla="*/ 2405743 w 7346605"/>
+              <a:gd name="connsiteY12" fmla="*/ 1511306 h 1511306"/>
+              <a:gd name="connsiteX13" fmla="*/ 1333411 w 7346605"/>
+              <a:gd name="connsiteY13" fmla="*/ 1511306 h 1511306"/>
+              <a:gd name="connsiteX14" fmla="*/ 1219208 w 7346605"/>
+              <a:gd name="connsiteY14" fmla="*/ 1511306 h 1511306"/>
+              <a:gd name="connsiteX15" fmla="*/ 1209568 w 7346605"/>
+              <a:gd name="connsiteY15" fmla="*/ 1511306 h 1511306"/>
+              <a:gd name="connsiteX16" fmla="*/ 239486 w 7346605"/>
+              <a:gd name="connsiteY16" fmla="*/ 1511306 h 1511306"/>
+              <a:gd name="connsiteX17" fmla="*/ 0 w 7346605"/>
+              <a:gd name="connsiteY17" fmla="*/ 1511306 h 1511306"/>
+            </a:gdLst>
+            <a:ahLst/>
+            <a:cxnLst>
+              <a:cxn ang="0">
+                <a:pos x="connsiteX0" y="connsiteY0"/>
+              </a:cxn>
+              <a:cxn ang="0">
+                <a:pos x="connsiteX1" y="connsiteY1"/>
+              </a:cxn>
+              <a:cxn ang="0">
+                <a:pos x="connsiteX2" y="connsiteY2"/>
+              </a:cxn>
+              <a:cxn ang="0">
+                <a:pos x="connsiteX3" y="connsiteY3"/>
+              </a:cxn>
+              <a:cxn ang="0">
+                <a:pos x="connsiteX4" y="connsiteY4"/>
+              </a:cxn>
+              <a:cxn ang="0">
+                <a:pos x="connsiteX5" y="connsiteY5"/>
+              </a:cxn>
+              <a:cxn ang="0">
+                <a:pos x="connsiteX6" y="connsiteY6"/>
+              </a:cxn>
+              <a:cxn ang="0">
+                <a:pos x="connsiteX7" y="connsiteY7"/>
+              </a:cxn>
+              <a:cxn ang="0">
+                <a:pos x="connsiteX8" y="connsiteY8"/>
+              </a:cxn>
+              <a:cxn ang="0">
+                <a:pos x="connsiteX9" y="connsiteY9"/>
+              </a:cxn>
+              <a:cxn ang="0">
+                <a:pos x="connsiteX10" y="connsiteY10"/>
+              </a:cxn>
+              <a:cxn ang="0">
+                <a:pos x="connsiteX11" y="connsiteY11"/>
+              </a:cxn>
+              <a:cxn ang="0">
+                <a:pos x="connsiteX12" y="connsiteY12"/>
+              </a:cxn>
+              <a:cxn ang="0">
+                <a:pos x="connsiteX13" y="connsiteY13"/>
+              </a:cxn>
+              <a:cxn ang="0">
+                <a:pos x="connsiteX14" y="connsiteY14"/>
+              </a:cxn>
+              <a:cxn ang="0">
+                <a:pos x="connsiteX15" y="connsiteY15"/>
+              </a:cxn>
+              <a:cxn ang="0">
+                <a:pos x="connsiteX16" y="connsiteY16"/>
+              </a:cxn>
+              <a:cxn ang="0">
+                <a:pos x="connsiteX17" y="connsiteY17"/>
+              </a:cxn>
+            </a:cxnLst>
+            <a:rect l="l" t="t" r="r" b="b"/>
+            <a:pathLst>
+              <a:path w="7346605" h="1511306">
+                <a:moveTo>
+                  <a:pt x="0" y="0"/>
+                </a:moveTo>
+                <a:lnTo>
+                  <a:pt x="239486" y="0"/>
+                </a:lnTo>
+                <a:lnTo>
+                  <a:pt x="1209568" y="0"/>
+                </a:lnTo>
+                <a:lnTo>
+                  <a:pt x="2405743" y="0"/>
+                </a:lnTo>
+                <a:lnTo>
+                  <a:pt x="2405743" y="2544"/>
+                </a:lnTo>
+                <a:lnTo>
+                  <a:pt x="2801131" y="2544"/>
+                </a:lnTo>
+                <a:lnTo>
+                  <a:pt x="2801131" y="0"/>
+                </a:lnTo>
+                <a:lnTo>
+                  <a:pt x="7346605" y="0"/>
+                </a:lnTo>
+                <a:lnTo>
+                  <a:pt x="6648988" y="1511301"/>
+                </a:lnTo>
+                <a:lnTo>
+                  <a:pt x="2801132" y="1511301"/>
+                </a:lnTo>
+                <a:lnTo>
+                  <a:pt x="2801132" y="1511304"/>
+                </a:lnTo>
+                <a:lnTo>
+                  <a:pt x="2405743" y="1511304"/>
+                </a:lnTo>
+                <a:lnTo>
+                  <a:pt x="2405743" y="1511306"/>
+                </a:lnTo>
+                <a:lnTo>
+                  <a:pt x="1333411" y="1511306"/>
+                </a:lnTo>
+                <a:lnTo>
+                  <a:pt x="1219208" y="1511306"/>
+                </a:lnTo>
+                <a:lnTo>
+                  <a:pt x="1209568" y="1511306"/>
+                </a:lnTo>
+                <a:lnTo>
+                  <a:pt x="239486" y="1511306"/>
+                </a:lnTo>
+                <a:lnTo>
+                  <a:pt x="0" y="1511306"/>
+                </a:lnTo>
+                <a:close/>
+              </a:path>
+            </a:pathLst>
+          </a:custGeom>
+          <a:solidFill>
+            <a:schemeClr val="bg1">
+              <a:lumMod val="75000"/>
+              <a:lumOff val="25000"/>
+            </a:schemeClr>
+          </a:solidFill>
+          <a:ln>
+            <a:noFill/>
+          </a:ln>
+        </p:spPr>
+        <p:style>
+          <a:lnRef idx="2">
+            <a:schemeClr val="accent1">
+              <a:shade val="50000"/>
+            </a:schemeClr>
+          </a:lnRef>
+          <a:fillRef idx="1">
+            <a:schemeClr val="accent1"/>
+          </a:fillRef>
+          <a:effectRef idx="0">
+            <a:schemeClr val="accent1"/>
+          </a:effectRef>
+          <a:fontRef idx="minor">
+            <a:schemeClr val="lt1"/>
+          </a:fontRef>
+        </p:style>
+        <p:txBody>
+          <a:bodyPr rtlCol="0" anchor="ctr"/>
+          <a:lstStyle/>
+          <a:p>
+            <a:pPr algn="ctr"/>
+            <a:endParaRPr lang="en-US"/>
+          </a:p>
+        </p:txBody>
+      </p:sp>
+      <p:pic>
+        <p:nvPicPr>
+          <p:cNvPr id="8" name="Content Placeholder 4">
+            <a:extLst>
+              <a:ext uri="{FF2B5EF4-FFF2-40B4-BE49-F238E27FC236}">
+                <a16:creationId xmlns:a16="http://schemas.microsoft.com/office/drawing/2014/main" id="{111B92B2-F599-40BB-A71E-EAD3B7745382}"/>
+              </a:ext>
+            </a:extLst>
+          </p:cNvPr>
+          <p:cNvPicPr>
+            <a:picLocks noChangeAspect="1"/>
+          </p:cNvPicPr>
+          <p:nvPr/>
+        </p:nvPicPr>
+        <p:blipFill>
+          <a:blip r:embed="rId3">
+            <a:extLst>
+              <a:ext uri="{28A0092B-C50C-407E-A947-70E740481C1C}">
+                <a14:useLocalDpi xmlns:a14="http://schemas.microsoft.com/office/drawing/2010/main" val="0"/>
+              </a:ext>
+            </a:extLst>
+          </a:blip>
+          <a:stretch>
+            <a:fillRect/>
+          </a:stretch>
+        </p:blipFill>
+        <p:spPr>
+          <a:xfrm>
+            <a:off x="950121" y="1726962"/>
+            <a:ext cx="5941068" cy="2465543"/>
+          </a:xfrm>
+          <a:prstGeom prst="rect">
+            <a:avLst/>
+          </a:prstGeom>
+        </p:spPr>
+      </p:pic>
+      <p:sp>
+        <p:nvSpPr>
           <p:cNvPr id="2" name="Title 1">
             <a:extLst>
               <a:ext uri="{FF2B5EF4-FFF2-40B4-BE49-F238E27FC236}">
@@ -12251,14 +12927,20 @@
             <p:ph type="title"/>
           </p:nvPr>
         </p:nvSpPr>
-        <p:spPr/>
+        <p:spPr>
+          <a:xfrm>
+            <a:off x="950121" y="5529884"/>
+            <a:ext cx="5693783" cy="1096331"/>
+          </a:xfrm>
+        </p:spPr>
         <p:txBody>
-          <a:bodyPr/>
+          <a:bodyPr>
+            <a:normAutofit/>
+          </a:bodyPr>
           <a:lstStyle/>
           <a:p>
-            <a:pPr algn="ctr"/>
             <a:r>
-              <a:rPr lang="en-IE" dirty="0"/>
+              <a:rPr lang="en-IE" sz="4000"/>
               <a:t>Aesthetics in Pathfinding</a:t>
             </a:r>
           </a:p>
@@ -12266,13 +12948,7 @@
       </p:sp>
       <p:sp>
         <p:nvSpPr>
-          <p:cNvPr id="3" name="Content Placeholder 2">
-            <a:extLst>
-              <a:ext uri="{FF2B5EF4-FFF2-40B4-BE49-F238E27FC236}">
-                <a16:creationId xmlns:a16="http://schemas.microsoft.com/office/drawing/2014/main" id="{2680BA17-47E7-4AB6-8EB6-3F0816B2E00B}"/>
-              </a:ext>
-            </a:extLst>
-          </p:cNvPr>
+          <p:cNvPr id="10" name="Content Placeholder 9"/>
           <p:cNvSpPr>
             <a:spLocks noGrp="1"/>
           </p:cNvSpPr>
@@ -12280,15 +12956,58 @@
             <p:ph idx="1"/>
           </p:nvPr>
         </p:nvSpPr>
-        <p:spPr/>
+        <p:spPr>
+          <a:xfrm>
+            <a:off x="7534655" y="965199"/>
+            <a:ext cx="4008101" cy="4020458"/>
+          </a:xfrm>
+        </p:spPr>
         <p:txBody>
-          <a:bodyPr/>
+          <a:bodyPr anchor="ctr">
+            <a:normAutofit/>
+          </a:bodyPr>
           <a:lstStyle/>
           <a:p>
-            <a:endParaRPr lang="en-IE"/>
+            <a:endParaRPr lang="en-US" sz="2000"/>
           </a:p>
         </p:txBody>
       </p:sp>
+      <p:cxnSp>
+        <p:nvCxnSpPr>
+          <p:cNvPr id="6" name="Straight Connector 5">
+            <a:extLst>
+              <a:ext uri="{FF2B5EF4-FFF2-40B4-BE49-F238E27FC236}">
+                <a16:creationId xmlns:a16="http://schemas.microsoft.com/office/drawing/2014/main" id="{A472A846-77D9-4E36-8D10-9293205B6B6E}"/>
+              </a:ext>
+            </a:extLst>
+          </p:cNvPr>
+          <p:cNvCxnSpPr/>
+          <p:nvPr/>
+        </p:nvCxnSpPr>
+        <p:spPr>
+          <a:xfrm>
+            <a:off x="688490" y="6390042"/>
+            <a:ext cx="5701553" cy="0"/>
+          </a:xfrm>
+          <a:prstGeom prst="line">
+            <a:avLst/>
+          </a:prstGeom>
+        </p:spPr>
+        <p:style>
+          <a:lnRef idx="1">
+            <a:schemeClr val="accent1"/>
+          </a:lnRef>
+          <a:fillRef idx="0">
+            <a:schemeClr val="accent1"/>
+          </a:fillRef>
+          <a:effectRef idx="0">
+            <a:schemeClr val="accent1"/>
+          </a:effectRef>
+          <a:fontRef idx="minor">
+            <a:schemeClr val="tx1"/>
+          </a:fontRef>
+        </p:style>
+      </p:cxnSp>
     </p:spTree>
     <p:extLst>
       <p:ext uri="{BB962C8B-B14F-4D97-AF65-F5344CB8AC3E}">
@@ -12305,6 +13024,14 @@
 <file path=ppt/slides/slide9.xml><?xml version="1.0" encoding="utf-8"?>
 <p:sld xmlns:a="http://schemas.openxmlformats.org/drawingml/2006/main" xmlns:r="http://schemas.openxmlformats.org/officeDocument/2006/relationships" xmlns:p="http://schemas.openxmlformats.org/presentationml/2006/main">
   <p:cSld>
+    <p:bg>
+      <p:bgPr>
+        <a:solidFill>
+          <a:schemeClr val="bg1"/>
+        </a:solidFill>
+        <a:effectLst/>
+      </p:bgPr>
+    </p:bg>
     <p:spTree>
       <p:nvGrpSpPr>
         <p:cNvPr id="1" name=""/>
@@ -12319,6 +13046,102 @@
           <a:chExt cx="0" cy="0"/>
         </a:xfrm>
       </p:grpSpPr>
+      <p:pic>
+        <p:nvPicPr>
+          <p:cNvPr id="5" name="Content Placeholder 4">
+            <a:extLst>
+              <a:ext uri="{FF2B5EF4-FFF2-40B4-BE49-F238E27FC236}">
+                <a16:creationId xmlns:a16="http://schemas.microsoft.com/office/drawing/2014/main" id="{D0F9C3A7-DA29-4AFB-8987-639988807256}"/>
+              </a:ext>
+            </a:extLst>
+          </p:cNvPr>
+          <p:cNvPicPr>
+            <a:picLocks noGrp="1" noChangeAspect="1"/>
+          </p:cNvPicPr>
+          <p:nvPr>
+            <p:ph idx="1"/>
+          </p:nvPr>
+        </p:nvPicPr>
+        <p:blipFill rotWithShape="1">
+          <a:blip r:embed="rId3">
+            <a:extLst>
+              <a:ext uri="{28A0092B-C50C-407E-A947-70E740481C1C}">
+                <a14:useLocalDpi xmlns:a14="http://schemas.microsoft.com/office/drawing/2010/main" val="0"/>
+              </a:ext>
+            </a:extLst>
+          </a:blip>
+          <a:stretch/>
+        </p:blipFill>
+        <p:spPr>
+          <a:xfrm>
+            <a:off x="19" y="-1"/>
+            <a:ext cx="12191981" cy="8509299"/>
+          </a:xfrm>
+          <a:prstGeom prst="rect">
+            <a:avLst/>
+          </a:prstGeom>
+        </p:spPr>
+      </p:pic>
+      <p:sp>
+        <p:nvSpPr>
+          <p:cNvPr id="10" name="Flowchart: Document 9">
+            <a:extLst>
+              <a:ext uri="{FF2B5EF4-FFF2-40B4-BE49-F238E27FC236}">
+                <a16:creationId xmlns:a16="http://schemas.microsoft.com/office/drawing/2014/main" id="{DC2093B8-434D-4647-B88F-585772BEFB84}"/>
+              </a:ext>
+            </a:extLst>
+          </p:cNvPr>
+          <p:cNvSpPr>
+            <a:spLocks noGrp="1" noRot="1" noChangeAspect="1" noMove="1" noResize="1" noEditPoints="1" noAdjustHandles="1" noChangeArrowheads="1" noChangeShapeType="1" noTextEdit="1"/>
+          </p:cNvSpPr>
+          <p:nvPr>
+            <p:extLst>
+              <p:ext uri="{386F3935-93C4-4BCD-93E2-E3B085C9AB24}">
+                <p16:designElem xmlns:p16="http://schemas.microsoft.com/office/powerpoint/2015/main" val="1"/>
+              </p:ext>
+            </p:extLst>
+          </p:nvPr>
+        </p:nvSpPr>
+        <p:spPr>
+          <a:xfrm>
+            <a:off x="638175" y="0"/>
+            <a:ext cx="3248025" cy="3400426"/>
+          </a:xfrm>
+          <a:prstGeom prst="flowChartDocument">
+            <a:avLst/>
+          </a:prstGeom>
+          <a:solidFill>
+            <a:schemeClr val="accent1"/>
+          </a:solidFill>
+          <a:ln>
+            <a:noFill/>
+          </a:ln>
+        </p:spPr>
+        <p:style>
+          <a:lnRef idx="2">
+            <a:schemeClr val="accent1">
+              <a:shade val="50000"/>
+            </a:schemeClr>
+          </a:lnRef>
+          <a:fillRef idx="1">
+            <a:schemeClr val="accent1"/>
+          </a:fillRef>
+          <a:effectRef idx="0">
+            <a:schemeClr val="accent1"/>
+          </a:effectRef>
+          <a:fontRef idx="minor">
+            <a:schemeClr val="lt1"/>
+          </a:fontRef>
+        </p:style>
+        <p:txBody>
+          <a:bodyPr rtlCol="0" anchor="ctr"/>
+          <a:lstStyle/>
+          <a:p>
+            <a:pPr algn="ctr"/>
+            <a:endParaRPr lang="en-US"/>
+          </a:p>
+        </p:txBody>
+      </p:sp>
       <p:sp>
         <p:nvSpPr>
           <p:cNvPr id="2" name="Title 1">
@@ -12335,44 +13158,26 @@
             <p:ph type="title"/>
           </p:nvPr>
         </p:nvSpPr>
-        <p:spPr/>
+        <p:spPr>
+          <a:xfrm>
+            <a:off x="924128" y="365125"/>
+            <a:ext cx="2507561" cy="2232160"/>
+          </a:xfrm>
+        </p:spPr>
         <p:txBody>
-          <a:bodyPr/>
+          <a:bodyPr vert="horz" lIns="91440" tIns="45720" rIns="91440" bIns="45720" rtlCol="0" anchor="ctr">
+            <a:normAutofit/>
+          </a:bodyPr>
           <a:lstStyle/>
           <a:p>
-            <a:pPr algn="ctr"/>
             <a:r>
-              <a:rPr lang="en-IE" dirty="0"/>
+              <a:rPr lang="en-US" sz="4000" dirty="0">
+                <a:solidFill>
+                  <a:srgbClr val="FFFFFF"/>
+                </a:solidFill>
+              </a:rPr>
               <a:t>MACHINE LEARNING</a:t>
             </a:r>
-          </a:p>
-        </p:txBody>
-      </p:sp>
-      <p:sp>
-        <p:nvSpPr>
-          <p:cNvPr id="3" name="Content Placeholder 2">
-            <a:extLst>
-              <a:ext uri="{FF2B5EF4-FFF2-40B4-BE49-F238E27FC236}">
-                <a16:creationId xmlns:a16="http://schemas.microsoft.com/office/drawing/2014/main" id="{EE94D4E3-C5F0-4EB9-9BB3-DEEABEBFC138}"/>
-              </a:ext>
-            </a:extLst>
-          </p:cNvPr>
-          <p:cNvSpPr>
-            <a:spLocks noGrp="1"/>
-          </p:cNvSpPr>
-          <p:nvPr>
-            <p:ph idx="1"/>
-          </p:nvPr>
-        </p:nvSpPr>
-        <p:spPr/>
-        <p:txBody>
-          <a:bodyPr/>
-          <a:lstStyle/>
-          <a:p>
-            <a:pPr marL="0" indent="0">
-              <a:buNone/>
-            </a:pPr>
-            <a:endParaRPr lang="en-IE" dirty="0"/>
           </a:p>
         </p:txBody>
       </p:sp>
@@ -12384,7 +13189,7 @@
     </p:extLst>
   </p:cSld>
   <p:clrMapOvr>
-    <a:masterClrMapping/>
+    <a:overrideClrMapping bg1="lt1" tx1="dk1" bg2="lt2" tx2="dk2" accent1="accent1" accent2="accent2" accent3="accent3" accent4="accent4" accent5="accent5" accent6="accent6" hlink="hlink" folHlink="folHlink"/>
   </p:clrMapOvr>
 </p:sld>
 </file>
